--- a/docs/Training/Training_Material.pptx
+++ b/docs/Training/Training_Material.pptx
@@ -5,27 +5,28 @@
     <p:sldMasterId id="2147483648" r:id="rId1"/>
   </p:sldMasterIdLst>
   <p:notesMasterIdLst>
-    <p:notesMasterId r:id="rId20"/>
+    <p:notesMasterId r:id="rId21"/>
   </p:notesMasterIdLst>
   <p:sldIdLst>
     <p:sldId id="279" r:id="rId2"/>
-    <p:sldId id="280" r:id="rId3"/>
-    <p:sldId id="281" r:id="rId4"/>
-    <p:sldId id="259" r:id="rId5"/>
-    <p:sldId id="263" r:id="rId6"/>
-    <p:sldId id="258" r:id="rId7"/>
-    <p:sldId id="266" r:id="rId8"/>
-    <p:sldId id="273" r:id="rId9"/>
-    <p:sldId id="260" r:id="rId10"/>
-    <p:sldId id="261" r:id="rId11"/>
-    <p:sldId id="274" r:id="rId12"/>
-    <p:sldId id="275" r:id="rId13"/>
-    <p:sldId id="282" r:id="rId14"/>
-    <p:sldId id="276" r:id="rId15"/>
-    <p:sldId id="277" r:id="rId16"/>
-    <p:sldId id="262" r:id="rId17"/>
-    <p:sldId id="264" r:id="rId18"/>
-    <p:sldId id="278" r:id="rId19"/>
+    <p:sldId id="257" r:id="rId3"/>
+    <p:sldId id="280" r:id="rId4"/>
+    <p:sldId id="281" r:id="rId5"/>
+    <p:sldId id="259" r:id="rId6"/>
+    <p:sldId id="263" r:id="rId7"/>
+    <p:sldId id="258" r:id="rId8"/>
+    <p:sldId id="266" r:id="rId9"/>
+    <p:sldId id="273" r:id="rId10"/>
+    <p:sldId id="260" r:id="rId11"/>
+    <p:sldId id="261" r:id="rId12"/>
+    <p:sldId id="274" r:id="rId13"/>
+    <p:sldId id="275" r:id="rId14"/>
+    <p:sldId id="282" r:id="rId15"/>
+    <p:sldId id="276" r:id="rId16"/>
+    <p:sldId id="277" r:id="rId17"/>
+    <p:sldId id="262" r:id="rId18"/>
+    <p:sldId id="264" r:id="rId19"/>
+    <p:sldId id="278" r:id="rId20"/>
   </p:sldIdLst>
   <p:sldSz cx="12192000" cy="6858000"/>
   <p:notesSz cx="6858000" cy="9144000"/>
@@ -11282,7 +11283,7 @@
           <a:p>
             <a:fld id="{30B3C7E8-375D-401E-BEC1-10CE8D38D293}" type="datetimeFigureOut">
               <a:rPr lang="en-GB" smtClean="0"/>
-              <a:t>25/05/2023</a:t>
+              <a:t>08/07/2023</a:t>
             </a:fld>
             <a:endParaRPr lang="en-GB"/>
           </a:p>
@@ -11594,6 +11595,186 @@
           <a:bodyPr/>
           <a:lstStyle/>
           <a:p>
+            <a:r>
+              <a:rPr lang="en-GB" b="0" i="0" dirty="0">
+                <a:solidFill>
+                  <a:srgbClr val="000000"/>
+                </a:solidFill>
+                <a:effectLst/>
+                <a:latin typeface="Open Sans" panose="020B0606030504020204" pitchFamily="34" charset="0"/>
+              </a:rPr>
+              <a:t>ASIC = Application Specific Integrated Circuit</a:t>
+            </a:r>
+          </a:p>
+          <a:p>
+            <a:endParaRPr lang="en-GB" b="0" i="0" dirty="0">
+              <a:solidFill>
+                <a:srgbClr val="000000"/>
+              </a:solidFill>
+              <a:effectLst/>
+              <a:latin typeface="Open Sans" panose="020B0606030504020204" pitchFamily="34" charset="0"/>
+            </a:endParaRPr>
+          </a:p>
+          <a:p>
+            <a:r>
+              <a:rPr lang="en-GB" b="0" i="0" dirty="0">
+                <a:solidFill>
+                  <a:srgbClr val="000000"/>
+                </a:solidFill>
+                <a:effectLst/>
+                <a:latin typeface="Open Sans" panose="020B0606030504020204" pitchFamily="34" charset="0"/>
+              </a:rPr>
+              <a:t>In Gate Array based ASICs, p and n types transistors are predefined on a silicon wafer as arrays.</a:t>
+            </a:r>
+          </a:p>
+          <a:p>
+            <a:pPr marL="171450" indent="-171450">
+              <a:buFont typeface="Arial" panose="020B0604020202020204" pitchFamily="34" charset="0"/>
+              <a:buChar char="•"/>
+            </a:pPr>
+            <a:r>
+              <a:rPr lang="en-GB" b="0" i="0" dirty="0">
+                <a:solidFill>
+                  <a:srgbClr val="000000"/>
+                </a:solidFill>
+                <a:effectLst/>
+                <a:latin typeface="Open Sans" panose="020B0606030504020204" pitchFamily="34" charset="0"/>
+              </a:rPr>
+              <a:t>In channelled gate arrays, the interconnections between the logic cells are performed within the predefined channels between the rows of the logic cells.</a:t>
+            </a:r>
+          </a:p>
+          <a:p>
+            <a:pPr marL="171450" indent="-171450">
+              <a:buFont typeface="Arial" panose="020B0604020202020204" pitchFamily="34" charset="0"/>
+              <a:buChar char="•"/>
+            </a:pPr>
+            <a:r>
+              <a:rPr lang="en-GB" b="0" i="0" dirty="0">
+                <a:solidFill>
+                  <a:srgbClr val="000000"/>
+                </a:solidFill>
+                <a:effectLst/>
+                <a:latin typeface="Open Sans" panose="020B0606030504020204" pitchFamily="34" charset="0"/>
+              </a:rPr>
+              <a:t>In channel-less gate arrays, the connections are made on an upper metal layer on top of the logic cells.</a:t>
+            </a:r>
+          </a:p>
+          <a:p>
+            <a:pPr marL="0" indent="0">
+              <a:buFont typeface="Arial" panose="020B0604020202020204" pitchFamily="34" charset="0"/>
+              <a:buNone/>
+            </a:pPr>
+            <a:endParaRPr lang="en-GB" b="0" i="0" dirty="0">
+              <a:solidFill>
+                <a:srgbClr val="000000"/>
+              </a:solidFill>
+              <a:effectLst/>
+              <a:latin typeface="Open Sans" panose="020B0606030504020204" pitchFamily="34" charset="0"/>
+            </a:endParaRPr>
+          </a:p>
+          <a:p>
+            <a:pPr marL="0" indent="0">
+              <a:buFont typeface="Arial" panose="020B0604020202020204" pitchFamily="34" charset="0"/>
+              <a:buNone/>
+            </a:pPr>
+            <a:r>
+              <a:rPr lang="en-GB" b="0" i="0" dirty="0">
+                <a:solidFill>
+                  <a:srgbClr val="000000"/>
+                </a:solidFill>
+                <a:effectLst/>
+                <a:latin typeface="Open Sans" panose="020B0606030504020204" pitchFamily="34" charset="0"/>
+              </a:rPr>
+              <a:t>A Standard Cell based ASIC uses predesigned logic cells like Gates, Multiplexers, Flip-flops, Adders etc.</a:t>
+            </a:r>
+          </a:p>
+          <a:p>
+            <a:pPr marL="171450" indent="-171450">
+              <a:buFont typeface="Arial" panose="020B0604020202020204" pitchFamily="34" charset="0"/>
+              <a:buChar char="•"/>
+            </a:pPr>
+            <a:r>
+              <a:rPr lang="en-GB" b="0" i="0" dirty="0">
+                <a:solidFill>
+                  <a:srgbClr val="000000"/>
+                </a:solidFill>
+                <a:effectLst/>
+                <a:latin typeface="Open Sans" panose="020B0606030504020204" pitchFamily="34" charset="0"/>
+              </a:rPr>
+              <a:t>These logic cells are known as Standard Cells that are already designed and stored in a library.</a:t>
+            </a:r>
+          </a:p>
+          <a:p>
+            <a:pPr marL="171450" indent="-171450">
+              <a:buFont typeface="Arial" panose="020B0604020202020204" pitchFamily="34" charset="0"/>
+              <a:buChar char="•"/>
+            </a:pPr>
+            <a:r>
+              <a:rPr lang="en-GB" b="0" i="0" dirty="0">
+                <a:solidFill>
+                  <a:srgbClr val="000000"/>
+                </a:solidFill>
+                <a:effectLst/>
+                <a:latin typeface="Open Sans" panose="020B0606030504020204" pitchFamily="34" charset="0"/>
+              </a:rPr>
+              <a:t>This library is imported into the CAD tool and the design can performed using the components of the library as inputs.</a:t>
+            </a:r>
+          </a:p>
+          <a:p>
+            <a:pPr marL="171450" indent="-171450">
+              <a:buFont typeface="Arial" panose="020B0604020202020204" pitchFamily="34" charset="0"/>
+              <a:buChar char="•"/>
+            </a:pPr>
+            <a:r>
+              <a:rPr lang="en-GB" b="0" i="0" dirty="0">
+                <a:solidFill>
+                  <a:srgbClr val="000000"/>
+                </a:solidFill>
+                <a:effectLst/>
+                <a:latin typeface="Open Sans" panose="020B0606030504020204" pitchFamily="34" charset="0"/>
+              </a:rPr>
+              <a:t>The standard cell design may also contain a larger and more complex predesigned cells like Microcontrollers or Microprocessors. These larger cells of “hard IP” are called as </a:t>
+            </a:r>
+            <a:r>
+              <a:rPr lang="en-GB" b="0" i="0" dirty="0" err="1">
+                <a:solidFill>
+                  <a:srgbClr val="000000"/>
+                </a:solidFill>
+                <a:effectLst/>
+                <a:latin typeface="Open Sans" panose="020B0606030504020204" pitchFamily="34" charset="0"/>
+              </a:rPr>
+              <a:t>Megacells</a:t>
+            </a:r>
+            <a:r>
+              <a:rPr lang="en-GB" b="0" i="0" dirty="0">
+                <a:solidFill>
+                  <a:srgbClr val="000000"/>
+                </a:solidFill>
+                <a:effectLst/>
+                <a:latin typeface="Open Sans" panose="020B0606030504020204" pitchFamily="34" charset="0"/>
+              </a:rPr>
+              <a:t> or </a:t>
+            </a:r>
+            <a:r>
+              <a:rPr lang="en-GB" b="0" i="0" dirty="0" err="1">
+                <a:solidFill>
+                  <a:srgbClr val="000000"/>
+                </a:solidFill>
+                <a:effectLst/>
+                <a:latin typeface="Open Sans" panose="020B0606030504020204" pitchFamily="34" charset="0"/>
+              </a:rPr>
+              <a:t>Macrocells</a:t>
+            </a:r>
+            <a:r>
+              <a:rPr lang="en-GB" b="0" i="0" dirty="0">
+                <a:solidFill>
+                  <a:srgbClr val="000000"/>
+                </a:solidFill>
+                <a:effectLst/>
+                <a:latin typeface="Open Sans" panose="020B0606030504020204" pitchFamily="34" charset="0"/>
+              </a:rPr>
+              <a:t>.</a:t>
+            </a:r>
             <a:endParaRPr lang="en-GB" dirty="0"/>
           </a:p>
         </p:txBody>
@@ -11613,9 +11794,9 @@
           <a:bodyPr/>
           <a:lstStyle/>
           <a:p>
-            <a:fld id="{7D9EF20E-B7ED-461B-ADE6-9FFCA918F876}" type="slidenum">
+            <a:fld id="{2561BA8C-D5F1-4D0F-81BC-D583BE7165EE}" type="slidenum">
               <a:rPr lang="en-GB" smtClean="0"/>
-              <a:t>8</a:t>
+              <a:t>2</a:t>
             </a:fld>
             <a:endParaRPr lang="en-GB"/>
           </a:p>
@@ -11624,7 +11805,7 @@
     </p:spTree>
     <p:extLst>
       <p:ext uri="{BB962C8B-B14F-4D97-AF65-F5344CB8AC3E}">
-        <p14:creationId xmlns:p14="http://schemas.microsoft.com/office/powerpoint/2010/main" val="3828587114"/>
+        <p14:creationId xmlns:p14="http://schemas.microsoft.com/office/powerpoint/2010/main" val="344525706"/>
       </p:ext>
     </p:extLst>
   </p:cSld>
@@ -11699,7 +11880,91 @@
           <a:p>
             <a:fld id="{7D9EF20E-B7ED-461B-ADE6-9FFCA918F876}" type="slidenum">
               <a:rPr lang="en-GB" smtClean="0"/>
-              <a:t>11</a:t>
+              <a:t>9</a:t>
+            </a:fld>
+            <a:endParaRPr lang="en-GB"/>
+          </a:p>
+        </p:txBody>
+      </p:sp>
+    </p:spTree>
+    <p:extLst>
+      <p:ext uri="{BB962C8B-B14F-4D97-AF65-F5344CB8AC3E}">
+        <p14:creationId xmlns:p14="http://schemas.microsoft.com/office/powerpoint/2010/main" val="3828587114"/>
+      </p:ext>
+    </p:extLst>
+  </p:cSld>
+  <p:clrMapOvr>
+    <a:masterClrMapping/>
+  </p:clrMapOvr>
+</p:notes>
+</file>
+
+<file path=ppt/notesSlides/notesSlide3.xml><?xml version="1.0" encoding="utf-8"?>
+<p:notes xmlns:a="http://schemas.openxmlformats.org/drawingml/2006/main" xmlns:r="http://schemas.openxmlformats.org/officeDocument/2006/relationships" xmlns:p="http://schemas.openxmlformats.org/presentationml/2006/main">
+  <p:cSld>
+    <p:spTree>
+      <p:nvGrpSpPr>
+        <p:cNvPr id="1" name=""/>
+        <p:cNvGrpSpPr/>
+        <p:nvPr/>
+      </p:nvGrpSpPr>
+      <p:grpSpPr>
+        <a:xfrm>
+          <a:off x="0" y="0"/>
+          <a:ext cx="0" cy="0"/>
+          <a:chOff x="0" y="0"/>
+          <a:chExt cx="0" cy="0"/>
+        </a:xfrm>
+      </p:grpSpPr>
+      <p:sp>
+        <p:nvSpPr>
+          <p:cNvPr id="2" name="Slide Image Placeholder 1"/>
+          <p:cNvSpPr>
+            <a:spLocks noGrp="1" noRot="1" noChangeAspect="1"/>
+          </p:cNvSpPr>
+          <p:nvPr>
+            <p:ph type="sldImg"/>
+          </p:nvPr>
+        </p:nvSpPr>
+        <p:spPr/>
+      </p:sp>
+      <p:sp>
+        <p:nvSpPr>
+          <p:cNvPr id="3" name="Notes Placeholder 2"/>
+          <p:cNvSpPr>
+            <a:spLocks noGrp="1"/>
+          </p:cNvSpPr>
+          <p:nvPr>
+            <p:ph type="body" idx="1"/>
+          </p:nvPr>
+        </p:nvSpPr>
+        <p:spPr/>
+        <p:txBody>
+          <a:bodyPr/>
+          <a:lstStyle/>
+          <a:p>
+            <a:endParaRPr lang="en-GB" dirty="0"/>
+          </a:p>
+        </p:txBody>
+      </p:sp>
+      <p:sp>
+        <p:nvSpPr>
+          <p:cNvPr id="4" name="Slide Number Placeholder 3"/>
+          <p:cNvSpPr>
+            <a:spLocks noGrp="1"/>
+          </p:cNvSpPr>
+          <p:nvPr>
+            <p:ph type="sldNum" sz="quarter" idx="5"/>
+          </p:nvPr>
+        </p:nvSpPr>
+        <p:spPr/>
+        <p:txBody>
+          <a:bodyPr/>
+          <a:lstStyle/>
+          <a:p>
+            <a:fld id="{7D9EF20E-B7ED-461B-ADE6-9FFCA918F876}" type="slidenum">
+              <a:rPr lang="en-GB" smtClean="0"/>
+              <a:t>12</a:t>
             </a:fld>
             <a:endParaRPr lang="en-GB"/>
           </a:p>
@@ -11867,7 +12132,7 @@
           <a:p>
             <a:fld id="{17AE5EF1-79CE-4930-A913-038157A37917}" type="datetimeFigureOut">
               <a:rPr lang="en-GB" smtClean="0"/>
-              <a:t>25/05/2023</a:t>
+              <a:t>08/07/2023</a:t>
             </a:fld>
             <a:endParaRPr lang="en-GB"/>
           </a:p>
@@ -12067,7 +12332,7 @@
           <a:p>
             <a:fld id="{17AE5EF1-79CE-4930-A913-038157A37917}" type="datetimeFigureOut">
               <a:rPr lang="en-GB" smtClean="0"/>
-              <a:t>25/05/2023</a:t>
+              <a:t>08/07/2023</a:t>
             </a:fld>
             <a:endParaRPr lang="en-GB"/>
           </a:p>
@@ -12277,7 +12542,7 @@
           <a:p>
             <a:fld id="{17AE5EF1-79CE-4930-A913-038157A37917}" type="datetimeFigureOut">
               <a:rPr lang="en-GB" smtClean="0"/>
-              <a:t>25/05/2023</a:t>
+              <a:t>08/07/2023</a:t>
             </a:fld>
             <a:endParaRPr lang="en-GB"/>
           </a:p>
@@ -12477,7 +12742,7 @@
           <a:p>
             <a:fld id="{17AE5EF1-79CE-4930-A913-038157A37917}" type="datetimeFigureOut">
               <a:rPr lang="en-GB" smtClean="0"/>
-              <a:t>25/05/2023</a:t>
+              <a:t>08/07/2023</a:t>
             </a:fld>
             <a:endParaRPr lang="en-GB"/>
           </a:p>
@@ -12753,7 +13018,7 @@
           <a:p>
             <a:fld id="{17AE5EF1-79CE-4930-A913-038157A37917}" type="datetimeFigureOut">
               <a:rPr lang="en-GB" smtClean="0"/>
-              <a:t>25/05/2023</a:t>
+              <a:t>08/07/2023</a:t>
             </a:fld>
             <a:endParaRPr lang="en-GB"/>
           </a:p>
@@ -13021,7 +13286,7 @@
           <a:p>
             <a:fld id="{17AE5EF1-79CE-4930-A913-038157A37917}" type="datetimeFigureOut">
               <a:rPr lang="en-GB" smtClean="0"/>
-              <a:t>25/05/2023</a:t>
+              <a:t>08/07/2023</a:t>
             </a:fld>
             <a:endParaRPr lang="en-GB"/>
           </a:p>
@@ -13436,7 +13701,7 @@
           <a:p>
             <a:fld id="{17AE5EF1-79CE-4930-A913-038157A37917}" type="datetimeFigureOut">
               <a:rPr lang="en-GB" smtClean="0"/>
-              <a:t>25/05/2023</a:t>
+              <a:t>08/07/2023</a:t>
             </a:fld>
             <a:endParaRPr lang="en-GB"/>
           </a:p>
@@ -13578,7 +13843,7 @@
           <a:p>
             <a:fld id="{17AE5EF1-79CE-4930-A913-038157A37917}" type="datetimeFigureOut">
               <a:rPr lang="en-GB" smtClean="0"/>
-              <a:t>25/05/2023</a:t>
+              <a:t>08/07/2023</a:t>
             </a:fld>
             <a:endParaRPr lang="en-GB"/>
           </a:p>
@@ -13691,7 +13956,7 @@
           <a:p>
             <a:fld id="{17AE5EF1-79CE-4930-A913-038157A37917}" type="datetimeFigureOut">
               <a:rPr lang="en-GB" smtClean="0"/>
-              <a:t>25/05/2023</a:t>
+              <a:t>08/07/2023</a:t>
             </a:fld>
             <a:endParaRPr lang="en-GB"/>
           </a:p>
@@ -14004,7 +14269,7 @@
           <a:p>
             <a:fld id="{17AE5EF1-79CE-4930-A913-038157A37917}" type="datetimeFigureOut">
               <a:rPr lang="en-GB" smtClean="0"/>
-              <a:t>25/05/2023</a:t>
+              <a:t>08/07/2023</a:t>
             </a:fld>
             <a:endParaRPr lang="en-GB"/>
           </a:p>
@@ -14293,7 +14558,7 @@
           <a:p>
             <a:fld id="{17AE5EF1-79CE-4930-A913-038157A37917}" type="datetimeFigureOut">
               <a:rPr lang="en-GB" smtClean="0"/>
-              <a:t>25/05/2023</a:t>
+              <a:t>08/07/2023</a:t>
             </a:fld>
             <a:endParaRPr lang="en-GB"/>
           </a:p>
@@ -14536,7 +14801,7 @@
           <a:p>
             <a:fld id="{17AE5EF1-79CE-4930-A913-038157A37917}" type="datetimeFigureOut">
               <a:rPr lang="en-GB" smtClean="0"/>
-              <a:t>25/05/2023</a:t>
+              <a:t>08/07/2023</a:t>
             </a:fld>
             <a:endParaRPr lang="en-GB"/>
           </a:p>
@@ -15131,6 +15396,857 @@
 </file>
 
 <file path=ppt/slides/slide10.xml><?xml version="1.0" encoding="utf-8"?>
+<p:sld xmlns:a="http://schemas.openxmlformats.org/drawingml/2006/main" xmlns:r="http://schemas.openxmlformats.org/officeDocument/2006/relationships" xmlns:p="http://schemas.openxmlformats.org/presentationml/2006/main">
+  <p:cSld>
+    <p:spTree>
+      <p:nvGrpSpPr>
+        <p:cNvPr id="1" name=""/>
+        <p:cNvGrpSpPr/>
+        <p:nvPr/>
+      </p:nvGrpSpPr>
+      <p:grpSpPr>
+        <a:xfrm>
+          <a:off x="0" y="0"/>
+          <a:ext cx="0" cy="0"/>
+          <a:chOff x="0" y="0"/>
+          <a:chExt cx="0" cy="0"/>
+        </a:xfrm>
+      </p:grpSpPr>
+      <p:sp>
+        <p:nvSpPr>
+          <p:cNvPr id="2" name="Title 1">
+            <a:extLst>
+              <a:ext uri="{FF2B5EF4-FFF2-40B4-BE49-F238E27FC236}">
+                <a16:creationId xmlns:a16="http://schemas.microsoft.com/office/drawing/2014/main" id="{1AC0F813-A134-4D05-8322-4F11427E6BE9}"/>
+              </a:ext>
+            </a:extLst>
+          </p:cNvPr>
+          <p:cNvSpPr>
+            <a:spLocks noGrp="1"/>
+          </p:cNvSpPr>
+          <p:nvPr>
+            <p:ph type="title"/>
+          </p:nvPr>
+        </p:nvSpPr>
+        <p:spPr/>
+        <p:txBody>
+          <a:bodyPr/>
+          <a:lstStyle/>
+          <a:p>
+            <a:r>
+              <a:rPr lang="en-GB" dirty="0"/>
+              <a:t>Simulation Setup</a:t>
+            </a:r>
+          </a:p>
+        </p:txBody>
+      </p:sp>
+      <p:sp>
+        <p:nvSpPr>
+          <p:cNvPr id="57" name="Content Placeholder 56">
+            <a:extLst>
+              <a:ext uri="{FF2B5EF4-FFF2-40B4-BE49-F238E27FC236}">
+                <a16:creationId xmlns:a16="http://schemas.microsoft.com/office/drawing/2014/main" id="{3169195E-118B-7804-1A1B-4E1FCB8AEAD8}"/>
+              </a:ext>
+            </a:extLst>
+          </p:cNvPr>
+          <p:cNvSpPr>
+            <a:spLocks noGrp="1"/>
+          </p:cNvSpPr>
+          <p:nvPr>
+            <p:ph sz="half" idx="1"/>
+          </p:nvPr>
+        </p:nvSpPr>
+        <p:spPr/>
+        <p:txBody>
+          <a:bodyPr/>
+          <a:lstStyle/>
+          <a:p>
+            <a:r>
+              <a:rPr lang="en-GB" dirty="0"/>
+              <a:t>The main test stimulus is provided by a clickable GUI</a:t>
+            </a:r>
+          </a:p>
+          <a:p>
+            <a:pPr lvl="1"/>
+            <a:r>
+              <a:rPr lang="en-GB" dirty="0"/>
+              <a:t>4 buttons</a:t>
+            </a:r>
+          </a:p>
+          <a:p>
+            <a:pPr lvl="1"/>
+            <a:r>
+              <a:rPr lang="en-GB" dirty="0"/>
+              <a:t>3 LEDs</a:t>
+            </a:r>
+          </a:p>
+          <a:p>
+            <a:r>
+              <a:rPr lang="en-GB" dirty="0"/>
+              <a:t>The GUI interacts with a VHDL test bench</a:t>
+            </a:r>
+          </a:p>
+          <a:p>
+            <a:pPr lvl="1"/>
+            <a:r>
+              <a:rPr lang="en-GB" dirty="0"/>
+              <a:t>But you don’t need to see it.</a:t>
+            </a:r>
+          </a:p>
+          <a:p>
+            <a:r>
+              <a:rPr lang="en-GB" dirty="0"/>
+              <a:t>The simulation wave window then needs to be used to debug the design</a:t>
+            </a:r>
+          </a:p>
+        </p:txBody>
+      </p:sp>
+      <p:grpSp>
+        <p:nvGrpSpPr>
+          <p:cNvPr id="39" name="Group 38">
+            <a:extLst>
+              <a:ext uri="{FF2B5EF4-FFF2-40B4-BE49-F238E27FC236}">
+                <a16:creationId xmlns:a16="http://schemas.microsoft.com/office/drawing/2014/main" id="{06BE1162-1542-8E6B-BAC8-8F59DDBCC0A5}"/>
+              </a:ext>
+            </a:extLst>
+          </p:cNvPr>
+          <p:cNvGrpSpPr/>
+          <p:nvPr/>
+        </p:nvGrpSpPr>
+        <p:grpSpPr>
+          <a:xfrm>
+            <a:off x="7273795" y="1953843"/>
+            <a:ext cx="3650796" cy="4094902"/>
+            <a:chOff x="1271715" y="2009457"/>
+            <a:chExt cx="3650796" cy="4094902"/>
+          </a:xfrm>
+        </p:grpSpPr>
+        <p:sp>
+          <p:nvSpPr>
+            <p:cNvPr id="6" name="Rectangle 5">
+              <a:extLst>
+                <a:ext uri="{FF2B5EF4-FFF2-40B4-BE49-F238E27FC236}">
+                  <a16:creationId xmlns:a16="http://schemas.microsoft.com/office/drawing/2014/main" id="{933BF2E5-88D9-2425-6C27-1961C3189D8C}"/>
+                </a:ext>
+              </a:extLst>
+            </p:cNvPr>
+            <p:cNvSpPr/>
+            <p:nvPr/>
+          </p:nvSpPr>
+          <p:spPr>
+            <a:xfrm>
+              <a:off x="1271715" y="2012208"/>
+              <a:ext cx="3650796" cy="4092151"/>
+            </a:xfrm>
+            <a:prstGeom prst="rect">
+              <a:avLst/>
+            </a:prstGeom>
+            <a:effectLst>
+              <a:outerShdw blurRad="50800" dist="38100" dir="2700000" algn="tl" rotWithShape="0">
+                <a:prstClr val="black">
+                  <a:alpha val="40000"/>
+                </a:prstClr>
+              </a:outerShdw>
+            </a:effectLst>
+          </p:spPr>
+          <p:style>
+            <a:lnRef idx="2">
+              <a:schemeClr val="dk1"/>
+            </a:lnRef>
+            <a:fillRef idx="1">
+              <a:schemeClr val="lt1"/>
+            </a:fillRef>
+            <a:effectRef idx="0">
+              <a:schemeClr val="dk1"/>
+            </a:effectRef>
+            <a:fontRef idx="minor">
+              <a:schemeClr val="dk1"/>
+            </a:fontRef>
+          </p:style>
+          <p:txBody>
+            <a:bodyPr rtlCol="0" anchor="ctr"/>
+            <a:lstStyle/>
+            <a:p>
+              <a:pPr algn="ctr"/>
+              <a:endParaRPr lang="en-GB"/>
+            </a:p>
+          </p:txBody>
+        </p:sp>
+        <p:sp>
+          <p:nvSpPr>
+            <p:cNvPr id="7" name="Rectangle 6">
+              <a:extLst>
+                <a:ext uri="{FF2B5EF4-FFF2-40B4-BE49-F238E27FC236}">
+                  <a16:creationId xmlns:a16="http://schemas.microsoft.com/office/drawing/2014/main" id="{B7808B37-A771-BA34-69E7-6B1632486BDE}"/>
+                </a:ext>
+              </a:extLst>
+            </p:cNvPr>
+            <p:cNvSpPr/>
+            <p:nvPr/>
+          </p:nvSpPr>
+          <p:spPr>
+            <a:xfrm>
+              <a:off x="2681033" y="3249969"/>
+              <a:ext cx="1498922" cy="1209555"/>
+            </a:xfrm>
+            <a:prstGeom prst="rect">
+              <a:avLst/>
+            </a:prstGeom>
+            <a:effectLst>
+              <a:outerShdw blurRad="50800" dist="38100" dir="2700000" algn="tl" rotWithShape="0">
+                <a:prstClr val="black">
+                  <a:alpha val="40000"/>
+                </a:prstClr>
+              </a:outerShdw>
+            </a:effectLst>
+          </p:spPr>
+          <p:style>
+            <a:lnRef idx="2">
+              <a:schemeClr val="dk1"/>
+            </a:lnRef>
+            <a:fillRef idx="1">
+              <a:schemeClr val="lt1"/>
+            </a:fillRef>
+            <a:effectRef idx="0">
+              <a:schemeClr val="dk1"/>
+            </a:effectRef>
+            <a:fontRef idx="minor">
+              <a:schemeClr val="dk1"/>
+            </a:fontRef>
+          </p:style>
+          <p:txBody>
+            <a:bodyPr rtlCol="0" anchor="ctr"/>
+            <a:lstStyle/>
+            <a:p>
+              <a:pPr algn="ctr"/>
+              <a:endParaRPr lang="en-GB" dirty="0"/>
+            </a:p>
+          </p:txBody>
+        </p:sp>
+        <p:sp>
+          <p:nvSpPr>
+            <p:cNvPr id="8" name="TextBox 7">
+              <a:extLst>
+                <a:ext uri="{FF2B5EF4-FFF2-40B4-BE49-F238E27FC236}">
+                  <a16:creationId xmlns:a16="http://schemas.microsoft.com/office/drawing/2014/main" id="{86A99D5A-0E55-4A6C-1CCF-07FB2262FE05}"/>
+                </a:ext>
+              </a:extLst>
+            </p:cNvPr>
+            <p:cNvSpPr txBox="1"/>
+            <p:nvPr/>
+          </p:nvSpPr>
+          <p:spPr>
+            <a:xfrm>
+              <a:off x="3666473" y="3246453"/>
+              <a:ext cx="316112" cy="184666"/>
+            </a:xfrm>
+            <a:prstGeom prst="rect">
+              <a:avLst/>
+            </a:prstGeom>
+            <a:noFill/>
+          </p:spPr>
+          <p:txBody>
+            <a:bodyPr wrap="none" lIns="0" tIns="0" rIns="0" bIns="0" rtlCol="0">
+              <a:spAutoFit/>
+            </a:bodyPr>
+            <a:lstStyle/>
+            <a:p>
+              <a:pPr algn="ctr"/>
+              <a:r>
+                <a:rPr lang="en-GB" sz="1200" dirty="0"/>
+                <a:t>reset</a:t>
+              </a:r>
+            </a:p>
+          </p:txBody>
+        </p:sp>
+        <p:sp>
+          <p:nvSpPr>
+            <p:cNvPr id="9" name="TextBox 8">
+              <a:extLst>
+                <a:ext uri="{FF2B5EF4-FFF2-40B4-BE49-F238E27FC236}">
+                  <a16:creationId xmlns:a16="http://schemas.microsoft.com/office/drawing/2014/main" id="{F4C23E57-CE08-3095-6CE2-D10AFB60FEA1}"/>
+                </a:ext>
+              </a:extLst>
+            </p:cNvPr>
+            <p:cNvSpPr txBox="1"/>
+            <p:nvPr/>
+          </p:nvSpPr>
+          <p:spPr>
+            <a:xfrm>
+              <a:off x="2956017" y="3246453"/>
+              <a:ext cx="171522" cy="184666"/>
+            </a:xfrm>
+            <a:prstGeom prst="rect">
+              <a:avLst/>
+            </a:prstGeom>
+            <a:noFill/>
+          </p:spPr>
+          <p:txBody>
+            <a:bodyPr wrap="none" lIns="0" tIns="0" rIns="0" bIns="0" rtlCol="0">
+              <a:spAutoFit/>
+            </a:bodyPr>
+            <a:lstStyle/>
+            <a:p>
+              <a:pPr algn="ctr"/>
+              <a:r>
+                <a:rPr lang="en-GB" sz="1200" dirty="0" err="1"/>
+                <a:t>clk</a:t>
+              </a:r>
+              <a:endParaRPr lang="en-GB" sz="1200" dirty="0"/>
+            </a:p>
+          </p:txBody>
+        </p:sp>
+        <p:sp>
+          <p:nvSpPr>
+            <p:cNvPr id="10" name="TextBox 9">
+              <a:extLst>
+                <a:ext uri="{FF2B5EF4-FFF2-40B4-BE49-F238E27FC236}">
+                  <a16:creationId xmlns:a16="http://schemas.microsoft.com/office/drawing/2014/main" id="{37B28352-3B85-1646-C952-DF0C8A210125}"/>
+                </a:ext>
+              </a:extLst>
+            </p:cNvPr>
+            <p:cNvSpPr txBox="1"/>
+            <p:nvPr/>
+          </p:nvSpPr>
+          <p:spPr>
+            <a:xfrm>
+              <a:off x="2680637" y="3414761"/>
+              <a:ext cx="1498922" cy="369332"/>
+            </a:xfrm>
+            <a:prstGeom prst="rect">
+              <a:avLst/>
+            </a:prstGeom>
+            <a:noFill/>
+          </p:spPr>
+          <p:txBody>
+            <a:bodyPr wrap="square" rtlCol="0">
+              <a:spAutoFit/>
+            </a:bodyPr>
+            <a:lstStyle/>
+            <a:p>
+              <a:pPr algn="ctr"/>
+              <a:r>
+                <a:rPr lang="en-GB" dirty="0"/>
+                <a:t>led4_button4</a:t>
+              </a:r>
+            </a:p>
+          </p:txBody>
+        </p:sp>
+        <p:sp>
+          <p:nvSpPr>
+            <p:cNvPr id="11" name="TextBox 10">
+              <a:extLst>
+                <a:ext uri="{FF2B5EF4-FFF2-40B4-BE49-F238E27FC236}">
+                  <a16:creationId xmlns:a16="http://schemas.microsoft.com/office/drawing/2014/main" id="{64B7E209-510C-EDD8-981A-522BFF38A6C2}"/>
+                </a:ext>
+              </a:extLst>
+            </p:cNvPr>
+            <p:cNvSpPr txBox="1"/>
+            <p:nvPr/>
+          </p:nvSpPr>
+          <p:spPr>
+            <a:xfrm>
+              <a:off x="2680637" y="3759275"/>
+              <a:ext cx="810153" cy="184666"/>
+            </a:xfrm>
+            <a:prstGeom prst="rect">
+              <a:avLst/>
+            </a:prstGeom>
+            <a:noFill/>
+          </p:spPr>
+          <p:txBody>
+            <a:bodyPr wrap="none" lIns="36000" tIns="0" rIns="0" bIns="0" rtlCol="0">
+              <a:spAutoFit/>
+            </a:bodyPr>
+            <a:lstStyle/>
+            <a:p>
+              <a:r>
+                <a:rPr lang="en-GB" sz="1200" dirty="0"/>
+                <a:t>buttons(3:0)</a:t>
+              </a:r>
+            </a:p>
+          </p:txBody>
+        </p:sp>
+        <p:sp>
+          <p:nvSpPr>
+            <p:cNvPr id="12" name="TextBox 11">
+              <a:extLst>
+                <a:ext uri="{FF2B5EF4-FFF2-40B4-BE49-F238E27FC236}">
+                  <a16:creationId xmlns:a16="http://schemas.microsoft.com/office/drawing/2014/main" id="{4D38A396-EBF8-935F-5DAA-CDC1C32B4737}"/>
+                </a:ext>
+              </a:extLst>
+            </p:cNvPr>
+            <p:cNvSpPr txBox="1"/>
+            <p:nvPr/>
+          </p:nvSpPr>
+          <p:spPr>
+            <a:xfrm>
+              <a:off x="3598186" y="3759275"/>
+              <a:ext cx="581373" cy="184666"/>
+            </a:xfrm>
+            <a:prstGeom prst="rect">
+              <a:avLst/>
+            </a:prstGeom>
+            <a:noFill/>
+          </p:spPr>
+          <p:txBody>
+            <a:bodyPr wrap="none" lIns="0" tIns="0" rIns="36000" bIns="0" rtlCol="0">
+              <a:spAutoFit/>
+            </a:bodyPr>
+            <a:lstStyle/>
+            <a:p>
+              <a:pPr algn="r"/>
+              <a:r>
+                <a:rPr lang="en-GB" sz="1200" dirty="0" err="1"/>
+                <a:t>leds</a:t>
+              </a:r>
+              <a:r>
+                <a:rPr lang="en-GB" sz="1200" dirty="0"/>
+                <a:t>(3:0)</a:t>
+              </a:r>
+            </a:p>
+          </p:txBody>
+        </p:sp>
+        <p:pic>
+          <p:nvPicPr>
+            <p:cNvPr id="13" name="Picture 12">
+              <a:extLst>
+                <a:ext uri="{FF2B5EF4-FFF2-40B4-BE49-F238E27FC236}">
+                  <a16:creationId xmlns:a16="http://schemas.microsoft.com/office/drawing/2014/main" id="{CA7BDE66-9570-C966-7895-846ABBE08568}"/>
+                </a:ext>
+              </a:extLst>
+            </p:cNvPr>
+            <p:cNvPicPr>
+              <a:picLocks noChangeAspect="1"/>
+            </p:cNvPicPr>
+            <p:nvPr/>
+          </p:nvPicPr>
+          <p:blipFill>
+            <a:blip r:embed="rId2"/>
+            <a:stretch>
+              <a:fillRect/>
+            </a:stretch>
+          </p:blipFill>
+          <p:spPr>
+            <a:xfrm>
+              <a:off x="2370504" y="4792780"/>
+              <a:ext cx="2119980" cy="1111032"/>
+            </a:xfrm>
+            <a:prstGeom prst="rect">
+              <a:avLst/>
+            </a:prstGeom>
+            <a:effectLst>
+              <a:outerShdw blurRad="50800" dist="38100" dir="2700000" algn="tl" rotWithShape="0">
+                <a:prstClr val="black">
+                  <a:alpha val="40000"/>
+                </a:prstClr>
+              </a:outerShdw>
+            </a:effectLst>
+          </p:spPr>
+        </p:pic>
+        <p:cxnSp>
+          <p:nvCxnSpPr>
+            <p:cNvPr id="14" name="Connector: Elbow 13">
+              <a:extLst>
+                <a:ext uri="{FF2B5EF4-FFF2-40B4-BE49-F238E27FC236}">
+                  <a16:creationId xmlns:a16="http://schemas.microsoft.com/office/drawing/2014/main" id="{7F168BAF-C50F-5D92-7FB0-6C0B11BF2CC1}"/>
+                </a:ext>
+              </a:extLst>
+            </p:cNvPr>
+            <p:cNvCxnSpPr>
+              <a:cxnSpLocks/>
+            </p:cNvCxnSpPr>
+            <p:nvPr/>
+          </p:nvCxnSpPr>
+          <p:spPr>
+            <a:xfrm rot="10800000" flipH="1">
+              <a:off x="2370504" y="3854747"/>
+              <a:ext cx="310529" cy="1493549"/>
+            </a:xfrm>
+            <a:prstGeom prst="bentConnector3">
+              <a:avLst>
+                <a:gd name="adj1" fmla="val -73616"/>
+              </a:avLst>
+            </a:prstGeom>
+            <a:ln>
+              <a:tailEnd type="triangle"/>
+            </a:ln>
+            <a:effectLst>
+              <a:outerShdw blurRad="50800" dist="38100" dir="2700000" algn="tl" rotWithShape="0">
+                <a:prstClr val="black">
+                  <a:alpha val="40000"/>
+                </a:prstClr>
+              </a:outerShdw>
+            </a:effectLst>
+          </p:spPr>
+          <p:style>
+            <a:lnRef idx="3">
+              <a:schemeClr val="dk1"/>
+            </a:lnRef>
+            <a:fillRef idx="0">
+              <a:schemeClr val="dk1"/>
+            </a:fillRef>
+            <a:effectRef idx="2">
+              <a:schemeClr val="dk1"/>
+            </a:effectRef>
+            <a:fontRef idx="minor">
+              <a:schemeClr val="tx1"/>
+            </a:fontRef>
+          </p:style>
+        </p:cxnSp>
+        <p:cxnSp>
+          <p:nvCxnSpPr>
+            <p:cNvPr id="15" name="Connector: Elbow 14">
+              <a:extLst>
+                <a:ext uri="{FF2B5EF4-FFF2-40B4-BE49-F238E27FC236}">
+                  <a16:creationId xmlns:a16="http://schemas.microsoft.com/office/drawing/2014/main" id="{2417C4A1-DF20-99F4-9452-B4E132E84D96}"/>
+                </a:ext>
+              </a:extLst>
+            </p:cNvPr>
+            <p:cNvCxnSpPr>
+              <a:cxnSpLocks/>
+              <a:stCxn id="7" idx="3"/>
+              <a:endCxn id="13" idx="3"/>
+            </p:cNvCxnSpPr>
+            <p:nvPr/>
+          </p:nvCxnSpPr>
+          <p:spPr>
+            <a:xfrm>
+              <a:off x="4179955" y="3854747"/>
+              <a:ext cx="310529" cy="1493549"/>
+            </a:xfrm>
+            <a:prstGeom prst="bentConnector3">
+              <a:avLst>
+                <a:gd name="adj1" fmla="val 173616"/>
+              </a:avLst>
+            </a:prstGeom>
+            <a:ln>
+              <a:tailEnd type="triangle"/>
+            </a:ln>
+            <a:effectLst>
+              <a:outerShdw blurRad="50800" dist="38100" dir="2700000" algn="tl" rotWithShape="0">
+                <a:prstClr val="black">
+                  <a:alpha val="40000"/>
+                </a:prstClr>
+              </a:outerShdw>
+            </a:effectLst>
+          </p:spPr>
+          <p:style>
+            <a:lnRef idx="3">
+              <a:schemeClr val="dk1"/>
+            </a:lnRef>
+            <a:fillRef idx="0">
+              <a:schemeClr val="dk1"/>
+            </a:fillRef>
+            <a:effectRef idx="2">
+              <a:schemeClr val="dk1"/>
+            </a:effectRef>
+            <a:fontRef idx="minor">
+              <a:schemeClr val="tx1"/>
+            </a:fontRef>
+          </p:style>
+        </p:cxnSp>
+        <p:sp>
+          <p:nvSpPr>
+            <p:cNvPr id="16" name="Rectangle: Rounded Corners 15">
+              <a:extLst>
+                <a:ext uri="{FF2B5EF4-FFF2-40B4-BE49-F238E27FC236}">
+                  <a16:creationId xmlns:a16="http://schemas.microsoft.com/office/drawing/2014/main" id="{A9BB72FB-6571-F684-437E-1FCA4B679B77}"/>
+                </a:ext>
+              </a:extLst>
+            </p:cNvPr>
+            <p:cNvSpPr/>
+            <p:nvPr/>
+          </p:nvSpPr>
+          <p:spPr>
+            <a:xfrm>
+              <a:off x="1446944" y="2568099"/>
+              <a:ext cx="1038796" cy="603222"/>
+            </a:xfrm>
+            <a:prstGeom prst="roundRect">
+              <a:avLst/>
+            </a:prstGeom>
+            <a:effectLst>
+              <a:outerShdw blurRad="50800" dist="38100" dir="2700000" algn="tl" rotWithShape="0">
+                <a:prstClr val="black">
+                  <a:alpha val="40000"/>
+                </a:prstClr>
+              </a:outerShdw>
+            </a:effectLst>
+          </p:spPr>
+          <p:style>
+            <a:lnRef idx="2">
+              <a:schemeClr val="dk1"/>
+            </a:lnRef>
+            <a:fillRef idx="1">
+              <a:schemeClr val="lt1"/>
+            </a:fillRef>
+            <a:effectRef idx="0">
+              <a:schemeClr val="dk1"/>
+            </a:effectRef>
+            <a:fontRef idx="minor">
+              <a:schemeClr val="dk1"/>
+            </a:fontRef>
+          </p:style>
+          <p:txBody>
+            <a:bodyPr rtlCol="0" anchor="ctr"/>
+            <a:lstStyle/>
+            <a:p>
+              <a:pPr algn="ctr"/>
+              <a:endParaRPr lang="en-GB" dirty="0"/>
+            </a:p>
+          </p:txBody>
+        </p:sp>
+        <p:sp>
+          <p:nvSpPr>
+            <p:cNvPr id="17" name="TextBox 16">
+              <a:extLst>
+                <a:ext uri="{FF2B5EF4-FFF2-40B4-BE49-F238E27FC236}">
+                  <a16:creationId xmlns:a16="http://schemas.microsoft.com/office/drawing/2014/main" id="{F23C7822-6BC2-3D29-8FA5-0E308ED9E3C4}"/>
+                </a:ext>
+              </a:extLst>
+            </p:cNvPr>
+            <p:cNvSpPr txBox="1"/>
+            <p:nvPr/>
+          </p:nvSpPr>
+          <p:spPr>
+            <a:xfrm>
+              <a:off x="2133276" y="2579082"/>
+              <a:ext cx="352464" cy="184666"/>
+            </a:xfrm>
+            <a:prstGeom prst="rect">
+              <a:avLst/>
+            </a:prstGeom>
+            <a:noFill/>
+          </p:spPr>
+          <p:txBody>
+            <a:bodyPr wrap="none" lIns="0" tIns="0" rIns="36000" bIns="0" rtlCol="0">
+              <a:spAutoFit/>
+            </a:bodyPr>
+            <a:lstStyle/>
+            <a:p>
+              <a:pPr algn="r"/>
+              <a:r>
+                <a:rPr lang="en-GB" sz="1200" dirty="0"/>
+                <a:t>reset</a:t>
+              </a:r>
+            </a:p>
+          </p:txBody>
+        </p:sp>
+        <p:sp>
+          <p:nvSpPr>
+            <p:cNvPr id="18" name="TextBox 17">
+              <a:extLst>
+                <a:ext uri="{FF2B5EF4-FFF2-40B4-BE49-F238E27FC236}">
+                  <a16:creationId xmlns:a16="http://schemas.microsoft.com/office/drawing/2014/main" id="{3EA57755-1751-EB4A-94D5-750CD49DB09B}"/>
+                </a:ext>
+              </a:extLst>
+            </p:cNvPr>
+            <p:cNvSpPr txBox="1"/>
+            <p:nvPr/>
+          </p:nvSpPr>
+          <p:spPr>
+            <a:xfrm>
+              <a:off x="2277867" y="2774721"/>
+              <a:ext cx="207873" cy="184666"/>
+            </a:xfrm>
+            <a:prstGeom prst="rect">
+              <a:avLst/>
+            </a:prstGeom>
+            <a:noFill/>
+          </p:spPr>
+          <p:txBody>
+            <a:bodyPr wrap="none" lIns="0" tIns="0" rIns="36000" bIns="0" rtlCol="0">
+              <a:spAutoFit/>
+            </a:bodyPr>
+            <a:lstStyle/>
+            <a:p>
+              <a:pPr algn="r"/>
+              <a:r>
+                <a:rPr lang="en-GB" sz="1200" dirty="0" err="1"/>
+                <a:t>clk</a:t>
+              </a:r>
+              <a:endParaRPr lang="en-GB" sz="1200" dirty="0"/>
+            </a:p>
+          </p:txBody>
+        </p:sp>
+        <p:cxnSp>
+          <p:nvCxnSpPr>
+            <p:cNvPr id="19" name="Connector: Elbow 18">
+              <a:extLst>
+                <a:ext uri="{FF2B5EF4-FFF2-40B4-BE49-F238E27FC236}">
+                  <a16:creationId xmlns:a16="http://schemas.microsoft.com/office/drawing/2014/main" id="{CACA75F3-19DD-10E0-8943-33F11F9532A6}"/>
+                </a:ext>
+              </a:extLst>
+            </p:cNvPr>
+            <p:cNvCxnSpPr>
+              <a:stCxn id="18" idx="3"/>
+              <a:endCxn id="9" idx="0"/>
+            </p:cNvCxnSpPr>
+            <p:nvPr/>
+          </p:nvCxnSpPr>
+          <p:spPr>
+            <a:xfrm>
+              <a:off x="2485740" y="2867054"/>
+              <a:ext cx="556038" cy="379399"/>
+            </a:xfrm>
+            <a:prstGeom prst="bentConnector2">
+              <a:avLst/>
+            </a:prstGeom>
+            <a:effectLst>
+              <a:outerShdw blurRad="50800" dist="38100" dir="2700000" algn="tl" rotWithShape="0">
+                <a:prstClr val="black">
+                  <a:alpha val="40000"/>
+                </a:prstClr>
+              </a:outerShdw>
+            </a:effectLst>
+          </p:spPr>
+          <p:style>
+            <a:lnRef idx="1">
+              <a:schemeClr val="dk1"/>
+            </a:lnRef>
+            <a:fillRef idx="0">
+              <a:schemeClr val="dk1"/>
+            </a:fillRef>
+            <a:effectRef idx="0">
+              <a:schemeClr val="dk1"/>
+            </a:effectRef>
+            <a:fontRef idx="minor">
+              <a:schemeClr val="tx1"/>
+            </a:fontRef>
+          </p:style>
+        </p:cxnSp>
+        <p:cxnSp>
+          <p:nvCxnSpPr>
+            <p:cNvPr id="20" name="Connector: Elbow 19">
+              <a:extLst>
+                <a:ext uri="{FF2B5EF4-FFF2-40B4-BE49-F238E27FC236}">
+                  <a16:creationId xmlns:a16="http://schemas.microsoft.com/office/drawing/2014/main" id="{2F4828BE-7213-53CA-AAD5-7C00F9DDCDB8}"/>
+                </a:ext>
+              </a:extLst>
+            </p:cNvPr>
+            <p:cNvCxnSpPr>
+              <a:stCxn id="17" idx="3"/>
+              <a:endCxn id="8" idx="0"/>
+            </p:cNvCxnSpPr>
+            <p:nvPr/>
+          </p:nvCxnSpPr>
+          <p:spPr>
+            <a:xfrm>
+              <a:off x="2485740" y="2671415"/>
+              <a:ext cx="1338789" cy="575038"/>
+            </a:xfrm>
+            <a:prstGeom prst="bentConnector2">
+              <a:avLst/>
+            </a:prstGeom>
+            <a:effectLst>
+              <a:outerShdw blurRad="50800" dist="38100" dir="2700000" algn="tl" rotWithShape="0">
+                <a:prstClr val="black">
+                  <a:alpha val="40000"/>
+                </a:prstClr>
+              </a:outerShdw>
+            </a:effectLst>
+          </p:spPr>
+          <p:style>
+            <a:lnRef idx="1">
+              <a:schemeClr val="dk1"/>
+            </a:lnRef>
+            <a:fillRef idx="0">
+              <a:schemeClr val="dk1"/>
+            </a:fillRef>
+            <a:effectRef idx="0">
+              <a:schemeClr val="dk1"/>
+            </a:effectRef>
+            <a:fontRef idx="minor">
+              <a:schemeClr val="tx1"/>
+            </a:fontRef>
+          </p:style>
+        </p:cxnSp>
+        <p:sp>
+          <p:nvSpPr>
+            <p:cNvPr id="21" name="TextBox 20">
+              <a:extLst>
+                <a:ext uri="{FF2B5EF4-FFF2-40B4-BE49-F238E27FC236}">
+                  <a16:creationId xmlns:a16="http://schemas.microsoft.com/office/drawing/2014/main" id="{88AA5A52-0599-EB04-035D-0D41A3E1E318}"/>
+                </a:ext>
+              </a:extLst>
+            </p:cNvPr>
+            <p:cNvSpPr txBox="1"/>
+            <p:nvPr/>
+          </p:nvSpPr>
+          <p:spPr>
+            <a:xfrm>
+              <a:off x="1446944" y="2869710"/>
+              <a:ext cx="1038797" cy="369332"/>
+            </a:xfrm>
+            <a:prstGeom prst="rect">
+              <a:avLst/>
+            </a:prstGeom>
+            <a:noFill/>
+          </p:spPr>
+          <p:txBody>
+            <a:bodyPr wrap="square" rtlCol="0">
+              <a:spAutoFit/>
+            </a:bodyPr>
+            <a:lstStyle/>
+            <a:p>
+              <a:r>
+                <a:rPr lang="en-GB" dirty="0"/>
+                <a:t>Stimulus</a:t>
+              </a:r>
+            </a:p>
+          </p:txBody>
+        </p:sp>
+        <p:sp>
+          <p:nvSpPr>
+            <p:cNvPr id="22" name="TextBox 21">
+              <a:extLst>
+                <a:ext uri="{FF2B5EF4-FFF2-40B4-BE49-F238E27FC236}">
+                  <a16:creationId xmlns:a16="http://schemas.microsoft.com/office/drawing/2014/main" id="{45D6CB95-1EC8-A996-F750-00D4446A0B4A}"/>
+                </a:ext>
+              </a:extLst>
+            </p:cNvPr>
+            <p:cNvSpPr txBox="1"/>
+            <p:nvPr/>
+          </p:nvSpPr>
+          <p:spPr>
+            <a:xfrm>
+              <a:off x="1271715" y="2009457"/>
+              <a:ext cx="1764522" cy="369332"/>
+            </a:xfrm>
+            <a:prstGeom prst="rect">
+              <a:avLst/>
+            </a:prstGeom>
+            <a:noFill/>
+          </p:spPr>
+          <p:txBody>
+            <a:bodyPr wrap="none" rtlCol="0">
+              <a:spAutoFit/>
+            </a:bodyPr>
+            <a:lstStyle/>
+            <a:p>
+              <a:r>
+                <a:rPr lang="en-GB" dirty="0"/>
+                <a:t>test_zybo_z7_10</a:t>
+              </a:r>
+            </a:p>
+          </p:txBody>
+        </p:sp>
+      </p:grpSp>
+    </p:spTree>
+    <p:extLst>
+      <p:ext uri="{BB962C8B-B14F-4D97-AF65-F5344CB8AC3E}">
+        <p14:creationId xmlns:p14="http://schemas.microsoft.com/office/powerpoint/2010/main" val="1555623479"/>
+      </p:ext>
+    </p:extLst>
+  </p:cSld>
+  <p:clrMapOvr>
+    <a:masterClrMapping/>
+  </p:clrMapOvr>
+</p:sld>
+</file>
+
+<file path=ppt/slides/slide11.xml><?xml version="1.0" encoding="utf-8"?>
 <p:sld xmlns:a="http://schemas.openxmlformats.org/drawingml/2006/main" xmlns:r="http://schemas.openxmlformats.org/officeDocument/2006/relationships" xmlns:p="http://schemas.openxmlformats.org/presentationml/2006/main">
   <p:cSld>
     <p:spTree>
@@ -15820,7 +16936,7 @@
 </p:sld>
 </file>
 
-<file path=ppt/slides/slide11.xml><?xml version="1.0" encoding="utf-8"?>
+<file path=ppt/slides/slide12.xml><?xml version="1.0" encoding="utf-8"?>
 <p:sld xmlns:a="http://schemas.openxmlformats.org/drawingml/2006/main" xmlns:r="http://schemas.openxmlformats.org/officeDocument/2006/relationships" xmlns:p="http://schemas.openxmlformats.org/presentationml/2006/main">
   <p:cSld>
     <p:spTree>
@@ -16030,7 +17146,7 @@
 </p:sld>
 </file>
 
-<file path=ppt/slides/slide12.xml><?xml version="1.0" encoding="utf-8"?>
+<file path=ppt/slides/slide13.xml><?xml version="1.0" encoding="utf-8"?>
 <p:sld xmlns:a="http://schemas.openxmlformats.org/drawingml/2006/main" xmlns:r="http://schemas.openxmlformats.org/officeDocument/2006/relationships" xmlns:p="http://schemas.openxmlformats.org/presentationml/2006/main">
   <p:cSld>
     <p:spTree>
@@ -16479,7 +17595,7 @@
 </p:sld>
 </file>
 
-<file path=ppt/slides/slide13.xml><?xml version="1.0" encoding="utf-8"?>
+<file path=ppt/slides/slide14.xml><?xml version="1.0" encoding="utf-8"?>
 <p:sld xmlns:a="http://schemas.openxmlformats.org/drawingml/2006/main" xmlns:r="http://schemas.openxmlformats.org/officeDocument/2006/relationships" xmlns:p="http://schemas.openxmlformats.org/presentationml/2006/main">
   <p:cSld>
     <p:spTree>
@@ -19014,8 +20130,8 @@
           </p:txBody>
         </p:sp>
       </p:grpSp>
-      <mc:AlternateContent xmlns:mc="http://schemas.openxmlformats.org/markup-compatibility/2006">
-        <mc:Choice xmlns:a14="http://schemas.microsoft.com/office/drawing/2010/main" Requires="a14">
+      <mc:AlternateContent xmlns:mc="http://schemas.openxmlformats.org/markup-compatibility/2006" xmlns:a14="http://schemas.microsoft.com/office/drawing/2010/main">
+        <mc:Choice Requires="a14">
           <p:sp>
             <p:nvSpPr>
               <p:cNvPr id="86" name="TextBox 85">
@@ -19286,7 +20402,7 @@
             </p:txBody>
           </p:sp>
         </mc:Choice>
-        <mc:Fallback>
+        <mc:Fallback xmlns="">
           <p:sp>
             <p:nvSpPr>
               <p:cNvPr id="86" name="TextBox 85">
@@ -19388,7 +20504,7 @@
 </p:sld>
 </file>
 
-<file path=ppt/slides/slide14.xml><?xml version="1.0" encoding="utf-8"?>
+<file path=ppt/slides/slide15.xml><?xml version="1.0" encoding="utf-8"?>
 <p:sld xmlns:a="http://schemas.openxmlformats.org/drawingml/2006/main" xmlns:r="http://schemas.openxmlformats.org/officeDocument/2006/relationships" xmlns:p="http://schemas.openxmlformats.org/presentationml/2006/main">
   <p:cSld>
     <p:spTree>
@@ -19624,7 +20740,7 @@
 </p:sld>
 </file>
 
-<file path=ppt/slides/slide15.xml><?xml version="1.0" encoding="utf-8"?>
+<file path=ppt/slides/slide16.xml><?xml version="1.0" encoding="utf-8"?>
 <p:sld xmlns:a="http://schemas.openxmlformats.org/drawingml/2006/main" xmlns:r="http://schemas.openxmlformats.org/officeDocument/2006/relationships" xmlns:p="http://schemas.openxmlformats.org/presentationml/2006/main">
   <p:cSld>
     <p:spTree>
@@ -19765,7 +20881,7 @@
 </p:sld>
 </file>
 
-<file path=ppt/slides/slide16.xml><?xml version="1.0" encoding="utf-8"?>
+<file path=ppt/slides/slide17.xml><?xml version="1.0" encoding="utf-8"?>
 <p:sld xmlns:a="http://schemas.openxmlformats.org/drawingml/2006/main" xmlns:r="http://schemas.openxmlformats.org/officeDocument/2006/relationships" xmlns:p="http://schemas.openxmlformats.org/presentationml/2006/main">
   <p:cSld>
     <p:spTree>
@@ -23053,7 +24169,7 @@
 </p:sld>
 </file>
 
-<file path=ppt/slides/slide17.xml><?xml version="1.0" encoding="utf-8"?>
+<file path=ppt/slides/slide18.xml><?xml version="1.0" encoding="utf-8"?>
 <p:sld xmlns:a="http://schemas.openxmlformats.org/drawingml/2006/main" xmlns:r="http://schemas.openxmlformats.org/officeDocument/2006/relationships" xmlns:p="http://schemas.openxmlformats.org/presentationml/2006/main">
   <p:cSld>
     <p:spTree>
@@ -24716,7 +25832,7 @@
 </p:sld>
 </file>
 
-<file path=ppt/slides/slide18.xml><?xml version="1.0" encoding="utf-8"?>
+<file path=ppt/slides/slide19.xml><?xml version="1.0" encoding="utf-8"?>
 <p:sld xmlns:a="http://schemas.openxmlformats.org/drawingml/2006/main" xmlns:r="http://schemas.openxmlformats.org/officeDocument/2006/relationships" xmlns:p="http://schemas.openxmlformats.org/presentationml/2006/main">
   <p:cSld>
     <p:spTree>
@@ -25327,6 +26443,1185 @@
           <p:cNvPr id="2" name="Title 1">
             <a:extLst>
               <a:ext uri="{FF2B5EF4-FFF2-40B4-BE49-F238E27FC236}">
+                <a16:creationId xmlns:a16="http://schemas.microsoft.com/office/drawing/2014/main" id="{4EDA1F6D-08F8-CE1B-BFDE-A19C5F33E271}"/>
+              </a:ext>
+            </a:extLst>
+          </p:cNvPr>
+          <p:cNvSpPr>
+            <a:spLocks noGrp="1"/>
+          </p:cNvSpPr>
+          <p:nvPr>
+            <p:ph type="title"/>
+          </p:nvPr>
+        </p:nvSpPr>
+        <p:spPr/>
+        <p:txBody>
+          <a:bodyPr/>
+          <a:lstStyle/>
+          <a:p>
+            <a:r>
+              <a:rPr lang="en-GB" dirty="0"/>
+              <a:t>Taxonomy of Silicon Chips</a:t>
+            </a:r>
+          </a:p>
+        </p:txBody>
+      </p:sp>
+      <p:sp>
+        <p:nvSpPr>
+          <p:cNvPr id="3" name="Content Placeholder 2">
+            <a:extLst>
+              <a:ext uri="{FF2B5EF4-FFF2-40B4-BE49-F238E27FC236}">
+                <a16:creationId xmlns:a16="http://schemas.microsoft.com/office/drawing/2014/main" id="{B721903F-19AE-8E57-40B2-0D76C558D5EA}"/>
+              </a:ext>
+            </a:extLst>
+          </p:cNvPr>
+          <p:cNvSpPr>
+            <a:spLocks noGrp="1"/>
+          </p:cNvSpPr>
+          <p:nvPr>
+            <p:ph idx="1"/>
+          </p:nvPr>
+        </p:nvSpPr>
+        <p:spPr>
+          <a:xfrm>
+            <a:off x="838200" y="1825625"/>
+            <a:ext cx="5253661" cy="4351338"/>
+          </a:xfrm>
+        </p:spPr>
+        <p:txBody>
+          <a:bodyPr>
+            <a:normAutofit fontScale="92500" lnSpcReduction="20000"/>
+          </a:bodyPr>
+          <a:lstStyle/>
+          <a:p>
+            <a:r>
+              <a:rPr lang="en-GB" dirty="0"/>
+              <a:t>Full-Custom</a:t>
+            </a:r>
+          </a:p>
+          <a:p>
+            <a:pPr lvl="1"/>
+            <a:r>
+              <a:rPr lang="en-GB" dirty="0"/>
+              <a:t>Hand crafted and chiselled, e.g. x86 µP</a:t>
+            </a:r>
+          </a:p>
+          <a:p>
+            <a:r>
+              <a:rPr lang="en-GB" dirty="0"/>
+              <a:t>Semi-Custom</a:t>
+            </a:r>
+          </a:p>
+          <a:p>
+            <a:pPr lvl="1"/>
+            <a:r>
+              <a:rPr lang="en-GB" dirty="0"/>
+              <a:t>E.g. “Standard Cell” where gates are predefined in a library and have to be tessellated.</a:t>
+            </a:r>
+          </a:p>
+          <a:p>
+            <a:r>
+              <a:rPr lang="en-GB" dirty="0">
+                <a:solidFill>
+                  <a:schemeClr val="accent6"/>
+                </a:solidFill>
+              </a:rPr>
+              <a:t>Programmable</a:t>
+            </a:r>
+          </a:p>
+          <a:p>
+            <a:pPr lvl="1"/>
+            <a:r>
+              <a:rPr lang="en-GB" dirty="0">
+                <a:solidFill>
+                  <a:schemeClr val="accent6"/>
+                </a:solidFill>
+              </a:rPr>
+              <a:t>Size</a:t>
+            </a:r>
+          </a:p>
+          <a:p>
+            <a:pPr lvl="2"/>
+            <a:r>
+              <a:rPr lang="fr-FR" dirty="0" err="1">
+                <a:solidFill>
+                  <a:schemeClr val="accent6"/>
+                </a:solidFill>
+              </a:rPr>
+              <a:t>Complex</a:t>
+            </a:r>
+            <a:r>
+              <a:rPr lang="fr-FR" dirty="0">
+                <a:solidFill>
+                  <a:schemeClr val="accent6"/>
+                </a:solidFill>
+              </a:rPr>
+              <a:t> Programmable Logic </a:t>
+            </a:r>
+            <a:r>
+              <a:rPr lang="fr-FR" dirty="0" err="1">
+                <a:solidFill>
+                  <a:schemeClr val="accent6"/>
+                </a:solidFill>
+              </a:rPr>
+              <a:t>Device</a:t>
+            </a:r>
+            <a:r>
+              <a:rPr lang="fr-FR" dirty="0">
+                <a:solidFill>
+                  <a:schemeClr val="accent6"/>
+                </a:solidFill>
+              </a:rPr>
+              <a:t> (CPLD) - </a:t>
+            </a:r>
+            <a:r>
+              <a:rPr lang="fr-FR" dirty="0" err="1">
+                <a:solidFill>
+                  <a:schemeClr val="accent6"/>
+                </a:solidFill>
+              </a:rPr>
+              <a:t>small</a:t>
+            </a:r>
+            <a:endParaRPr lang="en-GB" dirty="0">
+              <a:solidFill>
+                <a:schemeClr val="accent6"/>
+              </a:solidFill>
+            </a:endParaRPr>
+          </a:p>
+          <a:p>
+            <a:pPr lvl="2"/>
+            <a:r>
+              <a:rPr lang="en-GB" dirty="0">
+                <a:solidFill>
+                  <a:schemeClr val="accent6"/>
+                </a:solidFill>
+              </a:rPr>
+              <a:t>Field Programmable Gate Arrays (FPGA) - large</a:t>
+            </a:r>
+          </a:p>
+          <a:p>
+            <a:pPr lvl="1"/>
+            <a:r>
+              <a:rPr lang="en-GB" dirty="0">
+                <a:solidFill>
+                  <a:schemeClr val="accent6"/>
+                </a:solidFill>
+              </a:rPr>
+              <a:t>Re-use</a:t>
+            </a:r>
+          </a:p>
+          <a:p>
+            <a:pPr lvl="2"/>
+            <a:r>
+              <a:rPr lang="en-GB" dirty="0">
+                <a:solidFill>
+                  <a:schemeClr val="accent6"/>
+                </a:solidFill>
+              </a:rPr>
+              <a:t>Programme once (fuse-based)</a:t>
+            </a:r>
+          </a:p>
+          <a:p>
+            <a:pPr lvl="2"/>
+            <a:r>
+              <a:rPr lang="en-GB" dirty="0">
+                <a:solidFill>
+                  <a:schemeClr val="accent6"/>
+                </a:solidFill>
+              </a:rPr>
+              <a:t>Re-programmable (SRAM-based)</a:t>
+            </a:r>
+          </a:p>
+        </p:txBody>
+      </p:sp>
+      <p:sp>
+        <p:nvSpPr>
+          <p:cNvPr id="8" name="TextBox 7">
+            <a:extLst>
+              <a:ext uri="{FF2B5EF4-FFF2-40B4-BE49-F238E27FC236}">
+                <a16:creationId xmlns:a16="http://schemas.microsoft.com/office/drawing/2014/main" id="{845E773B-A954-4590-6C9D-ACBBD8386554}"/>
+              </a:ext>
+            </a:extLst>
+          </p:cNvPr>
+          <p:cNvSpPr txBox="1"/>
+          <p:nvPr/>
+        </p:nvSpPr>
+        <p:spPr>
+          <a:xfrm>
+            <a:off x="6433862" y="5334535"/>
+            <a:ext cx="4919937" cy="461665"/>
+          </a:xfrm>
+          <a:prstGeom prst="rect">
+            <a:avLst/>
+          </a:prstGeom>
+          <a:noFill/>
+        </p:spPr>
+        <p:txBody>
+          <a:bodyPr wrap="square" rtlCol="0">
+            <a:spAutoFit/>
+          </a:bodyPr>
+          <a:lstStyle/>
+          <a:p>
+            <a:pPr algn="r"/>
+            <a:r>
+              <a:rPr lang="en-GB" sz="1200" dirty="0"/>
+              <a:t>Introduction to ASIC Technology | Different Types, Design Flow, Applications</a:t>
+            </a:r>
+            <a:endParaRPr lang="en-GB" sz="1200" dirty="0">
+              <a:hlinkClick r:id="rId3"/>
+            </a:endParaRPr>
+          </a:p>
+          <a:p>
+            <a:pPr algn="r"/>
+            <a:r>
+              <a:rPr lang="en-GB" sz="1200" dirty="0">
+                <a:hlinkClick r:id="rId3"/>
+              </a:rPr>
+              <a:t>https://www.electronicshub.org/introduction-to-asic-technology/</a:t>
+            </a:r>
+            <a:endParaRPr lang="en-GB" sz="1200" dirty="0"/>
+          </a:p>
+        </p:txBody>
+      </p:sp>
+      <p:grpSp>
+        <p:nvGrpSpPr>
+          <p:cNvPr id="4" name="Group 3">
+            <a:extLst>
+              <a:ext uri="{FF2B5EF4-FFF2-40B4-BE49-F238E27FC236}">
+                <a16:creationId xmlns:a16="http://schemas.microsoft.com/office/drawing/2014/main" id="{DC3B91BB-1825-6A29-7875-54F043FF6508}"/>
+              </a:ext>
+            </a:extLst>
+          </p:cNvPr>
+          <p:cNvGrpSpPr/>
+          <p:nvPr/>
+        </p:nvGrpSpPr>
+        <p:grpSpPr>
+          <a:xfrm>
+            <a:off x="6688297" y="2248322"/>
+            <a:ext cx="4411066" cy="2864163"/>
+            <a:chOff x="800756" y="2355079"/>
+            <a:chExt cx="4411066" cy="2864163"/>
+          </a:xfrm>
+        </p:grpSpPr>
+        <p:sp>
+          <p:nvSpPr>
+            <p:cNvPr id="5" name="Rectangle 4">
+              <a:extLst>
+                <a:ext uri="{FF2B5EF4-FFF2-40B4-BE49-F238E27FC236}">
+                  <a16:creationId xmlns:a16="http://schemas.microsoft.com/office/drawing/2014/main" id="{06A7B6A1-E1A2-D106-4708-8183C746BDE3}"/>
+                </a:ext>
+              </a:extLst>
+            </p:cNvPr>
+            <p:cNvSpPr/>
+            <p:nvPr/>
+          </p:nvSpPr>
+          <p:spPr>
+            <a:xfrm>
+              <a:off x="2550568" y="2355079"/>
+              <a:ext cx="1024255" cy="519673"/>
+            </a:xfrm>
+            <a:prstGeom prst="rect">
+              <a:avLst/>
+            </a:prstGeom>
+          </p:spPr>
+          <p:style>
+            <a:lnRef idx="2">
+              <a:schemeClr val="dk1"/>
+            </a:lnRef>
+            <a:fillRef idx="1">
+              <a:schemeClr val="lt1"/>
+            </a:fillRef>
+            <a:effectRef idx="0">
+              <a:schemeClr val="dk1"/>
+            </a:effectRef>
+            <a:fontRef idx="minor">
+              <a:schemeClr val="dk1"/>
+            </a:fontRef>
+          </p:style>
+          <p:txBody>
+            <a:bodyPr rtlCol="0" anchor="ctr"/>
+            <a:lstStyle/>
+            <a:p>
+              <a:pPr algn="ctr"/>
+              <a:r>
+                <a:rPr lang="en-GB" dirty="0"/>
+                <a:t>ASIC</a:t>
+              </a:r>
+            </a:p>
+          </p:txBody>
+        </p:sp>
+        <p:sp>
+          <p:nvSpPr>
+            <p:cNvPr id="6" name="Rectangle 5">
+              <a:extLst>
+                <a:ext uri="{FF2B5EF4-FFF2-40B4-BE49-F238E27FC236}">
+                  <a16:creationId xmlns:a16="http://schemas.microsoft.com/office/drawing/2014/main" id="{3A0529B2-539E-743E-7AB5-3969F0377656}"/>
+                </a:ext>
+              </a:extLst>
+            </p:cNvPr>
+            <p:cNvSpPr/>
+            <p:nvPr/>
+          </p:nvSpPr>
+          <p:spPr>
+            <a:xfrm>
+              <a:off x="1312883" y="3136577"/>
+              <a:ext cx="1024255" cy="519673"/>
+            </a:xfrm>
+            <a:prstGeom prst="rect">
+              <a:avLst/>
+            </a:prstGeom>
+          </p:spPr>
+          <p:style>
+            <a:lnRef idx="2">
+              <a:schemeClr val="dk1"/>
+            </a:lnRef>
+            <a:fillRef idx="1">
+              <a:schemeClr val="lt1"/>
+            </a:fillRef>
+            <a:effectRef idx="0">
+              <a:schemeClr val="dk1"/>
+            </a:effectRef>
+            <a:fontRef idx="minor">
+              <a:schemeClr val="dk1"/>
+            </a:fontRef>
+          </p:style>
+          <p:txBody>
+            <a:bodyPr rtlCol="0" anchor="ctr"/>
+            <a:lstStyle/>
+            <a:p>
+              <a:pPr algn="ctr"/>
+              <a:r>
+                <a:rPr lang="en-GB" sz="900" dirty="0"/>
+                <a:t>Full-Custom ASIC</a:t>
+              </a:r>
+            </a:p>
+          </p:txBody>
+        </p:sp>
+        <p:sp>
+          <p:nvSpPr>
+            <p:cNvPr id="9" name="Rectangle 8">
+              <a:extLst>
+                <a:ext uri="{FF2B5EF4-FFF2-40B4-BE49-F238E27FC236}">
+                  <a16:creationId xmlns:a16="http://schemas.microsoft.com/office/drawing/2014/main" id="{DA210385-0EF0-1C20-9DDE-E1A0CDA031D0}"/>
+                </a:ext>
+              </a:extLst>
+            </p:cNvPr>
+            <p:cNvSpPr/>
+            <p:nvPr/>
+          </p:nvSpPr>
+          <p:spPr>
+            <a:xfrm>
+              <a:off x="2550568" y="3136576"/>
+              <a:ext cx="1024255" cy="519673"/>
+            </a:xfrm>
+            <a:prstGeom prst="rect">
+              <a:avLst/>
+            </a:prstGeom>
+          </p:spPr>
+          <p:style>
+            <a:lnRef idx="2">
+              <a:schemeClr val="dk1"/>
+            </a:lnRef>
+            <a:fillRef idx="1">
+              <a:schemeClr val="lt1"/>
+            </a:fillRef>
+            <a:effectRef idx="0">
+              <a:schemeClr val="dk1"/>
+            </a:effectRef>
+            <a:fontRef idx="minor">
+              <a:schemeClr val="dk1"/>
+            </a:fontRef>
+          </p:style>
+          <p:txBody>
+            <a:bodyPr rtlCol="0" anchor="ctr"/>
+            <a:lstStyle/>
+            <a:p>
+              <a:pPr algn="ctr"/>
+              <a:r>
+                <a:rPr lang="en-GB" sz="900" dirty="0"/>
+                <a:t>Semi-Custom ASIC</a:t>
+              </a:r>
+            </a:p>
+          </p:txBody>
+        </p:sp>
+        <p:sp>
+          <p:nvSpPr>
+            <p:cNvPr id="10" name="Rectangle 9">
+              <a:extLst>
+                <a:ext uri="{FF2B5EF4-FFF2-40B4-BE49-F238E27FC236}">
+                  <a16:creationId xmlns:a16="http://schemas.microsoft.com/office/drawing/2014/main" id="{FB68D126-CE2D-D008-7712-640714CAD2C7}"/>
+                </a:ext>
+              </a:extLst>
+            </p:cNvPr>
+            <p:cNvSpPr/>
+            <p:nvPr/>
+          </p:nvSpPr>
+          <p:spPr>
+            <a:xfrm>
+              <a:off x="3788253" y="3136575"/>
+              <a:ext cx="1024255" cy="519673"/>
+            </a:xfrm>
+            <a:prstGeom prst="rect">
+              <a:avLst/>
+            </a:prstGeom>
+          </p:spPr>
+          <p:style>
+            <a:lnRef idx="2">
+              <a:schemeClr val="accent6"/>
+            </a:lnRef>
+            <a:fillRef idx="1">
+              <a:schemeClr val="lt1"/>
+            </a:fillRef>
+            <a:effectRef idx="0">
+              <a:schemeClr val="accent6"/>
+            </a:effectRef>
+            <a:fontRef idx="minor">
+              <a:schemeClr val="dk1"/>
+            </a:fontRef>
+          </p:style>
+          <p:txBody>
+            <a:bodyPr rtlCol="0" anchor="ctr"/>
+            <a:lstStyle/>
+            <a:p>
+              <a:pPr algn="ctr"/>
+              <a:r>
+                <a:rPr lang="en-GB" sz="900" dirty="0">
+                  <a:solidFill>
+                    <a:schemeClr val="accent6"/>
+                  </a:solidFill>
+                </a:rPr>
+                <a:t>Programmable IC</a:t>
+              </a:r>
+              <a:br>
+                <a:rPr lang="en-GB" sz="900" dirty="0">
+                  <a:solidFill>
+                    <a:schemeClr val="accent6"/>
+                  </a:solidFill>
+                </a:rPr>
+              </a:br>
+              <a:r>
+                <a:rPr lang="en-GB" sz="900" b="1" dirty="0">
+                  <a:solidFill>
+                    <a:schemeClr val="accent6"/>
+                  </a:solidFill>
+                </a:rPr>
+                <a:t>PLD</a:t>
+              </a:r>
+              <a:r>
+                <a:rPr lang="en-GB" sz="900" dirty="0">
+                  <a:solidFill>
+                    <a:schemeClr val="accent6"/>
+                  </a:solidFill>
+                </a:rPr>
+                <a:t> &amp; </a:t>
+              </a:r>
+              <a:r>
+                <a:rPr lang="en-GB" sz="900" b="1" dirty="0">
+                  <a:solidFill>
+                    <a:schemeClr val="accent6"/>
+                  </a:solidFill>
+                </a:rPr>
+                <a:t>FPGA</a:t>
+              </a:r>
+            </a:p>
+          </p:txBody>
+        </p:sp>
+        <p:sp>
+          <p:nvSpPr>
+            <p:cNvPr id="11" name="Rectangle 10">
+              <a:extLst>
+                <a:ext uri="{FF2B5EF4-FFF2-40B4-BE49-F238E27FC236}">
+                  <a16:creationId xmlns:a16="http://schemas.microsoft.com/office/drawing/2014/main" id="{2D050EF6-A98F-67A8-929B-88C88D963032}"/>
+                </a:ext>
+              </a:extLst>
+            </p:cNvPr>
+            <p:cNvSpPr/>
+            <p:nvPr/>
+          </p:nvSpPr>
+          <p:spPr>
+            <a:xfrm>
+              <a:off x="1654884" y="3918073"/>
+              <a:ext cx="1024255" cy="519673"/>
+            </a:xfrm>
+            <a:prstGeom prst="rect">
+              <a:avLst/>
+            </a:prstGeom>
+          </p:spPr>
+          <p:style>
+            <a:lnRef idx="2">
+              <a:schemeClr val="dk1"/>
+            </a:lnRef>
+            <a:fillRef idx="1">
+              <a:schemeClr val="lt1"/>
+            </a:fillRef>
+            <a:effectRef idx="0">
+              <a:schemeClr val="dk1"/>
+            </a:effectRef>
+            <a:fontRef idx="minor">
+              <a:schemeClr val="dk1"/>
+            </a:fontRef>
+          </p:style>
+          <p:txBody>
+            <a:bodyPr rtlCol="0" anchor="ctr"/>
+            <a:lstStyle/>
+            <a:p>
+              <a:pPr algn="ctr"/>
+              <a:r>
+                <a:rPr lang="en-GB" sz="1000" dirty="0"/>
+                <a:t>Gate Arrays</a:t>
+              </a:r>
+            </a:p>
+          </p:txBody>
+        </p:sp>
+        <p:sp>
+          <p:nvSpPr>
+            <p:cNvPr id="12" name="Rectangle 11">
+              <a:extLst>
+                <a:ext uri="{FF2B5EF4-FFF2-40B4-BE49-F238E27FC236}">
+                  <a16:creationId xmlns:a16="http://schemas.microsoft.com/office/drawing/2014/main" id="{94C22530-DDC1-8888-19E9-0FEA60FCEAB8}"/>
+                </a:ext>
+              </a:extLst>
+            </p:cNvPr>
+            <p:cNvSpPr/>
+            <p:nvPr/>
+          </p:nvSpPr>
+          <p:spPr>
+            <a:xfrm>
+              <a:off x="3333439" y="3918073"/>
+              <a:ext cx="1024255" cy="519673"/>
+            </a:xfrm>
+            <a:prstGeom prst="rect">
+              <a:avLst/>
+            </a:prstGeom>
+          </p:spPr>
+          <p:style>
+            <a:lnRef idx="2">
+              <a:schemeClr val="dk1"/>
+            </a:lnRef>
+            <a:fillRef idx="1">
+              <a:schemeClr val="lt1"/>
+            </a:fillRef>
+            <a:effectRef idx="0">
+              <a:schemeClr val="dk1"/>
+            </a:effectRef>
+            <a:fontRef idx="minor">
+              <a:schemeClr val="dk1"/>
+            </a:fontRef>
+          </p:style>
+          <p:txBody>
+            <a:bodyPr rtlCol="0" anchor="ctr"/>
+            <a:lstStyle/>
+            <a:p>
+              <a:pPr algn="ctr"/>
+              <a:r>
+                <a:rPr lang="en-GB" sz="1000" dirty="0"/>
+                <a:t>Cell Based</a:t>
+              </a:r>
+            </a:p>
+          </p:txBody>
+        </p:sp>
+        <p:sp>
+          <p:nvSpPr>
+            <p:cNvPr id="13" name="Rectangle 12">
+              <a:extLst>
+                <a:ext uri="{FF2B5EF4-FFF2-40B4-BE49-F238E27FC236}">
+                  <a16:creationId xmlns:a16="http://schemas.microsoft.com/office/drawing/2014/main" id="{AF9E7842-2141-4EA8-6A97-A5D78766B7B0}"/>
+                </a:ext>
+              </a:extLst>
+            </p:cNvPr>
+            <p:cNvSpPr/>
+            <p:nvPr/>
+          </p:nvSpPr>
+          <p:spPr>
+            <a:xfrm>
+              <a:off x="800756" y="4699566"/>
+              <a:ext cx="1024255" cy="519673"/>
+            </a:xfrm>
+            <a:prstGeom prst="rect">
+              <a:avLst/>
+            </a:prstGeom>
+          </p:spPr>
+          <p:style>
+            <a:lnRef idx="2">
+              <a:schemeClr val="dk1"/>
+            </a:lnRef>
+            <a:fillRef idx="1">
+              <a:schemeClr val="lt1"/>
+            </a:fillRef>
+            <a:effectRef idx="0">
+              <a:schemeClr val="dk1"/>
+            </a:effectRef>
+            <a:fontRef idx="minor">
+              <a:schemeClr val="dk1"/>
+            </a:fontRef>
+          </p:style>
+          <p:txBody>
+            <a:bodyPr rtlCol="0" anchor="ctr"/>
+            <a:lstStyle/>
+            <a:p>
+              <a:pPr algn="ctr"/>
+              <a:r>
+                <a:rPr lang="en-GB" sz="1000" dirty="0"/>
+                <a:t>Channelled</a:t>
+              </a:r>
+            </a:p>
+          </p:txBody>
+        </p:sp>
+        <p:sp>
+          <p:nvSpPr>
+            <p:cNvPr id="14" name="Rectangle 13">
+              <a:extLst>
+                <a:ext uri="{FF2B5EF4-FFF2-40B4-BE49-F238E27FC236}">
+                  <a16:creationId xmlns:a16="http://schemas.microsoft.com/office/drawing/2014/main" id="{8AA68DDD-0D79-7F10-051F-0C59B7421A62}"/>
+                </a:ext>
+              </a:extLst>
+            </p:cNvPr>
+            <p:cNvSpPr/>
+            <p:nvPr/>
+          </p:nvSpPr>
+          <p:spPr>
+            <a:xfrm>
+              <a:off x="1929693" y="4699569"/>
+              <a:ext cx="1024255" cy="519673"/>
+            </a:xfrm>
+            <a:prstGeom prst="rect">
+              <a:avLst/>
+            </a:prstGeom>
+          </p:spPr>
+          <p:style>
+            <a:lnRef idx="2">
+              <a:schemeClr val="dk1"/>
+            </a:lnRef>
+            <a:fillRef idx="1">
+              <a:schemeClr val="lt1"/>
+            </a:fillRef>
+            <a:effectRef idx="0">
+              <a:schemeClr val="dk1"/>
+            </a:effectRef>
+            <a:fontRef idx="minor">
+              <a:schemeClr val="dk1"/>
+            </a:fontRef>
+          </p:style>
+          <p:txBody>
+            <a:bodyPr rtlCol="0" anchor="ctr"/>
+            <a:lstStyle/>
+            <a:p>
+              <a:pPr algn="ctr"/>
+              <a:r>
+                <a:rPr lang="en-GB" sz="1000" dirty="0"/>
+                <a:t>Channel-less</a:t>
+              </a:r>
+            </a:p>
+          </p:txBody>
+        </p:sp>
+        <p:sp>
+          <p:nvSpPr>
+            <p:cNvPr id="15" name="Rectangle 14">
+              <a:extLst>
+                <a:ext uri="{FF2B5EF4-FFF2-40B4-BE49-F238E27FC236}">
+                  <a16:creationId xmlns:a16="http://schemas.microsoft.com/office/drawing/2014/main" id="{5B9781BC-0B07-0049-B9AF-BD4629E16042}"/>
+                </a:ext>
+              </a:extLst>
+            </p:cNvPr>
+            <p:cNvSpPr/>
+            <p:nvPr/>
+          </p:nvSpPr>
+          <p:spPr>
+            <a:xfrm>
+              <a:off x="3058630" y="4699568"/>
+              <a:ext cx="1024255" cy="519673"/>
+            </a:xfrm>
+            <a:prstGeom prst="rect">
+              <a:avLst/>
+            </a:prstGeom>
+          </p:spPr>
+          <p:style>
+            <a:lnRef idx="2">
+              <a:schemeClr val="dk1"/>
+            </a:lnRef>
+            <a:fillRef idx="1">
+              <a:schemeClr val="lt1"/>
+            </a:fillRef>
+            <a:effectRef idx="0">
+              <a:schemeClr val="dk1"/>
+            </a:effectRef>
+            <a:fontRef idx="minor">
+              <a:schemeClr val="dk1"/>
+            </a:fontRef>
+          </p:style>
+          <p:txBody>
+            <a:bodyPr rtlCol="0" anchor="ctr"/>
+            <a:lstStyle/>
+            <a:p>
+              <a:pPr algn="ctr"/>
+              <a:r>
+                <a:rPr lang="en-GB" sz="1000" dirty="0"/>
+                <a:t>Standard Cell</a:t>
+              </a:r>
+            </a:p>
+          </p:txBody>
+        </p:sp>
+        <p:sp>
+          <p:nvSpPr>
+            <p:cNvPr id="16" name="Rectangle 15">
+              <a:extLst>
+                <a:ext uri="{FF2B5EF4-FFF2-40B4-BE49-F238E27FC236}">
+                  <a16:creationId xmlns:a16="http://schemas.microsoft.com/office/drawing/2014/main" id="{B2366BB1-0275-B639-D548-8AC0A8BA1A10}"/>
+                </a:ext>
+              </a:extLst>
+            </p:cNvPr>
+            <p:cNvSpPr/>
+            <p:nvPr/>
+          </p:nvSpPr>
+          <p:spPr>
+            <a:xfrm>
+              <a:off x="4187567" y="4699567"/>
+              <a:ext cx="1024255" cy="519673"/>
+            </a:xfrm>
+            <a:prstGeom prst="rect">
+              <a:avLst/>
+            </a:prstGeom>
+          </p:spPr>
+          <p:style>
+            <a:lnRef idx="2">
+              <a:schemeClr val="dk1"/>
+            </a:lnRef>
+            <a:fillRef idx="1">
+              <a:schemeClr val="lt1"/>
+            </a:fillRef>
+            <a:effectRef idx="0">
+              <a:schemeClr val="dk1"/>
+            </a:effectRef>
+            <a:fontRef idx="minor">
+              <a:schemeClr val="dk1"/>
+            </a:fontRef>
+          </p:style>
+          <p:txBody>
+            <a:bodyPr rtlCol="0" anchor="ctr"/>
+            <a:lstStyle/>
+            <a:p>
+              <a:pPr algn="ctr"/>
+              <a:r>
+                <a:rPr lang="en-GB" sz="1000" dirty="0"/>
+                <a:t>Macro Cell</a:t>
+              </a:r>
+            </a:p>
+          </p:txBody>
+        </p:sp>
+        <p:cxnSp>
+          <p:nvCxnSpPr>
+            <p:cNvPr id="17" name="Straight Arrow Connector 16">
+              <a:extLst>
+                <a:ext uri="{FF2B5EF4-FFF2-40B4-BE49-F238E27FC236}">
+                  <a16:creationId xmlns:a16="http://schemas.microsoft.com/office/drawing/2014/main" id="{6264E329-C2BF-C5D6-4F43-4DA4F1C9135A}"/>
+                </a:ext>
+              </a:extLst>
+            </p:cNvPr>
+            <p:cNvCxnSpPr>
+              <a:stCxn id="5" idx="2"/>
+              <a:endCxn id="6" idx="0"/>
+            </p:cNvCxnSpPr>
+            <p:nvPr/>
+          </p:nvCxnSpPr>
+          <p:spPr>
+            <a:xfrm flipH="1">
+              <a:off x="1825011" y="2874752"/>
+              <a:ext cx="1237685" cy="261825"/>
+            </a:xfrm>
+            <a:prstGeom prst="straightConnector1">
+              <a:avLst/>
+            </a:prstGeom>
+            <a:ln>
+              <a:tailEnd type="triangle"/>
+            </a:ln>
+          </p:spPr>
+          <p:style>
+            <a:lnRef idx="3">
+              <a:schemeClr val="dk1"/>
+            </a:lnRef>
+            <a:fillRef idx="0">
+              <a:schemeClr val="dk1"/>
+            </a:fillRef>
+            <a:effectRef idx="2">
+              <a:schemeClr val="dk1"/>
+            </a:effectRef>
+            <a:fontRef idx="minor">
+              <a:schemeClr val="tx1"/>
+            </a:fontRef>
+          </p:style>
+        </p:cxnSp>
+        <p:cxnSp>
+          <p:nvCxnSpPr>
+            <p:cNvPr id="18" name="Straight Arrow Connector 17">
+              <a:extLst>
+                <a:ext uri="{FF2B5EF4-FFF2-40B4-BE49-F238E27FC236}">
+                  <a16:creationId xmlns:a16="http://schemas.microsoft.com/office/drawing/2014/main" id="{50CAC8AA-47D2-CDBD-1A41-8C25CF07AD06}"/>
+                </a:ext>
+              </a:extLst>
+            </p:cNvPr>
+            <p:cNvCxnSpPr>
+              <a:stCxn id="5" idx="2"/>
+              <a:endCxn id="9" idx="0"/>
+            </p:cNvCxnSpPr>
+            <p:nvPr/>
+          </p:nvCxnSpPr>
+          <p:spPr>
+            <a:xfrm>
+              <a:off x="3062696" y="2874752"/>
+              <a:ext cx="0" cy="261824"/>
+            </a:xfrm>
+            <a:prstGeom prst="straightConnector1">
+              <a:avLst/>
+            </a:prstGeom>
+            <a:ln>
+              <a:tailEnd type="triangle"/>
+            </a:ln>
+          </p:spPr>
+          <p:style>
+            <a:lnRef idx="3">
+              <a:schemeClr val="dk1"/>
+            </a:lnRef>
+            <a:fillRef idx="0">
+              <a:schemeClr val="dk1"/>
+            </a:fillRef>
+            <a:effectRef idx="2">
+              <a:schemeClr val="dk1"/>
+            </a:effectRef>
+            <a:fontRef idx="minor">
+              <a:schemeClr val="tx1"/>
+            </a:fontRef>
+          </p:style>
+        </p:cxnSp>
+        <p:cxnSp>
+          <p:nvCxnSpPr>
+            <p:cNvPr id="19" name="Straight Arrow Connector 18">
+              <a:extLst>
+                <a:ext uri="{FF2B5EF4-FFF2-40B4-BE49-F238E27FC236}">
+                  <a16:creationId xmlns:a16="http://schemas.microsoft.com/office/drawing/2014/main" id="{DBAE444D-2303-3861-E96B-03FDB0DADDB7}"/>
+                </a:ext>
+              </a:extLst>
+            </p:cNvPr>
+            <p:cNvCxnSpPr>
+              <a:stCxn id="5" idx="2"/>
+              <a:endCxn id="10" idx="0"/>
+            </p:cNvCxnSpPr>
+            <p:nvPr/>
+          </p:nvCxnSpPr>
+          <p:spPr>
+            <a:xfrm>
+              <a:off x="3062696" y="2874752"/>
+              <a:ext cx="1237685" cy="261823"/>
+            </a:xfrm>
+            <a:prstGeom prst="straightConnector1">
+              <a:avLst/>
+            </a:prstGeom>
+            <a:ln>
+              <a:tailEnd type="triangle"/>
+            </a:ln>
+          </p:spPr>
+          <p:style>
+            <a:lnRef idx="3">
+              <a:schemeClr val="dk1"/>
+            </a:lnRef>
+            <a:fillRef idx="0">
+              <a:schemeClr val="dk1"/>
+            </a:fillRef>
+            <a:effectRef idx="2">
+              <a:schemeClr val="dk1"/>
+            </a:effectRef>
+            <a:fontRef idx="minor">
+              <a:schemeClr val="tx1"/>
+            </a:fontRef>
+          </p:style>
+        </p:cxnSp>
+        <p:cxnSp>
+          <p:nvCxnSpPr>
+            <p:cNvPr id="20" name="Straight Arrow Connector 19">
+              <a:extLst>
+                <a:ext uri="{FF2B5EF4-FFF2-40B4-BE49-F238E27FC236}">
+                  <a16:creationId xmlns:a16="http://schemas.microsoft.com/office/drawing/2014/main" id="{38B896A7-BC82-9345-4FC9-483441053AF2}"/>
+                </a:ext>
+              </a:extLst>
+            </p:cNvPr>
+            <p:cNvCxnSpPr>
+              <a:stCxn id="9" idx="2"/>
+              <a:endCxn id="11" idx="0"/>
+            </p:cNvCxnSpPr>
+            <p:nvPr/>
+          </p:nvCxnSpPr>
+          <p:spPr>
+            <a:xfrm flipH="1">
+              <a:off x="2167012" y="3656249"/>
+              <a:ext cx="895684" cy="261824"/>
+            </a:xfrm>
+            <a:prstGeom prst="straightConnector1">
+              <a:avLst/>
+            </a:prstGeom>
+            <a:ln>
+              <a:tailEnd type="triangle"/>
+            </a:ln>
+          </p:spPr>
+          <p:style>
+            <a:lnRef idx="3">
+              <a:schemeClr val="dk1"/>
+            </a:lnRef>
+            <a:fillRef idx="0">
+              <a:schemeClr val="dk1"/>
+            </a:fillRef>
+            <a:effectRef idx="2">
+              <a:schemeClr val="dk1"/>
+            </a:effectRef>
+            <a:fontRef idx="minor">
+              <a:schemeClr val="tx1"/>
+            </a:fontRef>
+          </p:style>
+        </p:cxnSp>
+        <p:cxnSp>
+          <p:nvCxnSpPr>
+            <p:cNvPr id="21" name="Straight Arrow Connector 20">
+              <a:extLst>
+                <a:ext uri="{FF2B5EF4-FFF2-40B4-BE49-F238E27FC236}">
+                  <a16:creationId xmlns:a16="http://schemas.microsoft.com/office/drawing/2014/main" id="{0AA33A35-ABFB-9461-22AE-0E89701309BB}"/>
+                </a:ext>
+              </a:extLst>
+            </p:cNvPr>
+            <p:cNvCxnSpPr>
+              <a:stCxn id="9" idx="2"/>
+              <a:endCxn id="12" idx="0"/>
+            </p:cNvCxnSpPr>
+            <p:nvPr/>
+          </p:nvCxnSpPr>
+          <p:spPr>
+            <a:xfrm>
+              <a:off x="3062696" y="3656249"/>
+              <a:ext cx="782871" cy="261824"/>
+            </a:xfrm>
+            <a:prstGeom prst="straightConnector1">
+              <a:avLst/>
+            </a:prstGeom>
+            <a:ln>
+              <a:tailEnd type="triangle"/>
+            </a:ln>
+          </p:spPr>
+          <p:style>
+            <a:lnRef idx="3">
+              <a:schemeClr val="dk1"/>
+            </a:lnRef>
+            <a:fillRef idx="0">
+              <a:schemeClr val="dk1"/>
+            </a:fillRef>
+            <a:effectRef idx="2">
+              <a:schemeClr val="dk1"/>
+            </a:effectRef>
+            <a:fontRef idx="minor">
+              <a:schemeClr val="tx1"/>
+            </a:fontRef>
+          </p:style>
+        </p:cxnSp>
+        <p:cxnSp>
+          <p:nvCxnSpPr>
+            <p:cNvPr id="22" name="Straight Arrow Connector 21">
+              <a:extLst>
+                <a:ext uri="{FF2B5EF4-FFF2-40B4-BE49-F238E27FC236}">
+                  <a16:creationId xmlns:a16="http://schemas.microsoft.com/office/drawing/2014/main" id="{2211EC13-DF51-C08C-9DE5-9E7C826B0845}"/>
+                </a:ext>
+              </a:extLst>
+            </p:cNvPr>
+            <p:cNvCxnSpPr>
+              <a:stCxn id="11" idx="2"/>
+              <a:endCxn id="13" idx="0"/>
+            </p:cNvCxnSpPr>
+            <p:nvPr/>
+          </p:nvCxnSpPr>
+          <p:spPr>
+            <a:xfrm flipH="1">
+              <a:off x="1312884" y="4437746"/>
+              <a:ext cx="854128" cy="261820"/>
+            </a:xfrm>
+            <a:prstGeom prst="straightConnector1">
+              <a:avLst/>
+            </a:prstGeom>
+            <a:ln>
+              <a:tailEnd type="triangle"/>
+            </a:ln>
+          </p:spPr>
+          <p:style>
+            <a:lnRef idx="3">
+              <a:schemeClr val="dk1"/>
+            </a:lnRef>
+            <a:fillRef idx="0">
+              <a:schemeClr val="dk1"/>
+            </a:fillRef>
+            <a:effectRef idx="2">
+              <a:schemeClr val="dk1"/>
+            </a:effectRef>
+            <a:fontRef idx="minor">
+              <a:schemeClr val="tx1"/>
+            </a:fontRef>
+          </p:style>
+        </p:cxnSp>
+        <p:cxnSp>
+          <p:nvCxnSpPr>
+            <p:cNvPr id="23" name="Straight Arrow Connector 22">
+              <a:extLst>
+                <a:ext uri="{FF2B5EF4-FFF2-40B4-BE49-F238E27FC236}">
+                  <a16:creationId xmlns:a16="http://schemas.microsoft.com/office/drawing/2014/main" id="{F5A3965E-4FC4-9A1E-F765-3C6F82AB3F13}"/>
+                </a:ext>
+              </a:extLst>
+            </p:cNvPr>
+            <p:cNvCxnSpPr>
+              <a:stCxn id="11" idx="2"/>
+              <a:endCxn id="14" idx="0"/>
+            </p:cNvCxnSpPr>
+            <p:nvPr/>
+          </p:nvCxnSpPr>
+          <p:spPr>
+            <a:xfrm>
+              <a:off x="2167012" y="4437746"/>
+              <a:ext cx="274809" cy="261823"/>
+            </a:xfrm>
+            <a:prstGeom prst="straightConnector1">
+              <a:avLst/>
+            </a:prstGeom>
+            <a:ln>
+              <a:tailEnd type="triangle"/>
+            </a:ln>
+          </p:spPr>
+          <p:style>
+            <a:lnRef idx="3">
+              <a:schemeClr val="dk1"/>
+            </a:lnRef>
+            <a:fillRef idx="0">
+              <a:schemeClr val="dk1"/>
+            </a:fillRef>
+            <a:effectRef idx="2">
+              <a:schemeClr val="dk1"/>
+            </a:effectRef>
+            <a:fontRef idx="minor">
+              <a:schemeClr val="tx1"/>
+            </a:fontRef>
+          </p:style>
+        </p:cxnSp>
+        <p:cxnSp>
+          <p:nvCxnSpPr>
+            <p:cNvPr id="24" name="Straight Arrow Connector 23">
+              <a:extLst>
+                <a:ext uri="{FF2B5EF4-FFF2-40B4-BE49-F238E27FC236}">
+                  <a16:creationId xmlns:a16="http://schemas.microsoft.com/office/drawing/2014/main" id="{E4EDDAD0-90AC-7B0D-52F0-8A74D15C9F0F}"/>
+                </a:ext>
+              </a:extLst>
+            </p:cNvPr>
+            <p:cNvCxnSpPr>
+              <a:stCxn id="12" idx="2"/>
+              <a:endCxn id="15" idx="0"/>
+            </p:cNvCxnSpPr>
+            <p:nvPr/>
+          </p:nvCxnSpPr>
+          <p:spPr>
+            <a:xfrm flipH="1">
+              <a:off x="3570758" y="4437746"/>
+              <a:ext cx="274809" cy="261822"/>
+            </a:xfrm>
+            <a:prstGeom prst="straightConnector1">
+              <a:avLst/>
+            </a:prstGeom>
+            <a:ln>
+              <a:tailEnd type="triangle"/>
+            </a:ln>
+          </p:spPr>
+          <p:style>
+            <a:lnRef idx="3">
+              <a:schemeClr val="dk1"/>
+            </a:lnRef>
+            <a:fillRef idx="0">
+              <a:schemeClr val="dk1"/>
+            </a:fillRef>
+            <a:effectRef idx="2">
+              <a:schemeClr val="dk1"/>
+            </a:effectRef>
+            <a:fontRef idx="minor">
+              <a:schemeClr val="tx1"/>
+            </a:fontRef>
+          </p:style>
+        </p:cxnSp>
+        <p:cxnSp>
+          <p:nvCxnSpPr>
+            <p:cNvPr id="25" name="Straight Arrow Connector 24">
+              <a:extLst>
+                <a:ext uri="{FF2B5EF4-FFF2-40B4-BE49-F238E27FC236}">
+                  <a16:creationId xmlns:a16="http://schemas.microsoft.com/office/drawing/2014/main" id="{65EB0E37-34D6-C07E-BB30-B6DBEC81E681}"/>
+                </a:ext>
+              </a:extLst>
+            </p:cNvPr>
+            <p:cNvCxnSpPr>
+              <a:stCxn id="12" idx="2"/>
+              <a:endCxn id="16" idx="0"/>
+            </p:cNvCxnSpPr>
+            <p:nvPr/>
+          </p:nvCxnSpPr>
+          <p:spPr>
+            <a:xfrm>
+              <a:off x="3845567" y="4437746"/>
+              <a:ext cx="854128" cy="261821"/>
+            </a:xfrm>
+            <a:prstGeom prst="straightConnector1">
+              <a:avLst/>
+            </a:prstGeom>
+            <a:ln>
+              <a:tailEnd type="triangle"/>
+            </a:ln>
+          </p:spPr>
+          <p:style>
+            <a:lnRef idx="3">
+              <a:schemeClr val="dk1"/>
+            </a:lnRef>
+            <a:fillRef idx="0">
+              <a:schemeClr val="dk1"/>
+            </a:fillRef>
+            <a:effectRef idx="2">
+              <a:schemeClr val="dk1"/>
+            </a:effectRef>
+            <a:fontRef idx="minor">
+              <a:schemeClr val="tx1"/>
+            </a:fontRef>
+          </p:style>
+        </p:cxnSp>
+      </p:grpSp>
+    </p:spTree>
+    <p:extLst>
+      <p:ext uri="{BB962C8B-B14F-4D97-AF65-F5344CB8AC3E}">
+        <p14:creationId xmlns:p14="http://schemas.microsoft.com/office/powerpoint/2010/main" val="1439825247"/>
+      </p:ext>
+    </p:extLst>
+  </p:cSld>
+  <p:clrMapOvr>
+    <a:masterClrMapping/>
+  </p:clrMapOvr>
+</p:sld>
+</file>
+
+<file path=ppt/slides/slide3.xml><?xml version="1.0" encoding="utf-8"?>
+<p:sld xmlns:a="http://schemas.openxmlformats.org/drawingml/2006/main" xmlns:r="http://schemas.openxmlformats.org/officeDocument/2006/relationships" xmlns:p="http://schemas.openxmlformats.org/presentationml/2006/main">
+  <p:cSld>
+    <p:spTree>
+      <p:nvGrpSpPr>
+        <p:cNvPr id="1" name=""/>
+        <p:cNvGrpSpPr/>
+        <p:nvPr/>
+      </p:nvGrpSpPr>
+      <p:grpSpPr>
+        <a:xfrm>
+          <a:off x="0" y="0"/>
+          <a:ext cx="0" cy="0"/>
+          <a:chOff x="0" y="0"/>
+          <a:chExt cx="0" cy="0"/>
+        </a:xfrm>
+      </p:grpSpPr>
+      <p:sp>
+        <p:nvSpPr>
+          <p:cNvPr id="2" name="Title 1">
+            <a:extLst>
+              <a:ext uri="{FF2B5EF4-FFF2-40B4-BE49-F238E27FC236}">
                 <a16:creationId xmlns:a16="http://schemas.microsoft.com/office/drawing/2014/main" id="{AB75062F-DA0E-44C4-E62E-56DF329A84FB}"/>
               </a:ext>
             </a:extLst>
@@ -25646,7 +27941,7 @@
 </p:sld>
 </file>
 
-<file path=ppt/slides/slide3.xml><?xml version="1.0" encoding="utf-8"?>
+<file path=ppt/slides/slide4.xml><?xml version="1.0" encoding="utf-8"?>
 <p:sld xmlns:a="http://schemas.openxmlformats.org/drawingml/2006/main" xmlns:r="http://schemas.openxmlformats.org/officeDocument/2006/relationships" xmlns:p="http://schemas.openxmlformats.org/presentationml/2006/main">
   <p:cSld>
     <p:spTree>
@@ -25922,7 +28217,7 @@
 </p:sld>
 </file>
 
-<file path=ppt/slides/slide4.xml><?xml version="1.0" encoding="utf-8"?>
+<file path=ppt/slides/slide5.xml><?xml version="1.0" encoding="utf-8"?>
 <p:sld xmlns:a="http://schemas.openxmlformats.org/drawingml/2006/main" xmlns:r="http://schemas.openxmlformats.org/officeDocument/2006/relationships" xmlns:p="http://schemas.openxmlformats.org/presentationml/2006/main">
   <p:cSld>
     <p:spTree>
@@ -32372,7 +34667,7 @@
 </p:sld>
 </file>
 
-<file path=ppt/slides/slide5.xml><?xml version="1.0" encoding="utf-8"?>
+<file path=ppt/slides/slide6.xml><?xml version="1.0" encoding="utf-8"?>
 <p:sld xmlns:a="http://schemas.openxmlformats.org/drawingml/2006/main" xmlns:r="http://schemas.openxmlformats.org/officeDocument/2006/relationships" xmlns:p="http://schemas.openxmlformats.org/presentationml/2006/main">
   <p:cSld>
     <p:spTree>
@@ -33032,7 +35327,7 @@
 </p:sld>
 </file>
 
-<file path=ppt/slides/slide6.xml><?xml version="1.0" encoding="utf-8"?>
+<file path=ppt/slides/slide7.xml><?xml version="1.0" encoding="utf-8"?>
 <p:sld xmlns:a="http://schemas.openxmlformats.org/drawingml/2006/main" xmlns:r="http://schemas.openxmlformats.org/officeDocument/2006/relationships" xmlns:p="http://schemas.openxmlformats.org/presentationml/2006/main">
   <p:cSld>
     <p:spTree>
@@ -36454,7 +38749,7 @@
 </p:sld>
 </file>
 
-<file path=ppt/slides/slide7.xml><?xml version="1.0" encoding="utf-8"?>
+<file path=ppt/slides/slide8.xml><?xml version="1.0" encoding="utf-8"?>
 <p:sld xmlns:a="http://schemas.openxmlformats.org/drawingml/2006/main" xmlns:r="http://schemas.openxmlformats.org/officeDocument/2006/relationships" xmlns:p="http://schemas.openxmlformats.org/presentationml/2006/main">
   <p:cSld>
     <p:spTree>
@@ -36585,7 +38880,7 @@
 </p:sld>
 </file>
 
-<file path=ppt/slides/slide8.xml><?xml version="1.0" encoding="utf-8"?>
+<file path=ppt/slides/slide9.xml><?xml version="1.0" encoding="utf-8"?>
 <p:sld xmlns:a="http://schemas.openxmlformats.org/drawingml/2006/main" xmlns:r="http://schemas.openxmlformats.org/officeDocument/2006/relationships" xmlns:p="http://schemas.openxmlformats.org/presentationml/2006/main">
   <p:cSld>
     <p:spTree>
@@ -36741,857 +39036,6 @@
     <p:extLst>
       <p:ext uri="{BB962C8B-B14F-4D97-AF65-F5344CB8AC3E}">
         <p14:creationId xmlns:p14="http://schemas.microsoft.com/office/powerpoint/2010/main" val="3631409919"/>
-      </p:ext>
-    </p:extLst>
-  </p:cSld>
-  <p:clrMapOvr>
-    <a:masterClrMapping/>
-  </p:clrMapOvr>
-</p:sld>
-</file>
-
-<file path=ppt/slides/slide9.xml><?xml version="1.0" encoding="utf-8"?>
-<p:sld xmlns:a="http://schemas.openxmlformats.org/drawingml/2006/main" xmlns:r="http://schemas.openxmlformats.org/officeDocument/2006/relationships" xmlns:p="http://schemas.openxmlformats.org/presentationml/2006/main">
-  <p:cSld>
-    <p:spTree>
-      <p:nvGrpSpPr>
-        <p:cNvPr id="1" name=""/>
-        <p:cNvGrpSpPr/>
-        <p:nvPr/>
-      </p:nvGrpSpPr>
-      <p:grpSpPr>
-        <a:xfrm>
-          <a:off x="0" y="0"/>
-          <a:ext cx="0" cy="0"/>
-          <a:chOff x="0" y="0"/>
-          <a:chExt cx="0" cy="0"/>
-        </a:xfrm>
-      </p:grpSpPr>
-      <p:sp>
-        <p:nvSpPr>
-          <p:cNvPr id="2" name="Title 1">
-            <a:extLst>
-              <a:ext uri="{FF2B5EF4-FFF2-40B4-BE49-F238E27FC236}">
-                <a16:creationId xmlns:a16="http://schemas.microsoft.com/office/drawing/2014/main" id="{1AC0F813-A134-4D05-8322-4F11427E6BE9}"/>
-              </a:ext>
-            </a:extLst>
-          </p:cNvPr>
-          <p:cNvSpPr>
-            <a:spLocks noGrp="1"/>
-          </p:cNvSpPr>
-          <p:nvPr>
-            <p:ph type="title"/>
-          </p:nvPr>
-        </p:nvSpPr>
-        <p:spPr/>
-        <p:txBody>
-          <a:bodyPr/>
-          <a:lstStyle/>
-          <a:p>
-            <a:r>
-              <a:rPr lang="en-GB" dirty="0"/>
-              <a:t>Simulation Setup</a:t>
-            </a:r>
-          </a:p>
-        </p:txBody>
-      </p:sp>
-      <p:sp>
-        <p:nvSpPr>
-          <p:cNvPr id="57" name="Content Placeholder 56">
-            <a:extLst>
-              <a:ext uri="{FF2B5EF4-FFF2-40B4-BE49-F238E27FC236}">
-                <a16:creationId xmlns:a16="http://schemas.microsoft.com/office/drawing/2014/main" id="{3169195E-118B-7804-1A1B-4E1FCB8AEAD8}"/>
-              </a:ext>
-            </a:extLst>
-          </p:cNvPr>
-          <p:cNvSpPr>
-            <a:spLocks noGrp="1"/>
-          </p:cNvSpPr>
-          <p:nvPr>
-            <p:ph sz="half" idx="1"/>
-          </p:nvPr>
-        </p:nvSpPr>
-        <p:spPr/>
-        <p:txBody>
-          <a:bodyPr/>
-          <a:lstStyle/>
-          <a:p>
-            <a:r>
-              <a:rPr lang="en-GB" dirty="0"/>
-              <a:t>The main test stimulus is provided by a clickable GUI</a:t>
-            </a:r>
-          </a:p>
-          <a:p>
-            <a:pPr lvl="1"/>
-            <a:r>
-              <a:rPr lang="en-GB" dirty="0"/>
-              <a:t>4 buttons</a:t>
-            </a:r>
-          </a:p>
-          <a:p>
-            <a:pPr lvl="1"/>
-            <a:r>
-              <a:rPr lang="en-GB" dirty="0"/>
-              <a:t>3 LEDs</a:t>
-            </a:r>
-          </a:p>
-          <a:p>
-            <a:r>
-              <a:rPr lang="en-GB" dirty="0"/>
-              <a:t>The GUI interacts with a VHDL test bench</a:t>
-            </a:r>
-          </a:p>
-          <a:p>
-            <a:pPr lvl="1"/>
-            <a:r>
-              <a:rPr lang="en-GB" dirty="0"/>
-              <a:t>But you don’t need to see it.</a:t>
-            </a:r>
-          </a:p>
-          <a:p>
-            <a:r>
-              <a:rPr lang="en-GB" dirty="0"/>
-              <a:t>The simulation wave window then needs to be used to debug the design</a:t>
-            </a:r>
-          </a:p>
-        </p:txBody>
-      </p:sp>
-      <p:grpSp>
-        <p:nvGrpSpPr>
-          <p:cNvPr id="39" name="Group 38">
-            <a:extLst>
-              <a:ext uri="{FF2B5EF4-FFF2-40B4-BE49-F238E27FC236}">
-                <a16:creationId xmlns:a16="http://schemas.microsoft.com/office/drawing/2014/main" id="{06BE1162-1542-8E6B-BAC8-8F59DDBCC0A5}"/>
-              </a:ext>
-            </a:extLst>
-          </p:cNvPr>
-          <p:cNvGrpSpPr/>
-          <p:nvPr/>
-        </p:nvGrpSpPr>
-        <p:grpSpPr>
-          <a:xfrm>
-            <a:off x="7273795" y="1953843"/>
-            <a:ext cx="3650796" cy="4094902"/>
-            <a:chOff x="1271715" y="2009457"/>
-            <a:chExt cx="3650796" cy="4094902"/>
-          </a:xfrm>
-        </p:grpSpPr>
-        <p:sp>
-          <p:nvSpPr>
-            <p:cNvPr id="6" name="Rectangle 5">
-              <a:extLst>
-                <a:ext uri="{FF2B5EF4-FFF2-40B4-BE49-F238E27FC236}">
-                  <a16:creationId xmlns:a16="http://schemas.microsoft.com/office/drawing/2014/main" id="{933BF2E5-88D9-2425-6C27-1961C3189D8C}"/>
-                </a:ext>
-              </a:extLst>
-            </p:cNvPr>
-            <p:cNvSpPr/>
-            <p:nvPr/>
-          </p:nvSpPr>
-          <p:spPr>
-            <a:xfrm>
-              <a:off x="1271715" y="2012208"/>
-              <a:ext cx="3650796" cy="4092151"/>
-            </a:xfrm>
-            <a:prstGeom prst="rect">
-              <a:avLst/>
-            </a:prstGeom>
-            <a:effectLst>
-              <a:outerShdw blurRad="50800" dist="38100" dir="2700000" algn="tl" rotWithShape="0">
-                <a:prstClr val="black">
-                  <a:alpha val="40000"/>
-                </a:prstClr>
-              </a:outerShdw>
-            </a:effectLst>
-          </p:spPr>
-          <p:style>
-            <a:lnRef idx="2">
-              <a:schemeClr val="dk1"/>
-            </a:lnRef>
-            <a:fillRef idx="1">
-              <a:schemeClr val="lt1"/>
-            </a:fillRef>
-            <a:effectRef idx="0">
-              <a:schemeClr val="dk1"/>
-            </a:effectRef>
-            <a:fontRef idx="minor">
-              <a:schemeClr val="dk1"/>
-            </a:fontRef>
-          </p:style>
-          <p:txBody>
-            <a:bodyPr rtlCol="0" anchor="ctr"/>
-            <a:lstStyle/>
-            <a:p>
-              <a:pPr algn="ctr"/>
-              <a:endParaRPr lang="en-GB"/>
-            </a:p>
-          </p:txBody>
-        </p:sp>
-        <p:sp>
-          <p:nvSpPr>
-            <p:cNvPr id="7" name="Rectangle 6">
-              <a:extLst>
-                <a:ext uri="{FF2B5EF4-FFF2-40B4-BE49-F238E27FC236}">
-                  <a16:creationId xmlns:a16="http://schemas.microsoft.com/office/drawing/2014/main" id="{B7808B37-A771-BA34-69E7-6B1632486BDE}"/>
-                </a:ext>
-              </a:extLst>
-            </p:cNvPr>
-            <p:cNvSpPr/>
-            <p:nvPr/>
-          </p:nvSpPr>
-          <p:spPr>
-            <a:xfrm>
-              <a:off x="2681033" y="3249969"/>
-              <a:ext cx="1498922" cy="1209555"/>
-            </a:xfrm>
-            <a:prstGeom prst="rect">
-              <a:avLst/>
-            </a:prstGeom>
-            <a:effectLst>
-              <a:outerShdw blurRad="50800" dist="38100" dir="2700000" algn="tl" rotWithShape="0">
-                <a:prstClr val="black">
-                  <a:alpha val="40000"/>
-                </a:prstClr>
-              </a:outerShdw>
-            </a:effectLst>
-          </p:spPr>
-          <p:style>
-            <a:lnRef idx="2">
-              <a:schemeClr val="dk1"/>
-            </a:lnRef>
-            <a:fillRef idx="1">
-              <a:schemeClr val="lt1"/>
-            </a:fillRef>
-            <a:effectRef idx="0">
-              <a:schemeClr val="dk1"/>
-            </a:effectRef>
-            <a:fontRef idx="minor">
-              <a:schemeClr val="dk1"/>
-            </a:fontRef>
-          </p:style>
-          <p:txBody>
-            <a:bodyPr rtlCol="0" anchor="ctr"/>
-            <a:lstStyle/>
-            <a:p>
-              <a:pPr algn="ctr"/>
-              <a:endParaRPr lang="en-GB" dirty="0"/>
-            </a:p>
-          </p:txBody>
-        </p:sp>
-        <p:sp>
-          <p:nvSpPr>
-            <p:cNvPr id="8" name="TextBox 7">
-              <a:extLst>
-                <a:ext uri="{FF2B5EF4-FFF2-40B4-BE49-F238E27FC236}">
-                  <a16:creationId xmlns:a16="http://schemas.microsoft.com/office/drawing/2014/main" id="{86A99D5A-0E55-4A6C-1CCF-07FB2262FE05}"/>
-                </a:ext>
-              </a:extLst>
-            </p:cNvPr>
-            <p:cNvSpPr txBox="1"/>
-            <p:nvPr/>
-          </p:nvSpPr>
-          <p:spPr>
-            <a:xfrm>
-              <a:off x="3666473" y="3246453"/>
-              <a:ext cx="316112" cy="184666"/>
-            </a:xfrm>
-            <a:prstGeom prst="rect">
-              <a:avLst/>
-            </a:prstGeom>
-            <a:noFill/>
-          </p:spPr>
-          <p:txBody>
-            <a:bodyPr wrap="none" lIns="0" tIns="0" rIns="0" bIns="0" rtlCol="0">
-              <a:spAutoFit/>
-            </a:bodyPr>
-            <a:lstStyle/>
-            <a:p>
-              <a:pPr algn="ctr"/>
-              <a:r>
-                <a:rPr lang="en-GB" sz="1200" dirty="0"/>
-                <a:t>reset</a:t>
-              </a:r>
-            </a:p>
-          </p:txBody>
-        </p:sp>
-        <p:sp>
-          <p:nvSpPr>
-            <p:cNvPr id="9" name="TextBox 8">
-              <a:extLst>
-                <a:ext uri="{FF2B5EF4-FFF2-40B4-BE49-F238E27FC236}">
-                  <a16:creationId xmlns:a16="http://schemas.microsoft.com/office/drawing/2014/main" id="{F4C23E57-CE08-3095-6CE2-D10AFB60FEA1}"/>
-                </a:ext>
-              </a:extLst>
-            </p:cNvPr>
-            <p:cNvSpPr txBox="1"/>
-            <p:nvPr/>
-          </p:nvSpPr>
-          <p:spPr>
-            <a:xfrm>
-              <a:off x="2956017" y="3246453"/>
-              <a:ext cx="171522" cy="184666"/>
-            </a:xfrm>
-            <a:prstGeom prst="rect">
-              <a:avLst/>
-            </a:prstGeom>
-            <a:noFill/>
-          </p:spPr>
-          <p:txBody>
-            <a:bodyPr wrap="none" lIns="0" tIns="0" rIns="0" bIns="0" rtlCol="0">
-              <a:spAutoFit/>
-            </a:bodyPr>
-            <a:lstStyle/>
-            <a:p>
-              <a:pPr algn="ctr"/>
-              <a:r>
-                <a:rPr lang="en-GB" sz="1200" dirty="0" err="1"/>
-                <a:t>clk</a:t>
-              </a:r>
-              <a:endParaRPr lang="en-GB" sz="1200" dirty="0"/>
-            </a:p>
-          </p:txBody>
-        </p:sp>
-        <p:sp>
-          <p:nvSpPr>
-            <p:cNvPr id="10" name="TextBox 9">
-              <a:extLst>
-                <a:ext uri="{FF2B5EF4-FFF2-40B4-BE49-F238E27FC236}">
-                  <a16:creationId xmlns:a16="http://schemas.microsoft.com/office/drawing/2014/main" id="{37B28352-3B85-1646-C952-DF0C8A210125}"/>
-                </a:ext>
-              </a:extLst>
-            </p:cNvPr>
-            <p:cNvSpPr txBox="1"/>
-            <p:nvPr/>
-          </p:nvSpPr>
-          <p:spPr>
-            <a:xfrm>
-              <a:off x="2680637" y="3414761"/>
-              <a:ext cx="1498922" cy="369332"/>
-            </a:xfrm>
-            <a:prstGeom prst="rect">
-              <a:avLst/>
-            </a:prstGeom>
-            <a:noFill/>
-          </p:spPr>
-          <p:txBody>
-            <a:bodyPr wrap="square" rtlCol="0">
-              <a:spAutoFit/>
-            </a:bodyPr>
-            <a:lstStyle/>
-            <a:p>
-              <a:pPr algn="ctr"/>
-              <a:r>
-                <a:rPr lang="en-GB" dirty="0"/>
-                <a:t>led4_button4</a:t>
-              </a:r>
-            </a:p>
-          </p:txBody>
-        </p:sp>
-        <p:sp>
-          <p:nvSpPr>
-            <p:cNvPr id="11" name="TextBox 10">
-              <a:extLst>
-                <a:ext uri="{FF2B5EF4-FFF2-40B4-BE49-F238E27FC236}">
-                  <a16:creationId xmlns:a16="http://schemas.microsoft.com/office/drawing/2014/main" id="{64B7E209-510C-EDD8-981A-522BFF38A6C2}"/>
-                </a:ext>
-              </a:extLst>
-            </p:cNvPr>
-            <p:cNvSpPr txBox="1"/>
-            <p:nvPr/>
-          </p:nvSpPr>
-          <p:spPr>
-            <a:xfrm>
-              <a:off x="2680637" y="3759275"/>
-              <a:ext cx="810153" cy="184666"/>
-            </a:xfrm>
-            <a:prstGeom prst="rect">
-              <a:avLst/>
-            </a:prstGeom>
-            <a:noFill/>
-          </p:spPr>
-          <p:txBody>
-            <a:bodyPr wrap="none" lIns="36000" tIns="0" rIns="0" bIns="0" rtlCol="0">
-              <a:spAutoFit/>
-            </a:bodyPr>
-            <a:lstStyle/>
-            <a:p>
-              <a:r>
-                <a:rPr lang="en-GB" sz="1200" dirty="0"/>
-                <a:t>buttons(3:0)</a:t>
-              </a:r>
-            </a:p>
-          </p:txBody>
-        </p:sp>
-        <p:sp>
-          <p:nvSpPr>
-            <p:cNvPr id="12" name="TextBox 11">
-              <a:extLst>
-                <a:ext uri="{FF2B5EF4-FFF2-40B4-BE49-F238E27FC236}">
-                  <a16:creationId xmlns:a16="http://schemas.microsoft.com/office/drawing/2014/main" id="{4D38A396-EBF8-935F-5DAA-CDC1C32B4737}"/>
-                </a:ext>
-              </a:extLst>
-            </p:cNvPr>
-            <p:cNvSpPr txBox="1"/>
-            <p:nvPr/>
-          </p:nvSpPr>
-          <p:spPr>
-            <a:xfrm>
-              <a:off x="3598186" y="3759275"/>
-              <a:ext cx="581373" cy="184666"/>
-            </a:xfrm>
-            <a:prstGeom prst="rect">
-              <a:avLst/>
-            </a:prstGeom>
-            <a:noFill/>
-          </p:spPr>
-          <p:txBody>
-            <a:bodyPr wrap="none" lIns="0" tIns="0" rIns="36000" bIns="0" rtlCol="0">
-              <a:spAutoFit/>
-            </a:bodyPr>
-            <a:lstStyle/>
-            <a:p>
-              <a:pPr algn="r"/>
-              <a:r>
-                <a:rPr lang="en-GB" sz="1200" dirty="0" err="1"/>
-                <a:t>leds</a:t>
-              </a:r>
-              <a:r>
-                <a:rPr lang="en-GB" sz="1200" dirty="0"/>
-                <a:t>(3:0)</a:t>
-              </a:r>
-            </a:p>
-          </p:txBody>
-        </p:sp>
-        <p:pic>
-          <p:nvPicPr>
-            <p:cNvPr id="13" name="Picture 12">
-              <a:extLst>
-                <a:ext uri="{FF2B5EF4-FFF2-40B4-BE49-F238E27FC236}">
-                  <a16:creationId xmlns:a16="http://schemas.microsoft.com/office/drawing/2014/main" id="{CA7BDE66-9570-C966-7895-846ABBE08568}"/>
-                </a:ext>
-              </a:extLst>
-            </p:cNvPr>
-            <p:cNvPicPr>
-              <a:picLocks noChangeAspect="1"/>
-            </p:cNvPicPr>
-            <p:nvPr/>
-          </p:nvPicPr>
-          <p:blipFill>
-            <a:blip r:embed="rId2"/>
-            <a:stretch>
-              <a:fillRect/>
-            </a:stretch>
-          </p:blipFill>
-          <p:spPr>
-            <a:xfrm>
-              <a:off x="2370504" y="4792780"/>
-              <a:ext cx="2119980" cy="1111032"/>
-            </a:xfrm>
-            <a:prstGeom prst="rect">
-              <a:avLst/>
-            </a:prstGeom>
-            <a:effectLst>
-              <a:outerShdw blurRad="50800" dist="38100" dir="2700000" algn="tl" rotWithShape="0">
-                <a:prstClr val="black">
-                  <a:alpha val="40000"/>
-                </a:prstClr>
-              </a:outerShdw>
-            </a:effectLst>
-          </p:spPr>
-        </p:pic>
-        <p:cxnSp>
-          <p:nvCxnSpPr>
-            <p:cNvPr id="14" name="Connector: Elbow 13">
-              <a:extLst>
-                <a:ext uri="{FF2B5EF4-FFF2-40B4-BE49-F238E27FC236}">
-                  <a16:creationId xmlns:a16="http://schemas.microsoft.com/office/drawing/2014/main" id="{7F168BAF-C50F-5D92-7FB0-6C0B11BF2CC1}"/>
-                </a:ext>
-              </a:extLst>
-            </p:cNvPr>
-            <p:cNvCxnSpPr>
-              <a:cxnSpLocks/>
-            </p:cNvCxnSpPr>
-            <p:nvPr/>
-          </p:nvCxnSpPr>
-          <p:spPr>
-            <a:xfrm rot="10800000" flipH="1">
-              <a:off x="2370504" y="3854747"/>
-              <a:ext cx="310529" cy="1493549"/>
-            </a:xfrm>
-            <a:prstGeom prst="bentConnector3">
-              <a:avLst>
-                <a:gd name="adj1" fmla="val -73616"/>
-              </a:avLst>
-            </a:prstGeom>
-            <a:ln>
-              <a:tailEnd type="triangle"/>
-            </a:ln>
-            <a:effectLst>
-              <a:outerShdw blurRad="50800" dist="38100" dir="2700000" algn="tl" rotWithShape="0">
-                <a:prstClr val="black">
-                  <a:alpha val="40000"/>
-                </a:prstClr>
-              </a:outerShdw>
-            </a:effectLst>
-          </p:spPr>
-          <p:style>
-            <a:lnRef idx="3">
-              <a:schemeClr val="dk1"/>
-            </a:lnRef>
-            <a:fillRef idx="0">
-              <a:schemeClr val="dk1"/>
-            </a:fillRef>
-            <a:effectRef idx="2">
-              <a:schemeClr val="dk1"/>
-            </a:effectRef>
-            <a:fontRef idx="minor">
-              <a:schemeClr val="tx1"/>
-            </a:fontRef>
-          </p:style>
-        </p:cxnSp>
-        <p:cxnSp>
-          <p:nvCxnSpPr>
-            <p:cNvPr id="15" name="Connector: Elbow 14">
-              <a:extLst>
-                <a:ext uri="{FF2B5EF4-FFF2-40B4-BE49-F238E27FC236}">
-                  <a16:creationId xmlns:a16="http://schemas.microsoft.com/office/drawing/2014/main" id="{2417C4A1-DF20-99F4-9452-B4E132E84D96}"/>
-                </a:ext>
-              </a:extLst>
-            </p:cNvPr>
-            <p:cNvCxnSpPr>
-              <a:cxnSpLocks/>
-              <a:stCxn id="7" idx="3"/>
-              <a:endCxn id="13" idx="3"/>
-            </p:cNvCxnSpPr>
-            <p:nvPr/>
-          </p:nvCxnSpPr>
-          <p:spPr>
-            <a:xfrm>
-              <a:off x="4179955" y="3854747"/>
-              <a:ext cx="310529" cy="1493549"/>
-            </a:xfrm>
-            <a:prstGeom prst="bentConnector3">
-              <a:avLst>
-                <a:gd name="adj1" fmla="val 173616"/>
-              </a:avLst>
-            </a:prstGeom>
-            <a:ln>
-              <a:tailEnd type="triangle"/>
-            </a:ln>
-            <a:effectLst>
-              <a:outerShdw blurRad="50800" dist="38100" dir="2700000" algn="tl" rotWithShape="0">
-                <a:prstClr val="black">
-                  <a:alpha val="40000"/>
-                </a:prstClr>
-              </a:outerShdw>
-            </a:effectLst>
-          </p:spPr>
-          <p:style>
-            <a:lnRef idx="3">
-              <a:schemeClr val="dk1"/>
-            </a:lnRef>
-            <a:fillRef idx="0">
-              <a:schemeClr val="dk1"/>
-            </a:fillRef>
-            <a:effectRef idx="2">
-              <a:schemeClr val="dk1"/>
-            </a:effectRef>
-            <a:fontRef idx="minor">
-              <a:schemeClr val="tx1"/>
-            </a:fontRef>
-          </p:style>
-        </p:cxnSp>
-        <p:sp>
-          <p:nvSpPr>
-            <p:cNvPr id="16" name="Rectangle: Rounded Corners 15">
-              <a:extLst>
-                <a:ext uri="{FF2B5EF4-FFF2-40B4-BE49-F238E27FC236}">
-                  <a16:creationId xmlns:a16="http://schemas.microsoft.com/office/drawing/2014/main" id="{A9BB72FB-6571-F684-437E-1FCA4B679B77}"/>
-                </a:ext>
-              </a:extLst>
-            </p:cNvPr>
-            <p:cNvSpPr/>
-            <p:nvPr/>
-          </p:nvSpPr>
-          <p:spPr>
-            <a:xfrm>
-              <a:off x="1446944" y="2568099"/>
-              <a:ext cx="1038796" cy="603222"/>
-            </a:xfrm>
-            <a:prstGeom prst="roundRect">
-              <a:avLst/>
-            </a:prstGeom>
-            <a:effectLst>
-              <a:outerShdw blurRad="50800" dist="38100" dir="2700000" algn="tl" rotWithShape="0">
-                <a:prstClr val="black">
-                  <a:alpha val="40000"/>
-                </a:prstClr>
-              </a:outerShdw>
-            </a:effectLst>
-          </p:spPr>
-          <p:style>
-            <a:lnRef idx="2">
-              <a:schemeClr val="dk1"/>
-            </a:lnRef>
-            <a:fillRef idx="1">
-              <a:schemeClr val="lt1"/>
-            </a:fillRef>
-            <a:effectRef idx="0">
-              <a:schemeClr val="dk1"/>
-            </a:effectRef>
-            <a:fontRef idx="minor">
-              <a:schemeClr val="dk1"/>
-            </a:fontRef>
-          </p:style>
-          <p:txBody>
-            <a:bodyPr rtlCol="0" anchor="ctr"/>
-            <a:lstStyle/>
-            <a:p>
-              <a:pPr algn="ctr"/>
-              <a:endParaRPr lang="en-GB" dirty="0"/>
-            </a:p>
-          </p:txBody>
-        </p:sp>
-        <p:sp>
-          <p:nvSpPr>
-            <p:cNvPr id="17" name="TextBox 16">
-              <a:extLst>
-                <a:ext uri="{FF2B5EF4-FFF2-40B4-BE49-F238E27FC236}">
-                  <a16:creationId xmlns:a16="http://schemas.microsoft.com/office/drawing/2014/main" id="{F23C7822-6BC2-3D29-8FA5-0E308ED9E3C4}"/>
-                </a:ext>
-              </a:extLst>
-            </p:cNvPr>
-            <p:cNvSpPr txBox="1"/>
-            <p:nvPr/>
-          </p:nvSpPr>
-          <p:spPr>
-            <a:xfrm>
-              <a:off x="2133276" y="2579082"/>
-              <a:ext cx="352464" cy="184666"/>
-            </a:xfrm>
-            <a:prstGeom prst="rect">
-              <a:avLst/>
-            </a:prstGeom>
-            <a:noFill/>
-          </p:spPr>
-          <p:txBody>
-            <a:bodyPr wrap="none" lIns="0" tIns="0" rIns="36000" bIns="0" rtlCol="0">
-              <a:spAutoFit/>
-            </a:bodyPr>
-            <a:lstStyle/>
-            <a:p>
-              <a:pPr algn="r"/>
-              <a:r>
-                <a:rPr lang="en-GB" sz="1200" dirty="0"/>
-                <a:t>reset</a:t>
-              </a:r>
-            </a:p>
-          </p:txBody>
-        </p:sp>
-        <p:sp>
-          <p:nvSpPr>
-            <p:cNvPr id="18" name="TextBox 17">
-              <a:extLst>
-                <a:ext uri="{FF2B5EF4-FFF2-40B4-BE49-F238E27FC236}">
-                  <a16:creationId xmlns:a16="http://schemas.microsoft.com/office/drawing/2014/main" id="{3EA57755-1751-EB4A-94D5-750CD49DB09B}"/>
-                </a:ext>
-              </a:extLst>
-            </p:cNvPr>
-            <p:cNvSpPr txBox="1"/>
-            <p:nvPr/>
-          </p:nvSpPr>
-          <p:spPr>
-            <a:xfrm>
-              <a:off x="2277867" y="2774721"/>
-              <a:ext cx="207873" cy="184666"/>
-            </a:xfrm>
-            <a:prstGeom prst="rect">
-              <a:avLst/>
-            </a:prstGeom>
-            <a:noFill/>
-          </p:spPr>
-          <p:txBody>
-            <a:bodyPr wrap="none" lIns="0" tIns="0" rIns="36000" bIns="0" rtlCol="0">
-              <a:spAutoFit/>
-            </a:bodyPr>
-            <a:lstStyle/>
-            <a:p>
-              <a:pPr algn="r"/>
-              <a:r>
-                <a:rPr lang="en-GB" sz="1200" dirty="0" err="1"/>
-                <a:t>clk</a:t>
-              </a:r>
-              <a:endParaRPr lang="en-GB" sz="1200" dirty="0"/>
-            </a:p>
-          </p:txBody>
-        </p:sp>
-        <p:cxnSp>
-          <p:nvCxnSpPr>
-            <p:cNvPr id="19" name="Connector: Elbow 18">
-              <a:extLst>
-                <a:ext uri="{FF2B5EF4-FFF2-40B4-BE49-F238E27FC236}">
-                  <a16:creationId xmlns:a16="http://schemas.microsoft.com/office/drawing/2014/main" id="{CACA75F3-19DD-10E0-8943-33F11F9532A6}"/>
-                </a:ext>
-              </a:extLst>
-            </p:cNvPr>
-            <p:cNvCxnSpPr>
-              <a:stCxn id="18" idx="3"/>
-              <a:endCxn id="9" idx="0"/>
-            </p:cNvCxnSpPr>
-            <p:nvPr/>
-          </p:nvCxnSpPr>
-          <p:spPr>
-            <a:xfrm>
-              <a:off x="2485740" y="2867054"/>
-              <a:ext cx="556038" cy="379399"/>
-            </a:xfrm>
-            <a:prstGeom prst="bentConnector2">
-              <a:avLst/>
-            </a:prstGeom>
-            <a:effectLst>
-              <a:outerShdw blurRad="50800" dist="38100" dir="2700000" algn="tl" rotWithShape="0">
-                <a:prstClr val="black">
-                  <a:alpha val="40000"/>
-                </a:prstClr>
-              </a:outerShdw>
-            </a:effectLst>
-          </p:spPr>
-          <p:style>
-            <a:lnRef idx="1">
-              <a:schemeClr val="dk1"/>
-            </a:lnRef>
-            <a:fillRef idx="0">
-              <a:schemeClr val="dk1"/>
-            </a:fillRef>
-            <a:effectRef idx="0">
-              <a:schemeClr val="dk1"/>
-            </a:effectRef>
-            <a:fontRef idx="minor">
-              <a:schemeClr val="tx1"/>
-            </a:fontRef>
-          </p:style>
-        </p:cxnSp>
-        <p:cxnSp>
-          <p:nvCxnSpPr>
-            <p:cNvPr id="20" name="Connector: Elbow 19">
-              <a:extLst>
-                <a:ext uri="{FF2B5EF4-FFF2-40B4-BE49-F238E27FC236}">
-                  <a16:creationId xmlns:a16="http://schemas.microsoft.com/office/drawing/2014/main" id="{2F4828BE-7213-53CA-AAD5-7C00F9DDCDB8}"/>
-                </a:ext>
-              </a:extLst>
-            </p:cNvPr>
-            <p:cNvCxnSpPr>
-              <a:stCxn id="17" idx="3"/>
-              <a:endCxn id="8" idx="0"/>
-            </p:cNvCxnSpPr>
-            <p:nvPr/>
-          </p:nvCxnSpPr>
-          <p:spPr>
-            <a:xfrm>
-              <a:off x="2485740" y="2671415"/>
-              <a:ext cx="1338789" cy="575038"/>
-            </a:xfrm>
-            <a:prstGeom prst="bentConnector2">
-              <a:avLst/>
-            </a:prstGeom>
-            <a:effectLst>
-              <a:outerShdw blurRad="50800" dist="38100" dir="2700000" algn="tl" rotWithShape="0">
-                <a:prstClr val="black">
-                  <a:alpha val="40000"/>
-                </a:prstClr>
-              </a:outerShdw>
-            </a:effectLst>
-          </p:spPr>
-          <p:style>
-            <a:lnRef idx="1">
-              <a:schemeClr val="dk1"/>
-            </a:lnRef>
-            <a:fillRef idx="0">
-              <a:schemeClr val="dk1"/>
-            </a:fillRef>
-            <a:effectRef idx="0">
-              <a:schemeClr val="dk1"/>
-            </a:effectRef>
-            <a:fontRef idx="minor">
-              <a:schemeClr val="tx1"/>
-            </a:fontRef>
-          </p:style>
-        </p:cxnSp>
-        <p:sp>
-          <p:nvSpPr>
-            <p:cNvPr id="21" name="TextBox 20">
-              <a:extLst>
-                <a:ext uri="{FF2B5EF4-FFF2-40B4-BE49-F238E27FC236}">
-                  <a16:creationId xmlns:a16="http://schemas.microsoft.com/office/drawing/2014/main" id="{88AA5A52-0599-EB04-035D-0D41A3E1E318}"/>
-                </a:ext>
-              </a:extLst>
-            </p:cNvPr>
-            <p:cNvSpPr txBox="1"/>
-            <p:nvPr/>
-          </p:nvSpPr>
-          <p:spPr>
-            <a:xfrm>
-              <a:off x="1446944" y="2869710"/>
-              <a:ext cx="1038797" cy="369332"/>
-            </a:xfrm>
-            <a:prstGeom prst="rect">
-              <a:avLst/>
-            </a:prstGeom>
-            <a:noFill/>
-          </p:spPr>
-          <p:txBody>
-            <a:bodyPr wrap="square" rtlCol="0">
-              <a:spAutoFit/>
-            </a:bodyPr>
-            <a:lstStyle/>
-            <a:p>
-              <a:r>
-                <a:rPr lang="en-GB" dirty="0"/>
-                <a:t>Stimulus</a:t>
-              </a:r>
-            </a:p>
-          </p:txBody>
-        </p:sp>
-        <p:sp>
-          <p:nvSpPr>
-            <p:cNvPr id="22" name="TextBox 21">
-              <a:extLst>
-                <a:ext uri="{FF2B5EF4-FFF2-40B4-BE49-F238E27FC236}">
-                  <a16:creationId xmlns:a16="http://schemas.microsoft.com/office/drawing/2014/main" id="{45D6CB95-1EC8-A996-F750-00D4446A0B4A}"/>
-                </a:ext>
-              </a:extLst>
-            </p:cNvPr>
-            <p:cNvSpPr txBox="1"/>
-            <p:nvPr/>
-          </p:nvSpPr>
-          <p:spPr>
-            <a:xfrm>
-              <a:off x="1271715" y="2009457"/>
-              <a:ext cx="1764522" cy="369332"/>
-            </a:xfrm>
-            <a:prstGeom prst="rect">
-              <a:avLst/>
-            </a:prstGeom>
-            <a:noFill/>
-          </p:spPr>
-          <p:txBody>
-            <a:bodyPr wrap="none" rtlCol="0">
-              <a:spAutoFit/>
-            </a:bodyPr>
-            <a:lstStyle/>
-            <a:p>
-              <a:r>
-                <a:rPr lang="en-GB" dirty="0"/>
-                <a:t>test_zybo_z7_10</a:t>
-              </a:r>
-            </a:p>
-          </p:txBody>
-        </p:sp>
-      </p:grpSp>
-    </p:spTree>
-    <p:extLst>
-      <p:ext uri="{BB962C8B-B14F-4D97-AF65-F5344CB8AC3E}">
-        <p14:creationId xmlns:p14="http://schemas.microsoft.com/office/powerpoint/2010/main" val="1555623479"/>
       </p:ext>
     </p:extLst>
   </p:cSld>

--- a/docs/Training/Training_Material.pptx
+++ b/docs/Training/Training_Material.pptx
@@ -11983,6 +11983,118 @@
 </p:notes>
 </file>
 
+<file path=ppt/notesSlides/notesSlide4.xml><?xml version="1.0" encoding="utf-8"?>
+<p:notes xmlns:a="http://schemas.openxmlformats.org/drawingml/2006/main" xmlns:r="http://schemas.openxmlformats.org/officeDocument/2006/relationships" xmlns:p="http://schemas.openxmlformats.org/presentationml/2006/main">
+  <p:cSld>
+    <p:spTree>
+      <p:nvGrpSpPr>
+        <p:cNvPr id="1" name=""/>
+        <p:cNvGrpSpPr/>
+        <p:nvPr/>
+      </p:nvGrpSpPr>
+      <p:grpSpPr>
+        <a:xfrm>
+          <a:off x="0" y="0"/>
+          <a:ext cx="0" cy="0"/>
+          <a:chOff x="0" y="0"/>
+          <a:chExt cx="0" cy="0"/>
+        </a:xfrm>
+      </p:grpSpPr>
+      <p:sp>
+        <p:nvSpPr>
+          <p:cNvPr id="2" name="Slide Image Placeholder 1"/>
+          <p:cNvSpPr>
+            <a:spLocks noGrp="1" noRot="1" noChangeAspect="1"/>
+          </p:cNvSpPr>
+          <p:nvPr>
+            <p:ph type="sldImg"/>
+          </p:nvPr>
+        </p:nvSpPr>
+        <p:spPr/>
+      </p:sp>
+      <p:sp>
+        <p:nvSpPr>
+          <p:cNvPr id="3" name="Notes Placeholder 2"/>
+          <p:cNvSpPr>
+            <a:spLocks noGrp="1"/>
+          </p:cNvSpPr>
+          <p:nvPr>
+            <p:ph type="body" idx="1"/>
+          </p:nvPr>
+        </p:nvSpPr>
+        <p:spPr/>
+        <p:txBody>
+          <a:bodyPr/>
+          <a:lstStyle/>
+          <a:p>
+            <a:r>
+              <a:rPr lang="en-GB" dirty="0"/>
+              <a:t>If the arrival time is after the setup time </a:t>
+            </a:r>
+            <a:r>
+              <a:rPr lang="en-GB" i="1" dirty="0"/>
+              <a:t>T</a:t>
+            </a:r>
+            <a:r>
+              <a:rPr lang="en-GB" i="1" baseline="-25000" dirty="0"/>
+              <a:t>SU</a:t>
+            </a:r>
+            <a:r>
+              <a:rPr lang="en-GB" dirty="0"/>
+              <a:t> then we have failed to meet timing for the desired clock period </a:t>
+            </a:r>
+            <a:r>
+              <a:rPr lang="en-GB" i="1" dirty="0"/>
+              <a:t>T</a:t>
+            </a:r>
+            <a:r>
+              <a:rPr lang="en-GB" i="1" baseline="-25000" dirty="0"/>
+              <a:t>P</a:t>
+            </a:r>
+            <a:r>
+              <a:rPr lang="en-GB" dirty="0"/>
+              <a:t>.</a:t>
+            </a:r>
+            <a:endParaRPr lang="en-GB" baseline="-25000" dirty="0"/>
+          </a:p>
+        </p:txBody>
+      </p:sp>
+      <p:sp>
+        <p:nvSpPr>
+          <p:cNvPr id="4" name="Slide Number Placeholder 3"/>
+          <p:cNvSpPr>
+            <a:spLocks noGrp="1"/>
+          </p:cNvSpPr>
+          <p:nvPr>
+            <p:ph type="sldNum" sz="quarter" idx="5"/>
+          </p:nvPr>
+        </p:nvSpPr>
+        <p:spPr/>
+        <p:txBody>
+          <a:bodyPr/>
+          <a:lstStyle/>
+          <a:p>
+            <a:fld id="{BD59FC8F-BE89-4169-8A82-41C08CAA6DAC}" type="slidenum">
+              <a:rPr lang="en-GB" smtClean="0"/>
+              <a:t>14</a:t>
+            </a:fld>
+            <a:endParaRPr lang="en-GB"/>
+          </a:p>
+        </p:txBody>
+      </p:sp>
+    </p:spTree>
+    <p:extLst>
+      <p:ext uri="{BB962C8B-B14F-4D97-AF65-F5344CB8AC3E}">
+        <p14:creationId xmlns:p14="http://schemas.microsoft.com/office/powerpoint/2010/main" val="882371993"/>
+      </p:ext>
+    </p:extLst>
+  </p:cSld>
+  <p:clrMapOvr>
+    <a:masterClrMapping/>
+  </p:clrMapOvr>
+</p:notes>
+</file>
+
 <file path=ppt/slideLayouts/slideLayout1.xml><?xml version="1.0" encoding="utf-8"?>
 <p:sldLayout xmlns:a="http://schemas.openxmlformats.org/drawingml/2006/main" xmlns:r="http://schemas.openxmlformats.org/officeDocument/2006/relationships" xmlns:p="http://schemas.openxmlformats.org/presentationml/2006/main" type="title" preserve="1">
   <p:cSld name="Title Slide">
@@ -16326,7 +16438,7 @@
           <p:spPr>
             <a:xfrm>
               <a:off x="11332824" y="1537391"/>
-              <a:ext cx="1149398" cy="646331"/>
+              <a:ext cx="1614995" cy="646331"/>
             </a:xfrm>
             <a:prstGeom prst="rect">
               <a:avLst/>
@@ -16346,7 +16458,7 @@
                     <a:schemeClr val="accent1"/>
                   </a:solidFill>
                 </a:rPr>
-                <a:t>Start Emulation</a:t>
+                <a:t>Continuously Step Emulation</a:t>
               </a:r>
             </a:p>
           </p:txBody>
@@ -16704,7 +16816,7 @@
           <p:spPr>
             <a:xfrm flipV="1">
               <a:off x="11000993" y="2183722"/>
-              <a:ext cx="906530" cy="739081"/>
+              <a:ext cx="1139329" cy="739081"/>
             </a:xfrm>
             <a:prstGeom prst="line">
               <a:avLst/>
@@ -17640,12 +17752,1558 @@
           </a:p>
         </p:txBody>
       </p:sp>
+      <p:cxnSp>
+        <p:nvCxnSpPr>
+          <p:cNvPr id="6" name="Straight Connector 5">
+            <a:extLst>
+              <a:ext uri="{FF2B5EF4-FFF2-40B4-BE49-F238E27FC236}">
+                <a16:creationId xmlns:a16="http://schemas.microsoft.com/office/drawing/2014/main" id="{FF1D1E68-9A17-4404-3711-B5B63610B7B7}"/>
+              </a:ext>
+            </a:extLst>
+          </p:cNvPr>
+          <p:cNvCxnSpPr>
+            <a:cxnSpLocks/>
+          </p:cNvCxnSpPr>
+          <p:nvPr/>
+        </p:nvCxnSpPr>
+        <p:spPr>
+          <a:xfrm>
+            <a:off x="2484404" y="3638250"/>
+            <a:ext cx="370976" cy="0"/>
+          </a:xfrm>
+          <a:prstGeom prst="line">
+            <a:avLst/>
+          </a:prstGeom>
+        </p:spPr>
+        <p:style>
+          <a:lnRef idx="3">
+            <a:schemeClr val="dk1"/>
+          </a:lnRef>
+          <a:fillRef idx="0">
+            <a:schemeClr val="dk1"/>
+          </a:fillRef>
+          <a:effectRef idx="2">
+            <a:schemeClr val="dk1"/>
+          </a:effectRef>
+          <a:fontRef idx="minor">
+            <a:schemeClr val="tx1"/>
+          </a:fontRef>
+        </p:style>
+      </p:cxnSp>
+      <p:cxnSp>
+        <p:nvCxnSpPr>
+          <p:cNvPr id="7" name="Straight Connector 6">
+            <a:extLst>
+              <a:ext uri="{FF2B5EF4-FFF2-40B4-BE49-F238E27FC236}">
+                <a16:creationId xmlns:a16="http://schemas.microsoft.com/office/drawing/2014/main" id="{C0BFD87B-B3B5-B135-DBA5-2D0EAC2E09A2}"/>
+              </a:ext>
+            </a:extLst>
+          </p:cNvPr>
+          <p:cNvCxnSpPr>
+            <a:cxnSpLocks/>
+          </p:cNvCxnSpPr>
+          <p:nvPr/>
+        </p:nvCxnSpPr>
+        <p:spPr>
+          <a:xfrm>
+            <a:off x="2484404" y="4091275"/>
+            <a:ext cx="370976" cy="0"/>
+          </a:xfrm>
+          <a:prstGeom prst="line">
+            <a:avLst/>
+          </a:prstGeom>
+        </p:spPr>
+        <p:style>
+          <a:lnRef idx="3">
+            <a:schemeClr val="dk1"/>
+          </a:lnRef>
+          <a:fillRef idx="0">
+            <a:schemeClr val="dk1"/>
+          </a:fillRef>
+          <a:effectRef idx="2">
+            <a:schemeClr val="dk1"/>
+          </a:effectRef>
+          <a:fontRef idx="minor">
+            <a:schemeClr val="tx1"/>
+          </a:fontRef>
+        </p:style>
+      </p:cxnSp>
+      <p:cxnSp>
+        <p:nvCxnSpPr>
+          <p:cNvPr id="8" name="Straight Connector 7">
+            <a:extLst>
+              <a:ext uri="{FF2B5EF4-FFF2-40B4-BE49-F238E27FC236}">
+                <a16:creationId xmlns:a16="http://schemas.microsoft.com/office/drawing/2014/main" id="{C88F7A4A-4050-9AAF-AA49-7A7192E01CE2}"/>
+              </a:ext>
+            </a:extLst>
+          </p:cNvPr>
+          <p:cNvCxnSpPr>
+            <a:cxnSpLocks/>
+          </p:cNvCxnSpPr>
+          <p:nvPr/>
+        </p:nvCxnSpPr>
+        <p:spPr>
+          <a:xfrm flipH="1">
+            <a:off x="4540072" y="3638250"/>
+            <a:ext cx="75156" cy="212942"/>
+          </a:xfrm>
+          <a:prstGeom prst="line">
+            <a:avLst/>
+          </a:prstGeom>
+        </p:spPr>
+        <p:style>
+          <a:lnRef idx="3">
+            <a:schemeClr val="dk1"/>
+          </a:lnRef>
+          <a:fillRef idx="0">
+            <a:schemeClr val="dk1"/>
+          </a:fillRef>
+          <a:effectRef idx="2">
+            <a:schemeClr val="dk1"/>
+          </a:effectRef>
+          <a:fontRef idx="minor">
+            <a:schemeClr val="tx1"/>
+          </a:fontRef>
+        </p:style>
+      </p:cxnSp>
+      <p:cxnSp>
+        <p:nvCxnSpPr>
+          <p:cNvPr id="9" name="Straight Connector 8">
+            <a:extLst>
+              <a:ext uri="{FF2B5EF4-FFF2-40B4-BE49-F238E27FC236}">
+                <a16:creationId xmlns:a16="http://schemas.microsoft.com/office/drawing/2014/main" id="{D7432300-257C-0EF2-95ED-574B7873809D}"/>
+              </a:ext>
+            </a:extLst>
+          </p:cNvPr>
+          <p:cNvCxnSpPr>
+            <a:cxnSpLocks/>
+          </p:cNvCxnSpPr>
+          <p:nvPr/>
+        </p:nvCxnSpPr>
+        <p:spPr>
+          <a:xfrm>
+            <a:off x="4540072" y="3851192"/>
+            <a:ext cx="75156" cy="240083"/>
+          </a:xfrm>
+          <a:prstGeom prst="line">
+            <a:avLst/>
+          </a:prstGeom>
+        </p:spPr>
+        <p:style>
+          <a:lnRef idx="3">
+            <a:schemeClr val="dk1"/>
+          </a:lnRef>
+          <a:fillRef idx="0">
+            <a:schemeClr val="dk1"/>
+          </a:fillRef>
+          <a:effectRef idx="2">
+            <a:schemeClr val="dk1"/>
+          </a:effectRef>
+          <a:fontRef idx="minor">
+            <a:schemeClr val="tx1"/>
+          </a:fontRef>
+        </p:style>
+      </p:cxnSp>
+      <p:cxnSp>
+        <p:nvCxnSpPr>
+          <p:cNvPr id="10" name="Straight Connector 9">
+            <a:extLst>
+              <a:ext uri="{FF2B5EF4-FFF2-40B4-BE49-F238E27FC236}">
+                <a16:creationId xmlns:a16="http://schemas.microsoft.com/office/drawing/2014/main" id="{79AD9957-B14A-FB3F-B1A8-F5697884429A}"/>
+              </a:ext>
+            </a:extLst>
+          </p:cNvPr>
+          <p:cNvCxnSpPr>
+            <a:cxnSpLocks/>
+          </p:cNvCxnSpPr>
+          <p:nvPr/>
+        </p:nvCxnSpPr>
+        <p:spPr>
+          <a:xfrm>
+            <a:off x="3019201" y="3638250"/>
+            <a:ext cx="1122838" cy="0"/>
+          </a:xfrm>
+          <a:prstGeom prst="line">
+            <a:avLst/>
+          </a:prstGeom>
+        </p:spPr>
+        <p:style>
+          <a:lnRef idx="3">
+            <a:schemeClr val="dk1"/>
+          </a:lnRef>
+          <a:fillRef idx="0">
+            <a:schemeClr val="dk1"/>
+          </a:fillRef>
+          <a:effectRef idx="2">
+            <a:schemeClr val="dk1"/>
+          </a:effectRef>
+          <a:fontRef idx="minor">
+            <a:schemeClr val="tx1"/>
+          </a:fontRef>
+        </p:style>
+      </p:cxnSp>
+      <p:cxnSp>
+        <p:nvCxnSpPr>
+          <p:cNvPr id="11" name="Straight Connector 10">
+            <a:extLst>
+              <a:ext uri="{FF2B5EF4-FFF2-40B4-BE49-F238E27FC236}">
+                <a16:creationId xmlns:a16="http://schemas.microsoft.com/office/drawing/2014/main" id="{7B1AE189-9227-507F-4581-A709967E678A}"/>
+              </a:ext>
+            </a:extLst>
+          </p:cNvPr>
+          <p:cNvCxnSpPr>
+            <a:cxnSpLocks/>
+          </p:cNvCxnSpPr>
+          <p:nvPr/>
+        </p:nvCxnSpPr>
+        <p:spPr>
+          <a:xfrm>
+            <a:off x="3019201" y="4091275"/>
+            <a:ext cx="1122838" cy="0"/>
+          </a:xfrm>
+          <a:prstGeom prst="line">
+            <a:avLst/>
+          </a:prstGeom>
+        </p:spPr>
+        <p:style>
+          <a:lnRef idx="3">
+            <a:schemeClr val="dk1"/>
+          </a:lnRef>
+          <a:fillRef idx="0">
+            <a:schemeClr val="dk1"/>
+          </a:fillRef>
+          <a:effectRef idx="2">
+            <a:schemeClr val="dk1"/>
+          </a:effectRef>
+          <a:fontRef idx="minor">
+            <a:schemeClr val="tx1"/>
+          </a:fontRef>
+        </p:style>
+      </p:cxnSp>
+      <p:cxnSp>
+        <p:nvCxnSpPr>
+          <p:cNvPr id="12" name="Straight Connector 11">
+            <a:extLst>
+              <a:ext uri="{FF2B5EF4-FFF2-40B4-BE49-F238E27FC236}">
+                <a16:creationId xmlns:a16="http://schemas.microsoft.com/office/drawing/2014/main" id="{34438A7E-5AC7-B223-5BA0-DB0C4DAA72F5}"/>
+              </a:ext>
+            </a:extLst>
+          </p:cNvPr>
+          <p:cNvCxnSpPr>
+            <a:cxnSpLocks/>
+          </p:cNvCxnSpPr>
+          <p:nvPr/>
+        </p:nvCxnSpPr>
+        <p:spPr>
+          <a:xfrm flipH="1">
+            <a:off x="2944045" y="3638250"/>
+            <a:ext cx="75156" cy="212942"/>
+          </a:xfrm>
+          <a:prstGeom prst="line">
+            <a:avLst/>
+          </a:prstGeom>
+        </p:spPr>
+        <p:style>
+          <a:lnRef idx="3">
+            <a:schemeClr val="dk1"/>
+          </a:lnRef>
+          <a:fillRef idx="0">
+            <a:schemeClr val="dk1"/>
+          </a:fillRef>
+          <a:effectRef idx="2">
+            <a:schemeClr val="dk1"/>
+          </a:effectRef>
+          <a:fontRef idx="minor">
+            <a:schemeClr val="tx1"/>
+          </a:fontRef>
+        </p:style>
+      </p:cxnSp>
+      <p:cxnSp>
+        <p:nvCxnSpPr>
+          <p:cNvPr id="13" name="Straight Connector 12">
+            <a:extLst>
+              <a:ext uri="{FF2B5EF4-FFF2-40B4-BE49-F238E27FC236}">
+                <a16:creationId xmlns:a16="http://schemas.microsoft.com/office/drawing/2014/main" id="{EC90CEA6-EA7C-DA77-F94F-222DCC371760}"/>
+              </a:ext>
+            </a:extLst>
+          </p:cNvPr>
+          <p:cNvCxnSpPr>
+            <a:cxnSpLocks/>
+          </p:cNvCxnSpPr>
+          <p:nvPr/>
+        </p:nvCxnSpPr>
+        <p:spPr>
+          <a:xfrm>
+            <a:off x="2944045" y="3851192"/>
+            <a:ext cx="75156" cy="240083"/>
+          </a:xfrm>
+          <a:prstGeom prst="line">
+            <a:avLst/>
+          </a:prstGeom>
+        </p:spPr>
+        <p:style>
+          <a:lnRef idx="3">
+            <a:schemeClr val="dk1"/>
+          </a:lnRef>
+          <a:fillRef idx="0">
+            <a:schemeClr val="dk1"/>
+          </a:fillRef>
+          <a:effectRef idx="2">
+            <a:schemeClr val="dk1"/>
+          </a:effectRef>
+          <a:fontRef idx="minor">
+            <a:schemeClr val="tx1"/>
+          </a:fontRef>
+        </p:style>
+      </p:cxnSp>
+      <p:cxnSp>
+        <p:nvCxnSpPr>
+          <p:cNvPr id="14" name="Straight Connector 13">
+            <a:extLst>
+              <a:ext uri="{FF2B5EF4-FFF2-40B4-BE49-F238E27FC236}">
+                <a16:creationId xmlns:a16="http://schemas.microsoft.com/office/drawing/2014/main" id="{85ACE16E-4D78-2A6A-D773-E579CE5072C3}"/>
+              </a:ext>
+            </a:extLst>
+          </p:cNvPr>
+          <p:cNvCxnSpPr>
+            <a:cxnSpLocks/>
+          </p:cNvCxnSpPr>
+          <p:nvPr/>
+        </p:nvCxnSpPr>
+        <p:spPr>
+          <a:xfrm>
+            <a:off x="4142039" y="3638250"/>
+            <a:ext cx="75156" cy="212942"/>
+          </a:xfrm>
+          <a:prstGeom prst="line">
+            <a:avLst/>
+          </a:prstGeom>
+        </p:spPr>
+        <p:style>
+          <a:lnRef idx="3">
+            <a:schemeClr val="dk1"/>
+          </a:lnRef>
+          <a:fillRef idx="0">
+            <a:schemeClr val="dk1"/>
+          </a:fillRef>
+          <a:effectRef idx="2">
+            <a:schemeClr val="dk1"/>
+          </a:effectRef>
+          <a:fontRef idx="minor">
+            <a:schemeClr val="tx1"/>
+          </a:fontRef>
+        </p:style>
+      </p:cxnSp>
+      <p:cxnSp>
+        <p:nvCxnSpPr>
+          <p:cNvPr id="15" name="Straight Connector 14">
+            <a:extLst>
+              <a:ext uri="{FF2B5EF4-FFF2-40B4-BE49-F238E27FC236}">
+                <a16:creationId xmlns:a16="http://schemas.microsoft.com/office/drawing/2014/main" id="{3CBE9DA0-A5B0-D6E4-CBDF-B83F4AA8D161}"/>
+              </a:ext>
+            </a:extLst>
+          </p:cNvPr>
+          <p:cNvCxnSpPr>
+            <a:cxnSpLocks/>
+          </p:cNvCxnSpPr>
+          <p:nvPr/>
+        </p:nvCxnSpPr>
+        <p:spPr>
+          <a:xfrm flipH="1">
+            <a:off x="4142039" y="3851192"/>
+            <a:ext cx="75156" cy="240083"/>
+          </a:xfrm>
+          <a:prstGeom prst="line">
+            <a:avLst/>
+          </a:prstGeom>
+        </p:spPr>
+        <p:style>
+          <a:lnRef idx="3">
+            <a:schemeClr val="dk1"/>
+          </a:lnRef>
+          <a:fillRef idx="0">
+            <a:schemeClr val="dk1"/>
+          </a:fillRef>
+          <a:effectRef idx="2">
+            <a:schemeClr val="dk1"/>
+          </a:effectRef>
+          <a:fontRef idx="minor">
+            <a:schemeClr val="tx1"/>
+          </a:fontRef>
+        </p:style>
+      </p:cxnSp>
+      <p:cxnSp>
+        <p:nvCxnSpPr>
+          <p:cNvPr id="16" name="Straight Connector 15">
+            <a:extLst>
+              <a:ext uri="{FF2B5EF4-FFF2-40B4-BE49-F238E27FC236}">
+                <a16:creationId xmlns:a16="http://schemas.microsoft.com/office/drawing/2014/main" id="{09CF57D6-5B57-639C-D6D5-A879D557DD00}"/>
+              </a:ext>
+            </a:extLst>
+          </p:cNvPr>
+          <p:cNvCxnSpPr>
+            <a:cxnSpLocks/>
+          </p:cNvCxnSpPr>
+          <p:nvPr/>
+        </p:nvCxnSpPr>
+        <p:spPr>
+          <a:xfrm flipH="1">
+            <a:off x="4214064" y="3638250"/>
+            <a:ext cx="75156" cy="212942"/>
+          </a:xfrm>
+          <a:prstGeom prst="line">
+            <a:avLst/>
+          </a:prstGeom>
+        </p:spPr>
+        <p:style>
+          <a:lnRef idx="3">
+            <a:schemeClr val="dk1"/>
+          </a:lnRef>
+          <a:fillRef idx="0">
+            <a:schemeClr val="dk1"/>
+          </a:fillRef>
+          <a:effectRef idx="2">
+            <a:schemeClr val="dk1"/>
+          </a:effectRef>
+          <a:fontRef idx="minor">
+            <a:schemeClr val="tx1"/>
+          </a:fontRef>
+        </p:style>
+      </p:cxnSp>
+      <p:cxnSp>
+        <p:nvCxnSpPr>
+          <p:cNvPr id="17" name="Straight Connector 16">
+            <a:extLst>
+              <a:ext uri="{FF2B5EF4-FFF2-40B4-BE49-F238E27FC236}">
+                <a16:creationId xmlns:a16="http://schemas.microsoft.com/office/drawing/2014/main" id="{3A0E2DB8-0F8B-64AB-789D-AF77A9B58023}"/>
+              </a:ext>
+            </a:extLst>
+          </p:cNvPr>
+          <p:cNvCxnSpPr>
+            <a:cxnSpLocks/>
+          </p:cNvCxnSpPr>
+          <p:nvPr/>
+        </p:nvCxnSpPr>
+        <p:spPr>
+          <a:xfrm>
+            <a:off x="4214064" y="3851192"/>
+            <a:ext cx="75156" cy="240083"/>
+          </a:xfrm>
+          <a:prstGeom prst="line">
+            <a:avLst/>
+          </a:prstGeom>
+        </p:spPr>
+        <p:style>
+          <a:lnRef idx="3">
+            <a:schemeClr val="dk1"/>
+          </a:lnRef>
+          <a:fillRef idx="0">
+            <a:schemeClr val="dk1"/>
+          </a:fillRef>
+          <a:effectRef idx="2">
+            <a:schemeClr val="dk1"/>
+          </a:effectRef>
+          <a:fontRef idx="minor">
+            <a:schemeClr val="tx1"/>
+          </a:fontRef>
+        </p:style>
+      </p:cxnSp>
+      <p:cxnSp>
+        <p:nvCxnSpPr>
+          <p:cNvPr id="18" name="Straight Connector 17">
+            <a:extLst>
+              <a:ext uri="{FF2B5EF4-FFF2-40B4-BE49-F238E27FC236}">
+                <a16:creationId xmlns:a16="http://schemas.microsoft.com/office/drawing/2014/main" id="{FA5B234B-0945-B282-8D16-DCEF6C92CA1A}"/>
+              </a:ext>
+            </a:extLst>
+          </p:cNvPr>
+          <p:cNvCxnSpPr>
+            <a:cxnSpLocks/>
+          </p:cNvCxnSpPr>
+          <p:nvPr/>
+        </p:nvCxnSpPr>
+        <p:spPr>
+          <a:xfrm>
+            <a:off x="4289220" y="3637033"/>
+            <a:ext cx="175696" cy="0"/>
+          </a:xfrm>
+          <a:prstGeom prst="line">
+            <a:avLst/>
+          </a:prstGeom>
+        </p:spPr>
+        <p:style>
+          <a:lnRef idx="3">
+            <a:schemeClr val="dk1"/>
+          </a:lnRef>
+          <a:fillRef idx="0">
+            <a:schemeClr val="dk1"/>
+          </a:fillRef>
+          <a:effectRef idx="2">
+            <a:schemeClr val="dk1"/>
+          </a:effectRef>
+          <a:fontRef idx="minor">
+            <a:schemeClr val="tx1"/>
+          </a:fontRef>
+        </p:style>
+      </p:cxnSp>
+      <p:cxnSp>
+        <p:nvCxnSpPr>
+          <p:cNvPr id="19" name="Straight Connector 18">
+            <a:extLst>
+              <a:ext uri="{FF2B5EF4-FFF2-40B4-BE49-F238E27FC236}">
+                <a16:creationId xmlns:a16="http://schemas.microsoft.com/office/drawing/2014/main" id="{4BA6381A-0375-5290-5DDE-44B53C747F5F}"/>
+              </a:ext>
+            </a:extLst>
+          </p:cNvPr>
+          <p:cNvCxnSpPr>
+            <a:cxnSpLocks/>
+          </p:cNvCxnSpPr>
+          <p:nvPr/>
+        </p:nvCxnSpPr>
+        <p:spPr>
+          <a:xfrm>
+            <a:off x="4289220" y="4090058"/>
+            <a:ext cx="175696" cy="0"/>
+          </a:xfrm>
+          <a:prstGeom prst="line">
+            <a:avLst/>
+          </a:prstGeom>
+        </p:spPr>
+        <p:style>
+          <a:lnRef idx="3">
+            <a:schemeClr val="dk1"/>
+          </a:lnRef>
+          <a:fillRef idx="0">
+            <a:schemeClr val="dk1"/>
+          </a:fillRef>
+          <a:effectRef idx="2">
+            <a:schemeClr val="dk1"/>
+          </a:effectRef>
+          <a:fontRef idx="minor">
+            <a:schemeClr val="tx1"/>
+          </a:fontRef>
+        </p:style>
+      </p:cxnSp>
+      <p:cxnSp>
+        <p:nvCxnSpPr>
+          <p:cNvPr id="20" name="Straight Connector 19">
+            <a:extLst>
+              <a:ext uri="{FF2B5EF4-FFF2-40B4-BE49-F238E27FC236}">
+                <a16:creationId xmlns:a16="http://schemas.microsoft.com/office/drawing/2014/main" id="{26FBB868-11FD-D36E-2316-C5DA85334FF4}"/>
+              </a:ext>
+            </a:extLst>
+          </p:cNvPr>
+          <p:cNvCxnSpPr>
+            <a:cxnSpLocks/>
+          </p:cNvCxnSpPr>
+          <p:nvPr/>
+        </p:nvCxnSpPr>
+        <p:spPr>
+          <a:xfrm>
+            <a:off x="4464916" y="3633858"/>
+            <a:ext cx="75156" cy="212942"/>
+          </a:xfrm>
+          <a:prstGeom prst="line">
+            <a:avLst/>
+          </a:prstGeom>
+        </p:spPr>
+        <p:style>
+          <a:lnRef idx="3">
+            <a:schemeClr val="dk1"/>
+          </a:lnRef>
+          <a:fillRef idx="0">
+            <a:schemeClr val="dk1"/>
+          </a:fillRef>
+          <a:effectRef idx="2">
+            <a:schemeClr val="dk1"/>
+          </a:effectRef>
+          <a:fontRef idx="minor">
+            <a:schemeClr val="tx1"/>
+          </a:fontRef>
+        </p:style>
+      </p:cxnSp>
+      <p:cxnSp>
+        <p:nvCxnSpPr>
+          <p:cNvPr id="21" name="Straight Connector 20">
+            <a:extLst>
+              <a:ext uri="{FF2B5EF4-FFF2-40B4-BE49-F238E27FC236}">
+                <a16:creationId xmlns:a16="http://schemas.microsoft.com/office/drawing/2014/main" id="{05EDFD76-5199-BC53-2F7D-F789A747B898}"/>
+              </a:ext>
+            </a:extLst>
+          </p:cNvPr>
+          <p:cNvCxnSpPr>
+            <a:cxnSpLocks/>
+          </p:cNvCxnSpPr>
+          <p:nvPr/>
+        </p:nvCxnSpPr>
+        <p:spPr>
+          <a:xfrm flipH="1">
+            <a:off x="4464916" y="3846800"/>
+            <a:ext cx="75156" cy="240083"/>
+          </a:xfrm>
+          <a:prstGeom prst="line">
+            <a:avLst/>
+          </a:prstGeom>
+        </p:spPr>
+        <p:style>
+          <a:lnRef idx="3">
+            <a:schemeClr val="dk1"/>
+          </a:lnRef>
+          <a:fillRef idx="0">
+            <a:schemeClr val="dk1"/>
+          </a:fillRef>
+          <a:effectRef idx="2">
+            <a:schemeClr val="dk1"/>
+          </a:effectRef>
+          <a:fontRef idx="minor">
+            <a:schemeClr val="tx1"/>
+          </a:fontRef>
+        </p:style>
+      </p:cxnSp>
+      <p:cxnSp>
+        <p:nvCxnSpPr>
+          <p:cNvPr id="22" name="Straight Connector 21">
+            <a:extLst>
+              <a:ext uri="{FF2B5EF4-FFF2-40B4-BE49-F238E27FC236}">
+                <a16:creationId xmlns:a16="http://schemas.microsoft.com/office/drawing/2014/main" id="{3A926BCB-4A6D-401C-18FA-36028996B250}"/>
+              </a:ext>
+            </a:extLst>
+          </p:cNvPr>
+          <p:cNvCxnSpPr>
+            <a:cxnSpLocks/>
+          </p:cNvCxnSpPr>
+          <p:nvPr/>
+        </p:nvCxnSpPr>
+        <p:spPr>
+          <a:xfrm>
+            <a:off x="4615228" y="3633858"/>
+            <a:ext cx="541969" cy="0"/>
+          </a:xfrm>
+          <a:prstGeom prst="line">
+            <a:avLst/>
+          </a:prstGeom>
+        </p:spPr>
+        <p:style>
+          <a:lnRef idx="3">
+            <a:schemeClr val="dk1"/>
+          </a:lnRef>
+          <a:fillRef idx="0">
+            <a:schemeClr val="dk1"/>
+          </a:fillRef>
+          <a:effectRef idx="2">
+            <a:schemeClr val="dk1"/>
+          </a:effectRef>
+          <a:fontRef idx="minor">
+            <a:schemeClr val="tx1"/>
+          </a:fontRef>
+        </p:style>
+      </p:cxnSp>
+      <p:cxnSp>
+        <p:nvCxnSpPr>
+          <p:cNvPr id="23" name="Straight Connector 22">
+            <a:extLst>
+              <a:ext uri="{FF2B5EF4-FFF2-40B4-BE49-F238E27FC236}">
+                <a16:creationId xmlns:a16="http://schemas.microsoft.com/office/drawing/2014/main" id="{02A1B1BC-C304-E75B-D3A7-F308E147E326}"/>
+              </a:ext>
+            </a:extLst>
+          </p:cNvPr>
+          <p:cNvCxnSpPr>
+            <a:cxnSpLocks/>
+          </p:cNvCxnSpPr>
+          <p:nvPr/>
+        </p:nvCxnSpPr>
+        <p:spPr>
+          <a:xfrm>
+            <a:off x="4615228" y="4086883"/>
+            <a:ext cx="555968" cy="0"/>
+          </a:xfrm>
+          <a:prstGeom prst="line">
+            <a:avLst/>
+          </a:prstGeom>
+        </p:spPr>
+        <p:style>
+          <a:lnRef idx="3">
+            <a:schemeClr val="dk1"/>
+          </a:lnRef>
+          <a:fillRef idx="0">
+            <a:schemeClr val="dk1"/>
+          </a:fillRef>
+          <a:effectRef idx="2">
+            <a:schemeClr val="dk1"/>
+          </a:effectRef>
+          <a:fontRef idx="minor">
+            <a:schemeClr val="tx1"/>
+          </a:fontRef>
+        </p:style>
+      </p:cxnSp>
+      <p:cxnSp>
+        <p:nvCxnSpPr>
+          <p:cNvPr id="24" name="Straight Connector 23">
+            <a:extLst>
+              <a:ext uri="{FF2B5EF4-FFF2-40B4-BE49-F238E27FC236}">
+                <a16:creationId xmlns:a16="http://schemas.microsoft.com/office/drawing/2014/main" id="{CB857969-DECE-1A54-2F41-669C42F3ED91}"/>
+              </a:ext>
+            </a:extLst>
+          </p:cNvPr>
+          <p:cNvCxnSpPr/>
+          <p:nvPr/>
+        </p:nvCxnSpPr>
+        <p:spPr>
+          <a:xfrm flipV="1">
+            <a:off x="2484404" y="2976457"/>
+            <a:ext cx="0" cy="419622"/>
+          </a:xfrm>
+          <a:prstGeom prst="line">
+            <a:avLst/>
+          </a:prstGeom>
+        </p:spPr>
+        <p:style>
+          <a:lnRef idx="3">
+            <a:schemeClr val="dk1"/>
+          </a:lnRef>
+          <a:fillRef idx="0">
+            <a:schemeClr val="dk1"/>
+          </a:fillRef>
+          <a:effectRef idx="2">
+            <a:schemeClr val="dk1"/>
+          </a:effectRef>
+          <a:fontRef idx="minor">
+            <a:schemeClr val="tx1"/>
+          </a:fontRef>
+        </p:style>
+      </p:cxnSp>
+      <p:cxnSp>
+        <p:nvCxnSpPr>
+          <p:cNvPr id="25" name="Straight Connector 24">
+            <a:extLst>
+              <a:ext uri="{FF2B5EF4-FFF2-40B4-BE49-F238E27FC236}">
+                <a16:creationId xmlns:a16="http://schemas.microsoft.com/office/drawing/2014/main" id="{5F939497-1931-A292-C45B-5822824D9649}"/>
+              </a:ext>
+            </a:extLst>
+          </p:cNvPr>
+          <p:cNvCxnSpPr>
+            <a:cxnSpLocks/>
+          </p:cNvCxnSpPr>
+          <p:nvPr/>
+        </p:nvCxnSpPr>
+        <p:spPr>
+          <a:xfrm>
+            <a:off x="3831628" y="3389816"/>
+            <a:ext cx="1339568" cy="0"/>
+          </a:xfrm>
+          <a:prstGeom prst="line">
+            <a:avLst/>
+          </a:prstGeom>
+        </p:spPr>
+        <p:style>
+          <a:lnRef idx="3">
+            <a:schemeClr val="dk1"/>
+          </a:lnRef>
+          <a:fillRef idx="0">
+            <a:schemeClr val="dk1"/>
+          </a:fillRef>
+          <a:effectRef idx="2">
+            <a:schemeClr val="dk1"/>
+          </a:effectRef>
+          <a:fontRef idx="minor">
+            <a:schemeClr val="tx1"/>
+          </a:fontRef>
+        </p:style>
+      </p:cxnSp>
+      <p:cxnSp>
+        <p:nvCxnSpPr>
+          <p:cNvPr id="26" name="Straight Connector 25">
+            <a:extLst>
+              <a:ext uri="{FF2B5EF4-FFF2-40B4-BE49-F238E27FC236}">
+                <a16:creationId xmlns:a16="http://schemas.microsoft.com/office/drawing/2014/main" id="{530E3CAD-4C5F-3B8D-3C06-8D1221108C45}"/>
+              </a:ext>
+            </a:extLst>
+          </p:cNvPr>
+          <p:cNvCxnSpPr/>
+          <p:nvPr/>
+        </p:nvCxnSpPr>
+        <p:spPr>
+          <a:xfrm flipV="1">
+            <a:off x="3831628" y="2976457"/>
+            <a:ext cx="0" cy="419622"/>
+          </a:xfrm>
+          <a:prstGeom prst="line">
+            <a:avLst/>
+          </a:prstGeom>
+        </p:spPr>
+        <p:style>
+          <a:lnRef idx="3">
+            <a:schemeClr val="dk1"/>
+          </a:lnRef>
+          <a:fillRef idx="0">
+            <a:schemeClr val="dk1"/>
+          </a:fillRef>
+          <a:effectRef idx="2">
+            <a:schemeClr val="dk1"/>
+          </a:effectRef>
+          <a:fontRef idx="minor">
+            <a:schemeClr val="tx1"/>
+          </a:fontRef>
+        </p:style>
+      </p:cxnSp>
+      <p:cxnSp>
+        <p:nvCxnSpPr>
+          <p:cNvPr id="27" name="Straight Connector 26">
+            <a:extLst>
+              <a:ext uri="{FF2B5EF4-FFF2-40B4-BE49-F238E27FC236}">
+                <a16:creationId xmlns:a16="http://schemas.microsoft.com/office/drawing/2014/main" id="{9D32D87D-4AA5-98E5-A11C-129DCFB47BA2}"/>
+              </a:ext>
+            </a:extLst>
+          </p:cNvPr>
+          <p:cNvCxnSpPr/>
+          <p:nvPr/>
+        </p:nvCxnSpPr>
+        <p:spPr>
+          <a:xfrm flipV="1">
+            <a:off x="5160859" y="2976457"/>
+            <a:ext cx="0" cy="419622"/>
+          </a:xfrm>
+          <a:prstGeom prst="line">
+            <a:avLst/>
+          </a:prstGeom>
+        </p:spPr>
+        <p:style>
+          <a:lnRef idx="3">
+            <a:schemeClr val="dk1"/>
+          </a:lnRef>
+          <a:fillRef idx="0">
+            <a:schemeClr val="dk1"/>
+          </a:fillRef>
+          <a:effectRef idx="2">
+            <a:schemeClr val="dk1"/>
+          </a:effectRef>
+          <a:fontRef idx="minor">
+            <a:schemeClr val="tx1"/>
+          </a:fontRef>
+        </p:style>
+      </p:cxnSp>
+      <p:cxnSp>
+        <p:nvCxnSpPr>
+          <p:cNvPr id="28" name="Straight Connector 27">
+            <a:extLst>
+              <a:ext uri="{FF2B5EF4-FFF2-40B4-BE49-F238E27FC236}">
+                <a16:creationId xmlns:a16="http://schemas.microsoft.com/office/drawing/2014/main" id="{F9A34EC5-79C8-4C73-495E-CDEEB2A1916C}"/>
+              </a:ext>
+            </a:extLst>
+          </p:cNvPr>
+          <p:cNvCxnSpPr/>
+          <p:nvPr/>
+        </p:nvCxnSpPr>
+        <p:spPr>
+          <a:xfrm>
+            <a:off x="5160859" y="2976457"/>
+            <a:ext cx="1014608" cy="0"/>
+          </a:xfrm>
+          <a:prstGeom prst="line">
+            <a:avLst/>
+          </a:prstGeom>
+        </p:spPr>
+        <p:style>
+          <a:lnRef idx="3">
+            <a:schemeClr val="dk1"/>
+          </a:lnRef>
+          <a:fillRef idx="0">
+            <a:schemeClr val="dk1"/>
+          </a:fillRef>
+          <a:effectRef idx="2">
+            <a:schemeClr val="dk1"/>
+          </a:effectRef>
+          <a:fontRef idx="minor">
+            <a:schemeClr val="tx1"/>
+          </a:fontRef>
+        </p:style>
+      </p:cxnSp>
+      <p:cxnSp>
+        <p:nvCxnSpPr>
+          <p:cNvPr id="29" name="Straight Connector 28">
+            <a:extLst>
+              <a:ext uri="{FF2B5EF4-FFF2-40B4-BE49-F238E27FC236}">
+                <a16:creationId xmlns:a16="http://schemas.microsoft.com/office/drawing/2014/main" id="{9B7230C9-DD4A-C4CD-56F2-E59DCC2ECB4B}"/>
+              </a:ext>
+            </a:extLst>
+          </p:cNvPr>
+          <p:cNvCxnSpPr>
+            <a:cxnSpLocks/>
+          </p:cNvCxnSpPr>
+          <p:nvPr/>
+        </p:nvCxnSpPr>
+        <p:spPr>
+          <a:xfrm>
+            <a:off x="1382114" y="3389816"/>
+            <a:ext cx="1102290" cy="0"/>
+          </a:xfrm>
+          <a:prstGeom prst="line">
+            <a:avLst/>
+          </a:prstGeom>
+        </p:spPr>
+        <p:style>
+          <a:lnRef idx="3">
+            <a:schemeClr val="dk1"/>
+          </a:lnRef>
+          <a:fillRef idx="0">
+            <a:schemeClr val="dk1"/>
+          </a:fillRef>
+          <a:effectRef idx="2">
+            <a:schemeClr val="dk1"/>
+          </a:effectRef>
+          <a:fontRef idx="minor">
+            <a:schemeClr val="tx1"/>
+          </a:fontRef>
+        </p:style>
+      </p:cxnSp>
+      <p:cxnSp>
+        <p:nvCxnSpPr>
+          <p:cNvPr id="30" name="Straight Connector 29">
+            <a:extLst>
+              <a:ext uri="{FF2B5EF4-FFF2-40B4-BE49-F238E27FC236}">
+                <a16:creationId xmlns:a16="http://schemas.microsoft.com/office/drawing/2014/main" id="{7B31B70D-3DCB-FC71-C774-061849542C2D}"/>
+              </a:ext>
+            </a:extLst>
+          </p:cNvPr>
+          <p:cNvCxnSpPr>
+            <a:cxnSpLocks/>
+          </p:cNvCxnSpPr>
+          <p:nvPr/>
+        </p:nvCxnSpPr>
+        <p:spPr>
+          <a:xfrm>
+            <a:off x="2484404" y="3379703"/>
+            <a:ext cx="0" cy="2723157"/>
+          </a:xfrm>
+          <a:prstGeom prst="line">
+            <a:avLst/>
+          </a:prstGeom>
+          <a:ln w="9525" cap="flat" cmpd="sng" algn="ctr">
+            <a:solidFill>
+              <a:schemeClr val="dk1"/>
+            </a:solidFill>
+            <a:prstDash val="dash"/>
+            <a:round/>
+            <a:headEnd type="none" w="med" len="med"/>
+            <a:tailEnd type="none" w="med" len="med"/>
+          </a:ln>
+        </p:spPr>
+        <p:style>
+          <a:lnRef idx="0">
+            <a:scrgbClr r="0" g="0" b="0"/>
+          </a:lnRef>
+          <a:fillRef idx="0">
+            <a:scrgbClr r="0" g="0" b="0"/>
+          </a:fillRef>
+          <a:effectRef idx="0">
+            <a:scrgbClr r="0" g="0" b="0"/>
+          </a:effectRef>
+          <a:fontRef idx="minor">
+            <a:schemeClr val="tx1"/>
+          </a:fontRef>
+        </p:style>
+      </p:cxnSp>
+      <p:cxnSp>
+        <p:nvCxnSpPr>
+          <p:cNvPr id="31" name="Straight Connector 30">
+            <a:extLst>
+              <a:ext uri="{FF2B5EF4-FFF2-40B4-BE49-F238E27FC236}">
+                <a16:creationId xmlns:a16="http://schemas.microsoft.com/office/drawing/2014/main" id="{3E8000A6-97E3-7FE4-63A8-C67DA30B6883}"/>
+              </a:ext>
+            </a:extLst>
+          </p:cNvPr>
+          <p:cNvCxnSpPr>
+            <a:cxnSpLocks/>
+          </p:cNvCxnSpPr>
+          <p:nvPr/>
+        </p:nvCxnSpPr>
+        <p:spPr>
+          <a:xfrm>
+            <a:off x="5157197" y="3379703"/>
+            <a:ext cx="0" cy="2723157"/>
+          </a:xfrm>
+          <a:prstGeom prst="line">
+            <a:avLst/>
+          </a:prstGeom>
+          <a:ln w="9525" cap="flat" cmpd="sng" algn="ctr">
+            <a:solidFill>
+              <a:schemeClr val="dk1"/>
+            </a:solidFill>
+            <a:prstDash val="dash"/>
+            <a:round/>
+            <a:headEnd type="none" w="med" len="med"/>
+            <a:tailEnd type="none" w="med" len="med"/>
+          </a:ln>
+        </p:spPr>
+        <p:style>
+          <a:lnRef idx="0">
+            <a:scrgbClr r="0" g="0" b="0"/>
+          </a:lnRef>
+          <a:fillRef idx="0">
+            <a:scrgbClr r="0" g="0" b="0"/>
+          </a:fillRef>
+          <a:effectRef idx="0">
+            <a:scrgbClr r="0" g="0" b="0"/>
+          </a:effectRef>
+          <a:fontRef idx="minor">
+            <a:schemeClr val="tx1"/>
+          </a:fontRef>
+        </p:style>
+      </p:cxnSp>
+      <p:sp>
+        <p:nvSpPr>
+          <p:cNvPr id="32" name="TextBox 31">
+            <a:extLst>
+              <a:ext uri="{FF2B5EF4-FFF2-40B4-BE49-F238E27FC236}">
+                <a16:creationId xmlns:a16="http://schemas.microsoft.com/office/drawing/2014/main" id="{377EC9A3-FF43-CF4E-C1E0-3A13C68B6E01}"/>
+              </a:ext>
+            </a:extLst>
+          </p:cNvPr>
+          <p:cNvSpPr txBox="1"/>
+          <p:nvPr/>
+        </p:nvSpPr>
+        <p:spPr>
+          <a:xfrm>
+            <a:off x="4667219" y="3721654"/>
+            <a:ext cx="386456" cy="276999"/>
+          </a:xfrm>
+          <a:prstGeom prst="rect">
+            <a:avLst/>
+          </a:prstGeom>
+          <a:noFill/>
+        </p:spPr>
+        <p:txBody>
+          <a:bodyPr wrap="square" rtlCol="0">
+            <a:spAutoFit/>
+          </a:bodyPr>
+          <a:lstStyle/>
+          <a:p>
+            <a:pPr algn="ctr"/>
+            <a:r>
+              <a:rPr lang="en-GB" sz="1200" i="1" dirty="0"/>
+              <a:t>T</a:t>
+            </a:r>
+            <a:r>
+              <a:rPr lang="en-GB" sz="1200" i="1" baseline="-25000" dirty="0"/>
+              <a:t>SU</a:t>
+            </a:r>
+          </a:p>
+        </p:txBody>
+      </p:sp>
+      <p:sp>
+        <p:nvSpPr>
+          <p:cNvPr id="33" name="TextBox 32">
+            <a:extLst>
+              <a:ext uri="{FF2B5EF4-FFF2-40B4-BE49-F238E27FC236}">
+                <a16:creationId xmlns:a16="http://schemas.microsoft.com/office/drawing/2014/main" id="{B14CAF4E-1CB2-3BAA-A10E-B59B908EDA81}"/>
+              </a:ext>
+            </a:extLst>
+          </p:cNvPr>
+          <p:cNvSpPr txBox="1"/>
+          <p:nvPr/>
+        </p:nvSpPr>
+        <p:spPr>
+          <a:xfrm>
+            <a:off x="1275329" y="3686972"/>
+            <a:ext cx="620554" cy="369332"/>
+          </a:xfrm>
+          <a:prstGeom prst="rect">
+            <a:avLst/>
+          </a:prstGeom>
+          <a:noFill/>
+        </p:spPr>
+        <p:txBody>
+          <a:bodyPr wrap="none" rtlCol="0">
+            <a:spAutoFit/>
+          </a:bodyPr>
+          <a:lstStyle/>
+          <a:p>
+            <a:r>
+              <a:rPr lang="en-GB" dirty="0"/>
+              <a:t>Data</a:t>
+            </a:r>
+          </a:p>
+        </p:txBody>
+      </p:sp>
+      <p:sp>
+        <p:nvSpPr>
+          <p:cNvPr id="34" name="TextBox 33">
+            <a:extLst>
+              <a:ext uri="{FF2B5EF4-FFF2-40B4-BE49-F238E27FC236}">
+                <a16:creationId xmlns:a16="http://schemas.microsoft.com/office/drawing/2014/main" id="{BE53E8DE-2688-9C4D-6D05-F402655872AC}"/>
+              </a:ext>
+            </a:extLst>
+          </p:cNvPr>
+          <p:cNvSpPr txBox="1"/>
+          <p:nvPr/>
+        </p:nvSpPr>
+        <p:spPr>
+          <a:xfrm>
+            <a:off x="1275329" y="3033195"/>
+            <a:ext cx="684803" cy="369332"/>
+          </a:xfrm>
+          <a:prstGeom prst="rect">
+            <a:avLst/>
+          </a:prstGeom>
+          <a:noFill/>
+        </p:spPr>
+        <p:txBody>
+          <a:bodyPr wrap="none" rtlCol="0">
+            <a:spAutoFit/>
+          </a:bodyPr>
+          <a:lstStyle/>
+          <a:p>
+            <a:r>
+              <a:rPr lang="en-GB" dirty="0"/>
+              <a:t>Clock</a:t>
+            </a:r>
+          </a:p>
+        </p:txBody>
+      </p:sp>
+      <p:cxnSp>
+        <p:nvCxnSpPr>
+          <p:cNvPr id="35" name="Straight Connector 34">
+            <a:extLst>
+              <a:ext uri="{FF2B5EF4-FFF2-40B4-BE49-F238E27FC236}">
+                <a16:creationId xmlns:a16="http://schemas.microsoft.com/office/drawing/2014/main" id="{7B6DFC48-500D-56AE-640E-C990DE0EF752}"/>
+              </a:ext>
+            </a:extLst>
+          </p:cNvPr>
+          <p:cNvCxnSpPr>
+            <a:cxnSpLocks/>
+          </p:cNvCxnSpPr>
+          <p:nvPr/>
+        </p:nvCxnSpPr>
+        <p:spPr>
+          <a:xfrm>
+            <a:off x="2482002" y="2976457"/>
+            <a:ext cx="1349626" cy="0"/>
+          </a:xfrm>
+          <a:prstGeom prst="line">
+            <a:avLst/>
+          </a:prstGeom>
+        </p:spPr>
+        <p:style>
+          <a:lnRef idx="3">
+            <a:schemeClr val="dk1"/>
+          </a:lnRef>
+          <a:fillRef idx="0">
+            <a:schemeClr val="dk1"/>
+          </a:fillRef>
+          <a:effectRef idx="2">
+            <a:schemeClr val="dk1"/>
+          </a:effectRef>
+          <a:fontRef idx="minor">
+            <a:schemeClr val="tx1"/>
+          </a:fontRef>
+        </p:style>
+      </p:cxnSp>
+      <p:sp>
+        <p:nvSpPr>
+          <p:cNvPr id="36" name="TextBox 35">
+            <a:extLst>
+              <a:ext uri="{FF2B5EF4-FFF2-40B4-BE49-F238E27FC236}">
+                <a16:creationId xmlns:a16="http://schemas.microsoft.com/office/drawing/2014/main" id="{0931AE97-D71A-2013-A29F-7F439E0003FD}"/>
+              </a:ext>
+            </a:extLst>
+          </p:cNvPr>
+          <p:cNvSpPr txBox="1"/>
+          <p:nvPr/>
+        </p:nvSpPr>
+        <p:spPr>
+          <a:xfrm>
+            <a:off x="3096730" y="3721654"/>
+            <a:ext cx="962892" cy="276999"/>
+          </a:xfrm>
+          <a:prstGeom prst="rect">
+            <a:avLst/>
+          </a:prstGeom>
+          <a:noFill/>
+        </p:spPr>
+        <p:txBody>
+          <a:bodyPr wrap="none" rtlCol="0">
+            <a:spAutoFit/>
+          </a:bodyPr>
+          <a:lstStyle/>
+          <a:p>
+            <a:pPr algn="ctr"/>
+            <a:r>
+              <a:rPr lang="en-GB" sz="1200" i="1" dirty="0"/>
+              <a:t>Logic &amp; Nets</a:t>
+            </a:r>
+            <a:endParaRPr lang="en-GB" sz="1200" i="1" baseline="-25000" dirty="0"/>
+          </a:p>
+        </p:txBody>
+      </p:sp>
+      <p:sp>
+        <p:nvSpPr>
+          <p:cNvPr id="37" name="TextBox 36">
+            <a:extLst>
+              <a:ext uri="{FF2B5EF4-FFF2-40B4-BE49-F238E27FC236}">
+                <a16:creationId xmlns:a16="http://schemas.microsoft.com/office/drawing/2014/main" id="{C6643560-7EFE-6CEC-C57F-EEF8A87268BF}"/>
+              </a:ext>
+            </a:extLst>
+          </p:cNvPr>
+          <p:cNvSpPr txBox="1"/>
+          <p:nvPr/>
+        </p:nvSpPr>
+        <p:spPr>
+          <a:xfrm>
+            <a:off x="4193324" y="3655289"/>
+            <a:ext cx="369332" cy="409728"/>
+          </a:xfrm>
+          <a:prstGeom prst="rect">
+            <a:avLst/>
+          </a:prstGeom>
+          <a:noFill/>
+        </p:spPr>
+        <p:txBody>
+          <a:bodyPr vert="vert270" wrap="none" rtlCol="0">
+            <a:spAutoFit/>
+          </a:bodyPr>
+          <a:lstStyle/>
+          <a:p>
+            <a:pPr algn="ctr"/>
+            <a:r>
+              <a:rPr lang="en-GB" sz="1200" i="1" dirty="0"/>
+              <a:t>Slack</a:t>
+            </a:r>
+            <a:endParaRPr lang="en-GB" sz="1200" i="1" baseline="-25000" dirty="0"/>
+          </a:p>
+        </p:txBody>
+      </p:sp>
+      <p:cxnSp>
+        <p:nvCxnSpPr>
+          <p:cNvPr id="38" name="Straight Connector 37">
+            <a:extLst>
+              <a:ext uri="{FF2B5EF4-FFF2-40B4-BE49-F238E27FC236}">
+                <a16:creationId xmlns:a16="http://schemas.microsoft.com/office/drawing/2014/main" id="{BA32E195-CB22-DEC2-F54F-3D1CB62EE5A8}"/>
+              </a:ext>
+            </a:extLst>
+          </p:cNvPr>
+          <p:cNvCxnSpPr>
+            <a:cxnSpLocks/>
+          </p:cNvCxnSpPr>
+          <p:nvPr/>
+        </p:nvCxnSpPr>
+        <p:spPr>
+          <a:xfrm>
+            <a:off x="1382114" y="3638091"/>
+            <a:ext cx="1101292" cy="0"/>
+          </a:xfrm>
+          <a:prstGeom prst="line">
+            <a:avLst/>
+          </a:prstGeom>
+          <a:ln>
+            <a:prstDash val="dash"/>
+          </a:ln>
+        </p:spPr>
+        <p:style>
+          <a:lnRef idx="3">
+            <a:schemeClr val="dk1"/>
+          </a:lnRef>
+          <a:fillRef idx="0">
+            <a:schemeClr val="dk1"/>
+          </a:fillRef>
+          <a:effectRef idx="2">
+            <a:schemeClr val="dk1"/>
+          </a:effectRef>
+          <a:fontRef idx="minor">
+            <a:schemeClr val="tx1"/>
+          </a:fontRef>
+        </p:style>
+      </p:cxnSp>
+      <p:cxnSp>
+        <p:nvCxnSpPr>
+          <p:cNvPr id="39" name="Straight Connector 38">
+            <a:extLst>
+              <a:ext uri="{FF2B5EF4-FFF2-40B4-BE49-F238E27FC236}">
+                <a16:creationId xmlns:a16="http://schemas.microsoft.com/office/drawing/2014/main" id="{DD2AC73C-0EA9-2B76-00CD-50588C532242}"/>
+              </a:ext>
+            </a:extLst>
+          </p:cNvPr>
+          <p:cNvCxnSpPr>
+            <a:cxnSpLocks/>
+          </p:cNvCxnSpPr>
+          <p:nvPr/>
+        </p:nvCxnSpPr>
+        <p:spPr>
+          <a:xfrm>
+            <a:off x="1382114" y="4091116"/>
+            <a:ext cx="1101292" cy="0"/>
+          </a:xfrm>
+          <a:prstGeom prst="line">
+            <a:avLst/>
+          </a:prstGeom>
+          <a:ln>
+            <a:prstDash val="dash"/>
+          </a:ln>
+        </p:spPr>
+        <p:style>
+          <a:lnRef idx="3">
+            <a:schemeClr val="dk1"/>
+          </a:lnRef>
+          <a:fillRef idx="0">
+            <a:schemeClr val="dk1"/>
+          </a:fillRef>
+          <a:effectRef idx="2">
+            <a:schemeClr val="dk1"/>
+          </a:effectRef>
+          <a:fontRef idx="minor">
+            <a:schemeClr val="tx1"/>
+          </a:fontRef>
+        </p:style>
+      </p:cxnSp>
+      <p:cxnSp>
+        <p:nvCxnSpPr>
+          <p:cNvPr id="40" name="Straight Connector 39">
+            <a:extLst>
+              <a:ext uri="{FF2B5EF4-FFF2-40B4-BE49-F238E27FC236}">
+                <a16:creationId xmlns:a16="http://schemas.microsoft.com/office/drawing/2014/main" id="{82B6A1D7-851B-8421-956E-546DE8684EA4}"/>
+              </a:ext>
+            </a:extLst>
+          </p:cNvPr>
+          <p:cNvCxnSpPr>
+            <a:cxnSpLocks/>
+          </p:cNvCxnSpPr>
+          <p:nvPr/>
+        </p:nvCxnSpPr>
+        <p:spPr>
+          <a:xfrm>
+            <a:off x="5157197" y="3633858"/>
+            <a:ext cx="1018270" cy="0"/>
+          </a:xfrm>
+          <a:prstGeom prst="line">
+            <a:avLst/>
+          </a:prstGeom>
+          <a:ln>
+            <a:prstDash val="dash"/>
+          </a:ln>
+        </p:spPr>
+        <p:style>
+          <a:lnRef idx="3">
+            <a:schemeClr val="dk1"/>
+          </a:lnRef>
+          <a:fillRef idx="0">
+            <a:schemeClr val="dk1"/>
+          </a:fillRef>
+          <a:effectRef idx="2">
+            <a:schemeClr val="dk1"/>
+          </a:effectRef>
+          <a:fontRef idx="minor">
+            <a:schemeClr val="tx1"/>
+          </a:fontRef>
+        </p:style>
+      </p:cxnSp>
+      <p:cxnSp>
+        <p:nvCxnSpPr>
+          <p:cNvPr id="41" name="Straight Connector 40">
+            <a:extLst>
+              <a:ext uri="{FF2B5EF4-FFF2-40B4-BE49-F238E27FC236}">
+                <a16:creationId xmlns:a16="http://schemas.microsoft.com/office/drawing/2014/main" id="{4DD9E448-242F-CC25-F6D0-1DD2D82D45A0}"/>
+              </a:ext>
+            </a:extLst>
+          </p:cNvPr>
+          <p:cNvCxnSpPr>
+            <a:cxnSpLocks/>
+          </p:cNvCxnSpPr>
+          <p:nvPr/>
+        </p:nvCxnSpPr>
+        <p:spPr>
+          <a:xfrm>
+            <a:off x="5157197" y="4086883"/>
+            <a:ext cx="1018270" cy="0"/>
+          </a:xfrm>
+          <a:prstGeom prst="line">
+            <a:avLst/>
+          </a:prstGeom>
+          <a:ln>
+            <a:prstDash val="dash"/>
+          </a:ln>
+        </p:spPr>
+        <p:style>
+          <a:lnRef idx="3">
+            <a:schemeClr val="dk1"/>
+          </a:lnRef>
+          <a:fillRef idx="0">
+            <a:schemeClr val="dk1"/>
+          </a:fillRef>
+          <a:effectRef idx="2">
+            <a:schemeClr val="dk1"/>
+          </a:effectRef>
+          <a:fontRef idx="minor">
+            <a:schemeClr val="tx1"/>
+          </a:fontRef>
+        </p:style>
+      </p:cxnSp>
+      <p:cxnSp>
+        <p:nvCxnSpPr>
+          <p:cNvPr id="44" name="Straight Connector 43">
+            <a:extLst>
+              <a:ext uri="{FF2B5EF4-FFF2-40B4-BE49-F238E27FC236}">
+                <a16:creationId xmlns:a16="http://schemas.microsoft.com/office/drawing/2014/main" id="{8C5717F0-AAA2-B012-5508-204E4A21C28B}"/>
+              </a:ext>
+            </a:extLst>
+          </p:cNvPr>
+          <p:cNvCxnSpPr>
+            <a:cxnSpLocks/>
+          </p:cNvCxnSpPr>
+          <p:nvPr/>
+        </p:nvCxnSpPr>
+        <p:spPr>
+          <a:xfrm>
+            <a:off x="2855380" y="3643677"/>
+            <a:ext cx="75156" cy="212942"/>
+          </a:xfrm>
+          <a:prstGeom prst="line">
+            <a:avLst/>
+          </a:prstGeom>
+        </p:spPr>
+        <p:style>
+          <a:lnRef idx="3">
+            <a:schemeClr val="dk1"/>
+          </a:lnRef>
+          <a:fillRef idx="0">
+            <a:schemeClr val="dk1"/>
+          </a:fillRef>
+          <a:effectRef idx="2">
+            <a:schemeClr val="dk1"/>
+          </a:effectRef>
+          <a:fontRef idx="minor">
+            <a:schemeClr val="tx1"/>
+          </a:fontRef>
+        </p:style>
+      </p:cxnSp>
+      <p:cxnSp>
+        <p:nvCxnSpPr>
+          <p:cNvPr id="45" name="Straight Connector 44">
+            <a:extLst>
+              <a:ext uri="{FF2B5EF4-FFF2-40B4-BE49-F238E27FC236}">
+                <a16:creationId xmlns:a16="http://schemas.microsoft.com/office/drawing/2014/main" id="{A98A1BBC-B856-BD6A-766B-0F48F0282E77}"/>
+              </a:ext>
+            </a:extLst>
+          </p:cNvPr>
+          <p:cNvCxnSpPr>
+            <a:cxnSpLocks/>
+          </p:cNvCxnSpPr>
+          <p:nvPr/>
+        </p:nvCxnSpPr>
+        <p:spPr>
+          <a:xfrm flipH="1">
+            <a:off x="2855380" y="3856619"/>
+            <a:ext cx="75156" cy="240083"/>
+          </a:xfrm>
+          <a:prstGeom prst="line">
+            <a:avLst/>
+          </a:prstGeom>
+        </p:spPr>
+        <p:style>
+          <a:lnRef idx="3">
+            <a:schemeClr val="dk1"/>
+          </a:lnRef>
+          <a:fillRef idx="0">
+            <a:schemeClr val="dk1"/>
+          </a:fillRef>
+          <a:effectRef idx="2">
+            <a:schemeClr val="dk1"/>
+          </a:effectRef>
+          <a:fontRef idx="minor">
+            <a:schemeClr val="tx1"/>
+          </a:fontRef>
+        </p:style>
+      </p:cxnSp>
+      <p:cxnSp>
+        <p:nvCxnSpPr>
+          <p:cNvPr id="55" name="Straight Arrow Connector 54">
+            <a:extLst>
+              <a:ext uri="{FF2B5EF4-FFF2-40B4-BE49-F238E27FC236}">
+                <a16:creationId xmlns:a16="http://schemas.microsoft.com/office/drawing/2014/main" id="{E2F1A4A1-AEDB-9AEC-D5C9-6E4BFAC5B8F1}"/>
+              </a:ext>
+            </a:extLst>
+          </p:cNvPr>
+          <p:cNvCxnSpPr>
+            <a:cxnSpLocks/>
+          </p:cNvCxnSpPr>
+          <p:nvPr/>
+        </p:nvCxnSpPr>
+        <p:spPr>
+          <a:xfrm>
+            <a:off x="2491165" y="6021287"/>
+            <a:ext cx="2666032" cy="0"/>
+          </a:xfrm>
+          <a:prstGeom prst="straightConnector1">
+            <a:avLst/>
+          </a:prstGeom>
+          <a:ln>
+            <a:headEnd type="triangle"/>
+            <a:tailEnd type="triangle"/>
+          </a:ln>
+        </p:spPr>
+        <p:style>
+          <a:lnRef idx="1">
+            <a:schemeClr val="dk1"/>
+          </a:lnRef>
+          <a:fillRef idx="0">
+            <a:schemeClr val="dk1"/>
+          </a:fillRef>
+          <a:effectRef idx="0">
+            <a:schemeClr val="dk1"/>
+          </a:effectRef>
+          <a:fontRef idx="minor">
+            <a:schemeClr val="tx1"/>
+          </a:fontRef>
+        </p:style>
+      </p:cxnSp>
+      <p:sp>
+        <p:nvSpPr>
+          <p:cNvPr id="56" name="TextBox 55">
+            <a:extLst>
+              <a:ext uri="{FF2B5EF4-FFF2-40B4-BE49-F238E27FC236}">
+                <a16:creationId xmlns:a16="http://schemas.microsoft.com/office/drawing/2014/main" id="{3748C1E7-0678-969F-B881-1256E62A3708}"/>
+              </a:ext>
+            </a:extLst>
+          </p:cNvPr>
+          <p:cNvSpPr txBox="1"/>
+          <p:nvPr/>
+        </p:nvSpPr>
+        <p:spPr>
+          <a:xfrm>
+            <a:off x="2487170" y="5739358"/>
+            <a:ext cx="2666032" cy="276999"/>
+          </a:xfrm>
+          <a:prstGeom prst="rect">
+            <a:avLst/>
+          </a:prstGeom>
+          <a:noFill/>
+        </p:spPr>
+        <p:txBody>
+          <a:bodyPr wrap="square" rtlCol="0">
+            <a:spAutoFit/>
+          </a:bodyPr>
+          <a:lstStyle/>
+          <a:p>
+            <a:pPr algn="ctr"/>
+            <a:r>
+              <a:rPr lang="en-GB" sz="1200" dirty="0"/>
+              <a:t>Clock Period (s) = </a:t>
+            </a:r>
+            <a:r>
+              <a:rPr lang="en-GB" sz="1200" i="1" dirty="0"/>
+              <a:t>T</a:t>
+            </a:r>
+            <a:r>
+              <a:rPr lang="en-GB" sz="1200" i="1" baseline="-25000" dirty="0"/>
+              <a:t>P</a:t>
+            </a:r>
+          </a:p>
+        </p:txBody>
+      </p:sp>
       <p:grpSp>
         <p:nvGrpSpPr>
-          <p:cNvPr id="87" name="Group 86">
+          <p:cNvPr id="57" name="Group 56">
             <a:extLst>
               <a:ext uri="{FF2B5EF4-FFF2-40B4-BE49-F238E27FC236}">
-                <a16:creationId xmlns:a16="http://schemas.microsoft.com/office/drawing/2014/main" id="{42454763-9D02-26F0-7EF9-9FD27437ED14}"/>
+                <a16:creationId xmlns:a16="http://schemas.microsoft.com/office/drawing/2014/main" id="{28C99222-5B2C-EAFE-129C-5960D6AF554F}"/>
               </a:ext>
             </a:extLst>
           </p:cNvPr>
@@ -17654,1564 +19312,72 @@
         </p:nvGrpSpPr>
         <p:grpSpPr>
           <a:xfrm>
-            <a:off x="1275329" y="2976457"/>
-            <a:ext cx="4953389" cy="3136516"/>
-            <a:chOff x="2806035" y="2580217"/>
-            <a:chExt cx="4953389" cy="3136516"/>
+            <a:off x="1438171" y="4169223"/>
+            <a:ext cx="4790547" cy="1509224"/>
+            <a:chOff x="4368649" y="2490244"/>
+            <a:chExt cx="4790547" cy="1509224"/>
           </a:xfrm>
         </p:grpSpPr>
-        <p:cxnSp>
-          <p:nvCxnSpPr>
-            <p:cNvPr id="6" name="Straight Connector 5">
+        <p:sp>
+          <p:nvSpPr>
+            <p:cNvPr id="59" name="Rectangle 58">
               <a:extLst>
                 <a:ext uri="{FF2B5EF4-FFF2-40B4-BE49-F238E27FC236}">
-                  <a16:creationId xmlns:a16="http://schemas.microsoft.com/office/drawing/2014/main" id="{FF1D1E68-9A17-4404-3711-B5B63610B7B7}"/>
+                  <a16:creationId xmlns:a16="http://schemas.microsoft.com/office/drawing/2014/main" id="{C514AF61-0B2A-3749-7708-65E936F3F606}"/>
                 </a:ext>
               </a:extLst>
             </p:cNvPr>
-            <p:cNvCxnSpPr>
-              <a:cxnSpLocks/>
-            </p:cNvCxnSpPr>
-            <p:nvPr/>
-          </p:nvCxnSpPr>
-          <p:spPr>
-            <a:xfrm>
-              <a:off x="4015110" y="3242010"/>
-              <a:ext cx="370976" cy="0"/>
-            </a:xfrm>
-            <a:prstGeom prst="line">
-              <a:avLst/>
-            </a:prstGeom>
-          </p:spPr>
-          <p:style>
-            <a:lnRef idx="3">
-              <a:schemeClr val="dk1"/>
-            </a:lnRef>
-            <a:fillRef idx="0">
-              <a:schemeClr val="dk1"/>
-            </a:fillRef>
-            <a:effectRef idx="2">
-              <a:schemeClr val="dk1"/>
-            </a:effectRef>
-            <a:fontRef idx="minor">
-              <a:schemeClr val="tx1"/>
-            </a:fontRef>
-          </p:style>
-        </p:cxnSp>
-        <p:cxnSp>
-          <p:nvCxnSpPr>
-            <p:cNvPr id="7" name="Straight Connector 6">
-              <a:extLst>
-                <a:ext uri="{FF2B5EF4-FFF2-40B4-BE49-F238E27FC236}">
-                  <a16:creationId xmlns:a16="http://schemas.microsoft.com/office/drawing/2014/main" id="{C0BFD87B-B3B5-B135-DBA5-2D0EAC2E09A2}"/>
-                </a:ext>
-              </a:extLst>
-            </p:cNvPr>
-            <p:cNvCxnSpPr>
-              <a:cxnSpLocks/>
-            </p:cNvCxnSpPr>
-            <p:nvPr/>
-          </p:nvCxnSpPr>
-          <p:spPr>
-            <a:xfrm>
-              <a:off x="4015110" y="3695035"/>
-              <a:ext cx="370976" cy="0"/>
-            </a:xfrm>
-            <a:prstGeom prst="line">
-              <a:avLst/>
-            </a:prstGeom>
-          </p:spPr>
-          <p:style>
-            <a:lnRef idx="3">
-              <a:schemeClr val="dk1"/>
-            </a:lnRef>
-            <a:fillRef idx="0">
-              <a:schemeClr val="dk1"/>
-            </a:fillRef>
-            <a:effectRef idx="2">
-              <a:schemeClr val="dk1"/>
-            </a:effectRef>
-            <a:fontRef idx="minor">
-              <a:schemeClr val="tx1"/>
-            </a:fontRef>
-          </p:style>
-        </p:cxnSp>
-        <p:cxnSp>
-          <p:nvCxnSpPr>
-            <p:cNvPr id="8" name="Straight Connector 7">
-              <a:extLst>
-                <a:ext uri="{FF2B5EF4-FFF2-40B4-BE49-F238E27FC236}">
-                  <a16:creationId xmlns:a16="http://schemas.microsoft.com/office/drawing/2014/main" id="{C88F7A4A-4050-9AAF-AA49-7A7192E01CE2}"/>
-                </a:ext>
-              </a:extLst>
-            </p:cNvPr>
-            <p:cNvCxnSpPr>
-              <a:cxnSpLocks/>
-            </p:cNvCxnSpPr>
-            <p:nvPr/>
-          </p:nvCxnSpPr>
-          <p:spPr>
-            <a:xfrm flipH="1">
-              <a:off x="6070778" y="3242010"/>
-              <a:ext cx="75156" cy="212942"/>
-            </a:xfrm>
-            <a:prstGeom prst="line">
-              <a:avLst/>
-            </a:prstGeom>
-          </p:spPr>
-          <p:style>
-            <a:lnRef idx="3">
-              <a:schemeClr val="dk1"/>
-            </a:lnRef>
-            <a:fillRef idx="0">
-              <a:schemeClr val="dk1"/>
-            </a:fillRef>
-            <a:effectRef idx="2">
-              <a:schemeClr val="dk1"/>
-            </a:effectRef>
-            <a:fontRef idx="minor">
-              <a:schemeClr val="tx1"/>
-            </a:fontRef>
-          </p:style>
-        </p:cxnSp>
-        <p:cxnSp>
-          <p:nvCxnSpPr>
-            <p:cNvPr id="9" name="Straight Connector 8">
-              <a:extLst>
-                <a:ext uri="{FF2B5EF4-FFF2-40B4-BE49-F238E27FC236}">
-                  <a16:creationId xmlns:a16="http://schemas.microsoft.com/office/drawing/2014/main" id="{D7432300-257C-0EF2-95ED-574B7873809D}"/>
-                </a:ext>
-              </a:extLst>
-            </p:cNvPr>
-            <p:cNvCxnSpPr>
-              <a:cxnSpLocks/>
-            </p:cNvCxnSpPr>
-            <p:nvPr/>
-          </p:nvCxnSpPr>
-          <p:spPr>
-            <a:xfrm>
-              <a:off x="6070778" y="3454952"/>
-              <a:ext cx="75156" cy="240083"/>
-            </a:xfrm>
-            <a:prstGeom prst="line">
-              <a:avLst/>
-            </a:prstGeom>
-          </p:spPr>
-          <p:style>
-            <a:lnRef idx="3">
-              <a:schemeClr val="dk1"/>
-            </a:lnRef>
-            <a:fillRef idx="0">
-              <a:schemeClr val="dk1"/>
-            </a:fillRef>
-            <a:effectRef idx="2">
-              <a:schemeClr val="dk1"/>
-            </a:effectRef>
-            <a:fontRef idx="minor">
-              <a:schemeClr val="tx1"/>
-            </a:fontRef>
-          </p:style>
-        </p:cxnSp>
-        <p:cxnSp>
-          <p:nvCxnSpPr>
-            <p:cNvPr id="10" name="Straight Connector 9">
-              <a:extLst>
-                <a:ext uri="{FF2B5EF4-FFF2-40B4-BE49-F238E27FC236}">
-                  <a16:creationId xmlns:a16="http://schemas.microsoft.com/office/drawing/2014/main" id="{79AD9957-B14A-FB3F-B1A8-F5697884429A}"/>
-                </a:ext>
-              </a:extLst>
-            </p:cNvPr>
-            <p:cNvCxnSpPr>
-              <a:cxnSpLocks/>
-            </p:cNvCxnSpPr>
-            <p:nvPr/>
-          </p:nvCxnSpPr>
-          <p:spPr>
-            <a:xfrm>
-              <a:off x="4549907" y="3242010"/>
-              <a:ext cx="1122838" cy="0"/>
-            </a:xfrm>
-            <a:prstGeom prst="line">
-              <a:avLst/>
-            </a:prstGeom>
-          </p:spPr>
-          <p:style>
-            <a:lnRef idx="3">
-              <a:schemeClr val="dk1"/>
-            </a:lnRef>
-            <a:fillRef idx="0">
-              <a:schemeClr val="dk1"/>
-            </a:fillRef>
-            <a:effectRef idx="2">
-              <a:schemeClr val="dk1"/>
-            </a:effectRef>
-            <a:fontRef idx="minor">
-              <a:schemeClr val="tx1"/>
-            </a:fontRef>
-          </p:style>
-        </p:cxnSp>
-        <p:cxnSp>
-          <p:nvCxnSpPr>
-            <p:cNvPr id="11" name="Straight Connector 10">
-              <a:extLst>
-                <a:ext uri="{FF2B5EF4-FFF2-40B4-BE49-F238E27FC236}">
-                  <a16:creationId xmlns:a16="http://schemas.microsoft.com/office/drawing/2014/main" id="{7B1AE189-9227-507F-4581-A709967E678A}"/>
-                </a:ext>
-              </a:extLst>
-            </p:cNvPr>
-            <p:cNvCxnSpPr>
-              <a:cxnSpLocks/>
-            </p:cNvCxnSpPr>
-            <p:nvPr/>
-          </p:nvCxnSpPr>
-          <p:spPr>
-            <a:xfrm>
-              <a:off x="4549907" y="3695035"/>
-              <a:ext cx="1122838" cy="0"/>
-            </a:xfrm>
-            <a:prstGeom prst="line">
-              <a:avLst/>
-            </a:prstGeom>
-          </p:spPr>
-          <p:style>
-            <a:lnRef idx="3">
-              <a:schemeClr val="dk1"/>
-            </a:lnRef>
-            <a:fillRef idx="0">
-              <a:schemeClr val="dk1"/>
-            </a:fillRef>
-            <a:effectRef idx="2">
-              <a:schemeClr val="dk1"/>
-            </a:effectRef>
-            <a:fontRef idx="minor">
-              <a:schemeClr val="tx1"/>
-            </a:fontRef>
-          </p:style>
-        </p:cxnSp>
-        <p:cxnSp>
-          <p:nvCxnSpPr>
-            <p:cNvPr id="12" name="Straight Connector 11">
-              <a:extLst>
-                <a:ext uri="{FF2B5EF4-FFF2-40B4-BE49-F238E27FC236}">
-                  <a16:creationId xmlns:a16="http://schemas.microsoft.com/office/drawing/2014/main" id="{34438A7E-5AC7-B223-5BA0-DB0C4DAA72F5}"/>
-                </a:ext>
-              </a:extLst>
-            </p:cNvPr>
-            <p:cNvCxnSpPr>
-              <a:cxnSpLocks/>
-            </p:cNvCxnSpPr>
-            <p:nvPr/>
-          </p:nvCxnSpPr>
-          <p:spPr>
-            <a:xfrm flipH="1">
-              <a:off x="4474751" y="3242010"/>
-              <a:ext cx="75156" cy="212942"/>
-            </a:xfrm>
-            <a:prstGeom prst="line">
-              <a:avLst/>
-            </a:prstGeom>
-          </p:spPr>
-          <p:style>
-            <a:lnRef idx="3">
-              <a:schemeClr val="dk1"/>
-            </a:lnRef>
-            <a:fillRef idx="0">
-              <a:schemeClr val="dk1"/>
-            </a:fillRef>
-            <a:effectRef idx="2">
-              <a:schemeClr val="dk1"/>
-            </a:effectRef>
-            <a:fontRef idx="minor">
-              <a:schemeClr val="tx1"/>
-            </a:fontRef>
-          </p:style>
-        </p:cxnSp>
-        <p:cxnSp>
-          <p:nvCxnSpPr>
-            <p:cNvPr id="13" name="Straight Connector 12">
-              <a:extLst>
-                <a:ext uri="{FF2B5EF4-FFF2-40B4-BE49-F238E27FC236}">
-                  <a16:creationId xmlns:a16="http://schemas.microsoft.com/office/drawing/2014/main" id="{EC90CEA6-EA7C-DA77-F94F-222DCC371760}"/>
-                </a:ext>
-              </a:extLst>
-            </p:cNvPr>
-            <p:cNvCxnSpPr>
-              <a:cxnSpLocks/>
-            </p:cNvCxnSpPr>
-            <p:nvPr/>
-          </p:nvCxnSpPr>
-          <p:spPr>
-            <a:xfrm>
-              <a:off x="4474751" y="3454952"/>
-              <a:ext cx="75156" cy="240083"/>
-            </a:xfrm>
-            <a:prstGeom prst="line">
-              <a:avLst/>
-            </a:prstGeom>
-          </p:spPr>
-          <p:style>
-            <a:lnRef idx="3">
-              <a:schemeClr val="dk1"/>
-            </a:lnRef>
-            <a:fillRef idx="0">
-              <a:schemeClr val="dk1"/>
-            </a:fillRef>
-            <a:effectRef idx="2">
-              <a:schemeClr val="dk1"/>
-            </a:effectRef>
-            <a:fontRef idx="minor">
-              <a:schemeClr val="tx1"/>
-            </a:fontRef>
-          </p:style>
-        </p:cxnSp>
-        <p:cxnSp>
-          <p:nvCxnSpPr>
-            <p:cNvPr id="14" name="Straight Connector 13">
-              <a:extLst>
-                <a:ext uri="{FF2B5EF4-FFF2-40B4-BE49-F238E27FC236}">
-                  <a16:creationId xmlns:a16="http://schemas.microsoft.com/office/drawing/2014/main" id="{85ACE16E-4D78-2A6A-D773-E579CE5072C3}"/>
-                </a:ext>
-              </a:extLst>
-            </p:cNvPr>
-            <p:cNvCxnSpPr>
-              <a:cxnSpLocks/>
-            </p:cNvCxnSpPr>
-            <p:nvPr/>
-          </p:nvCxnSpPr>
-          <p:spPr>
-            <a:xfrm>
-              <a:off x="5672745" y="3242010"/>
-              <a:ext cx="75156" cy="212942"/>
-            </a:xfrm>
-            <a:prstGeom prst="line">
-              <a:avLst/>
-            </a:prstGeom>
-          </p:spPr>
-          <p:style>
-            <a:lnRef idx="3">
-              <a:schemeClr val="dk1"/>
-            </a:lnRef>
-            <a:fillRef idx="0">
-              <a:schemeClr val="dk1"/>
-            </a:fillRef>
-            <a:effectRef idx="2">
-              <a:schemeClr val="dk1"/>
-            </a:effectRef>
-            <a:fontRef idx="minor">
-              <a:schemeClr val="tx1"/>
-            </a:fontRef>
-          </p:style>
-        </p:cxnSp>
-        <p:cxnSp>
-          <p:nvCxnSpPr>
-            <p:cNvPr id="15" name="Straight Connector 14">
-              <a:extLst>
-                <a:ext uri="{FF2B5EF4-FFF2-40B4-BE49-F238E27FC236}">
-                  <a16:creationId xmlns:a16="http://schemas.microsoft.com/office/drawing/2014/main" id="{3CBE9DA0-A5B0-D6E4-CBDF-B83F4AA8D161}"/>
-                </a:ext>
-              </a:extLst>
-            </p:cNvPr>
-            <p:cNvCxnSpPr>
-              <a:cxnSpLocks/>
-            </p:cNvCxnSpPr>
-            <p:nvPr/>
-          </p:nvCxnSpPr>
-          <p:spPr>
-            <a:xfrm flipH="1">
-              <a:off x="5672745" y="3454952"/>
-              <a:ext cx="75156" cy="240083"/>
-            </a:xfrm>
-            <a:prstGeom prst="line">
-              <a:avLst/>
-            </a:prstGeom>
-          </p:spPr>
-          <p:style>
-            <a:lnRef idx="3">
-              <a:schemeClr val="dk1"/>
-            </a:lnRef>
-            <a:fillRef idx="0">
-              <a:schemeClr val="dk1"/>
-            </a:fillRef>
-            <a:effectRef idx="2">
-              <a:schemeClr val="dk1"/>
-            </a:effectRef>
-            <a:fontRef idx="minor">
-              <a:schemeClr val="tx1"/>
-            </a:fontRef>
-          </p:style>
-        </p:cxnSp>
-        <p:cxnSp>
-          <p:nvCxnSpPr>
-            <p:cNvPr id="16" name="Straight Connector 15">
-              <a:extLst>
-                <a:ext uri="{FF2B5EF4-FFF2-40B4-BE49-F238E27FC236}">
-                  <a16:creationId xmlns:a16="http://schemas.microsoft.com/office/drawing/2014/main" id="{09CF57D6-5B57-639C-D6D5-A879D557DD00}"/>
-                </a:ext>
-              </a:extLst>
-            </p:cNvPr>
-            <p:cNvCxnSpPr>
-              <a:cxnSpLocks/>
-            </p:cNvCxnSpPr>
-            <p:nvPr/>
-          </p:nvCxnSpPr>
-          <p:spPr>
-            <a:xfrm flipH="1">
-              <a:off x="5744770" y="3242010"/>
-              <a:ext cx="75156" cy="212942"/>
-            </a:xfrm>
-            <a:prstGeom prst="line">
-              <a:avLst/>
-            </a:prstGeom>
-          </p:spPr>
-          <p:style>
-            <a:lnRef idx="3">
-              <a:schemeClr val="dk1"/>
-            </a:lnRef>
-            <a:fillRef idx="0">
-              <a:schemeClr val="dk1"/>
-            </a:fillRef>
-            <a:effectRef idx="2">
-              <a:schemeClr val="dk1"/>
-            </a:effectRef>
-            <a:fontRef idx="minor">
-              <a:schemeClr val="tx1"/>
-            </a:fontRef>
-          </p:style>
-        </p:cxnSp>
-        <p:cxnSp>
-          <p:nvCxnSpPr>
-            <p:cNvPr id="17" name="Straight Connector 16">
-              <a:extLst>
-                <a:ext uri="{FF2B5EF4-FFF2-40B4-BE49-F238E27FC236}">
-                  <a16:creationId xmlns:a16="http://schemas.microsoft.com/office/drawing/2014/main" id="{3A0E2DB8-0F8B-64AB-789D-AF77A9B58023}"/>
-                </a:ext>
-              </a:extLst>
-            </p:cNvPr>
-            <p:cNvCxnSpPr>
-              <a:cxnSpLocks/>
-            </p:cNvCxnSpPr>
-            <p:nvPr/>
-          </p:nvCxnSpPr>
-          <p:spPr>
-            <a:xfrm>
-              <a:off x="5744770" y="3454952"/>
-              <a:ext cx="75156" cy="240083"/>
-            </a:xfrm>
-            <a:prstGeom prst="line">
-              <a:avLst/>
-            </a:prstGeom>
-          </p:spPr>
-          <p:style>
-            <a:lnRef idx="3">
-              <a:schemeClr val="dk1"/>
-            </a:lnRef>
-            <a:fillRef idx="0">
-              <a:schemeClr val="dk1"/>
-            </a:fillRef>
-            <a:effectRef idx="2">
-              <a:schemeClr val="dk1"/>
-            </a:effectRef>
-            <a:fontRef idx="minor">
-              <a:schemeClr val="tx1"/>
-            </a:fontRef>
-          </p:style>
-        </p:cxnSp>
-        <p:cxnSp>
-          <p:nvCxnSpPr>
-            <p:cNvPr id="18" name="Straight Connector 17">
-              <a:extLst>
-                <a:ext uri="{FF2B5EF4-FFF2-40B4-BE49-F238E27FC236}">
-                  <a16:creationId xmlns:a16="http://schemas.microsoft.com/office/drawing/2014/main" id="{FA5B234B-0945-B282-8D16-DCEF6C92CA1A}"/>
-                </a:ext>
-              </a:extLst>
-            </p:cNvPr>
-            <p:cNvCxnSpPr>
-              <a:cxnSpLocks/>
-            </p:cNvCxnSpPr>
-            <p:nvPr/>
-          </p:nvCxnSpPr>
-          <p:spPr>
-            <a:xfrm>
-              <a:off x="5819926" y="3240793"/>
-              <a:ext cx="175696" cy="0"/>
-            </a:xfrm>
-            <a:prstGeom prst="line">
-              <a:avLst/>
-            </a:prstGeom>
-          </p:spPr>
-          <p:style>
-            <a:lnRef idx="3">
-              <a:schemeClr val="dk1"/>
-            </a:lnRef>
-            <a:fillRef idx="0">
-              <a:schemeClr val="dk1"/>
-            </a:fillRef>
-            <a:effectRef idx="2">
-              <a:schemeClr val="dk1"/>
-            </a:effectRef>
-            <a:fontRef idx="minor">
-              <a:schemeClr val="tx1"/>
-            </a:fontRef>
-          </p:style>
-        </p:cxnSp>
-        <p:cxnSp>
-          <p:nvCxnSpPr>
-            <p:cNvPr id="19" name="Straight Connector 18">
-              <a:extLst>
-                <a:ext uri="{FF2B5EF4-FFF2-40B4-BE49-F238E27FC236}">
-                  <a16:creationId xmlns:a16="http://schemas.microsoft.com/office/drawing/2014/main" id="{4BA6381A-0375-5290-5DDE-44B53C747F5F}"/>
-                </a:ext>
-              </a:extLst>
-            </p:cNvPr>
-            <p:cNvCxnSpPr>
-              <a:cxnSpLocks/>
-            </p:cNvCxnSpPr>
-            <p:nvPr/>
-          </p:nvCxnSpPr>
-          <p:spPr>
-            <a:xfrm>
-              <a:off x="5819926" y="3693818"/>
-              <a:ext cx="175696" cy="0"/>
-            </a:xfrm>
-            <a:prstGeom prst="line">
-              <a:avLst/>
-            </a:prstGeom>
-          </p:spPr>
-          <p:style>
-            <a:lnRef idx="3">
-              <a:schemeClr val="dk1"/>
-            </a:lnRef>
-            <a:fillRef idx="0">
-              <a:schemeClr val="dk1"/>
-            </a:fillRef>
-            <a:effectRef idx="2">
-              <a:schemeClr val="dk1"/>
-            </a:effectRef>
-            <a:fontRef idx="minor">
-              <a:schemeClr val="tx1"/>
-            </a:fontRef>
-          </p:style>
-        </p:cxnSp>
-        <p:cxnSp>
-          <p:nvCxnSpPr>
-            <p:cNvPr id="20" name="Straight Connector 19">
-              <a:extLst>
-                <a:ext uri="{FF2B5EF4-FFF2-40B4-BE49-F238E27FC236}">
-                  <a16:creationId xmlns:a16="http://schemas.microsoft.com/office/drawing/2014/main" id="{26FBB868-11FD-D36E-2316-C5DA85334FF4}"/>
-                </a:ext>
-              </a:extLst>
-            </p:cNvPr>
-            <p:cNvCxnSpPr>
-              <a:cxnSpLocks/>
-            </p:cNvCxnSpPr>
-            <p:nvPr/>
-          </p:nvCxnSpPr>
-          <p:spPr>
-            <a:xfrm>
-              <a:off x="5995622" y="3237618"/>
-              <a:ext cx="75156" cy="212942"/>
-            </a:xfrm>
-            <a:prstGeom prst="line">
-              <a:avLst/>
-            </a:prstGeom>
-          </p:spPr>
-          <p:style>
-            <a:lnRef idx="3">
-              <a:schemeClr val="dk1"/>
-            </a:lnRef>
-            <a:fillRef idx="0">
-              <a:schemeClr val="dk1"/>
-            </a:fillRef>
-            <a:effectRef idx="2">
-              <a:schemeClr val="dk1"/>
-            </a:effectRef>
-            <a:fontRef idx="minor">
-              <a:schemeClr val="tx1"/>
-            </a:fontRef>
-          </p:style>
-        </p:cxnSp>
-        <p:cxnSp>
-          <p:nvCxnSpPr>
-            <p:cNvPr id="21" name="Straight Connector 20">
-              <a:extLst>
-                <a:ext uri="{FF2B5EF4-FFF2-40B4-BE49-F238E27FC236}">
-                  <a16:creationId xmlns:a16="http://schemas.microsoft.com/office/drawing/2014/main" id="{05EDFD76-5199-BC53-2F7D-F789A747B898}"/>
-                </a:ext>
-              </a:extLst>
-            </p:cNvPr>
-            <p:cNvCxnSpPr>
-              <a:cxnSpLocks/>
-            </p:cNvCxnSpPr>
-            <p:nvPr/>
-          </p:nvCxnSpPr>
-          <p:spPr>
-            <a:xfrm flipH="1">
-              <a:off x="5995622" y="3450560"/>
-              <a:ext cx="75156" cy="240083"/>
-            </a:xfrm>
-            <a:prstGeom prst="line">
-              <a:avLst/>
-            </a:prstGeom>
-          </p:spPr>
-          <p:style>
-            <a:lnRef idx="3">
-              <a:schemeClr val="dk1"/>
-            </a:lnRef>
-            <a:fillRef idx="0">
-              <a:schemeClr val="dk1"/>
-            </a:fillRef>
-            <a:effectRef idx="2">
-              <a:schemeClr val="dk1"/>
-            </a:effectRef>
-            <a:fontRef idx="minor">
-              <a:schemeClr val="tx1"/>
-            </a:fontRef>
-          </p:style>
-        </p:cxnSp>
-        <p:cxnSp>
-          <p:nvCxnSpPr>
-            <p:cNvPr id="22" name="Straight Connector 21">
-              <a:extLst>
-                <a:ext uri="{FF2B5EF4-FFF2-40B4-BE49-F238E27FC236}">
-                  <a16:creationId xmlns:a16="http://schemas.microsoft.com/office/drawing/2014/main" id="{3A926BCB-4A6D-401C-18FA-36028996B250}"/>
-                </a:ext>
-              </a:extLst>
-            </p:cNvPr>
-            <p:cNvCxnSpPr>
-              <a:cxnSpLocks/>
-            </p:cNvCxnSpPr>
-            <p:nvPr/>
-          </p:nvCxnSpPr>
-          <p:spPr>
-            <a:xfrm>
-              <a:off x="6145934" y="3237618"/>
-              <a:ext cx="541969" cy="0"/>
-            </a:xfrm>
-            <a:prstGeom prst="line">
-              <a:avLst/>
-            </a:prstGeom>
-          </p:spPr>
-          <p:style>
-            <a:lnRef idx="3">
-              <a:schemeClr val="dk1"/>
-            </a:lnRef>
-            <a:fillRef idx="0">
-              <a:schemeClr val="dk1"/>
-            </a:fillRef>
-            <a:effectRef idx="2">
-              <a:schemeClr val="dk1"/>
-            </a:effectRef>
-            <a:fontRef idx="minor">
-              <a:schemeClr val="tx1"/>
-            </a:fontRef>
-          </p:style>
-        </p:cxnSp>
-        <p:cxnSp>
-          <p:nvCxnSpPr>
-            <p:cNvPr id="23" name="Straight Connector 22">
-              <a:extLst>
-                <a:ext uri="{FF2B5EF4-FFF2-40B4-BE49-F238E27FC236}">
-                  <a16:creationId xmlns:a16="http://schemas.microsoft.com/office/drawing/2014/main" id="{02A1B1BC-C304-E75B-D3A7-F308E147E326}"/>
-                </a:ext>
-              </a:extLst>
-            </p:cNvPr>
-            <p:cNvCxnSpPr>
-              <a:cxnSpLocks/>
-            </p:cNvCxnSpPr>
-            <p:nvPr/>
-          </p:nvCxnSpPr>
-          <p:spPr>
-            <a:xfrm>
-              <a:off x="6145934" y="3690643"/>
-              <a:ext cx="555968" cy="0"/>
-            </a:xfrm>
-            <a:prstGeom prst="line">
-              <a:avLst/>
-            </a:prstGeom>
-          </p:spPr>
-          <p:style>
-            <a:lnRef idx="3">
-              <a:schemeClr val="dk1"/>
-            </a:lnRef>
-            <a:fillRef idx="0">
-              <a:schemeClr val="dk1"/>
-            </a:fillRef>
-            <a:effectRef idx="2">
-              <a:schemeClr val="dk1"/>
-            </a:effectRef>
-            <a:fontRef idx="minor">
-              <a:schemeClr val="tx1"/>
-            </a:fontRef>
-          </p:style>
-        </p:cxnSp>
-        <p:cxnSp>
-          <p:nvCxnSpPr>
-            <p:cNvPr id="24" name="Straight Connector 23">
-              <a:extLst>
-                <a:ext uri="{FF2B5EF4-FFF2-40B4-BE49-F238E27FC236}">
-                  <a16:creationId xmlns:a16="http://schemas.microsoft.com/office/drawing/2014/main" id="{CB857969-DECE-1A54-2F41-669C42F3ED91}"/>
-                </a:ext>
-              </a:extLst>
-            </p:cNvPr>
-            <p:cNvCxnSpPr/>
-            <p:nvPr/>
-          </p:nvCxnSpPr>
-          <p:spPr>
-            <a:xfrm flipV="1">
-              <a:off x="4015110" y="2580217"/>
-              <a:ext cx="0" cy="419622"/>
-            </a:xfrm>
-            <a:prstGeom prst="line">
-              <a:avLst/>
-            </a:prstGeom>
-          </p:spPr>
-          <p:style>
-            <a:lnRef idx="3">
-              <a:schemeClr val="dk1"/>
-            </a:lnRef>
-            <a:fillRef idx="0">
-              <a:schemeClr val="dk1"/>
-            </a:fillRef>
-            <a:effectRef idx="2">
-              <a:schemeClr val="dk1"/>
-            </a:effectRef>
-            <a:fontRef idx="minor">
-              <a:schemeClr val="tx1"/>
-            </a:fontRef>
-          </p:style>
-        </p:cxnSp>
-        <p:cxnSp>
-          <p:nvCxnSpPr>
-            <p:cNvPr id="25" name="Straight Connector 24">
-              <a:extLst>
-                <a:ext uri="{FF2B5EF4-FFF2-40B4-BE49-F238E27FC236}">
-                  <a16:creationId xmlns:a16="http://schemas.microsoft.com/office/drawing/2014/main" id="{5F939497-1931-A292-C45B-5822824D9649}"/>
-                </a:ext>
-              </a:extLst>
-            </p:cNvPr>
-            <p:cNvCxnSpPr>
-              <a:cxnSpLocks/>
-            </p:cNvCxnSpPr>
-            <p:nvPr/>
-          </p:nvCxnSpPr>
-          <p:spPr>
-            <a:xfrm>
-              <a:off x="5362334" y="2993576"/>
-              <a:ext cx="1339568" cy="0"/>
-            </a:xfrm>
-            <a:prstGeom prst="line">
-              <a:avLst/>
-            </a:prstGeom>
-          </p:spPr>
-          <p:style>
-            <a:lnRef idx="3">
-              <a:schemeClr val="dk1"/>
-            </a:lnRef>
-            <a:fillRef idx="0">
-              <a:schemeClr val="dk1"/>
-            </a:fillRef>
-            <a:effectRef idx="2">
-              <a:schemeClr val="dk1"/>
-            </a:effectRef>
-            <a:fontRef idx="minor">
-              <a:schemeClr val="tx1"/>
-            </a:fontRef>
-          </p:style>
-        </p:cxnSp>
-        <p:cxnSp>
-          <p:nvCxnSpPr>
-            <p:cNvPr id="26" name="Straight Connector 25">
-              <a:extLst>
-                <a:ext uri="{FF2B5EF4-FFF2-40B4-BE49-F238E27FC236}">
-                  <a16:creationId xmlns:a16="http://schemas.microsoft.com/office/drawing/2014/main" id="{530E3CAD-4C5F-3B8D-3C06-8D1221108C45}"/>
-                </a:ext>
-              </a:extLst>
-            </p:cNvPr>
-            <p:cNvCxnSpPr/>
-            <p:nvPr/>
-          </p:nvCxnSpPr>
-          <p:spPr>
-            <a:xfrm flipV="1">
-              <a:off x="5362334" y="2580217"/>
-              <a:ext cx="0" cy="419622"/>
-            </a:xfrm>
-            <a:prstGeom prst="line">
-              <a:avLst/>
-            </a:prstGeom>
-          </p:spPr>
-          <p:style>
-            <a:lnRef idx="3">
-              <a:schemeClr val="dk1"/>
-            </a:lnRef>
-            <a:fillRef idx="0">
-              <a:schemeClr val="dk1"/>
-            </a:fillRef>
-            <a:effectRef idx="2">
-              <a:schemeClr val="dk1"/>
-            </a:effectRef>
-            <a:fontRef idx="minor">
-              <a:schemeClr val="tx1"/>
-            </a:fontRef>
-          </p:style>
-        </p:cxnSp>
-        <p:cxnSp>
-          <p:nvCxnSpPr>
-            <p:cNvPr id="27" name="Straight Connector 26">
-              <a:extLst>
-                <a:ext uri="{FF2B5EF4-FFF2-40B4-BE49-F238E27FC236}">
-                  <a16:creationId xmlns:a16="http://schemas.microsoft.com/office/drawing/2014/main" id="{9D32D87D-4AA5-98E5-A11C-129DCFB47BA2}"/>
-                </a:ext>
-              </a:extLst>
-            </p:cNvPr>
-            <p:cNvCxnSpPr/>
-            <p:nvPr/>
-          </p:nvCxnSpPr>
-          <p:spPr>
-            <a:xfrm flipV="1">
-              <a:off x="6691565" y="2580217"/>
-              <a:ext cx="0" cy="419622"/>
-            </a:xfrm>
-            <a:prstGeom prst="line">
-              <a:avLst/>
-            </a:prstGeom>
-          </p:spPr>
-          <p:style>
-            <a:lnRef idx="3">
-              <a:schemeClr val="dk1"/>
-            </a:lnRef>
-            <a:fillRef idx="0">
-              <a:schemeClr val="dk1"/>
-            </a:fillRef>
-            <a:effectRef idx="2">
-              <a:schemeClr val="dk1"/>
-            </a:effectRef>
-            <a:fontRef idx="minor">
-              <a:schemeClr val="tx1"/>
-            </a:fontRef>
-          </p:style>
-        </p:cxnSp>
-        <p:cxnSp>
-          <p:nvCxnSpPr>
-            <p:cNvPr id="28" name="Straight Connector 27">
-              <a:extLst>
-                <a:ext uri="{FF2B5EF4-FFF2-40B4-BE49-F238E27FC236}">
-                  <a16:creationId xmlns:a16="http://schemas.microsoft.com/office/drawing/2014/main" id="{F9A34EC5-79C8-4C73-495E-CDEEB2A1916C}"/>
-                </a:ext>
-              </a:extLst>
-            </p:cNvPr>
-            <p:cNvCxnSpPr/>
-            <p:nvPr/>
-          </p:nvCxnSpPr>
-          <p:spPr>
-            <a:xfrm>
-              <a:off x="6691565" y="2580217"/>
-              <a:ext cx="1014608" cy="0"/>
-            </a:xfrm>
-            <a:prstGeom prst="line">
-              <a:avLst/>
-            </a:prstGeom>
-          </p:spPr>
-          <p:style>
-            <a:lnRef idx="3">
-              <a:schemeClr val="dk1"/>
-            </a:lnRef>
-            <a:fillRef idx="0">
-              <a:schemeClr val="dk1"/>
-            </a:fillRef>
-            <a:effectRef idx="2">
-              <a:schemeClr val="dk1"/>
-            </a:effectRef>
-            <a:fontRef idx="minor">
-              <a:schemeClr val="tx1"/>
-            </a:fontRef>
-          </p:style>
-        </p:cxnSp>
-        <p:cxnSp>
-          <p:nvCxnSpPr>
-            <p:cNvPr id="29" name="Straight Connector 28">
-              <a:extLst>
-                <a:ext uri="{FF2B5EF4-FFF2-40B4-BE49-F238E27FC236}">
-                  <a16:creationId xmlns:a16="http://schemas.microsoft.com/office/drawing/2014/main" id="{9B7230C9-DD4A-C4CD-56F2-E59DCC2ECB4B}"/>
-                </a:ext>
-              </a:extLst>
-            </p:cNvPr>
-            <p:cNvCxnSpPr>
-              <a:cxnSpLocks/>
-            </p:cNvCxnSpPr>
-            <p:nvPr/>
-          </p:nvCxnSpPr>
-          <p:spPr>
-            <a:xfrm>
-              <a:off x="2912820" y="2993576"/>
-              <a:ext cx="1102290" cy="0"/>
-            </a:xfrm>
-            <a:prstGeom prst="line">
-              <a:avLst/>
-            </a:prstGeom>
-          </p:spPr>
-          <p:style>
-            <a:lnRef idx="3">
-              <a:schemeClr val="dk1"/>
-            </a:lnRef>
-            <a:fillRef idx="0">
-              <a:schemeClr val="dk1"/>
-            </a:fillRef>
-            <a:effectRef idx="2">
-              <a:schemeClr val="dk1"/>
-            </a:effectRef>
-            <a:fontRef idx="minor">
-              <a:schemeClr val="tx1"/>
-            </a:fontRef>
-          </p:style>
-        </p:cxnSp>
-        <p:cxnSp>
-          <p:nvCxnSpPr>
-            <p:cNvPr id="30" name="Straight Connector 29">
-              <a:extLst>
-                <a:ext uri="{FF2B5EF4-FFF2-40B4-BE49-F238E27FC236}">
-                  <a16:creationId xmlns:a16="http://schemas.microsoft.com/office/drawing/2014/main" id="{7B31B70D-3DCB-FC71-C774-061849542C2D}"/>
-                </a:ext>
-              </a:extLst>
-            </p:cNvPr>
-            <p:cNvCxnSpPr>
-              <a:cxnSpLocks/>
-            </p:cNvCxnSpPr>
-            <p:nvPr/>
-          </p:nvCxnSpPr>
-          <p:spPr>
-            <a:xfrm>
-              <a:off x="4015110" y="2993576"/>
-              <a:ext cx="0" cy="2723157"/>
-            </a:xfrm>
-            <a:prstGeom prst="line">
-              <a:avLst/>
-            </a:prstGeom>
-            <a:ln w="9525" cap="flat" cmpd="sng" algn="ctr">
-              <a:solidFill>
-                <a:schemeClr val="dk1"/>
-              </a:solidFill>
-              <a:prstDash val="dash"/>
-              <a:round/>
-              <a:headEnd type="none" w="med" len="med"/>
-              <a:tailEnd type="none" w="med" len="med"/>
-            </a:ln>
-          </p:spPr>
-          <p:style>
-            <a:lnRef idx="0">
-              <a:scrgbClr r="0" g="0" b="0"/>
-            </a:lnRef>
-            <a:fillRef idx="0">
-              <a:scrgbClr r="0" g="0" b="0"/>
-            </a:fillRef>
-            <a:effectRef idx="0">
-              <a:scrgbClr r="0" g="0" b="0"/>
-            </a:effectRef>
-            <a:fontRef idx="minor">
-              <a:schemeClr val="tx1"/>
-            </a:fontRef>
-          </p:style>
-        </p:cxnSp>
-        <p:cxnSp>
-          <p:nvCxnSpPr>
-            <p:cNvPr id="31" name="Straight Connector 30">
-              <a:extLst>
-                <a:ext uri="{FF2B5EF4-FFF2-40B4-BE49-F238E27FC236}">
-                  <a16:creationId xmlns:a16="http://schemas.microsoft.com/office/drawing/2014/main" id="{3E8000A6-97E3-7FE4-63A8-C67DA30B6883}"/>
-                </a:ext>
-              </a:extLst>
-            </p:cNvPr>
-            <p:cNvCxnSpPr>
-              <a:cxnSpLocks/>
-            </p:cNvCxnSpPr>
-            <p:nvPr/>
-          </p:nvCxnSpPr>
-          <p:spPr>
-            <a:xfrm>
-              <a:off x="6687903" y="2993576"/>
-              <a:ext cx="0" cy="2723157"/>
-            </a:xfrm>
-            <a:prstGeom prst="line">
-              <a:avLst/>
-            </a:prstGeom>
-            <a:ln w="9525" cap="flat" cmpd="sng" algn="ctr">
-              <a:solidFill>
-                <a:schemeClr val="dk1"/>
-              </a:solidFill>
-              <a:prstDash val="dash"/>
-              <a:round/>
-              <a:headEnd type="none" w="med" len="med"/>
-              <a:tailEnd type="none" w="med" len="med"/>
-            </a:ln>
-          </p:spPr>
-          <p:style>
-            <a:lnRef idx="0">
-              <a:scrgbClr r="0" g="0" b="0"/>
-            </a:lnRef>
-            <a:fillRef idx="0">
-              <a:scrgbClr r="0" g="0" b="0"/>
-            </a:fillRef>
-            <a:effectRef idx="0">
-              <a:scrgbClr r="0" g="0" b="0"/>
-            </a:effectRef>
-            <a:fontRef idx="minor">
-              <a:schemeClr val="tx1"/>
-            </a:fontRef>
-          </p:style>
-        </p:cxnSp>
-        <p:sp>
-          <p:nvSpPr>
-            <p:cNvPr id="32" name="TextBox 31">
-              <a:extLst>
-                <a:ext uri="{FF2B5EF4-FFF2-40B4-BE49-F238E27FC236}">
-                  <a16:creationId xmlns:a16="http://schemas.microsoft.com/office/drawing/2014/main" id="{377EC9A3-FF43-CF4E-C1E0-3A13C68B6E01}"/>
-                </a:ext>
-              </a:extLst>
-            </p:cNvPr>
-            <p:cNvSpPr txBox="1"/>
+            <p:cNvSpPr/>
             <p:nvPr/>
           </p:nvSpPr>
           <p:spPr>
             <a:xfrm>
-              <a:off x="6197925" y="3325414"/>
-              <a:ext cx="386456" cy="276999"/>
+              <a:off x="5117385" y="2908492"/>
+              <a:ext cx="581416" cy="756261"/>
             </a:xfrm>
             <a:prstGeom prst="rect">
               <a:avLst/>
             </a:prstGeom>
-            <a:noFill/>
+            <a:solidFill>
+              <a:schemeClr val="bg1"/>
+            </a:solidFill>
+            <a:ln>
+              <a:solidFill>
+                <a:srgbClr val="FF0000"/>
+              </a:solidFill>
+            </a:ln>
           </p:spPr>
+          <p:style>
+            <a:lnRef idx="2">
+              <a:schemeClr val="accent1">
+                <a:shade val="50000"/>
+              </a:schemeClr>
+            </a:lnRef>
+            <a:fillRef idx="1">
+              <a:schemeClr val="accent1"/>
+            </a:fillRef>
+            <a:effectRef idx="0">
+              <a:schemeClr val="accent1"/>
+            </a:effectRef>
+            <a:fontRef idx="minor">
+              <a:schemeClr val="lt1"/>
+            </a:fontRef>
+          </p:style>
           <p:txBody>
-            <a:bodyPr wrap="square" rtlCol="0">
-              <a:spAutoFit/>
-            </a:bodyPr>
+            <a:bodyPr rtlCol="0" anchor="ctr"/>
             <a:lstStyle/>
             <a:p>
               <a:pPr algn="ctr"/>
-              <a:r>
-                <a:rPr lang="en-GB" sz="1200" i="1" dirty="0"/>
-                <a:t>T</a:t>
-              </a:r>
-              <a:r>
-                <a:rPr lang="en-GB" sz="1200" i="1" baseline="-25000" dirty="0"/>
-                <a:t>SU</a:t>
-              </a:r>
-            </a:p>
-          </p:txBody>
-        </p:sp>
-        <p:sp>
-          <p:nvSpPr>
-            <p:cNvPr id="33" name="TextBox 32">
-              <a:extLst>
-                <a:ext uri="{FF2B5EF4-FFF2-40B4-BE49-F238E27FC236}">
-                  <a16:creationId xmlns:a16="http://schemas.microsoft.com/office/drawing/2014/main" id="{B14CAF4E-1CB2-3BAA-A10E-B59B908EDA81}"/>
-                </a:ext>
-              </a:extLst>
-            </p:cNvPr>
-            <p:cNvSpPr txBox="1"/>
-            <p:nvPr/>
-          </p:nvSpPr>
-          <p:spPr>
-            <a:xfrm>
-              <a:off x="2806035" y="3290732"/>
-              <a:ext cx="620554" cy="369332"/>
-            </a:xfrm>
-            <a:prstGeom prst="rect">
-              <a:avLst/>
-            </a:prstGeom>
-            <a:noFill/>
-          </p:spPr>
-          <p:txBody>
-            <a:bodyPr wrap="none" rtlCol="0">
-              <a:spAutoFit/>
-            </a:bodyPr>
-            <a:lstStyle/>
-            <a:p>
-              <a:r>
-                <a:rPr lang="en-GB" dirty="0"/>
-                <a:t>Data</a:t>
-              </a:r>
-            </a:p>
-          </p:txBody>
-        </p:sp>
-        <p:sp>
-          <p:nvSpPr>
-            <p:cNvPr id="34" name="TextBox 33">
-              <a:extLst>
-                <a:ext uri="{FF2B5EF4-FFF2-40B4-BE49-F238E27FC236}">
-                  <a16:creationId xmlns:a16="http://schemas.microsoft.com/office/drawing/2014/main" id="{BE53E8DE-2688-9C4D-6D05-F402655872AC}"/>
-                </a:ext>
-              </a:extLst>
-            </p:cNvPr>
-            <p:cNvSpPr txBox="1"/>
-            <p:nvPr/>
-          </p:nvSpPr>
-          <p:spPr>
-            <a:xfrm>
-              <a:off x="2806035" y="2636955"/>
-              <a:ext cx="684803" cy="369332"/>
-            </a:xfrm>
-            <a:prstGeom prst="rect">
-              <a:avLst/>
-            </a:prstGeom>
-            <a:noFill/>
-          </p:spPr>
-          <p:txBody>
-            <a:bodyPr wrap="none" rtlCol="0">
-              <a:spAutoFit/>
-            </a:bodyPr>
-            <a:lstStyle/>
-            <a:p>
-              <a:r>
-                <a:rPr lang="en-GB" dirty="0"/>
-                <a:t>Clock</a:t>
-              </a:r>
-            </a:p>
-          </p:txBody>
-        </p:sp>
-        <p:cxnSp>
-          <p:nvCxnSpPr>
-            <p:cNvPr id="35" name="Straight Connector 34">
-              <a:extLst>
-                <a:ext uri="{FF2B5EF4-FFF2-40B4-BE49-F238E27FC236}">
-                  <a16:creationId xmlns:a16="http://schemas.microsoft.com/office/drawing/2014/main" id="{7B6DFC48-500D-56AE-640E-C990DE0EF752}"/>
-                </a:ext>
-              </a:extLst>
-            </p:cNvPr>
-            <p:cNvCxnSpPr>
-              <a:cxnSpLocks/>
-            </p:cNvCxnSpPr>
-            <p:nvPr/>
-          </p:nvCxnSpPr>
-          <p:spPr>
-            <a:xfrm>
-              <a:off x="4012708" y="2580217"/>
-              <a:ext cx="1349626" cy="0"/>
-            </a:xfrm>
-            <a:prstGeom prst="line">
-              <a:avLst/>
-            </a:prstGeom>
-          </p:spPr>
-          <p:style>
-            <a:lnRef idx="3">
-              <a:schemeClr val="dk1"/>
-            </a:lnRef>
-            <a:fillRef idx="0">
-              <a:schemeClr val="dk1"/>
-            </a:fillRef>
-            <a:effectRef idx="2">
-              <a:schemeClr val="dk1"/>
-            </a:effectRef>
-            <a:fontRef idx="minor">
-              <a:schemeClr val="tx1"/>
-            </a:fontRef>
-          </p:style>
-        </p:cxnSp>
-        <p:sp>
-          <p:nvSpPr>
-            <p:cNvPr id="36" name="TextBox 35">
-              <a:extLst>
-                <a:ext uri="{FF2B5EF4-FFF2-40B4-BE49-F238E27FC236}">
-                  <a16:creationId xmlns:a16="http://schemas.microsoft.com/office/drawing/2014/main" id="{0931AE97-D71A-2013-A29F-7F439E0003FD}"/>
-                </a:ext>
-              </a:extLst>
-            </p:cNvPr>
-            <p:cNvSpPr txBox="1"/>
-            <p:nvPr/>
-          </p:nvSpPr>
-          <p:spPr>
-            <a:xfrm>
-              <a:off x="4856247" y="3325414"/>
-              <a:ext cx="505267" cy="276999"/>
-            </a:xfrm>
-            <a:prstGeom prst="rect">
-              <a:avLst/>
-            </a:prstGeom>
-            <a:noFill/>
-          </p:spPr>
-          <p:txBody>
-            <a:bodyPr wrap="none" rtlCol="0">
-              <a:spAutoFit/>
-            </a:bodyPr>
-            <a:lstStyle/>
-            <a:p>
-              <a:pPr algn="ctr"/>
-              <a:r>
-                <a:rPr lang="en-GB" sz="1200" i="1" dirty="0"/>
-                <a:t>Logic</a:t>
-              </a:r>
-              <a:endParaRPr lang="en-GB" sz="1200" i="1" baseline="-25000" dirty="0"/>
-            </a:p>
-          </p:txBody>
-        </p:sp>
-        <p:sp>
-          <p:nvSpPr>
-            <p:cNvPr id="37" name="TextBox 36">
-              <a:extLst>
-                <a:ext uri="{FF2B5EF4-FFF2-40B4-BE49-F238E27FC236}">
-                  <a16:creationId xmlns:a16="http://schemas.microsoft.com/office/drawing/2014/main" id="{C6643560-7EFE-6CEC-C57F-EEF8A87268BF}"/>
-                </a:ext>
-              </a:extLst>
-            </p:cNvPr>
-            <p:cNvSpPr txBox="1"/>
-            <p:nvPr/>
-          </p:nvSpPr>
-          <p:spPr>
-            <a:xfrm>
-              <a:off x="5724030" y="3259049"/>
-              <a:ext cx="369332" cy="409728"/>
-            </a:xfrm>
-            <a:prstGeom prst="rect">
-              <a:avLst/>
-            </a:prstGeom>
-            <a:noFill/>
-          </p:spPr>
-          <p:txBody>
-            <a:bodyPr vert="vert270" wrap="none" rtlCol="0">
-              <a:spAutoFit/>
-            </a:bodyPr>
-            <a:lstStyle/>
-            <a:p>
-              <a:pPr algn="ctr"/>
-              <a:r>
-                <a:rPr lang="en-GB" sz="1200" i="1" dirty="0"/>
-                <a:t>Slack</a:t>
-              </a:r>
-              <a:endParaRPr lang="en-GB" sz="1200" i="1" baseline="-25000" dirty="0"/>
-            </a:p>
-          </p:txBody>
-        </p:sp>
-        <p:cxnSp>
-          <p:nvCxnSpPr>
-            <p:cNvPr id="38" name="Straight Connector 37">
-              <a:extLst>
-                <a:ext uri="{FF2B5EF4-FFF2-40B4-BE49-F238E27FC236}">
-                  <a16:creationId xmlns:a16="http://schemas.microsoft.com/office/drawing/2014/main" id="{BA32E195-CB22-DEC2-F54F-3D1CB62EE5A8}"/>
-                </a:ext>
-              </a:extLst>
-            </p:cNvPr>
-            <p:cNvCxnSpPr>
-              <a:cxnSpLocks/>
-            </p:cNvCxnSpPr>
-            <p:nvPr/>
-          </p:nvCxnSpPr>
-          <p:spPr>
-            <a:xfrm>
-              <a:off x="2912820" y="3241851"/>
-              <a:ext cx="1101292" cy="0"/>
-            </a:xfrm>
-            <a:prstGeom prst="line">
-              <a:avLst/>
-            </a:prstGeom>
-            <a:ln>
-              <a:prstDash val="dash"/>
-            </a:ln>
-          </p:spPr>
-          <p:style>
-            <a:lnRef idx="3">
-              <a:schemeClr val="dk1"/>
-            </a:lnRef>
-            <a:fillRef idx="0">
-              <a:schemeClr val="dk1"/>
-            </a:fillRef>
-            <a:effectRef idx="2">
-              <a:schemeClr val="dk1"/>
-            </a:effectRef>
-            <a:fontRef idx="minor">
-              <a:schemeClr val="tx1"/>
-            </a:fontRef>
-          </p:style>
-        </p:cxnSp>
-        <p:cxnSp>
-          <p:nvCxnSpPr>
-            <p:cNvPr id="39" name="Straight Connector 38">
-              <a:extLst>
-                <a:ext uri="{FF2B5EF4-FFF2-40B4-BE49-F238E27FC236}">
-                  <a16:creationId xmlns:a16="http://schemas.microsoft.com/office/drawing/2014/main" id="{DD2AC73C-0EA9-2B76-00CD-50588C532242}"/>
-                </a:ext>
-              </a:extLst>
-            </p:cNvPr>
-            <p:cNvCxnSpPr>
-              <a:cxnSpLocks/>
-            </p:cNvCxnSpPr>
-            <p:nvPr/>
-          </p:nvCxnSpPr>
-          <p:spPr>
-            <a:xfrm>
-              <a:off x="2912820" y="3694876"/>
-              <a:ext cx="1101292" cy="0"/>
-            </a:xfrm>
-            <a:prstGeom prst="line">
-              <a:avLst/>
-            </a:prstGeom>
-            <a:ln>
-              <a:prstDash val="dash"/>
-            </a:ln>
-          </p:spPr>
-          <p:style>
-            <a:lnRef idx="3">
-              <a:schemeClr val="dk1"/>
-            </a:lnRef>
-            <a:fillRef idx="0">
-              <a:schemeClr val="dk1"/>
-            </a:fillRef>
-            <a:effectRef idx="2">
-              <a:schemeClr val="dk1"/>
-            </a:effectRef>
-            <a:fontRef idx="minor">
-              <a:schemeClr val="tx1"/>
-            </a:fontRef>
-          </p:style>
-        </p:cxnSp>
-        <p:cxnSp>
-          <p:nvCxnSpPr>
-            <p:cNvPr id="40" name="Straight Connector 39">
-              <a:extLst>
-                <a:ext uri="{FF2B5EF4-FFF2-40B4-BE49-F238E27FC236}">
-                  <a16:creationId xmlns:a16="http://schemas.microsoft.com/office/drawing/2014/main" id="{82B6A1D7-851B-8421-956E-546DE8684EA4}"/>
-                </a:ext>
-              </a:extLst>
-            </p:cNvPr>
-            <p:cNvCxnSpPr>
-              <a:cxnSpLocks/>
-            </p:cNvCxnSpPr>
-            <p:nvPr/>
-          </p:nvCxnSpPr>
-          <p:spPr>
-            <a:xfrm>
-              <a:off x="6687903" y="3237618"/>
-              <a:ext cx="1018270" cy="0"/>
-            </a:xfrm>
-            <a:prstGeom prst="line">
-              <a:avLst/>
-            </a:prstGeom>
-            <a:ln>
-              <a:prstDash val="dash"/>
-            </a:ln>
-          </p:spPr>
-          <p:style>
-            <a:lnRef idx="3">
-              <a:schemeClr val="dk1"/>
-            </a:lnRef>
-            <a:fillRef idx="0">
-              <a:schemeClr val="dk1"/>
-            </a:fillRef>
-            <a:effectRef idx="2">
-              <a:schemeClr val="dk1"/>
-            </a:effectRef>
-            <a:fontRef idx="minor">
-              <a:schemeClr val="tx1"/>
-            </a:fontRef>
-          </p:style>
-        </p:cxnSp>
-        <p:cxnSp>
-          <p:nvCxnSpPr>
-            <p:cNvPr id="41" name="Straight Connector 40">
-              <a:extLst>
-                <a:ext uri="{FF2B5EF4-FFF2-40B4-BE49-F238E27FC236}">
-                  <a16:creationId xmlns:a16="http://schemas.microsoft.com/office/drawing/2014/main" id="{4DD9E448-242F-CC25-F6D0-1DD2D82D45A0}"/>
-                </a:ext>
-              </a:extLst>
-            </p:cNvPr>
-            <p:cNvCxnSpPr>
-              <a:cxnSpLocks/>
-            </p:cNvCxnSpPr>
-            <p:nvPr/>
-          </p:nvCxnSpPr>
-          <p:spPr>
-            <a:xfrm>
-              <a:off x="6687903" y="3690643"/>
-              <a:ext cx="1018270" cy="0"/>
-            </a:xfrm>
-            <a:prstGeom prst="line">
-              <a:avLst/>
-            </a:prstGeom>
-            <a:ln>
-              <a:prstDash val="dash"/>
-            </a:ln>
-          </p:spPr>
-          <p:style>
-            <a:lnRef idx="3">
-              <a:schemeClr val="dk1"/>
-            </a:lnRef>
-            <a:fillRef idx="0">
-              <a:schemeClr val="dk1"/>
-            </a:fillRef>
-            <a:effectRef idx="2">
-              <a:schemeClr val="dk1"/>
-            </a:effectRef>
-            <a:fontRef idx="minor">
-              <a:schemeClr val="tx1"/>
-            </a:fontRef>
-          </p:style>
-        </p:cxnSp>
-        <p:cxnSp>
-          <p:nvCxnSpPr>
-            <p:cNvPr id="44" name="Straight Connector 43">
-              <a:extLst>
-                <a:ext uri="{FF2B5EF4-FFF2-40B4-BE49-F238E27FC236}">
-                  <a16:creationId xmlns:a16="http://schemas.microsoft.com/office/drawing/2014/main" id="{8C5717F0-AAA2-B012-5508-204E4A21C28B}"/>
-                </a:ext>
-              </a:extLst>
-            </p:cNvPr>
-            <p:cNvCxnSpPr>
-              <a:cxnSpLocks/>
-            </p:cNvCxnSpPr>
-            <p:nvPr/>
-          </p:nvCxnSpPr>
-          <p:spPr>
-            <a:xfrm>
-              <a:off x="4386086" y="3247437"/>
-              <a:ext cx="75156" cy="212942"/>
-            </a:xfrm>
-            <a:prstGeom prst="line">
-              <a:avLst/>
-            </a:prstGeom>
-          </p:spPr>
-          <p:style>
-            <a:lnRef idx="3">
-              <a:schemeClr val="dk1"/>
-            </a:lnRef>
-            <a:fillRef idx="0">
-              <a:schemeClr val="dk1"/>
-            </a:fillRef>
-            <a:effectRef idx="2">
-              <a:schemeClr val="dk1"/>
-            </a:effectRef>
-            <a:fontRef idx="minor">
-              <a:schemeClr val="tx1"/>
-            </a:fontRef>
-          </p:style>
-        </p:cxnSp>
-        <p:cxnSp>
-          <p:nvCxnSpPr>
-            <p:cNvPr id="45" name="Straight Connector 44">
-              <a:extLst>
-                <a:ext uri="{FF2B5EF4-FFF2-40B4-BE49-F238E27FC236}">
-                  <a16:creationId xmlns:a16="http://schemas.microsoft.com/office/drawing/2014/main" id="{A98A1BBC-B856-BD6A-766B-0F48F0282E77}"/>
-                </a:ext>
-              </a:extLst>
-            </p:cNvPr>
-            <p:cNvCxnSpPr>
-              <a:cxnSpLocks/>
-            </p:cNvCxnSpPr>
-            <p:nvPr/>
-          </p:nvCxnSpPr>
-          <p:spPr>
-            <a:xfrm flipH="1">
-              <a:off x="4386086" y="3460379"/>
-              <a:ext cx="75156" cy="240083"/>
-            </a:xfrm>
-            <a:prstGeom prst="line">
-              <a:avLst/>
-            </a:prstGeom>
-          </p:spPr>
-          <p:style>
-            <a:lnRef idx="3">
-              <a:schemeClr val="dk1"/>
-            </a:lnRef>
-            <a:fillRef idx="0">
-              <a:schemeClr val="dk1"/>
-            </a:fillRef>
-            <a:effectRef idx="2">
-              <a:schemeClr val="dk1"/>
-            </a:effectRef>
-            <a:fontRef idx="minor">
-              <a:schemeClr val="tx1"/>
-            </a:fontRef>
-          </p:style>
-        </p:cxnSp>
-        <p:cxnSp>
-          <p:nvCxnSpPr>
-            <p:cNvPr id="55" name="Straight Arrow Connector 54">
-              <a:extLst>
-                <a:ext uri="{FF2B5EF4-FFF2-40B4-BE49-F238E27FC236}">
-                  <a16:creationId xmlns:a16="http://schemas.microsoft.com/office/drawing/2014/main" id="{E2F1A4A1-AEDB-9AEC-D5C9-6E4BFAC5B8F1}"/>
-                </a:ext>
-              </a:extLst>
-            </p:cNvPr>
-            <p:cNvCxnSpPr>
-              <a:cxnSpLocks/>
-            </p:cNvCxnSpPr>
-            <p:nvPr/>
-          </p:nvCxnSpPr>
-          <p:spPr>
-            <a:xfrm>
-              <a:off x="4021871" y="5625047"/>
-              <a:ext cx="2666032" cy="0"/>
-            </a:xfrm>
-            <a:prstGeom prst="straightConnector1">
-              <a:avLst/>
-            </a:prstGeom>
-            <a:ln>
-              <a:headEnd type="triangle"/>
-              <a:tailEnd type="triangle"/>
-            </a:ln>
-          </p:spPr>
-          <p:style>
-            <a:lnRef idx="1">
-              <a:schemeClr val="dk1"/>
-            </a:lnRef>
-            <a:fillRef idx="0">
-              <a:schemeClr val="dk1"/>
-            </a:fillRef>
-            <a:effectRef idx="0">
-              <a:schemeClr val="dk1"/>
-            </a:effectRef>
-            <a:fontRef idx="minor">
-              <a:schemeClr val="tx1"/>
-            </a:fontRef>
-          </p:style>
-        </p:cxnSp>
-        <p:sp>
-          <p:nvSpPr>
-            <p:cNvPr id="56" name="TextBox 55">
-              <a:extLst>
-                <a:ext uri="{FF2B5EF4-FFF2-40B4-BE49-F238E27FC236}">
-                  <a16:creationId xmlns:a16="http://schemas.microsoft.com/office/drawing/2014/main" id="{3748C1E7-0678-969F-B881-1256E62A3708}"/>
-                </a:ext>
-              </a:extLst>
-            </p:cNvPr>
-            <p:cNvSpPr txBox="1"/>
-            <p:nvPr/>
-          </p:nvSpPr>
-          <p:spPr>
-            <a:xfrm>
-              <a:off x="4008350" y="5343118"/>
-              <a:ext cx="2675891" cy="276999"/>
-            </a:xfrm>
-            <a:prstGeom prst="rect">
-              <a:avLst/>
-            </a:prstGeom>
-            <a:noFill/>
-          </p:spPr>
-          <p:txBody>
-            <a:bodyPr wrap="square" rtlCol="0">
-              <a:spAutoFit/>
-            </a:bodyPr>
-            <a:lstStyle/>
-            <a:p>
-              <a:pPr algn="ctr"/>
-              <a:r>
-                <a:rPr lang="en-GB" sz="1200" dirty="0"/>
-                <a:t>Clock Period (s) = </a:t>
-              </a:r>
-              <a:r>
-                <a:rPr lang="en-GB" sz="1200" i="1" dirty="0"/>
-                <a:t>T</a:t>
-              </a:r>
-              <a:r>
-                <a:rPr lang="en-GB" sz="1200" i="1" baseline="-25000" dirty="0"/>
-                <a:t>P</a:t>
-              </a:r>
+              <a:endParaRPr lang="en-GB"/>
             </a:p>
           </p:txBody>
         </p:sp>
         <p:grpSp>
           <p:nvGrpSpPr>
-            <p:cNvPr id="57" name="Group 56">
+            <p:cNvPr id="60" name="Group 59">
               <a:extLst>
                 <a:ext uri="{FF2B5EF4-FFF2-40B4-BE49-F238E27FC236}">
-                  <a16:creationId xmlns:a16="http://schemas.microsoft.com/office/drawing/2014/main" id="{28C99222-5B2C-EAFE-129C-5960D6AF554F}"/>
+                  <a16:creationId xmlns:a16="http://schemas.microsoft.com/office/drawing/2014/main" id="{92C0757D-2421-77F2-8F33-D6334FBF425F}"/>
                 </a:ext>
               </a:extLst>
             </p:cNvPr>
@@ -19220,250 +19386,18 @@
           </p:nvGrpSpPr>
           <p:grpSpPr>
             <a:xfrm>
-              <a:off x="2968877" y="3772983"/>
-              <a:ext cx="4790547" cy="1509224"/>
-              <a:chOff x="4368649" y="2490244"/>
-              <a:chExt cx="4790547" cy="1509224"/>
+              <a:off x="5111693" y="3374573"/>
+              <a:ext cx="118030" cy="208875"/>
+              <a:chOff x="8388570" y="2302315"/>
+              <a:chExt cx="61130" cy="108180"/>
             </a:xfrm>
           </p:grpSpPr>
-          <p:sp>
-            <p:nvSpPr>
-              <p:cNvPr id="59" name="Rectangle 58">
+          <p:cxnSp>
+            <p:nvCxnSpPr>
+              <p:cNvPr id="78" name="Straight Connector 77">
                 <a:extLst>
                   <a:ext uri="{FF2B5EF4-FFF2-40B4-BE49-F238E27FC236}">
-                    <a16:creationId xmlns:a16="http://schemas.microsoft.com/office/drawing/2014/main" id="{C514AF61-0B2A-3749-7708-65E936F3F606}"/>
-                  </a:ext>
-                </a:extLst>
-              </p:cNvPr>
-              <p:cNvSpPr/>
-              <p:nvPr/>
-            </p:nvSpPr>
-            <p:spPr>
-              <a:xfrm>
-                <a:off x="5117385" y="2908492"/>
-                <a:ext cx="581416" cy="756261"/>
-              </a:xfrm>
-              <a:prstGeom prst="rect">
-                <a:avLst/>
-              </a:prstGeom>
-              <a:solidFill>
-                <a:schemeClr val="bg1"/>
-              </a:solidFill>
-              <a:ln>
-                <a:solidFill>
-                  <a:srgbClr val="FF0000"/>
-                </a:solidFill>
-              </a:ln>
-            </p:spPr>
-            <p:style>
-              <a:lnRef idx="2">
-                <a:schemeClr val="accent1">
-                  <a:shade val="50000"/>
-                </a:schemeClr>
-              </a:lnRef>
-              <a:fillRef idx="1">
-                <a:schemeClr val="accent1"/>
-              </a:fillRef>
-              <a:effectRef idx="0">
-                <a:schemeClr val="accent1"/>
-              </a:effectRef>
-              <a:fontRef idx="minor">
-                <a:schemeClr val="lt1"/>
-              </a:fontRef>
-            </p:style>
-            <p:txBody>
-              <a:bodyPr rtlCol="0" anchor="ctr"/>
-              <a:lstStyle/>
-              <a:p>
-                <a:pPr algn="ctr"/>
-                <a:endParaRPr lang="en-GB"/>
-              </a:p>
-            </p:txBody>
-          </p:sp>
-          <p:grpSp>
-            <p:nvGrpSpPr>
-              <p:cNvPr id="60" name="Group 59">
-                <a:extLst>
-                  <a:ext uri="{FF2B5EF4-FFF2-40B4-BE49-F238E27FC236}">
-                    <a16:creationId xmlns:a16="http://schemas.microsoft.com/office/drawing/2014/main" id="{92C0757D-2421-77F2-8F33-D6334FBF425F}"/>
-                  </a:ext>
-                </a:extLst>
-              </p:cNvPr>
-              <p:cNvGrpSpPr/>
-              <p:nvPr/>
-            </p:nvGrpSpPr>
-            <p:grpSpPr>
-              <a:xfrm>
-                <a:off x="5111693" y="3374573"/>
-                <a:ext cx="118030" cy="208875"/>
-                <a:chOff x="8388570" y="2302315"/>
-                <a:chExt cx="61130" cy="108180"/>
-              </a:xfrm>
-            </p:grpSpPr>
-            <p:cxnSp>
-              <p:nvCxnSpPr>
-                <p:cNvPr id="78" name="Straight Connector 77">
-                  <a:extLst>
-                    <a:ext uri="{FF2B5EF4-FFF2-40B4-BE49-F238E27FC236}">
-                      <a16:creationId xmlns:a16="http://schemas.microsoft.com/office/drawing/2014/main" id="{2225FCF3-9458-81FD-A25D-2FBC72E98E50}"/>
-                    </a:ext>
-                  </a:extLst>
-                </p:cNvPr>
-                <p:cNvCxnSpPr>
-                  <a:cxnSpLocks/>
-                </p:cNvCxnSpPr>
-                <p:nvPr/>
-              </p:nvCxnSpPr>
-              <p:spPr>
-                <a:xfrm>
-                  <a:off x="8391518" y="2302315"/>
-                  <a:ext cx="58182" cy="56934"/>
-                </a:xfrm>
-                <a:prstGeom prst="line">
-                  <a:avLst/>
-                </a:prstGeom>
-                <a:ln>
-                  <a:solidFill>
-                    <a:srgbClr val="FF0000"/>
-                  </a:solidFill>
-                </a:ln>
-              </p:spPr>
-              <p:style>
-                <a:lnRef idx="1">
-                  <a:schemeClr val="accent1"/>
-                </a:lnRef>
-                <a:fillRef idx="0">
-                  <a:schemeClr val="accent1"/>
-                </a:fillRef>
-                <a:effectRef idx="0">
-                  <a:schemeClr val="accent1"/>
-                </a:effectRef>
-                <a:fontRef idx="minor">
-                  <a:schemeClr val="tx1"/>
-                </a:fontRef>
-              </p:style>
-            </p:cxnSp>
-            <p:cxnSp>
-              <p:nvCxnSpPr>
-                <p:cNvPr id="79" name="Straight Connector 78">
-                  <a:extLst>
-                    <a:ext uri="{FF2B5EF4-FFF2-40B4-BE49-F238E27FC236}">
-                      <a16:creationId xmlns:a16="http://schemas.microsoft.com/office/drawing/2014/main" id="{93CE2D46-99A2-562E-F7CC-FE7B2BE1F361}"/>
-                    </a:ext>
-                  </a:extLst>
-                </p:cNvPr>
-                <p:cNvCxnSpPr>
-                  <a:cxnSpLocks/>
-                </p:cNvCxnSpPr>
-                <p:nvPr/>
-              </p:nvCxnSpPr>
-              <p:spPr>
-                <a:xfrm flipV="1">
-                  <a:off x="8388570" y="2359249"/>
-                  <a:ext cx="61130" cy="51246"/>
-                </a:xfrm>
-                <a:prstGeom prst="line">
-                  <a:avLst/>
-                </a:prstGeom>
-                <a:ln>
-                  <a:solidFill>
-                    <a:srgbClr val="FF0000"/>
-                  </a:solidFill>
-                </a:ln>
-              </p:spPr>
-              <p:style>
-                <a:lnRef idx="1">
-                  <a:schemeClr val="accent1"/>
-                </a:lnRef>
-                <a:fillRef idx="0">
-                  <a:schemeClr val="accent1"/>
-                </a:fillRef>
-                <a:effectRef idx="0">
-                  <a:schemeClr val="accent1"/>
-                </a:effectRef>
-                <a:fontRef idx="minor">
-                  <a:schemeClr val="tx1"/>
-                </a:fontRef>
-              </p:style>
-            </p:cxnSp>
-          </p:grpSp>
-          <p:sp>
-            <p:nvSpPr>
-              <p:cNvPr id="61" name="TextBox 60">
-                <a:extLst>
-                  <a:ext uri="{FF2B5EF4-FFF2-40B4-BE49-F238E27FC236}">
-                    <a16:creationId xmlns:a16="http://schemas.microsoft.com/office/drawing/2014/main" id="{DC1564E0-7779-D63B-182D-E8C533FA53DA}"/>
-                  </a:ext>
-                </a:extLst>
-              </p:cNvPr>
-              <p:cNvSpPr txBox="1"/>
-              <p:nvPr/>
-            </p:nvSpPr>
-            <p:spPr>
-              <a:xfrm>
-                <a:off x="5066056" y="2866588"/>
-                <a:ext cx="327334" cy="369332"/>
-              </a:xfrm>
-              <a:prstGeom prst="rect">
-                <a:avLst/>
-              </a:prstGeom>
-              <a:noFill/>
-            </p:spPr>
-            <p:txBody>
-              <a:bodyPr wrap="none" rtlCol="0">
-                <a:spAutoFit/>
-              </a:bodyPr>
-              <a:lstStyle/>
-              <a:p>
-                <a:r>
-                  <a:rPr lang="en-GB" dirty="0"/>
-                  <a:t>D</a:t>
-                </a:r>
-              </a:p>
-            </p:txBody>
-          </p:sp>
-          <p:sp>
-            <p:nvSpPr>
-              <p:cNvPr id="62" name="TextBox 61">
-                <a:extLst>
-                  <a:ext uri="{FF2B5EF4-FFF2-40B4-BE49-F238E27FC236}">
-                    <a16:creationId xmlns:a16="http://schemas.microsoft.com/office/drawing/2014/main" id="{415D4C73-2CD1-855B-8EAC-F19A1F4A9130}"/>
-                  </a:ext>
-                </a:extLst>
-              </p:cNvPr>
-              <p:cNvSpPr txBox="1"/>
-              <p:nvPr/>
-            </p:nvSpPr>
-            <p:spPr>
-              <a:xfrm>
-                <a:off x="5367727" y="2866588"/>
-                <a:ext cx="340158" cy="369332"/>
-              </a:xfrm>
-              <a:prstGeom prst="rect">
-                <a:avLst/>
-              </a:prstGeom>
-              <a:noFill/>
-            </p:spPr>
-            <p:txBody>
-              <a:bodyPr wrap="none" rtlCol="0">
-                <a:spAutoFit/>
-              </a:bodyPr>
-              <a:lstStyle/>
-              <a:p>
-                <a:pPr algn="r"/>
-                <a:r>
-                  <a:rPr lang="en-GB" dirty="0"/>
-                  <a:t>Q</a:t>
-                </a:r>
-              </a:p>
-            </p:txBody>
-          </p:sp>
-          <p:cxnSp>
-            <p:nvCxnSpPr>
-              <p:cNvPr id="63" name="Straight Connector 62">
-                <a:extLst>
-                  <a:ext uri="{FF2B5EF4-FFF2-40B4-BE49-F238E27FC236}">
-                    <a16:creationId xmlns:a16="http://schemas.microsoft.com/office/drawing/2014/main" id="{576C3527-3312-73B8-AA3A-B9A6138DCE30}"/>
+                    <a16:creationId xmlns:a16="http://schemas.microsoft.com/office/drawing/2014/main" id="{2225FCF3-9458-81FD-A25D-2FBC72E98E50}"/>
                   </a:ext>
                 </a:extLst>
               </p:cNvPr>
@@ -19474,15 +19408,15 @@
             </p:nvCxnSpPr>
             <p:spPr>
               <a:xfrm>
-                <a:off x="4368649" y="3042976"/>
-                <a:ext cx="748736" cy="0"/>
+                <a:off x="8391518" y="2302315"/>
+                <a:ext cx="58182" cy="56934"/>
               </a:xfrm>
               <a:prstGeom prst="line">
                 <a:avLst/>
               </a:prstGeom>
               <a:ln>
                 <a:solidFill>
-                  <a:schemeClr val="tx1"/>
+                  <a:srgbClr val="FF0000"/>
                 </a:solidFill>
               </a:ln>
             </p:spPr>
@@ -19503,10 +19437,414 @@
           </p:cxnSp>
           <p:cxnSp>
             <p:nvCxnSpPr>
-              <p:cNvPr id="64" name="Straight Connector 63">
+              <p:cNvPr id="79" name="Straight Connector 78">
                 <a:extLst>
                   <a:ext uri="{FF2B5EF4-FFF2-40B4-BE49-F238E27FC236}">
-                    <a16:creationId xmlns:a16="http://schemas.microsoft.com/office/drawing/2014/main" id="{318ED503-C184-BEA6-B942-2F1913C9620C}"/>
+                    <a16:creationId xmlns:a16="http://schemas.microsoft.com/office/drawing/2014/main" id="{93CE2D46-99A2-562E-F7CC-FE7B2BE1F361}"/>
+                  </a:ext>
+                </a:extLst>
+              </p:cNvPr>
+              <p:cNvCxnSpPr>
+                <a:cxnSpLocks/>
+              </p:cNvCxnSpPr>
+              <p:nvPr/>
+            </p:nvCxnSpPr>
+            <p:spPr>
+              <a:xfrm flipV="1">
+                <a:off x="8388570" y="2359249"/>
+                <a:ext cx="61130" cy="51246"/>
+              </a:xfrm>
+              <a:prstGeom prst="line">
+                <a:avLst/>
+              </a:prstGeom>
+              <a:ln>
+                <a:solidFill>
+                  <a:srgbClr val="FF0000"/>
+                </a:solidFill>
+              </a:ln>
+            </p:spPr>
+            <p:style>
+              <a:lnRef idx="1">
+                <a:schemeClr val="accent1"/>
+              </a:lnRef>
+              <a:fillRef idx="0">
+                <a:schemeClr val="accent1"/>
+              </a:fillRef>
+              <a:effectRef idx="0">
+                <a:schemeClr val="accent1"/>
+              </a:effectRef>
+              <a:fontRef idx="minor">
+                <a:schemeClr val="tx1"/>
+              </a:fontRef>
+            </p:style>
+          </p:cxnSp>
+        </p:grpSp>
+        <p:sp>
+          <p:nvSpPr>
+            <p:cNvPr id="61" name="TextBox 60">
+              <a:extLst>
+                <a:ext uri="{FF2B5EF4-FFF2-40B4-BE49-F238E27FC236}">
+                  <a16:creationId xmlns:a16="http://schemas.microsoft.com/office/drawing/2014/main" id="{DC1564E0-7779-D63B-182D-E8C533FA53DA}"/>
+                </a:ext>
+              </a:extLst>
+            </p:cNvPr>
+            <p:cNvSpPr txBox="1"/>
+            <p:nvPr/>
+          </p:nvSpPr>
+          <p:spPr>
+            <a:xfrm>
+              <a:off x="5066056" y="2866588"/>
+              <a:ext cx="327334" cy="369332"/>
+            </a:xfrm>
+            <a:prstGeom prst="rect">
+              <a:avLst/>
+            </a:prstGeom>
+            <a:noFill/>
+          </p:spPr>
+          <p:txBody>
+            <a:bodyPr wrap="none" rtlCol="0">
+              <a:spAutoFit/>
+            </a:bodyPr>
+            <a:lstStyle/>
+            <a:p>
+              <a:r>
+                <a:rPr lang="en-GB" dirty="0"/>
+                <a:t>D</a:t>
+              </a:r>
+            </a:p>
+          </p:txBody>
+        </p:sp>
+        <p:sp>
+          <p:nvSpPr>
+            <p:cNvPr id="62" name="TextBox 61">
+              <a:extLst>
+                <a:ext uri="{FF2B5EF4-FFF2-40B4-BE49-F238E27FC236}">
+                  <a16:creationId xmlns:a16="http://schemas.microsoft.com/office/drawing/2014/main" id="{415D4C73-2CD1-855B-8EAC-F19A1F4A9130}"/>
+                </a:ext>
+              </a:extLst>
+            </p:cNvPr>
+            <p:cNvSpPr txBox="1"/>
+            <p:nvPr/>
+          </p:nvSpPr>
+          <p:spPr>
+            <a:xfrm>
+              <a:off x="5367727" y="2866588"/>
+              <a:ext cx="340158" cy="369332"/>
+            </a:xfrm>
+            <a:prstGeom prst="rect">
+              <a:avLst/>
+            </a:prstGeom>
+            <a:noFill/>
+          </p:spPr>
+          <p:txBody>
+            <a:bodyPr wrap="none" rtlCol="0">
+              <a:spAutoFit/>
+            </a:bodyPr>
+            <a:lstStyle/>
+            <a:p>
+              <a:pPr algn="r"/>
+              <a:r>
+                <a:rPr lang="en-GB" dirty="0"/>
+                <a:t>Q</a:t>
+              </a:r>
+            </a:p>
+          </p:txBody>
+        </p:sp>
+        <p:cxnSp>
+          <p:nvCxnSpPr>
+            <p:cNvPr id="63" name="Straight Connector 62">
+              <a:extLst>
+                <a:ext uri="{FF2B5EF4-FFF2-40B4-BE49-F238E27FC236}">
+                  <a16:creationId xmlns:a16="http://schemas.microsoft.com/office/drawing/2014/main" id="{576C3527-3312-73B8-AA3A-B9A6138DCE30}"/>
+                </a:ext>
+              </a:extLst>
+            </p:cNvPr>
+            <p:cNvCxnSpPr>
+              <a:cxnSpLocks/>
+            </p:cNvCxnSpPr>
+            <p:nvPr/>
+          </p:nvCxnSpPr>
+          <p:spPr>
+            <a:xfrm>
+              <a:off x="4368649" y="3042976"/>
+              <a:ext cx="748736" cy="0"/>
+            </a:xfrm>
+            <a:prstGeom prst="line">
+              <a:avLst/>
+            </a:prstGeom>
+            <a:ln>
+              <a:solidFill>
+                <a:schemeClr val="tx1"/>
+              </a:solidFill>
+            </a:ln>
+          </p:spPr>
+          <p:style>
+            <a:lnRef idx="1">
+              <a:schemeClr val="accent1"/>
+            </a:lnRef>
+            <a:fillRef idx="0">
+              <a:schemeClr val="accent1"/>
+            </a:fillRef>
+            <a:effectRef idx="0">
+              <a:schemeClr val="accent1"/>
+            </a:effectRef>
+            <a:fontRef idx="minor">
+              <a:schemeClr val="tx1"/>
+            </a:fontRef>
+          </p:style>
+        </p:cxnSp>
+        <p:cxnSp>
+          <p:nvCxnSpPr>
+            <p:cNvPr id="64" name="Straight Connector 63">
+              <a:extLst>
+                <a:ext uri="{FF2B5EF4-FFF2-40B4-BE49-F238E27FC236}">
+                  <a16:creationId xmlns:a16="http://schemas.microsoft.com/office/drawing/2014/main" id="{318ED503-C184-BEA6-B942-2F1913C9620C}"/>
+                </a:ext>
+              </a:extLst>
+            </p:cNvPr>
+            <p:cNvCxnSpPr>
+              <a:cxnSpLocks/>
+            </p:cNvCxnSpPr>
+            <p:nvPr/>
+          </p:nvCxnSpPr>
+          <p:spPr>
+            <a:xfrm>
+              <a:off x="5696374" y="3034919"/>
+              <a:ext cx="2129824" cy="0"/>
+            </a:xfrm>
+            <a:prstGeom prst="line">
+              <a:avLst/>
+            </a:prstGeom>
+            <a:ln>
+              <a:solidFill>
+                <a:schemeClr val="tx1"/>
+              </a:solidFill>
+            </a:ln>
+          </p:spPr>
+          <p:style>
+            <a:lnRef idx="1">
+              <a:schemeClr val="accent1"/>
+            </a:lnRef>
+            <a:fillRef idx="0">
+              <a:schemeClr val="accent1"/>
+            </a:fillRef>
+            <a:effectRef idx="0">
+              <a:schemeClr val="accent1"/>
+            </a:effectRef>
+            <a:fontRef idx="minor">
+              <a:schemeClr val="tx1"/>
+            </a:fontRef>
+          </p:style>
+        </p:cxnSp>
+        <p:cxnSp>
+          <p:nvCxnSpPr>
+            <p:cNvPr id="65" name="Straight Connector 64">
+              <a:extLst>
+                <a:ext uri="{FF2B5EF4-FFF2-40B4-BE49-F238E27FC236}">
+                  <a16:creationId xmlns:a16="http://schemas.microsoft.com/office/drawing/2014/main" id="{E8EF187E-F4F8-8482-1E6C-34BC2CCB73AC}"/>
+                </a:ext>
+              </a:extLst>
+            </p:cNvPr>
+            <p:cNvCxnSpPr>
+              <a:cxnSpLocks/>
+            </p:cNvCxnSpPr>
+            <p:nvPr/>
+          </p:nvCxnSpPr>
+          <p:spPr>
+            <a:xfrm>
+              <a:off x="4912930" y="3479011"/>
+              <a:ext cx="198763" cy="0"/>
+            </a:xfrm>
+            <a:prstGeom prst="line">
+              <a:avLst/>
+            </a:prstGeom>
+            <a:ln>
+              <a:solidFill>
+                <a:schemeClr val="tx1"/>
+              </a:solidFill>
+            </a:ln>
+          </p:spPr>
+          <p:style>
+            <a:lnRef idx="1">
+              <a:schemeClr val="accent1"/>
+            </a:lnRef>
+            <a:fillRef idx="0">
+              <a:schemeClr val="accent1"/>
+            </a:fillRef>
+            <a:effectRef idx="0">
+              <a:schemeClr val="accent1"/>
+            </a:effectRef>
+            <a:fontRef idx="minor">
+              <a:schemeClr val="tx1"/>
+            </a:fontRef>
+          </p:style>
+        </p:cxnSp>
+        <p:cxnSp>
+          <p:nvCxnSpPr>
+            <p:cNvPr id="66" name="Straight Connector 65">
+              <a:extLst>
+                <a:ext uri="{FF2B5EF4-FFF2-40B4-BE49-F238E27FC236}">
+                  <a16:creationId xmlns:a16="http://schemas.microsoft.com/office/drawing/2014/main" id="{B3251EB5-8EBA-AB34-678A-47D36A22A973}"/>
+                </a:ext>
+              </a:extLst>
+            </p:cNvPr>
+            <p:cNvCxnSpPr>
+              <a:cxnSpLocks/>
+            </p:cNvCxnSpPr>
+            <p:nvPr/>
+          </p:nvCxnSpPr>
+          <p:spPr>
+            <a:xfrm flipV="1">
+              <a:off x="4911892" y="3479011"/>
+              <a:ext cx="0" cy="520457"/>
+            </a:xfrm>
+            <a:prstGeom prst="line">
+              <a:avLst/>
+            </a:prstGeom>
+            <a:ln>
+              <a:solidFill>
+                <a:schemeClr val="tx1"/>
+              </a:solidFill>
+            </a:ln>
+          </p:spPr>
+          <p:style>
+            <a:lnRef idx="1">
+              <a:schemeClr val="accent1"/>
+            </a:lnRef>
+            <a:fillRef idx="0">
+              <a:schemeClr val="accent1"/>
+            </a:fillRef>
+            <a:effectRef idx="0">
+              <a:schemeClr val="accent1"/>
+            </a:effectRef>
+            <a:fontRef idx="minor">
+              <a:schemeClr val="tx1"/>
+            </a:fontRef>
+          </p:style>
+        </p:cxnSp>
+        <p:cxnSp>
+          <p:nvCxnSpPr>
+            <p:cNvPr id="67" name="Straight Connector 66">
+              <a:extLst>
+                <a:ext uri="{FF2B5EF4-FFF2-40B4-BE49-F238E27FC236}">
+                  <a16:creationId xmlns:a16="http://schemas.microsoft.com/office/drawing/2014/main" id="{D8DDCBDE-DC36-B8AE-C012-DD93EBD0589A}"/>
+                </a:ext>
+              </a:extLst>
+            </p:cNvPr>
+            <p:cNvCxnSpPr>
+              <a:cxnSpLocks/>
+            </p:cNvCxnSpPr>
+            <p:nvPr/>
+          </p:nvCxnSpPr>
+          <p:spPr>
+            <a:xfrm>
+              <a:off x="4648362" y="3999468"/>
+              <a:ext cx="2978674" cy="0"/>
+            </a:xfrm>
+            <a:prstGeom prst="line">
+              <a:avLst/>
+            </a:prstGeom>
+            <a:ln>
+              <a:solidFill>
+                <a:schemeClr val="tx1"/>
+              </a:solidFill>
+            </a:ln>
+          </p:spPr>
+          <p:style>
+            <a:lnRef idx="1">
+              <a:schemeClr val="accent1"/>
+            </a:lnRef>
+            <a:fillRef idx="0">
+              <a:schemeClr val="accent1"/>
+            </a:fillRef>
+            <a:effectRef idx="0">
+              <a:schemeClr val="accent1"/>
+            </a:effectRef>
+            <a:fontRef idx="minor">
+              <a:schemeClr val="tx1"/>
+            </a:fontRef>
+          </p:style>
+        </p:cxnSp>
+        <p:sp>
+          <p:nvSpPr>
+            <p:cNvPr id="68" name="Rectangle 67">
+              <a:extLst>
+                <a:ext uri="{FF2B5EF4-FFF2-40B4-BE49-F238E27FC236}">
+                  <a16:creationId xmlns:a16="http://schemas.microsoft.com/office/drawing/2014/main" id="{CA684741-4F50-3301-6442-B0B2AC7179D2}"/>
+                </a:ext>
+              </a:extLst>
+            </p:cNvPr>
+            <p:cNvSpPr/>
+            <p:nvPr/>
+          </p:nvSpPr>
+          <p:spPr>
+            <a:xfrm>
+              <a:off x="7829044" y="2900434"/>
+              <a:ext cx="581416" cy="756261"/>
+            </a:xfrm>
+            <a:prstGeom prst="rect">
+              <a:avLst/>
+            </a:prstGeom>
+            <a:solidFill>
+              <a:schemeClr val="bg1"/>
+            </a:solidFill>
+            <a:ln>
+              <a:solidFill>
+                <a:srgbClr val="FF0000"/>
+              </a:solidFill>
+            </a:ln>
+          </p:spPr>
+          <p:style>
+            <a:lnRef idx="2">
+              <a:schemeClr val="accent1">
+                <a:shade val="50000"/>
+              </a:schemeClr>
+            </a:lnRef>
+            <a:fillRef idx="1">
+              <a:schemeClr val="accent1"/>
+            </a:fillRef>
+            <a:effectRef idx="0">
+              <a:schemeClr val="accent1"/>
+            </a:effectRef>
+            <a:fontRef idx="minor">
+              <a:schemeClr val="lt1"/>
+            </a:fontRef>
+          </p:style>
+          <p:txBody>
+            <a:bodyPr rtlCol="0" anchor="ctr"/>
+            <a:lstStyle/>
+            <a:p>
+              <a:pPr algn="ctr"/>
+              <a:endParaRPr lang="en-GB"/>
+            </a:p>
+          </p:txBody>
+        </p:sp>
+        <p:grpSp>
+          <p:nvGrpSpPr>
+            <p:cNvPr id="69" name="Group 68">
+              <a:extLst>
+                <a:ext uri="{FF2B5EF4-FFF2-40B4-BE49-F238E27FC236}">
+                  <a16:creationId xmlns:a16="http://schemas.microsoft.com/office/drawing/2014/main" id="{3E6A0D11-214A-6580-15A8-183F3A32738F}"/>
+                </a:ext>
+              </a:extLst>
+            </p:cNvPr>
+            <p:cNvGrpSpPr/>
+            <p:nvPr/>
+          </p:nvGrpSpPr>
+          <p:grpSpPr>
+            <a:xfrm>
+              <a:off x="7823352" y="3366516"/>
+              <a:ext cx="118030" cy="208875"/>
+              <a:chOff x="8388570" y="2302315"/>
+              <a:chExt cx="61130" cy="108180"/>
+            </a:xfrm>
+          </p:grpSpPr>
+          <p:cxnSp>
+            <p:nvCxnSpPr>
+              <p:cNvPr id="76" name="Straight Connector 75">
+                <a:extLst>
+                  <a:ext uri="{FF2B5EF4-FFF2-40B4-BE49-F238E27FC236}">
+                    <a16:creationId xmlns:a16="http://schemas.microsoft.com/office/drawing/2014/main" id="{379C1549-A9B4-A73B-BCD4-EDFC0EB64E39}"/>
                   </a:ext>
                 </a:extLst>
               </p:cNvPr>
@@ -19517,15 +19855,15 @@
             </p:nvCxnSpPr>
             <p:spPr>
               <a:xfrm>
-                <a:off x="5696374" y="3034919"/>
-                <a:ext cx="2129824" cy="0"/>
+                <a:off x="8391518" y="2302315"/>
+                <a:ext cx="58182" cy="56934"/>
               </a:xfrm>
               <a:prstGeom prst="line">
                 <a:avLst/>
               </a:prstGeom>
               <a:ln>
                 <a:solidFill>
-                  <a:schemeClr val="tx1"/>
+                  <a:srgbClr val="FF0000"/>
                 </a:solidFill>
               </a:ln>
             </p:spPr>
@@ -19546,10 +19884,10 @@
           </p:cxnSp>
           <p:cxnSp>
             <p:nvCxnSpPr>
-              <p:cNvPr id="65" name="Straight Connector 64">
+              <p:cNvPr id="77" name="Straight Connector 76">
                 <a:extLst>
                   <a:ext uri="{FF2B5EF4-FFF2-40B4-BE49-F238E27FC236}">
-                    <a16:creationId xmlns:a16="http://schemas.microsoft.com/office/drawing/2014/main" id="{E8EF187E-F4F8-8482-1E6C-34BC2CCB73AC}"/>
+                    <a16:creationId xmlns:a16="http://schemas.microsoft.com/office/drawing/2014/main" id="{7CE93371-A33A-DEFD-106C-491E8846A458}"/>
                   </a:ext>
                 </a:extLst>
               </p:cNvPr>
@@ -19559,16 +19897,16 @@
               <p:nvPr/>
             </p:nvCxnSpPr>
             <p:spPr>
-              <a:xfrm>
-                <a:off x="4912930" y="3479011"/>
-                <a:ext cx="198763" cy="0"/>
+              <a:xfrm flipV="1">
+                <a:off x="8388570" y="2359249"/>
+                <a:ext cx="61130" cy="51246"/>
               </a:xfrm>
               <a:prstGeom prst="line">
                 <a:avLst/>
               </a:prstGeom>
               <a:ln>
                 <a:solidFill>
-                  <a:schemeClr val="tx1"/>
+                  <a:srgbClr val="FF0000"/>
                 </a:solidFill>
               </a:ln>
             </p:spPr>
@@ -19587,514 +19925,13 @@
               </a:fontRef>
             </p:style>
           </p:cxnSp>
-          <p:cxnSp>
-            <p:nvCxnSpPr>
-              <p:cNvPr id="66" name="Straight Connector 65">
-                <a:extLst>
-                  <a:ext uri="{FF2B5EF4-FFF2-40B4-BE49-F238E27FC236}">
-                    <a16:creationId xmlns:a16="http://schemas.microsoft.com/office/drawing/2014/main" id="{B3251EB5-8EBA-AB34-678A-47D36A22A973}"/>
-                  </a:ext>
-                </a:extLst>
-              </p:cNvPr>
-              <p:cNvCxnSpPr>
-                <a:cxnSpLocks/>
-              </p:cNvCxnSpPr>
-              <p:nvPr/>
-            </p:nvCxnSpPr>
-            <p:spPr>
-              <a:xfrm flipV="1">
-                <a:off x="4911892" y="3479011"/>
-                <a:ext cx="0" cy="520457"/>
-              </a:xfrm>
-              <a:prstGeom prst="line">
-                <a:avLst/>
-              </a:prstGeom>
-              <a:ln>
-                <a:solidFill>
-                  <a:schemeClr val="tx1"/>
-                </a:solidFill>
-              </a:ln>
-            </p:spPr>
-            <p:style>
-              <a:lnRef idx="1">
-                <a:schemeClr val="accent1"/>
-              </a:lnRef>
-              <a:fillRef idx="0">
-                <a:schemeClr val="accent1"/>
-              </a:fillRef>
-              <a:effectRef idx="0">
-                <a:schemeClr val="accent1"/>
-              </a:effectRef>
-              <a:fontRef idx="minor">
-                <a:schemeClr val="tx1"/>
-              </a:fontRef>
-            </p:style>
-          </p:cxnSp>
-          <p:cxnSp>
-            <p:nvCxnSpPr>
-              <p:cNvPr id="67" name="Straight Connector 66">
-                <a:extLst>
-                  <a:ext uri="{FF2B5EF4-FFF2-40B4-BE49-F238E27FC236}">
-                    <a16:creationId xmlns:a16="http://schemas.microsoft.com/office/drawing/2014/main" id="{D8DDCBDE-DC36-B8AE-C012-DD93EBD0589A}"/>
-                  </a:ext>
-                </a:extLst>
-              </p:cNvPr>
-              <p:cNvCxnSpPr>
-                <a:cxnSpLocks/>
-              </p:cNvCxnSpPr>
-              <p:nvPr/>
-            </p:nvCxnSpPr>
-            <p:spPr>
-              <a:xfrm>
-                <a:off x="4648362" y="3999468"/>
-                <a:ext cx="2978674" cy="0"/>
-              </a:xfrm>
-              <a:prstGeom prst="line">
-                <a:avLst/>
-              </a:prstGeom>
-              <a:ln>
-                <a:solidFill>
-                  <a:schemeClr val="tx1"/>
-                </a:solidFill>
-              </a:ln>
-            </p:spPr>
-            <p:style>
-              <a:lnRef idx="1">
-                <a:schemeClr val="accent1"/>
-              </a:lnRef>
-              <a:fillRef idx="0">
-                <a:schemeClr val="accent1"/>
-              </a:fillRef>
-              <a:effectRef idx="0">
-                <a:schemeClr val="accent1"/>
-              </a:effectRef>
-              <a:fontRef idx="minor">
-                <a:schemeClr val="tx1"/>
-              </a:fontRef>
-            </p:style>
-          </p:cxnSp>
-          <p:sp>
-            <p:nvSpPr>
-              <p:cNvPr id="68" name="Rectangle 67">
-                <a:extLst>
-                  <a:ext uri="{FF2B5EF4-FFF2-40B4-BE49-F238E27FC236}">
-                    <a16:creationId xmlns:a16="http://schemas.microsoft.com/office/drawing/2014/main" id="{CA684741-4F50-3301-6442-B0B2AC7179D2}"/>
-                  </a:ext>
-                </a:extLst>
-              </p:cNvPr>
-              <p:cNvSpPr/>
-              <p:nvPr/>
-            </p:nvSpPr>
-            <p:spPr>
-              <a:xfrm>
-                <a:off x="7829044" y="2900434"/>
-                <a:ext cx="581416" cy="756261"/>
-              </a:xfrm>
-              <a:prstGeom prst="rect">
-                <a:avLst/>
-              </a:prstGeom>
-              <a:solidFill>
-                <a:schemeClr val="bg1"/>
-              </a:solidFill>
-              <a:ln>
-                <a:solidFill>
-                  <a:srgbClr val="FF0000"/>
-                </a:solidFill>
-              </a:ln>
-            </p:spPr>
-            <p:style>
-              <a:lnRef idx="2">
-                <a:schemeClr val="accent1">
-                  <a:shade val="50000"/>
-                </a:schemeClr>
-              </a:lnRef>
-              <a:fillRef idx="1">
-                <a:schemeClr val="accent1"/>
-              </a:fillRef>
-              <a:effectRef idx="0">
-                <a:schemeClr val="accent1"/>
-              </a:effectRef>
-              <a:fontRef idx="minor">
-                <a:schemeClr val="lt1"/>
-              </a:fontRef>
-            </p:style>
-            <p:txBody>
-              <a:bodyPr rtlCol="0" anchor="ctr"/>
-              <a:lstStyle/>
-              <a:p>
-                <a:pPr algn="ctr"/>
-                <a:endParaRPr lang="en-GB"/>
-              </a:p>
-            </p:txBody>
-          </p:sp>
-          <p:grpSp>
-            <p:nvGrpSpPr>
-              <p:cNvPr id="69" name="Group 68">
-                <a:extLst>
-                  <a:ext uri="{FF2B5EF4-FFF2-40B4-BE49-F238E27FC236}">
-                    <a16:creationId xmlns:a16="http://schemas.microsoft.com/office/drawing/2014/main" id="{3E6A0D11-214A-6580-15A8-183F3A32738F}"/>
-                  </a:ext>
-                </a:extLst>
-              </p:cNvPr>
-              <p:cNvGrpSpPr/>
-              <p:nvPr/>
-            </p:nvGrpSpPr>
-            <p:grpSpPr>
-              <a:xfrm>
-                <a:off x="7823352" y="3366516"/>
-                <a:ext cx="118030" cy="208875"/>
-                <a:chOff x="8388570" y="2302315"/>
-                <a:chExt cx="61130" cy="108180"/>
-              </a:xfrm>
-            </p:grpSpPr>
-            <p:cxnSp>
-              <p:nvCxnSpPr>
-                <p:cNvPr id="76" name="Straight Connector 75">
-                  <a:extLst>
-                    <a:ext uri="{FF2B5EF4-FFF2-40B4-BE49-F238E27FC236}">
-                      <a16:creationId xmlns:a16="http://schemas.microsoft.com/office/drawing/2014/main" id="{379C1549-A9B4-A73B-BCD4-EDFC0EB64E39}"/>
-                    </a:ext>
-                  </a:extLst>
-                </p:cNvPr>
-                <p:cNvCxnSpPr>
-                  <a:cxnSpLocks/>
-                </p:cNvCxnSpPr>
-                <p:nvPr/>
-              </p:nvCxnSpPr>
-              <p:spPr>
-                <a:xfrm>
-                  <a:off x="8391518" y="2302315"/>
-                  <a:ext cx="58182" cy="56934"/>
-                </a:xfrm>
-                <a:prstGeom prst="line">
-                  <a:avLst/>
-                </a:prstGeom>
-                <a:ln>
-                  <a:solidFill>
-                    <a:srgbClr val="FF0000"/>
-                  </a:solidFill>
-                </a:ln>
-              </p:spPr>
-              <p:style>
-                <a:lnRef idx="1">
-                  <a:schemeClr val="accent1"/>
-                </a:lnRef>
-                <a:fillRef idx="0">
-                  <a:schemeClr val="accent1"/>
-                </a:fillRef>
-                <a:effectRef idx="0">
-                  <a:schemeClr val="accent1"/>
-                </a:effectRef>
-                <a:fontRef idx="minor">
-                  <a:schemeClr val="tx1"/>
-                </a:fontRef>
-              </p:style>
-            </p:cxnSp>
-            <p:cxnSp>
-              <p:nvCxnSpPr>
-                <p:cNvPr id="77" name="Straight Connector 76">
-                  <a:extLst>
-                    <a:ext uri="{FF2B5EF4-FFF2-40B4-BE49-F238E27FC236}">
-                      <a16:creationId xmlns:a16="http://schemas.microsoft.com/office/drawing/2014/main" id="{7CE93371-A33A-DEFD-106C-491E8846A458}"/>
-                    </a:ext>
-                  </a:extLst>
-                </p:cNvPr>
-                <p:cNvCxnSpPr>
-                  <a:cxnSpLocks/>
-                </p:cNvCxnSpPr>
-                <p:nvPr/>
-              </p:nvCxnSpPr>
-              <p:spPr>
-                <a:xfrm flipV="1">
-                  <a:off x="8388570" y="2359249"/>
-                  <a:ext cx="61130" cy="51246"/>
-                </a:xfrm>
-                <a:prstGeom prst="line">
-                  <a:avLst/>
-                </a:prstGeom>
-                <a:ln>
-                  <a:solidFill>
-                    <a:srgbClr val="FF0000"/>
-                  </a:solidFill>
-                </a:ln>
-              </p:spPr>
-              <p:style>
-                <a:lnRef idx="1">
-                  <a:schemeClr val="accent1"/>
-                </a:lnRef>
-                <a:fillRef idx="0">
-                  <a:schemeClr val="accent1"/>
-                </a:fillRef>
-                <a:effectRef idx="0">
-                  <a:schemeClr val="accent1"/>
-                </a:effectRef>
-                <a:fontRef idx="minor">
-                  <a:schemeClr val="tx1"/>
-                </a:fontRef>
-              </p:style>
-            </p:cxnSp>
-          </p:grpSp>
-          <p:sp>
-            <p:nvSpPr>
-              <p:cNvPr id="70" name="TextBox 69">
-                <a:extLst>
-                  <a:ext uri="{FF2B5EF4-FFF2-40B4-BE49-F238E27FC236}">
-                    <a16:creationId xmlns:a16="http://schemas.microsoft.com/office/drawing/2014/main" id="{70F23108-D971-2574-1F3C-E1F66E69EA34}"/>
-                  </a:ext>
-                </a:extLst>
-              </p:cNvPr>
-              <p:cNvSpPr txBox="1"/>
-              <p:nvPr/>
-            </p:nvSpPr>
-            <p:spPr>
-              <a:xfrm>
-                <a:off x="7777714" y="2858531"/>
-                <a:ext cx="327334" cy="369332"/>
-              </a:xfrm>
-              <a:prstGeom prst="rect">
-                <a:avLst/>
-              </a:prstGeom>
-              <a:noFill/>
-            </p:spPr>
-            <p:txBody>
-              <a:bodyPr wrap="none" rtlCol="0">
-                <a:spAutoFit/>
-              </a:bodyPr>
-              <a:lstStyle/>
-              <a:p>
-                <a:r>
-                  <a:rPr lang="en-GB" dirty="0"/>
-                  <a:t>D</a:t>
-                </a:r>
-              </a:p>
-            </p:txBody>
-          </p:sp>
-          <p:sp>
-            <p:nvSpPr>
-              <p:cNvPr id="71" name="TextBox 70">
-                <a:extLst>
-                  <a:ext uri="{FF2B5EF4-FFF2-40B4-BE49-F238E27FC236}">
-                    <a16:creationId xmlns:a16="http://schemas.microsoft.com/office/drawing/2014/main" id="{B1FFB122-B422-9290-913F-D5B8707F4BB6}"/>
-                  </a:ext>
-                </a:extLst>
-              </p:cNvPr>
-              <p:cNvSpPr txBox="1"/>
-              <p:nvPr/>
-            </p:nvSpPr>
-            <p:spPr>
-              <a:xfrm>
-                <a:off x="8087675" y="2858531"/>
-                <a:ext cx="340158" cy="369332"/>
-              </a:xfrm>
-              <a:prstGeom prst="rect">
-                <a:avLst/>
-              </a:prstGeom>
-              <a:noFill/>
-            </p:spPr>
-            <p:txBody>
-              <a:bodyPr wrap="none" rtlCol="0">
-                <a:spAutoFit/>
-              </a:bodyPr>
-              <a:lstStyle/>
-              <a:p>
-                <a:pPr algn="r"/>
-                <a:r>
-                  <a:rPr lang="en-GB" dirty="0"/>
-                  <a:t>Q</a:t>
-                </a:r>
-              </a:p>
-            </p:txBody>
-          </p:sp>
-          <p:cxnSp>
-            <p:nvCxnSpPr>
-              <p:cNvPr id="72" name="Straight Connector 71">
-                <a:extLst>
-                  <a:ext uri="{FF2B5EF4-FFF2-40B4-BE49-F238E27FC236}">
-                    <a16:creationId xmlns:a16="http://schemas.microsoft.com/office/drawing/2014/main" id="{A15E97F6-0DC9-D582-27A9-AB97B249F586}"/>
-                  </a:ext>
-                </a:extLst>
-              </p:cNvPr>
-              <p:cNvCxnSpPr>
-                <a:cxnSpLocks/>
-              </p:cNvCxnSpPr>
-              <p:nvPr/>
-            </p:nvCxnSpPr>
-            <p:spPr>
-              <a:xfrm>
-                <a:off x="8410460" y="3034919"/>
-                <a:ext cx="748736" cy="0"/>
-              </a:xfrm>
-              <a:prstGeom prst="line">
-                <a:avLst/>
-              </a:prstGeom>
-              <a:ln>
-                <a:solidFill>
-                  <a:schemeClr val="tx1"/>
-                </a:solidFill>
-              </a:ln>
-            </p:spPr>
-            <p:style>
-              <a:lnRef idx="1">
-                <a:schemeClr val="accent1"/>
-              </a:lnRef>
-              <a:fillRef idx="0">
-                <a:schemeClr val="accent1"/>
-              </a:fillRef>
-              <a:effectRef idx="0">
-                <a:schemeClr val="accent1"/>
-              </a:effectRef>
-              <a:fontRef idx="minor">
-                <a:schemeClr val="tx1"/>
-              </a:fontRef>
-            </p:style>
-          </p:cxnSp>
-          <p:cxnSp>
-            <p:nvCxnSpPr>
-              <p:cNvPr id="73" name="Straight Connector 72">
-                <a:extLst>
-                  <a:ext uri="{FF2B5EF4-FFF2-40B4-BE49-F238E27FC236}">
-                    <a16:creationId xmlns:a16="http://schemas.microsoft.com/office/drawing/2014/main" id="{35E59CC8-BC20-FABA-2EEB-CF65C49A7776}"/>
-                  </a:ext>
-                </a:extLst>
-              </p:cNvPr>
-              <p:cNvCxnSpPr>
-                <a:cxnSpLocks/>
-              </p:cNvCxnSpPr>
-              <p:nvPr/>
-            </p:nvCxnSpPr>
-            <p:spPr>
-              <a:xfrm>
-                <a:off x="7624588" y="3470954"/>
-                <a:ext cx="198763" cy="0"/>
-              </a:xfrm>
-              <a:prstGeom prst="line">
-                <a:avLst/>
-              </a:prstGeom>
-              <a:ln>
-                <a:solidFill>
-                  <a:schemeClr val="tx1"/>
-                </a:solidFill>
-              </a:ln>
-            </p:spPr>
-            <p:style>
-              <a:lnRef idx="1">
-                <a:schemeClr val="accent1"/>
-              </a:lnRef>
-              <a:fillRef idx="0">
-                <a:schemeClr val="accent1"/>
-              </a:fillRef>
-              <a:effectRef idx="0">
-                <a:schemeClr val="accent1"/>
-              </a:effectRef>
-              <a:fontRef idx="minor">
-                <a:schemeClr val="tx1"/>
-              </a:fontRef>
-            </p:style>
-          </p:cxnSp>
-          <p:cxnSp>
-            <p:nvCxnSpPr>
-              <p:cNvPr id="74" name="Straight Connector 73">
-                <a:extLst>
-                  <a:ext uri="{FF2B5EF4-FFF2-40B4-BE49-F238E27FC236}">
-                    <a16:creationId xmlns:a16="http://schemas.microsoft.com/office/drawing/2014/main" id="{AE1E8B4B-EE1B-BA3F-BB87-9948A54C1EC6}"/>
-                  </a:ext>
-                </a:extLst>
-              </p:cNvPr>
-              <p:cNvCxnSpPr>
-                <a:cxnSpLocks/>
-              </p:cNvCxnSpPr>
-              <p:nvPr/>
-            </p:nvCxnSpPr>
-            <p:spPr>
-              <a:xfrm flipV="1">
-                <a:off x="7624588" y="3470954"/>
-                <a:ext cx="0" cy="528514"/>
-              </a:xfrm>
-              <a:prstGeom prst="line">
-                <a:avLst/>
-              </a:prstGeom>
-              <a:ln>
-                <a:solidFill>
-                  <a:schemeClr val="tx1"/>
-                </a:solidFill>
-              </a:ln>
-            </p:spPr>
-            <p:style>
-              <a:lnRef idx="1">
-                <a:schemeClr val="accent1"/>
-              </a:lnRef>
-              <a:fillRef idx="0">
-                <a:schemeClr val="accent1"/>
-              </a:fillRef>
-              <a:effectRef idx="0">
-                <a:schemeClr val="accent1"/>
-              </a:effectRef>
-              <a:fontRef idx="minor">
-                <a:schemeClr val="tx1"/>
-              </a:fontRef>
-            </p:style>
-          </p:cxnSp>
-          <p:sp>
-            <p:nvSpPr>
-              <p:cNvPr id="75" name="Explosion: 14 Points 74">
-                <a:extLst>
-                  <a:ext uri="{FF2B5EF4-FFF2-40B4-BE49-F238E27FC236}">
-                    <a16:creationId xmlns:a16="http://schemas.microsoft.com/office/drawing/2014/main" id="{CE35CE4B-1D00-E987-BB65-B802FB896D63}"/>
-                  </a:ext>
-                </a:extLst>
-              </p:cNvPr>
-              <p:cNvSpPr/>
-              <p:nvPr/>
-            </p:nvSpPr>
-            <p:spPr>
-              <a:xfrm>
-                <a:off x="5963418" y="2490244"/>
-                <a:ext cx="1199936" cy="1122019"/>
-              </a:xfrm>
-              <a:prstGeom prst="irregularSeal2">
-                <a:avLst/>
-              </a:prstGeom>
-              <a:solidFill>
-                <a:schemeClr val="bg1"/>
-              </a:solidFill>
-              <a:ln>
-                <a:solidFill>
-                  <a:schemeClr val="tx1"/>
-                </a:solidFill>
-              </a:ln>
-            </p:spPr>
-            <p:style>
-              <a:lnRef idx="2">
-                <a:schemeClr val="accent1">
-                  <a:shade val="50000"/>
-                </a:schemeClr>
-              </a:lnRef>
-              <a:fillRef idx="1">
-                <a:schemeClr val="accent1"/>
-              </a:fillRef>
-              <a:effectRef idx="0">
-                <a:schemeClr val="accent1"/>
-              </a:effectRef>
-              <a:fontRef idx="minor">
-                <a:schemeClr val="lt1"/>
-              </a:fontRef>
-            </p:style>
-            <p:txBody>
-              <a:bodyPr rtlCol="0" anchor="ctr"/>
-              <a:lstStyle/>
-              <a:p>
-                <a:pPr algn="ctr"/>
-                <a:endParaRPr lang="en-GB"/>
-              </a:p>
-            </p:txBody>
-          </p:sp>
         </p:grpSp>
         <p:sp>
           <p:nvSpPr>
-            <p:cNvPr id="84" name="TextBox 83">
+            <p:cNvPr id="70" name="TextBox 69">
               <a:extLst>
                 <a:ext uri="{FF2B5EF4-FFF2-40B4-BE49-F238E27FC236}">
-                  <a16:creationId xmlns:a16="http://schemas.microsoft.com/office/drawing/2014/main" id="{9DEFD3D7-1B0F-6DD3-2774-65CEDC3272DC}"/>
+                  <a16:creationId xmlns:a16="http://schemas.microsoft.com/office/drawing/2014/main" id="{70F23108-D971-2574-1F3C-E1F66E69EA34}"/>
                 </a:ext>
               </a:extLst>
             </p:cNvPr>
@@ -20103,8 +19940,8 @@
           </p:nvSpPr>
           <p:spPr>
             <a:xfrm>
-              <a:off x="4017326" y="3321878"/>
-              <a:ext cx="386456" cy="276999"/>
+              <a:off x="7777714" y="2858531"/>
+              <a:ext cx="327334" cy="369332"/>
             </a:xfrm>
             <a:prstGeom prst="rect">
               <a:avLst/>
@@ -20112,24 +19949,278 @@
             <a:noFill/>
           </p:spPr>
           <p:txBody>
-            <a:bodyPr wrap="square" rtlCol="0">
+            <a:bodyPr wrap="none" rtlCol="0">
               <a:spAutoFit/>
             </a:bodyPr>
             <a:lstStyle/>
             <a:p>
-              <a:pPr algn="ctr"/>
               <a:r>
-                <a:rPr lang="en-GB" sz="1200" i="1" dirty="0"/>
-                <a:t>T</a:t>
-              </a:r>
-              <a:r>
-                <a:rPr lang="en-GB" sz="1200" i="1" baseline="-25000" dirty="0"/>
-                <a:t>H</a:t>
+                <a:rPr lang="en-GB" dirty="0"/>
+                <a:t>D</a:t>
               </a:r>
             </a:p>
           </p:txBody>
         </p:sp>
+        <p:sp>
+          <p:nvSpPr>
+            <p:cNvPr id="71" name="TextBox 70">
+              <a:extLst>
+                <a:ext uri="{FF2B5EF4-FFF2-40B4-BE49-F238E27FC236}">
+                  <a16:creationId xmlns:a16="http://schemas.microsoft.com/office/drawing/2014/main" id="{B1FFB122-B422-9290-913F-D5B8707F4BB6}"/>
+                </a:ext>
+              </a:extLst>
+            </p:cNvPr>
+            <p:cNvSpPr txBox="1"/>
+            <p:nvPr/>
+          </p:nvSpPr>
+          <p:spPr>
+            <a:xfrm>
+              <a:off x="8087675" y="2858531"/>
+              <a:ext cx="340158" cy="369332"/>
+            </a:xfrm>
+            <a:prstGeom prst="rect">
+              <a:avLst/>
+            </a:prstGeom>
+            <a:noFill/>
+          </p:spPr>
+          <p:txBody>
+            <a:bodyPr wrap="none" rtlCol="0">
+              <a:spAutoFit/>
+            </a:bodyPr>
+            <a:lstStyle/>
+            <a:p>
+              <a:pPr algn="r"/>
+              <a:r>
+                <a:rPr lang="en-GB" dirty="0"/>
+                <a:t>Q</a:t>
+              </a:r>
+            </a:p>
+          </p:txBody>
+        </p:sp>
+        <p:cxnSp>
+          <p:nvCxnSpPr>
+            <p:cNvPr id="72" name="Straight Connector 71">
+              <a:extLst>
+                <a:ext uri="{FF2B5EF4-FFF2-40B4-BE49-F238E27FC236}">
+                  <a16:creationId xmlns:a16="http://schemas.microsoft.com/office/drawing/2014/main" id="{A15E97F6-0DC9-D582-27A9-AB97B249F586}"/>
+                </a:ext>
+              </a:extLst>
+            </p:cNvPr>
+            <p:cNvCxnSpPr>
+              <a:cxnSpLocks/>
+            </p:cNvCxnSpPr>
+            <p:nvPr/>
+          </p:nvCxnSpPr>
+          <p:spPr>
+            <a:xfrm>
+              <a:off x="8410460" y="3034919"/>
+              <a:ext cx="748736" cy="0"/>
+            </a:xfrm>
+            <a:prstGeom prst="line">
+              <a:avLst/>
+            </a:prstGeom>
+            <a:ln>
+              <a:solidFill>
+                <a:schemeClr val="tx1"/>
+              </a:solidFill>
+            </a:ln>
+          </p:spPr>
+          <p:style>
+            <a:lnRef idx="1">
+              <a:schemeClr val="accent1"/>
+            </a:lnRef>
+            <a:fillRef idx="0">
+              <a:schemeClr val="accent1"/>
+            </a:fillRef>
+            <a:effectRef idx="0">
+              <a:schemeClr val="accent1"/>
+            </a:effectRef>
+            <a:fontRef idx="minor">
+              <a:schemeClr val="tx1"/>
+            </a:fontRef>
+          </p:style>
+        </p:cxnSp>
+        <p:cxnSp>
+          <p:nvCxnSpPr>
+            <p:cNvPr id="73" name="Straight Connector 72">
+              <a:extLst>
+                <a:ext uri="{FF2B5EF4-FFF2-40B4-BE49-F238E27FC236}">
+                  <a16:creationId xmlns:a16="http://schemas.microsoft.com/office/drawing/2014/main" id="{35E59CC8-BC20-FABA-2EEB-CF65C49A7776}"/>
+                </a:ext>
+              </a:extLst>
+            </p:cNvPr>
+            <p:cNvCxnSpPr>
+              <a:cxnSpLocks/>
+            </p:cNvCxnSpPr>
+            <p:nvPr/>
+          </p:nvCxnSpPr>
+          <p:spPr>
+            <a:xfrm>
+              <a:off x="7624588" y="3470954"/>
+              <a:ext cx="198763" cy="0"/>
+            </a:xfrm>
+            <a:prstGeom prst="line">
+              <a:avLst/>
+            </a:prstGeom>
+            <a:ln>
+              <a:solidFill>
+                <a:schemeClr val="tx1"/>
+              </a:solidFill>
+            </a:ln>
+          </p:spPr>
+          <p:style>
+            <a:lnRef idx="1">
+              <a:schemeClr val="accent1"/>
+            </a:lnRef>
+            <a:fillRef idx="0">
+              <a:schemeClr val="accent1"/>
+            </a:fillRef>
+            <a:effectRef idx="0">
+              <a:schemeClr val="accent1"/>
+            </a:effectRef>
+            <a:fontRef idx="minor">
+              <a:schemeClr val="tx1"/>
+            </a:fontRef>
+          </p:style>
+        </p:cxnSp>
+        <p:cxnSp>
+          <p:nvCxnSpPr>
+            <p:cNvPr id="74" name="Straight Connector 73">
+              <a:extLst>
+                <a:ext uri="{FF2B5EF4-FFF2-40B4-BE49-F238E27FC236}">
+                  <a16:creationId xmlns:a16="http://schemas.microsoft.com/office/drawing/2014/main" id="{AE1E8B4B-EE1B-BA3F-BB87-9948A54C1EC6}"/>
+                </a:ext>
+              </a:extLst>
+            </p:cNvPr>
+            <p:cNvCxnSpPr>
+              <a:cxnSpLocks/>
+            </p:cNvCxnSpPr>
+            <p:nvPr/>
+          </p:nvCxnSpPr>
+          <p:spPr>
+            <a:xfrm flipV="1">
+              <a:off x="7624588" y="3470954"/>
+              <a:ext cx="0" cy="528514"/>
+            </a:xfrm>
+            <a:prstGeom prst="line">
+              <a:avLst/>
+            </a:prstGeom>
+            <a:ln>
+              <a:solidFill>
+                <a:schemeClr val="tx1"/>
+              </a:solidFill>
+            </a:ln>
+          </p:spPr>
+          <p:style>
+            <a:lnRef idx="1">
+              <a:schemeClr val="accent1"/>
+            </a:lnRef>
+            <a:fillRef idx="0">
+              <a:schemeClr val="accent1"/>
+            </a:fillRef>
+            <a:effectRef idx="0">
+              <a:schemeClr val="accent1"/>
+            </a:effectRef>
+            <a:fontRef idx="minor">
+              <a:schemeClr val="tx1"/>
+            </a:fontRef>
+          </p:style>
+        </p:cxnSp>
+        <p:sp>
+          <p:nvSpPr>
+            <p:cNvPr id="75" name="Explosion: 14 Points 74">
+              <a:extLst>
+                <a:ext uri="{FF2B5EF4-FFF2-40B4-BE49-F238E27FC236}">
+                  <a16:creationId xmlns:a16="http://schemas.microsoft.com/office/drawing/2014/main" id="{CE35CE4B-1D00-E987-BB65-B802FB896D63}"/>
+                </a:ext>
+              </a:extLst>
+            </p:cNvPr>
+            <p:cNvSpPr/>
+            <p:nvPr/>
+          </p:nvSpPr>
+          <p:spPr>
+            <a:xfrm>
+              <a:off x="5931668" y="2490244"/>
+              <a:ext cx="1199936" cy="1122019"/>
+            </a:xfrm>
+            <a:prstGeom prst="irregularSeal2">
+              <a:avLst/>
+            </a:prstGeom>
+            <a:solidFill>
+              <a:schemeClr val="bg1"/>
+            </a:solidFill>
+            <a:ln>
+              <a:solidFill>
+                <a:schemeClr val="tx1"/>
+              </a:solidFill>
+            </a:ln>
+          </p:spPr>
+          <p:style>
+            <a:lnRef idx="2">
+              <a:schemeClr val="accent1">
+                <a:shade val="50000"/>
+              </a:schemeClr>
+            </a:lnRef>
+            <a:fillRef idx="1">
+              <a:schemeClr val="accent1"/>
+            </a:fillRef>
+            <a:effectRef idx="0">
+              <a:schemeClr val="accent1"/>
+            </a:effectRef>
+            <a:fontRef idx="minor">
+              <a:schemeClr val="lt1"/>
+            </a:fontRef>
+          </p:style>
+          <p:txBody>
+            <a:bodyPr rtlCol="0" anchor="ctr"/>
+            <a:lstStyle/>
+            <a:p>
+              <a:pPr algn="ctr"/>
+              <a:endParaRPr lang="en-GB"/>
+            </a:p>
+          </p:txBody>
+        </p:sp>
       </p:grpSp>
+      <p:sp>
+        <p:nvSpPr>
+          <p:cNvPr id="84" name="TextBox 83">
+            <a:extLst>
+              <a:ext uri="{FF2B5EF4-FFF2-40B4-BE49-F238E27FC236}">
+                <a16:creationId xmlns:a16="http://schemas.microsoft.com/office/drawing/2014/main" id="{9DEFD3D7-1B0F-6DD3-2774-65CEDC3272DC}"/>
+              </a:ext>
+            </a:extLst>
+          </p:cNvPr>
+          <p:cNvSpPr txBox="1"/>
+          <p:nvPr/>
+        </p:nvSpPr>
+        <p:spPr>
+          <a:xfrm>
+            <a:off x="2486620" y="3718118"/>
+            <a:ext cx="386456" cy="276999"/>
+          </a:xfrm>
+          <a:prstGeom prst="rect">
+            <a:avLst/>
+          </a:prstGeom>
+          <a:noFill/>
+        </p:spPr>
+        <p:txBody>
+          <a:bodyPr wrap="square" rtlCol="0">
+            <a:spAutoFit/>
+          </a:bodyPr>
+          <a:lstStyle/>
+          <a:p>
+            <a:pPr algn="ctr"/>
+            <a:r>
+              <a:rPr lang="en-GB" sz="1200" i="1" dirty="0"/>
+              <a:t>T</a:t>
+            </a:r>
+            <a:r>
+              <a:rPr lang="en-GB" sz="1200" i="1" baseline="-25000" dirty="0"/>
+              <a:t>H</a:t>
+            </a:r>
+          </a:p>
+        </p:txBody>
+      </p:sp>
       <mc:AlternateContent xmlns:mc="http://schemas.openxmlformats.org/markup-compatibility/2006" xmlns:a14="http://schemas.microsoft.com/office/drawing/2010/main">
         <mc:Choice Requires="a14">
           <p:sp>
@@ -20426,7 +20517,7 @@
                 <a:avLst/>
               </a:prstGeom>
               <a:blipFill>
-                <a:blip r:embed="rId2"/>
+                <a:blip r:embed="rId3"/>
                 <a:stretch>
                   <a:fillRect l="-1116" t="-794" r="-558" b="-1587"/>
                 </a:stretch>
@@ -20488,6 +20579,132 @@
               <a:t>an issue.</a:t>
             </a:r>
             <a:endParaRPr lang="en-GB" dirty="0"/>
+          </a:p>
+        </p:txBody>
+      </p:sp>
+      <p:cxnSp>
+        <p:nvCxnSpPr>
+          <p:cNvPr id="3" name="Straight Connector 2">
+            <a:extLst>
+              <a:ext uri="{FF2B5EF4-FFF2-40B4-BE49-F238E27FC236}">
+                <a16:creationId xmlns:a16="http://schemas.microsoft.com/office/drawing/2014/main" id="{BE1A5A41-3A9C-C7AC-1EA5-8743F2017855}"/>
+              </a:ext>
+            </a:extLst>
+          </p:cNvPr>
+          <p:cNvCxnSpPr>
+            <a:cxnSpLocks/>
+          </p:cNvCxnSpPr>
+          <p:nvPr/>
+        </p:nvCxnSpPr>
+        <p:spPr>
+          <a:xfrm>
+            <a:off x="4214064" y="3379703"/>
+            <a:ext cx="0" cy="2228617"/>
+          </a:xfrm>
+          <a:prstGeom prst="line">
+            <a:avLst/>
+          </a:prstGeom>
+          <a:ln w="9525" cap="flat" cmpd="sng" algn="ctr">
+            <a:solidFill>
+              <a:schemeClr val="dk1"/>
+            </a:solidFill>
+            <a:prstDash val="dash"/>
+            <a:round/>
+            <a:headEnd type="none" w="med" len="med"/>
+            <a:tailEnd type="none" w="med" len="med"/>
+          </a:ln>
+        </p:spPr>
+        <p:style>
+          <a:lnRef idx="0">
+            <a:scrgbClr r="0" g="0" b="0"/>
+          </a:lnRef>
+          <a:fillRef idx="0">
+            <a:scrgbClr r="0" g="0" b="0"/>
+          </a:fillRef>
+          <a:effectRef idx="0">
+            <a:scrgbClr r="0" g="0" b="0"/>
+          </a:effectRef>
+          <a:fontRef idx="minor">
+            <a:schemeClr val="tx1"/>
+          </a:fontRef>
+        </p:style>
+      </p:cxnSp>
+      <p:cxnSp>
+        <p:nvCxnSpPr>
+          <p:cNvPr id="5" name="Straight Arrow Connector 4">
+            <a:extLst>
+              <a:ext uri="{FF2B5EF4-FFF2-40B4-BE49-F238E27FC236}">
+                <a16:creationId xmlns:a16="http://schemas.microsoft.com/office/drawing/2014/main" id="{B8218072-D35C-0614-2172-4D152A1909B4}"/>
+              </a:ext>
+            </a:extLst>
+          </p:cNvPr>
+          <p:cNvCxnSpPr>
+            <a:cxnSpLocks/>
+          </p:cNvCxnSpPr>
+          <p:nvPr/>
+        </p:nvCxnSpPr>
+        <p:spPr>
+          <a:xfrm>
+            <a:off x="2491165" y="5563452"/>
+            <a:ext cx="1722899" cy="0"/>
+          </a:xfrm>
+          <a:prstGeom prst="straightConnector1">
+            <a:avLst/>
+          </a:prstGeom>
+          <a:ln w="19050">
+            <a:headEnd type="triangle"/>
+            <a:tailEnd type="triangle"/>
+          </a:ln>
+        </p:spPr>
+        <p:style>
+          <a:lnRef idx="1">
+            <a:schemeClr val="dk1"/>
+          </a:lnRef>
+          <a:fillRef idx="0">
+            <a:schemeClr val="dk1"/>
+          </a:fillRef>
+          <a:effectRef idx="0">
+            <a:schemeClr val="dk1"/>
+          </a:effectRef>
+          <a:fontRef idx="minor">
+            <a:schemeClr val="tx1"/>
+          </a:fontRef>
+        </p:style>
+      </p:cxnSp>
+      <p:sp>
+        <p:nvSpPr>
+          <p:cNvPr id="43" name="TextBox 42">
+            <a:extLst>
+              <a:ext uri="{FF2B5EF4-FFF2-40B4-BE49-F238E27FC236}">
+                <a16:creationId xmlns:a16="http://schemas.microsoft.com/office/drawing/2014/main" id="{E7275F69-1E61-63F7-49EF-F851B99AB05C}"/>
+              </a:ext>
+            </a:extLst>
+          </p:cNvPr>
+          <p:cNvSpPr txBox="1"/>
+          <p:nvPr/>
+        </p:nvSpPr>
+        <p:spPr>
+          <a:xfrm>
+            <a:off x="2487169" y="5275359"/>
+            <a:ext cx="1726895" cy="276999"/>
+          </a:xfrm>
+          <a:prstGeom prst="rect">
+            <a:avLst/>
+          </a:prstGeom>
+          <a:noFill/>
+        </p:spPr>
+        <p:txBody>
+          <a:bodyPr wrap="square" rtlCol="0">
+            <a:spAutoFit/>
+          </a:bodyPr>
+          <a:lstStyle/>
+          <a:p>
+            <a:pPr algn="ctr"/>
+            <a:r>
+              <a:rPr lang="en-GB" sz="1200" b="1" dirty="0"/>
+              <a:t>Arrival Time</a:t>
+            </a:r>
+            <a:endParaRPr lang="en-GB" sz="1200" b="1" i="1" baseline="-25000" dirty="0"/>
           </a:p>
         </p:txBody>
       </p:sp>
@@ -20710,19 +20927,19 @@
               <a:t>GF(2</a:t>
             </a:r>
             <a:r>
-              <a:rPr lang="en-GB" baseline="30000" dirty="0"/>
+              <a:rPr lang="en-GB" i="1" baseline="30000" dirty="0"/>
               <a:t>n</a:t>
             </a:r>
             <a:r>
               <a:rPr lang="en-GB" dirty="0"/>
-              <a:t>) mathematics!</a:t>
+              <a:t>) mathematics! (GF = Galois Field)</a:t>
             </a:r>
           </a:p>
           <a:p>
             <a:pPr lvl="3"/>
             <a:r>
               <a:rPr lang="en-GB" dirty="0"/>
-              <a:t>Pseudo random sequences</a:t>
+              <a:t>Here, used for pseudo random sequences (fake random numbers on a computer)</a:t>
             </a:r>
           </a:p>
         </p:txBody>
@@ -35344,6 +35561,42 @@
           <a:chExt cx="0" cy="0"/>
         </a:xfrm>
       </p:grpSpPr>
+      <p:pic>
+        <p:nvPicPr>
+          <p:cNvPr id="3" name="Picture 2" descr="A screenshot of a computer&#10;&#10;Description automatically generated">
+            <a:extLst>
+              <a:ext uri="{FF2B5EF4-FFF2-40B4-BE49-F238E27FC236}">
+                <a16:creationId xmlns:a16="http://schemas.microsoft.com/office/drawing/2014/main" id="{52823853-7710-A8A9-545A-C0426EA149AA}"/>
+              </a:ext>
+            </a:extLst>
+          </p:cNvPr>
+          <p:cNvPicPr>
+            <a:picLocks noChangeAspect="1"/>
+          </p:cNvPicPr>
+          <p:nvPr/>
+        </p:nvPicPr>
+        <p:blipFill>
+          <a:blip r:embed="rId2">
+            <a:extLst>
+              <a:ext uri="{28A0092B-C50C-407E-A947-70E740481C1C}">
+                <a14:useLocalDpi xmlns:a14="http://schemas.microsoft.com/office/drawing/2010/main" val="0"/>
+              </a:ext>
+            </a:extLst>
+          </a:blip>
+          <a:stretch>
+            <a:fillRect/>
+          </a:stretch>
+        </p:blipFill>
+        <p:spPr>
+          <a:xfrm>
+            <a:off x="3285512" y="1700382"/>
+            <a:ext cx="2534821" cy="1728618"/>
+          </a:xfrm>
+          <a:prstGeom prst="rect">
+            <a:avLst/>
+          </a:prstGeom>
+        </p:spPr>
+      </p:pic>
       <p:sp>
         <p:nvSpPr>
           <p:cNvPr id="4" name="Title 3">
@@ -37755,42 +38008,6 @@
       </p:grpSp>
       <p:pic>
         <p:nvPicPr>
-          <p:cNvPr id="37" name="Picture 36" descr="A screenshot of a video game&#10;&#10;Description automatically generated with medium confidence">
-            <a:extLst>
-              <a:ext uri="{FF2B5EF4-FFF2-40B4-BE49-F238E27FC236}">
-                <a16:creationId xmlns:a16="http://schemas.microsoft.com/office/drawing/2014/main" id="{E54B2C79-5357-E605-8A03-CBCD293716BE}"/>
-              </a:ext>
-            </a:extLst>
-          </p:cNvPr>
-          <p:cNvPicPr>
-            <a:picLocks noChangeAspect="1"/>
-          </p:cNvPicPr>
-          <p:nvPr/>
-        </p:nvPicPr>
-        <p:blipFill>
-          <a:blip r:embed="rId2">
-            <a:extLst>
-              <a:ext uri="{28A0092B-C50C-407E-A947-70E740481C1C}">
-                <a14:useLocalDpi xmlns:a14="http://schemas.microsoft.com/office/drawing/2010/main" val="0"/>
-              </a:ext>
-            </a:extLst>
-          </a:blip>
-          <a:stretch>
-            <a:fillRect/>
-          </a:stretch>
-        </p:blipFill>
-        <p:spPr>
-          <a:xfrm>
-            <a:off x="3287413" y="1672552"/>
-            <a:ext cx="2536022" cy="1835228"/>
-          </a:xfrm>
-          <a:prstGeom prst="rect">
-            <a:avLst/>
-          </a:prstGeom>
-        </p:spPr>
-      </p:pic>
-      <p:pic>
-        <p:nvPicPr>
           <p:cNvPr id="39" name="Picture 38" descr="A screenshot of a computer screen&#10;&#10;Description automatically generated with low confidence">
             <a:extLst>
               <a:ext uri="{FF2B5EF4-FFF2-40B4-BE49-F238E27FC236}">
@@ -38277,7 +38494,7 @@
         <p:spPr>
           <a:xfrm>
             <a:off x="2707640" y="1389681"/>
-            <a:ext cx="1330960" cy="373079"/>
+            <a:ext cx="1372235" cy="430229"/>
           </a:xfrm>
           <a:custGeom>
             <a:avLst/>
@@ -38294,6 +38511,18 @@
               <a:gd name="connsiteY1" fmla="*/ 2239 h 373079"/>
               <a:gd name="connsiteX2" fmla="*/ 1330960 w 1330960"/>
               <a:gd name="connsiteY2" fmla="*/ 373079 h 373079"/>
+              <a:gd name="connsiteX0" fmla="*/ 0 w 1372235"/>
+              <a:gd name="connsiteY0" fmla="*/ 246079 h 430229"/>
+              <a:gd name="connsiteX1" fmla="*/ 660400 w 1372235"/>
+              <a:gd name="connsiteY1" fmla="*/ 2239 h 430229"/>
+              <a:gd name="connsiteX2" fmla="*/ 1372235 w 1372235"/>
+              <a:gd name="connsiteY2" fmla="*/ 430229 h 430229"/>
+              <a:gd name="connsiteX0" fmla="*/ 0 w 1372235"/>
+              <a:gd name="connsiteY0" fmla="*/ 246079 h 430229"/>
+              <a:gd name="connsiteX1" fmla="*/ 660400 w 1372235"/>
+              <a:gd name="connsiteY1" fmla="*/ 2239 h 430229"/>
+              <a:gd name="connsiteX2" fmla="*/ 1372235 w 1372235"/>
+              <a:gd name="connsiteY2" fmla="*/ 430229 h 430229"/>
             </a:gdLst>
             <a:ahLst/>
             <a:cxnLst>
@@ -38309,7 +38538,7 @@
             </a:cxnLst>
             <a:rect l="l" t="t" r="r" b="b"/>
             <a:pathLst>
-              <a:path w="1330960" h="373079">
+              <a:path w="1372235" h="430229">
                 <a:moveTo>
                   <a:pt x="0" y="246079"/>
                 </a:moveTo>
@@ -38320,8 +38549,8 @@
                 </a:cubicBezTo>
                 <a:cubicBezTo>
                   <a:pt x="882227" y="23406"/>
-                  <a:pt x="1135380" y="289259"/>
-                  <a:pt x="1330960" y="373079"/>
+                  <a:pt x="1214755" y="270209"/>
+                  <a:pt x="1372235" y="430229"/>
                 </a:cubicBezTo>
               </a:path>
             </a:pathLst>
@@ -38362,7 +38591,7 @@
           <a:lstStyle/>
           <a:p>
             <a:pPr algn="ctr"/>
-            <a:endParaRPr lang="en-GB"/>
+            <a:endParaRPr lang="en-GB" dirty="0"/>
           </a:p>
         </p:txBody>
       </p:sp>

--- a/docs/Training/Training_Material.pptx
+++ b/docs/Training/Training_Material.pptx
@@ -5,7 +5,7 @@
     <p:sldMasterId id="2147483648" r:id="rId1"/>
   </p:sldMasterIdLst>
   <p:notesMasterIdLst>
-    <p:notesMasterId r:id="rId21"/>
+    <p:notesMasterId r:id="rId25"/>
   </p:notesMasterIdLst>
   <p:sldIdLst>
     <p:sldId id="279" r:id="rId2"/>
@@ -27,6 +27,10 @@
     <p:sldId id="262" r:id="rId18"/>
     <p:sldId id="264" r:id="rId19"/>
     <p:sldId id="278" r:id="rId20"/>
+    <p:sldId id="283" r:id="rId21"/>
+    <p:sldId id="284" r:id="rId22"/>
+    <p:sldId id="285" r:id="rId23"/>
+    <p:sldId id="286" r:id="rId24"/>
   </p:sldIdLst>
   <p:sldSz cx="12192000" cy="6858000"/>
   <p:notesSz cx="6858000" cy="9144000"/>
@@ -11283,7 +11287,7 @@
           <a:p>
             <a:fld id="{30B3C7E8-375D-401E-BEC1-10CE8D38D293}" type="datetimeFigureOut">
               <a:rPr lang="en-GB" smtClean="0"/>
-              <a:t>08/07/2023</a:t>
+              <a:t>30/07/2023</a:t>
             </a:fld>
             <a:endParaRPr lang="en-GB"/>
           </a:p>
@@ -12244,7 +12248,7 @@
           <a:p>
             <a:fld id="{17AE5EF1-79CE-4930-A913-038157A37917}" type="datetimeFigureOut">
               <a:rPr lang="en-GB" smtClean="0"/>
-              <a:t>08/07/2023</a:t>
+              <a:t>30/07/2023</a:t>
             </a:fld>
             <a:endParaRPr lang="en-GB"/>
           </a:p>
@@ -12444,7 +12448,7 @@
           <a:p>
             <a:fld id="{17AE5EF1-79CE-4930-A913-038157A37917}" type="datetimeFigureOut">
               <a:rPr lang="en-GB" smtClean="0"/>
-              <a:t>08/07/2023</a:t>
+              <a:t>30/07/2023</a:t>
             </a:fld>
             <a:endParaRPr lang="en-GB"/>
           </a:p>
@@ -12654,7 +12658,7 @@
           <a:p>
             <a:fld id="{17AE5EF1-79CE-4930-A913-038157A37917}" type="datetimeFigureOut">
               <a:rPr lang="en-GB" smtClean="0"/>
-              <a:t>08/07/2023</a:t>
+              <a:t>30/07/2023</a:t>
             </a:fld>
             <a:endParaRPr lang="en-GB"/>
           </a:p>
@@ -12854,7 +12858,7 @@
           <a:p>
             <a:fld id="{17AE5EF1-79CE-4930-A913-038157A37917}" type="datetimeFigureOut">
               <a:rPr lang="en-GB" smtClean="0"/>
-              <a:t>08/07/2023</a:t>
+              <a:t>30/07/2023</a:t>
             </a:fld>
             <a:endParaRPr lang="en-GB"/>
           </a:p>
@@ -13130,7 +13134,7 @@
           <a:p>
             <a:fld id="{17AE5EF1-79CE-4930-A913-038157A37917}" type="datetimeFigureOut">
               <a:rPr lang="en-GB" smtClean="0"/>
-              <a:t>08/07/2023</a:t>
+              <a:t>30/07/2023</a:t>
             </a:fld>
             <a:endParaRPr lang="en-GB"/>
           </a:p>
@@ -13398,7 +13402,7 @@
           <a:p>
             <a:fld id="{17AE5EF1-79CE-4930-A913-038157A37917}" type="datetimeFigureOut">
               <a:rPr lang="en-GB" smtClean="0"/>
-              <a:t>08/07/2023</a:t>
+              <a:t>30/07/2023</a:t>
             </a:fld>
             <a:endParaRPr lang="en-GB"/>
           </a:p>
@@ -13813,7 +13817,7 @@
           <a:p>
             <a:fld id="{17AE5EF1-79CE-4930-A913-038157A37917}" type="datetimeFigureOut">
               <a:rPr lang="en-GB" smtClean="0"/>
-              <a:t>08/07/2023</a:t>
+              <a:t>30/07/2023</a:t>
             </a:fld>
             <a:endParaRPr lang="en-GB"/>
           </a:p>
@@ -13955,7 +13959,7 @@
           <a:p>
             <a:fld id="{17AE5EF1-79CE-4930-A913-038157A37917}" type="datetimeFigureOut">
               <a:rPr lang="en-GB" smtClean="0"/>
-              <a:t>08/07/2023</a:t>
+              <a:t>30/07/2023</a:t>
             </a:fld>
             <a:endParaRPr lang="en-GB"/>
           </a:p>
@@ -14068,7 +14072,7 @@
           <a:p>
             <a:fld id="{17AE5EF1-79CE-4930-A913-038157A37917}" type="datetimeFigureOut">
               <a:rPr lang="en-GB" smtClean="0"/>
-              <a:t>08/07/2023</a:t>
+              <a:t>30/07/2023</a:t>
             </a:fld>
             <a:endParaRPr lang="en-GB"/>
           </a:p>
@@ -14381,7 +14385,7 @@
           <a:p>
             <a:fld id="{17AE5EF1-79CE-4930-A913-038157A37917}" type="datetimeFigureOut">
               <a:rPr lang="en-GB" smtClean="0"/>
-              <a:t>08/07/2023</a:t>
+              <a:t>30/07/2023</a:t>
             </a:fld>
             <a:endParaRPr lang="en-GB"/>
           </a:p>
@@ -14670,7 +14674,7 @@
           <a:p>
             <a:fld id="{17AE5EF1-79CE-4930-A913-038157A37917}" type="datetimeFigureOut">
               <a:rPr lang="en-GB" smtClean="0"/>
-              <a:t>08/07/2023</a:t>
+              <a:t>30/07/2023</a:t>
             </a:fld>
             <a:endParaRPr lang="en-GB"/>
           </a:p>
@@ -14913,7 +14917,7 @@
           <a:p>
             <a:fld id="{17AE5EF1-79CE-4930-A913-038157A37917}" type="datetimeFigureOut">
               <a:rPr lang="en-GB" smtClean="0"/>
-              <a:t>08/07/2023</a:t>
+              <a:t>30/07/2023</a:t>
             </a:fld>
             <a:endParaRPr lang="en-GB"/>
           </a:p>
@@ -27817,6 +27821,4274 @@
 </p:sld>
 </file>
 
+<file path=ppt/slides/slide20.xml><?xml version="1.0" encoding="utf-8"?>
+<p:sld xmlns:a="http://schemas.openxmlformats.org/drawingml/2006/main" xmlns:r="http://schemas.openxmlformats.org/officeDocument/2006/relationships" xmlns:p="http://schemas.openxmlformats.org/presentationml/2006/main">
+  <p:cSld>
+    <p:spTree>
+      <p:nvGrpSpPr>
+        <p:cNvPr id="1" name=""/>
+        <p:cNvGrpSpPr/>
+        <p:nvPr/>
+      </p:nvGrpSpPr>
+      <p:grpSpPr>
+        <a:xfrm>
+          <a:off x="0" y="0"/>
+          <a:ext cx="0" cy="0"/>
+          <a:chOff x="0" y="0"/>
+          <a:chExt cx="0" cy="0"/>
+        </a:xfrm>
+      </p:grpSpPr>
+      <p:sp>
+        <p:nvSpPr>
+          <p:cNvPr id="5" name="Title 4">
+            <a:extLst>
+              <a:ext uri="{FF2B5EF4-FFF2-40B4-BE49-F238E27FC236}">
+                <a16:creationId xmlns:a16="http://schemas.microsoft.com/office/drawing/2014/main" id="{FD83EE34-1B87-06FE-C3AD-BCADEFBADE29}"/>
+              </a:ext>
+            </a:extLst>
+          </p:cNvPr>
+          <p:cNvSpPr>
+            <a:spLocks noGrp="1"/>
+          </p:cNvSpPr>
+          <p:nvPr>
+            <p:ph type="title"/>
+          </p:nvPr>
+        </p:nvSpPr>
+        <p:spPr/>
+        <p:txBody>
+          <a:bodyPr/>
+          <a:lstStyle/>
+          <a:p>
+            <a:r>
+              <a:rPr lang="en-GB" dirty="0"/>
+              <a:t>Appendices</a:t>
+            </a:r>
+          </a:p>
+        </p:txBody>
+      </p:sp>
+      <p:sp>
+        <p:nvSpPr>
+          <p:cNvPr id="6" name="Text Placeholder 5">
+            <a:extLst>
+              <a:ext uri="{FF2B5EF4-FFF2-40B4-BE49-F238E27FC236}">
+                <a16:creationId xmlns:a16="http://schemas.microsoft.com/office/drawing/2014/main" id="{E7F64F91-A454-0AD9-CA35-5EFD249C7539}"/>
+              </a:ext>
+            </a:extLst>
+          </p:cNvPr>
+          <p:cNvSpPr>
+            <a:spLocks noGrp="1"/>
+          </p:cNvSpPr>
+          <p:nvPr>
+            <p:ph type="body" idx="1"/>
+          </p:nvPr>
+        </p:nvSpPr>
+        <p:spPr/>
+        <p:txBody>
+          <a:bodyPr/>
+          <a:lstStyle/>
+          <a:p>
+            <a:endParaRPr lang="en-GB"/>
+          </a:p>
+        </p:txBody>
+      </p:sp>
+    </p:spTree>
+    <p:extLst>
+      <p:ext uri="{BB962C8B-B14F-4D97-AF65-F5344CB8AC3E}">
+        <p14:creationId xmlns:p14="http://schemas.microsoft.com/office/powerpoint/2010/main" val="2719169346"/>
+      </p:ext>
+    </p:extLst>
+  </p:cSld>
+  <p:clrMapOvr>
+    <a:masterClrMapping/>
+  </p:clrMapOvr>
+</p:sld>
+</file>
+
+<file path=ppt/slides/slide21.xml><?xml version="1.0" encoding="utf-8"?>
+<p:sld xmlns:a="http://schemas.openxmlformats.org/drawingml/2006/main" xmlns:r="http://schemas.openxmlformats.org/officeDocument/2006/relationships" xmlns:p="http://schemas.openxmlformats.org/presentationml/2006/main">
+  <p:cSld>
+    <p:spTree>
+      <p:nvGrpSpPr>
+        <p:cNvPr id="1" name=""/>
+        <p:cNvGrpSpPr/>
+        <p:nvPr/>
+      </p:nvGrpSpPr>
+      <p:grpSpPr>
+        <a:xfrm>
+          <a:off x="0" y="0"/>
+          <a:ext cx="0" cy="0"/>
+          <a:chOff x="0" y="0"/>
+          <a:chExt cx="0" cy="0"/>
+        </a:xfrm>
+      </p:grpSpPr>
+      <p:sp>
+        <p:nvSpPr>
+          <p:cNvPr id="4" name="Title 3">
+            <a:extLst>
+              <a:ext uri="{FF2B5EF4-FFF2-40B4-BE49-F238E27FC236}">
+                <a16:creationId xmlns:a16="http://schemas.microsoft.com/office/drawing/2014/main" id="{B8BA1503-C87F-16B1-DB08-048A56A9610D}"/>
+              </a:ext>
+            </a:extLst>
+          </p:cNvPr>
+          <p:cNvSpPr>
+            <a:spLocks noGrp="1"/>
+          </p:cNvSpPr>
+          <p:nvPr>
+            <p:ph type="title"/>
+          </p:nvPr>
+        </p:nvSpPr>
+        <p:spPr/>
+        <p:txBody>
+          <a:bodyPr/>
+          <a:lstStyle/>
+          <a:p>
+            <a:r>
+              <a:rPr lang="en-GB" dirty="0"/>
+              <a:t>2 Input Logic Gates</a:t>
+            </a:r>
+          </a:p>
+        </p:txBody>
+      </p:sp>
+      <mc:AlternateContent xmlns:mc="http://schemas.openxmlformats.org/markup-compatibility/2006">
+        <mc:Choice xmlns:a14="http://schemas.microsoft.com/office/drawing/2010/main" Requires="a14">
+          <p:graphicFrame>
+            <p:nvGraphicFramePr>
+              <p:cNvPr id="6" name="Table 6">
+                <a:extLst>
+                  <a:ext uri="{FF2B5EF4-FFF2-40B4-BE49-F238E27FC236}">
+                    <a16:creationId xmlns:a16="http://schemas.microsoft.com/office/drawing/2014/main" id="{C58E1A07-8C43-4539-9BC4-171BA0F472F6}"/>
+                  </a:ext>
+                </a:extLst>
+              </p:cNvPr>
+              <p:cNvGraphicFramePr>
+                <a:graphicFrameLocks noGrp="1"/>
+              </p:cNvGraphicFramePr>
+              <p:nvPr>
+                <p:ph idx="1"/>
+                <p:extLst>
+                  <p:ext uri="{D42A27DB-BD31-4B8C-83A1-F6EECF244321}">
+                    <p14:modId xmlns:p14="http://schemas.microsoft.com/office/powerpoint/2010/main" val="591288001"/>
+                  </p:ext>
+                </p:extLst>
+              </p:nvPr>
+            </p:nvGraphicFramePr>
+            <p:xfrm>
+              <a:off x="3093156" y="1825625"/>
+              <a:ext cx="8260651" cy="2227644"/>
+            </p:xfrm>
+            <a:graphic>
+              <a:graphicData uri="http://schemas.openxmlformats.org/drawingml/2006/table">
+                <a:tbl>
+                  <a:tblPr firstRow="1" bandRow="1">
+                    <a:tableStyleId>{5C22544A-7EE6-4342-B048-85BDC9FD1C3A}</a:tableStyleId>
+                  </a:tblPr>
+                  <a:tblGrid>
+                    <a:gridCol w="1180093">
+                      <a:extLst>
+                        <a:ext uri="{9D8B030D-6E8A-4147-A177-3AD203B41FA5}">
+                          <a16:colId xmlns:a16="http://schemas.microsoft.com/office/drawing/2014/main" val="268999974"/>
+                        </a:ext>
+                      </a:extLst>
+                    </a:gridCol>
+                    <a:gridCol w="1180093">
+                      <a:extLst>
+                        <a:ext uri="{9D8B030D-6E8A-4147-A177-3AD203B41FA5}">
+                          <a16:colId xmlns:a16="http://schemas.microsoft.com/office/drawing/2014/main" val="1318049050"/>
+                        </a:ext>
+                      </a:extLst>
+                    </a:gridCol>
+                    <a:gridCol w="1180093">
+                      <a:extLst>
+                        <a:ext uri="{9D8B030D-6E8A-4147-A177-3AD203B41FA5}">
+                          <a16:colId xmlns:a16="http://schemas.microsoft.com/office/drawing/2014/main" val="2292826030"/>
+                        </a:ext>
+                      </a:extLst>
+                    </a:gridCol>
+                    <a:gridCol w="1180093">
+                      <a:extLst>
+                        <a:ext uri="{9D8B030D-6E8A-4147-A177-3AD203B41FA5}">
+                          <a16:colId xmlns:a16="http://schemas.microsoft.com/office/drawing/2014/main" val="3005555885"/>
+                        </a:ext>
+                      </a:extLst>
+                    </a:gridCol>
+                    <a:gridCol w="1180093">
+                      <a:extLst>
+                        <a:ext uri="{9D8B030D-6E8A-4147-A177-3AD203B41FA5}">
+                          <a16:colId xmlns:a16="http://schemas.microsoft.com/office/drawing/2014/main" val="3172507302"/>
+                        </a:ext>
+                      </a:extLst>
+                    </a:gridCol>
+                    <a:gridCol w="1180093">
+                      <a:extLst>
+                        <a:ext uri="{9D8B030D-6E8A-4147-A177-3AD203B41FA5}">
+                          <a16:colId xmlns:a16="http://schemas.microsoft.com/office/drawing/2014/main" val="1347248038"/>
+                        </a:ext>
+                      </a:extLst>
+                    </a:gridCol>
+                    <a:gridCol w="1180093">
+                      <a:extLst>
+                        <a:ext uri="{9D8B030D-6E8A-4147-A177-3AD203B41FA5}">
+                          <a16:colId xmlns:a16="http://schemas.microsoft.com/office/drawing/2014/main" val="2733253339"/>
+                        </a:ext>
+                      </a:extLst>
+                    </a:gridCol>
+                  </a:tblGrid>
+                  <a:tr h="370840">
+                    <a:tc>
+                      <a:txBody>
+                        <a:bodyPr/>
+                        <a:lstStyle/>
+                        <a:p>
+                          <a:pPr algn="ctr"/>
+                          <a:r>
+                            <a:rPr lang="en-GB" dirty="0"/>
+                            <a:t>Inputs</a:t>
+                          </a:r>
+                        </a:p>
+                      </a:txBody>
+                      <a:tcPr anchor="ctr"/>
+                    </a:tc>
+                    <a:tc>
+                      <a:txBody>
+                        <a:bodyPr/>
+                        <a:lstStyle/>
+                        <a:p>
+                          <a:pPr algn="ctr"/>
+                          <a:r>
+                            <a:rPr lang="en-GB" dirty="0"/>
+                            <a:t>AND</a:t>
+                          </a:r>
+                        </a:p>
+                      </a:txBody>
+                      <a:tcPr anchor="ctr"/>
+                    </a:tc>
+                    <a:tc>
+                      <a:txBody>
+                        <a:bodyPr/>
+                        <a:lstStyle/>
+                        <a:p>
+                          <a:pPr algn="ctr"/>
+                          <a:r>
+                            <a:rPr lang="en-GB" dirty="0"/>
+                            <a:t>OR</a:t>
+                          </a:r>
+                        </a:p>
+                      </a:txBody>
+                      <a:tcPr anchor="ctr"/>
+                    </a:tc>
+                    <a:tc>
+                      <a:txBody>
+                        <a:bodyPr/>
+                        <a:lstStyle/>
+                        <a:p>
+                          <a:pPr algn="ctr"/>
+                          <a:r>
+                            <a:rPr lang="en-GB" dirty="0"/>
+                            <a:t>NAND</a:t>
+                          </a:r>
+                        </a:p>
+                      </a:txBody>
+                      <a:tcPr anchor="ctr"/>
+                    </a:tc>
+                    <a:tc>
+                      <a:txBody>
+                        <a:bodyPr/>
+                        <a:lstStyle/>
+                        <a:p>
+                          <a:pPr algn="ctr"/>
+                          <a:r>
+                            <a:rPr lang="en-GB" dirty="0"/>
+                            <a:t>NOR</a:t>
+                          </a:r>
+                        </a:p>
+                      </a:txBody>
+                      <a:tcPr anchor="ctr"/>
+                    </a:tc>
+                    <a:tc>
+                      <a:txBody>
+                        <a:bodyPr/>
+                        <a:lstStyle/>
+                        <a:p>
+                          <a:pPr algn="ctr"/>
+                          <a:r>
+                            <a:rPr lang="en-GB" dirty="0"/>
+                            <a:t>XOR / EOR</a:t>
+                          </a:r>
+                        </a:p>
+                      </a:txBody>
+                      <a:tcPr anchor="ctr"/>
+                    </a:tc>
+                    <a:tc>
+                      <a:txBody>
+                        <a:bodyPr/>
+                        <a:lstStyle/>
+                        <a:p>
+                          <a:pPr algn="ctr"/>
+                          <a:r>
+                            <a:rPr lang="en-GB" dirty="0"/>
+                            <a:t>XNOR</a:t>
+                          </a:r>
+                        </a:p>
+                      </a:txBody>
+                      <a:tcPr anchor="ctr"/>
+                    </a:tc>
+                    <a:extLst>
+                      <a:ext uri="{0D108BD9-81ED-4DB2-BD59-A6C34878D82A}">
+                        <a16:rowId xmlns:a16="http://schemas.microsoft.com/office/drawing/2014/main" val="3659613801"/>
+                      </a:ext>
+                    </a:extLst>
+                  </a:tr>
+                  <a:tr h="370840">
+                    <a:tc>
+                      <a:txBody>
+                        <a:bodyPr/>
+                        <a:lstStyle/>
+                        <a:p>
+                          <a:pPr algn="ctr"/>
+                          <a:r>
+                            <a:rPr lang="en-GB" dirty="0"/>
+                            <a:t>00</a:t>
+                          </a:r>
+                        </a:p>
+                      </a:txBody>
+                      <a:tcPr anchor="ctr"/>
+                    </a:tc>
+                    <a:tc>
+                      <a:txBody>
+                        <a:bodyPr/>
+                        <a:lstStyle/>
+                        <a:p>
+                          <a:pPr algn="ctr"/>
+                          <a:r>
+                            <a:rPr lang="en-GB" dirty="0"/>
+                            <a:t>0</a:t>
+                          </a:r>
+                        </a:p>
+                      </a:txBody>
+                      <a:tcPr anchor="ctr"/>
+                    </a:tc>
+                    <a:tc>
+                      <a:txBody>
+                        <a:bodyPr/>
+                        <a:lstStyle/>
+                        <a:p>
+                          <a:pPr algn="ctr"/>
+                          <a:r>
+                            <a:rPr lang="en-GB" dirty="0"/>
+                            <a:t>0</a:t>
+                          </a:r>
+                        </a:p>
+                      </a:txBody>
+                      <a:tcPr anchor="ctr"/>
+                    </a:tc>
+                    <a:tc>
+                      <a:txBody>
+                        <a:bodyPr/>
+                        <a:lstStyle/>
+                        <a:p>
+                          <a:pPr algn="ctr"/>
+                          <a:r>
+                            <a:rPr lang="en-GB" dirty="0"/>
+                            <a:t>1</a:t>
+                          </a:r>
+                        </a:p>
+                      </a:txBody>
+                      <a:tcPr anchor="ctr"/>
+                    </a:tc>
+                    <a:tc>
+                      <a:txBody>
+                        <a:bodyPr/>
+                        <a:lstStyle/>
+                        <a:p>
+                          <a:pPr algn="ctr"/>
+                          <a:r>
+                            <a:rPr lang="en-GB" dirty="0"/>
+                            <a:t>1</a:t>
+                          </a:r>
+                        </a:p>
+                      </a:txBody>
+                      <a:tcPr anchor="ctr"/>
+                    </a:tc>
+                    <a:tc>
+                      <a:txBody>
+                        <a:bodyPr/>
+                        <a:lstStyle/>
+                        <a:p>
+                          <a:pPr algn="ctr"/>
+                          <a:r>
+                            <a:rPr lang="en-GB" dirty="0"/>
+                            <a:t>0</a:t>
+                          </a:r>
+                        </a:p>
+                      </a:txBody>
+                      <a:tcPr anchor="ctr"/>
+                    </a:tc>
+                    <a:tc>
+                      <a:txBody>
+                        <a:bodyPr/>
+                        <a:lstStyle/>
+                        <a:p>
+                          <a:pPr algn="ctr"/>
+                          <a:r>
+                            <a:rPr lang="en-GB" dirty="0"/>
+                            <a:t>1</a:t>
+                          </a:r>
+                        </a:p>
+                      </a:txBody>
+                      <a:tcPr anchor="ctr"/>
+                    </a:tc>
+                    <a:extLst>
+                      <a:ext uri="{0D108BD9-81ED-4DB2-BD59-A6C34878D82A}">
+                        <a16:rowId xmlns:a16="http://schemas.microsoft.com/office/drawing/2014/main" val="3614342803"/>
+                      </a:ext>
+                    </a:extLst>
+                  </a:tr>
+                  <a:tr h="370840">
+                    <a:tc>
+                      <a:txBody>
+                        <a:bodyPr/>
+                        <a:lstStyle/>
+                        <a:p>
+                          <a:pPr algn="ctr"/>
+                          <a:r>
+                            <a:rPr lang="en-GB" dirty="0"/>
+                            <a:t>01</a:t>
+                          </a:r>
+                        </a:p>
+                      </a:txBody>
+                      <a:tcPr anchor="ctr"/>
+                    </a:tc>
+                    <a:tc>
+                      <a:txBody>
+                        <a:bodyPr/>
+                        <a:lstStyle/>
+                        <a:p>
+                          <a:pPr algn="ctr"/>
+                          <a:r>
+                            <a:rPr lang="en-GB" dirty="0"/>
+                            <a:t>0</a:t>
+                          </a:r>
+                        </a:p>
+                      </a:txBody>
+                      <a:tcPr anchor="ctr"/>
+                    </a:tc>
+                    <a:tc>
+                      <a:txBody>
+                        <a:bodyPr/>
+                        <a:lstStyle/>
+                        <a:p>
+                          <a:pPr algn="ctr"/>
+                          <a:r>
+                            <a:rPr lang="en-GB" dirty="0"/>
+                            <a:t>1</a:t>
+                          </a:r>
+                        </a:p>
+                      </a:txBody>
+                      <a:tcPr anchor="ctr"/>
+                    </a:tc>
+                    <a:tc>
+                      <a:txBody>
+                        <a:bodyPr/>
+                        <a:lstStyle/>
+                        <a:p>
+                          <a:pPr algn="ctr"/>
+                          <a:r>
+                            <a:rPr lang="en-GB" dirty="0"/>
+                            <a:t>1</a:t>
+                          </a:r>
+                        </a:p>
+                      </a:txBody>
+                      <a:tcPr anchor="ctr"/>
+                    </a:tc>
+                    <a:tc>
+                      <a:txBody>
+                        <a:bodyPr/>
+                        <a:lstStyle/>
+                        <a:p>
+                          <a:pPr algn="ctr"/>
+                          <a:r>
+                            <a:rPr lang="en-GB" dirty="0"/>
+                            <a:t>0</a:t>
+                          </a:r>
+                        </a:p>
+                      </a:txBody>
+                      <a:tcPr anchor="ctr"/>
+                    </a:tc>
+                    <a:tc>
+                      <a:txBody>
+                        <a:bodyPr/>
+                        <a:lstStyle/>
+                        <a:p>
+                          <a:pPr algn="ctr"/>
+                          <a:r>
+                            <a:rPr lang="en-GB" dirty="0"/>
+                            <a:t>1</a:t>
+                          </a:r>
+                        </a:p>
+                      </a:txBody>
+                      <a:tcPr anchor="ctr"/>
+                    </a:tc>
+                    <a:tc>
+                      <a:txBody>
+                        <a:bodyPr/>
+                        <a:lstStyle/>
+                        <a:p>
+                          <a:pPr algn="ctr"/>
+                          <a:r>
+                            <a:rPr lang="en-GB" dirty="0"/>
+                            <a:t>0</a:t>
+                          </a:r>
+                        </a:p>
+                      </a:txBody>
+                      <a:tcPr anchor="ctr"/>
+                    </a:tc>
+                    <a:extLst>
+                      <a:ext uri="{0D108BD9-81ED-4DB2-BD59-A6C34878D82A}">
+                        <a16:rowId xmlns:a16="http://schemas.microsoft.com/office/drawing/2014/main" val="1111114679"/>
+                      </a:ext>
+                    </a:extLst>
+                  </a:tr>
+                  <a:tr h="370840">
+                    <a:tc>
+                      <a:txBody>
+                        <a:bodyPr/>
+                        <a:lstStyle/>
+                        <a:p>
+                          <a:pPr algn="ctr"/>
+                          <a:r>
+                            <a:rPr lang="en-GB" dirty="0"/>
+                            <a:t>10</a:t>
+                          </a:r>
+                        </a:p>
+                      </a:txBody>
+                      <a:tcPr anchor="ctr"/>
+                    </a:tc>
+                    <a:tc>
+                      <a:txBody>
+                        <a:bodyPr/>
+                        <a:lstStyle/>
+                        <a:p>
+                          <a:pPr algn="ctr"/>
+                          <a:r>
+                            <a:rPr lang="en-GB" dirty="0"/>
+                            <a:t>0</a:t>
+                          </a:r>
+                        </a:p>
+                      </a:txBody>
+                      <a:tcPr anchor="ctr"/>
+                    </a:tc>
+                    <a:tc>
+                      <a:txBody>
+                        <a:bodyPr/>
+                        <a:lstStyle/>
+                        <a:p>
+                          <a:pPr algn="ctr"/>
+                          <a:r>
+                            <a:rPr lang="en-GB" dirty="0"/>
+                            <a:t>1</a:t>
+                          </a:r>
+                        </a:p>
+                      </a:txBody>
+                      <a:tcPr anchor="ctr"/>
+                    </a:tc>
+                    <a:tc>
+                      <a:txBody>
+                        <a:bodyPr/>
+                        <a:lstStyle/>
+                        <a:p>
+                          <a:pPr algn="ctr"/>
+                          <a:r>
+                            <a:rPr lang="en-GB" dirty="0"/>
+                            <a:t>1</a:t>
+                          </a:r>
+                        </a:p>
+                      </a:txBody>
+                      <a:tcPr anchor="ctr"/>
+                    </a:tc>
+                    <a:tc>
+                      <a:txBody>
+                        <a:bodyPr/>
+                        <a:lstStyle/>
+                        <a:p>
+                          <a:pPr algn="ctr"/>
+                          <a:r>
+                            <a:rPr lang="en-GB" dirty="0"/>
+                            <a:t>0</a:t>
+                          </a:r>
+                        </a:p>
+                      </a:txBody>
+                      <a:tcPr anchor="ctr"/>
+                    </a:tc>
+                    <a:tc>
+                      <a:txBody>
+                        <a:bodyPr/>
+                        <a:lstStyle/>
+                        <a:p>
+                          <a:pPr algn="ctr"/>
+                          <a:r>
+                            <a:rPr lang="en-GB" dirty="0"/>
+                            <a:t>1</a:t>
+                          </a:r>
+                        </a:p>
+                      </a:txBody>
+                      <a:tcPr anchor="ctr"/>
+                    </a:tc>
+                    <a:tc>
+                      <a:txBody>
+                        <a:bodyPr/>
+                        <a:lstStyle/>
+                        <a:p>
+                          <a:pPr algn="ctr"/>
+                          <a:r>
+                            <a:rPr lang="en-GB" dirty="0"/>
+                            <a:t>0</a:t>
+                          </a:r>
+                        </a:p>
+                      </a:txBody>
+                      <a:tcPr anchor="ctr"/>
+                    </a:tc>
+                    <a:extLst>
+                      <a:ext uri="{0D108BD9-81ED-4DB2-BD59-A6C34878D82A}">
+                        <a16:rowId xmlns:a16="http://schemas.microsoft.com/office/drawing/2014/main" val="826113176"/>
+                      </a:ext>
+                    </a:extLst>
+                  </a:tr>
+                  <a:tr h="370840">
+                    <a:tc>
+                      <a:txBody>
+                        <a:bodyPr/>
+                        <a:lstStyle/>
+                        <a:p>
+                          <a:pPr algn="ctr"/>
+                          <a:r>
+                            <a:rPr lang="en-GB" dirty="0"/>
+                            <a:t>11</a:t>
+                          </a:r>
+                        </a:p>
+                      </a:txBody>
+                      <a:tcPr anchor="ctr"/>
+                    </a:tc>
+                    <a:tc>
+                      <a:txBody>
+                        <a:bodyPr/>
+                        <a:lstStyle/>
+                        <a:p>
+                          <a:pPr algn="ctr"/>
+                          <a:r>
+                            <a:rPr lang="en-GB" dirty="0"/>
+                            <a:t>1</a:t>
+                          </a:r>
+                        </a:p>
+                      </a:txBody>
+                      <a:tcPr anchor="ctr"/>
+                    </a:tc>
+                    <a:tc>
+                      <a:txBody>
+                        <a:bodyPr/>
+                        <a:lstStyle/>
+                        <a:p>
+                          <a:pPr algn="ctr"/>
+                          <a:r>
+                            <a:rPr lang="en-GB" dirty="0"/>
+                            <a:t>1</a:t>
+                          </a:r>
+                        </a:p>
+                      </a:txBody>
+                      <a:tcPr anchor="ctr"/>
+                    </a:tc>
+                    <a:tc>
+                      <a:txBody>
+                        <a:bodyPr/>
+                        <a:lstStyle/>
+                        <a:p>
+                          <a:pPr algn="ctr"/>
+                          <a:r>
+                            <a:rPr lang="en-GB" dirty="0"/>
+                            <a:t>0</a:t>
+                          </a:r>
+                        </a:p>
+                      </a:txBody>
+                      <a:tcPr anchor="ctr"/>
+                    </a:tc>
+                    <a:tc>
+                      <a:txBody>
+                        <a:bodyPr/>
+                        <a:lstStyle/>
+                        <a:p>
+                          <a:pPr algn="ctr"/>
+                          <a:r>
+                            <a:rPr lang="en-GB" dirty="0"/>
+                            <a:t>0</a:t>
+                          </a:r>
+                        </a:p>
+                      </a:txBody>
+                      <a:tcPr anchor="ctr"/>
+                    </a:tc>
+                    <a:tc>
+                      <a:txBody>
+                        <a:bodyPr/>
+                        <a:lstStyle/>
+                        <a:p>
+                          <a:pPr algn="ctr"/>
+                          <a:r>
+                            <a:rPr lang="en-GB" dirty="0"/>
+                            <a:t>0</a:t>
+                          </a:r>
+                        </a:p>
+                      </a:txBody>
+                      <a:tcPr anchor="ctr"/>
+                    </a:tc>
+                    <a:tc>
+                      <a:txBody>
+                        <a:bodyPr/>
+                        <a:lstStyle/>
+                        <a:p>
+                          <a:pPr algn="ctr"/>
+                          <a:r>
+                            <a:rPr lang="en-GB" dirty="0"/>
+                            <a:t>1</a:t>
+                          </a:r>
+                        </a:p>
+                      </a:txBody>
+                      <a:tcPr anchor="ctr"/>
+                    </a:tc>
+                    <a:extLst>
+                      <a:ext uri="{0D108BD9-81ED-4DB2-BD59-A6C34878D82A}">
+                        <a16:rowId xmlns:a16="http://schemas.microsoft.com/office/drawing/2014/main" val="1155585223"/>
+                      </a:ext>
+                    </a:extLst>
+                  </a:tr>
+                  <a:tr h="370840">
+                    <a:tc>
+                      <a:txBody>
+                        <a:bodyPr/>
+                        <a:lstStyle/>
+                        <a:p>
+                          <a:pPr algn="ctr"/>
+                          <a14:m>
+                            <m:oMathPara xmlns:m="http://schemas.openxmlformats.org/officeDocument/2006/math">
+                              <m:oMathParaPr>
+                                <m:jc m:val="centerGroup"/>
+                              </m:oMathParaPr>
+                              <m:oMath xmlns:m="http://schemas.openxmlformats.org/officeDocument/2006/math">
+                                <m:r>
+                                  <a:rPr lang="en-GB" b="0" i="1" smtClean="0">
+                                    <a:latin typeface="Cambria Math" panose="02040503050406030204" pitchFamily="18" charset="0"/>
+                                  </a:rPr>
+                                  <m:t>𝐴𝐵</m:t>
+                                </m:r>
+                              </m:oMath>
+                            </m:oMathPara>
+                          </a14:m>
+                          <a:endParaRPr lang="en-GB" dirty="0"/>
+                        </a:p>
+                      </a:txBody>
+                      <a:tcPr anchor="ctr"/>
+                    </a:tc>
+                    <a:tc>
+                      <a:txBody>
+                        <a:bodyPr/>
+                        <a:lstStyle/>
+                        <a:p>
+                          <a:pPr algn="ctr"/>
+                          <a14:m>
+                            <m:oMathPara xmlns:m="http://schemas.openxmlformats.org/officeDocument/2006/math">
+                              <m:oMathParaPr>
+                                <m:jc m:val="centerGroup"/>
+                              </m:oMathParaPr>
+                              <m:oMath xmlns:m="http://schemas.openxmlformats.org/officeDocument/2006/math">
+                                <m:r>
+                                  <a:rPr lang="en-GB" b="0" i="1" smtClean="0">
+                                    <a:latin typeface="Cambria Math" panose="02040503050406030204" pitchFamily="18" charset="0"/>
+                                  </a:rPr>
+                                  <m:t>𝐴</m:t>
+                                </m:r>
+                                <m:r>
+                                  <a:rPr lang="en-GB" b="0" i="1" smtClean="0">
+                                    <a:latin typeface="Cambria Math" panose="02040503050406030204" pitchFamily="18" charset="0"/>
+                                  </a:rPr>
+                                  <m:t>.</m:t>
+                                </m:r>
+                                <m:r>
+                                  <a:rPr lang="en-GB" b="0" i="1" smtClean="0">
+                                    <a:latin typeface="Cambria Math" panose="02040503050406030204" pitchFamily="18" charset="0"/>
+                                  </a:rPr>
+                                  <m:t>𝐵</m:t>
+                                </m:r>
+                              </m:oMath>
+                            </m:oMathPara>
+                          </a14:m>
+                          <a:endParaRPr lang="en-GB" dirty="0"/>
+                        </a:p>
+                      </a:txBody>
+                      <a:tcPr anchor="ctr"/>
+                    </a:tc>
+                    <a:tc>
+                      <a:txBody>
+                        <a:bodyPr/>
+                        <a:lstStyle/>
+                        <a:p>
+                          <a:pPr algn="ctr"/>
+                          <a14:m>
+                            <m:oMathPara xmlns:m="http://schemas.openxmlformats.org/officeDocument/2006/math">
+                              <m:oMathParaPr>
+                                <m:jc m:val="centerGroup"/>
+                              </m:oMathParaPr>
+                              <m:oMath xmlns:m="http://schemas.openxmlformats.org/officeDocument/2006/math">
+                                <m:r>
+                                  <a:rPr lang="en-GB" b="0" i="1" smtClean="0">
+                                    <a:latin typeface="Cambria Math" panose="02040503050406030204" pitchFamily="18" charset="0"/>
+                                  </a:rPr>
+                                  <m:t>𝐴</m:t>
+                                </m:r>
+                                <m:r>
+                                  <a:rPr lang="en-GB" b="0" i="1" smtClean="0">
+                                    <a:latin typeface="Cambria Math" panose="02040503050406030204" pitchFamily="18" charset="0"/>
+                                  </a:rPr>
+                                  <m:t>+</m:t>
+                                </m:r>
+                                <m:r>
+                                  <a:rPr lang="en-GB" b="0" i="1" smtClean="0">
+                                    <a:latin typeface="Cambria Math" panose="02040503050406030204" pitchFamily="18" charset="0"/>
+                                  </a:rPr>
+                                  <m:t>𝐵</m:t>
+                                </m:r>
+                              </m:oMath>
+                            </m:oMathPara>
+                          </a14:m>
+                          <a:endParaRPr lang="en-GB" dirty="0"/>
+                        </a:p>
+                      </a:txBody>
+                      <a:tcPr anchor="ctr"/>
+                    </a:tc>
+                    <a:tc>
+                      <a:txBody>
+                        <a:bodyPr/>
+                        <a:lstStyle/>
+                        <a:p>
+                          <a:pPr algn="ctr"/>
+                          <a14:m>
+                            <m:oMathPara xmlns:m="http://schemas.openxmlformats.org/officeDocument/2006/math">
+                              <m:oMathParaPr>
+                                <m:jc m:val="centerGroup"/>
+                              </m:oMathParaPr>
+                              <m:oMath xmlns:m="http://schemas.openxmlformats.org/officeDocument/2006/math">
+                                <m:acc>
+                                  <m:accPr>
+                                    <m:chr m:val="̅"/>
+                                    <m:ctrlPr>
+                                      <a:rPr lang="en-GB" i="1" smtClean="0">
+                                        <a:latin typeface="Cambria Math" panose="02040503050406030204" pitchFamily="18" charset="0"/>
+                                      </a:rPr>
+                                    </m:ctrlPr>
+                                  </m:accPr>
+                                  <m:e>
+                                    <m:r>
+                                      <a:rPr lang="en-GB" b="0" i="1" smtClean="0">
+                                        <a:latin typeface="Cambria Math" panose="02040503050406030204" pitchFamily="18" charset="0"/>
+                                      </a:rPr>
+                                      <m:t>𝐴</m:t>
+                                    </m:r>
+                                    <m:r>
+                                      <a:rPr lang="en-GB" b="0" i="1" smtClean="0">
+                                        <a:latin typeface="Cambria Math" panose="02040503050406030204" pitchFamily="18" charset="0"/>
+                                      </a:rPr>
+                                      <m:t>.</m:t>
+                                    </m:r>
+                                    <m:r>
+                                      <a:rPr lang="en-GB" b="0" i="1" smtClean="0">
+                                        <a:latin typeface="Cambria Math" panose="02040503050406030204" pitchFamily="18" charset="0"/>
+                                      </a:rPr>
+                                      <m:t>𝐵</m:t>
+                                    </m:r>
+                                  </m:e>
+                                </m:acc>
+                              </m:oMath>
+                            </m:oMathPara>
+                          </a14:m>
+                          <a:endParaRPr lang="en-GB" dirty="0"/>
+                        </a:p>
+                      </a:txBody>
+                      <a:tcPr anchor="ctr"/>
+                    </a:tc>
+                    <a:tc>
+                      <a:txBody>
+                        <a:bodyPr/>
+                        <a:lstStyle/>
+                        <a:p>
+                          <a:pPr marL="0" marR="0" lvl="0" indent="0" algn="ctr" defTabSz="914400" rtl="0" eaLnBrk="1" fontAlgn="auto" latinLnBrk="0" hangingPunct="1">
+                            <a:lnSpc>
+                              <a:spcPct val="100000"/>
+                            </a:lnSpc>
+                            <a:spcBef>
+                              <a:spcPts val="0"/>
+                            </a:spcBef>
+                            <a:spcAft>
+                              <a:spcPts val="0"/>
+                            </a:spcAft>
+                            <a:buClrTx/>
+                            <a:buSzTx/>
+                            <a:buFontTx/>
+                            <a:buNone/>
+                            <a:tabLst/>
+                            <a:defRPr/>
+                          </a:pPr>
+                          <a14:m>
+                            <m:oMathPara xmlns:m="http://schemas.openxmlformats.org/officeDocument/2006/math">
+                              <m:oMathParaPr>
+                                <m:jc m:val="centerGroup"/>
+                              </m:oMathParaPr>
+                              <m:oMath xmlns:m="http://schemas.openxmlformats.org/officeDocument/2006/math">
+                                <m:acc>
+                                  <m:accPr>
+                                    <m:chr m:val="̅"/>
+                                    <m:ctrlPr>
+                                      <a:rPr lang="en-GB" i="1" smtClean="0">
+                                        <a:latin typeface="Cambria Math" panose="02040503050406030204" pitchFamily="18" charset="0"/>
+                                      </a:rPr>
+                                    </m:ctrlPr>
+                                  </m:accPr>
+                                  <m:e>
+                                    <m:r>
+                                      <a:rPr lang="en-GB" b="0" i="1" smtClean="0">
+                                        <a:latin typeface="Cambria Math" panose="02040503050406030204" pitchFamily="18" charset="0"/>
+                                      </a:rPr>
+                                      <m:t>𝐴</m:t>
+                                    </m:r>
+                                    <m:r>
+                                      <a:rPr lang="en-GB" b="0" i="1" smtClean="0">
+                                        <a:latin typeface="Cambria Math" panose="02040503050406030204" pitchFamily="18" charset="0"/>
+                                      </a:rPr>
+                                      <m:t>+</m:t>
+                                    </m:r>
+                                    <m:r>
+                                      <a:rPr lang="en-GB" b="0" i="1" smtClean="0">
+                                        <a:latin typeface="Cambria Math" panose="02040503050406030204" pitchFamily="18" charset="0"/>
+                                      </a:rPr>
+                                      <m:t>𝐵</m:t>
+                                    </m:r>
+                                  </m:e>
+                                </m:acc>
+                              </m:oMath>
+                            </m:oMathPara>
+                          </a14:m>
+                          <a:endParaRPr lang="en-GB" dirty="0"/>
+                        </a:p>
+                      </a:txBody>
+                      <a:tcPr anchor="ctr"/>
+                    </a:tc>
+                    <a:tc>
+                      <a:txBody>
+                        <a:bodyPr/>
+                        <a:lstStyle/>
+                        <a:p>
+                          <a:pPr marL="0" marR="0" lvl="0" indent="0" algn="ctr" defTabSz="914400" rtl="0" eaLnBrk="1" fontAlgn="auto" latinLnBrk="0" hangingPunct="1">
+                            <a:lnSpc>
+                              <a:spcPct val="100000"/>
+                            </a:lnSpc>
+                            <a:spcBef>
+                              <a:spcPts val="0"/>
+                            </a:spcBef>
+                            <a:spcAft>
+                              <a:spcPts val="0"/>
+                            </a:spcAft>
+                            <a:buClrTx/>
+                            <a:buSzTx/>
+                            <a:buFontTx/>
+                            <a:buNone/>
+                            <a:tabLst/>
+                            <a:defRPr/>
+                          </a:pPr>
+                          <a14:m>
+                            <m:oMathPara xmlns:m="http://schemas.openxmlformats.org/officeDocument/2006/math">
+                              <m:oMathParaPr>
+                                <m:jc m:val="centerGroup"/>
+                              </m:oMathParaPr>
+                              <m:oMath xmlns:m="http://schemas.openxmlformats.org/officeDocument/2006/math">
+                                <m:r>
+                                  <a:rPr lang="en-GB" b="0" i="1" smtClean="0">
+                                    <a:latin typeface="Cambria Math" panose="02040503050406030204" pitchFamily="18" charset="0"/>
+                                  </a:rPr>
+                                  <m:t>𝐴</m:t>
+                                </m:r>
+                                <m:r>
+                                  <m:rPr>
+                                    <m:nor/>
+                                  </m:rPr>
+                                  <a:rPr lang="en-GB" sz="1800" kern="1200" smtClean="0">
+                                    <a:solidFill>
+                                      <a:schemeClr val="dk1"/>
+                                    </a:solidFill>
+                                    <a:effectLst/>
+                                    <a:latin typeface="+mn-lt"/>
+                                    <a:ea typeface="+mn-ea"/>
+                                    <a:cs typeface="+mn-cs"/>
+                                  </a:rPr>
+                                  <m:t>⊕</m:t>
+                                </m:r>
+                                <m:r>
+                                  <a:rPr lang="en-GB" b="0" i="1" smtClean="0">
+                                    <a:latin typeface="Cambria Math" panose="02040503050406030204" pitchFamily="18" charset="0"/>
+                                  </a:rPr>
+                                  <m:t>𝐵</m:t>
+                                </m:r>
+                              </m:oMath>
+                            </m:oMathPara>
+                          </a14:m>
+                          <a:endParaRPr lang="en-GB" dirty="0"/>
+                        </a:p>
+                      </a:txBody>
+                      <a:tcPr anchor="ctr"/>
+                    </a:tc>
+                    <a:tc>
+                      <a:txBody>
+                        <a:bodyPr/>
+                        <a:lstStyle/>
+                        <a:p>
+                          <a:pPr marL="0" marR="0" lvl="0" indent="0" algn="ctr" defTabSz="914400" rtl="0" eaLnBrk="1" fontAlgn="auto" latinLnBrk="0" hangingPunct="1">
+                            <a:lnSpc>
+                              <a:spcPct val="100000"/>
+                            </a:lnSpc>
+                            <a:spcBef>
+                              <a:spcPts val="0"/>
+                            </a:spcBef>
+                            <a:spcAft>
+                              <a:spcPts val="0"/>
+                            </a:spcAft>
+                            <a:buClrTx/>
+                            <a:buSzTx/>
+                            <a:buFontTx/>
+                            <a:buNone/>
+                            <a:tabLst/>
+                            <a:defRPr/>
+                          </a:pPr>
+                          <a14:m>
+                            <m:oMathPara xmlns:m="http://schemas.openxmlformats.org/officeDocument/2006/math">
+                              <m:oMathParaPr>
+                                <m:jc m:val="centerGroup"/>
+                              </m:oMathParaPr>
+                              <m:oMath xmlns:m="http://schemas.openxmlformats.org/officeDocument/2006/math">
+                                <m:acc>
+                                  <m:accPr>
+                                    <m:chr m:val="̅"/>
+                                    <m:ctrlPr>
+                                      <a:rPr lang="en-GB" i="1" smtClean="0">
+                                        <a:latin typeface="Cambria Math" panose="02040503050406030204" pitchFamily="18" charset="0"/>
+                                      </a:rPr>
+                                    </m:ctrlPr>
+                                  </m:accPr>
+                                  <m:e>
+                                    <m:r>
+                                      <a:rPr lang="en-GB" b="0" i="1" smtClean="0">
+                                        <a:latin typeface="Cambria Math" panose="02040503050406030204" pitchFamily="18" charset="0"/>
+                                      </a:rPr>
+                                      <m:t>𝐴</m:t>
+                                    </m:r>
+                                    <m:r>
+                                      <m:rPr>
+                                        <m:nor/>
+                                      </m:rPr>
+                                      <a:rPr lang="en-GB" sz="1800" kern="1200" smtClean="0">
+                                        <a:solidFill>
+                                          <a:schemeClr val="dk1"/>
+                                        </a:solidFill>
+                                        <a:effectLst/>
+                                        <a:latin typeface="+mn-lt"/>
+                                        <a:ea typeface="+mn-ea"/>
+                                        <a:cs typeface="+mn-cs"/>
+                                      </a:rPr>
+                                      <m:t>⊕</m:t>
+                                    </m:r>
+                                    <m:r>
+                                      <a:rPr lang="en-GB" b="0" i="1" smtClean="0">
+                                        <a:latin typeface="Cambria Math" panose="02040503050406030204" pitchFamily="18" charset="0"/>
+                                      </a:rPr>
+                                      <m:t>𝐵</m:t>
+                                    </m:r>
+                                  </m:e>
+                                </m:acc>
+                              </m:oMath>
+                            </m:oMathPara>
+                          </a14:m>
+                          <a:endParaRPr lang="en-GB" dirty="0"/>
+                        </a:p>
+                      </a:txBody>
+                      <a:tcPr anchor="ctr"/>
+                    </a:tc>
+                    <a:extLst>
+                      <a:ext uri="{0D108BD9-81ED-4DB2-BD59-A6C34878D82A}">
+                        <a16:rowId xmlns:a16="http://schemas.microsoft.com/office/drawing/2014/main" val="88898123"/>
+                      </a:ext>
+                    </a:extLst>
+                  </a:tr>
+                </a:tbl>
+              </a:graphicData>
+            </a:graphic>
+          </p:graphicFrame>
+        </mc:Choice>
+        <mc:Fallback>
+          <p:graphicFrame>
+            <p:nvGraphicFramePr>
+              <p:cNvPr id="6" name="Table 6">
+                <a:extLst>
+                  <a:ext uri="{FF2B5EF4-FFF2-40B4-BE49-F238E27FC236}">
+                    <a16:creationId xmlns:a16="http://schemas.microsoft.com/office/drawing/2014/main" id="{C58E1A07-8C43-4539-9BC4-171BA0F472F6}"/>
+                  </a:ext>
+                </a:extLst>
+              </p:cNvPr>
+              <p:cNvGraphicFramePr>
+                <a:graphicFrameLocks noGrp="1"/>
+              </p:cNvGraphicFramePr>
+              <p:nvPr>
+                <p:ph idx="1"/>
+                <p:extLst>
+                  <p:ext uri="{D42A27DB-BD31-4B8C-83A1-F6EECF244321}">
+                    <p14:modId xmlns:p14="http://schemas.microsoft.com/office/powerpoint/2010/main" val="591288001"/>
+                  </p:ext>
+                </p:extLst>
+              </p:nvPr>
+            </p:nvGraphicFramePr>
+            <p:xfrm>
+              <a:off x="3093156" y="1825625"/>
+              <a:ext cx="8260651" cy="2227644"/>
+            </p:xfrm>
+            <a:graphic>
+              <a:graphicData uri="http://schemas.openxmlformats.org/drawingml/2006/table">
+                <a:tbl>
+                  <a:tblPr firstRow="1" bandRow="1">
+                    <a:tableStyleId>{5C22544A-7EE6-4342-B048-85BDC9FD1C3A}</a:tableStyleId>
+                  </a:tblPr>
+                  <a:tblGrid>
+                    <a:gridCol w="1180093">
+                      <a:extLst>
+                        <a:ext uri="{9D8B030D-6E8A-4147-A177-3AD203B41FA5}">
+                          <a16:colId xmlns:a16="http://schemas.microsoft.com/office/drawing/2014/main" val="268999974"/>
+                        </a:ext>
+                      </a:extLst>
+                    </a:gridCol>
+                    <a:gridCol w="1180093">
+                      <a:extLst>
+                        <a:ext uri="{9D8B030D-6E8A-4147-A177-3AD203B41FA5}">
+                          <a16:colId xmlns:a16="http://schemas.microsoft.com/office/drawing/2014/main" val="1318049050"/>
+                        </a:ext>
+                      </a:extLst>
+                    </a:gridCol>
+                    <a:gridCol w="1180093">
+                      <a:extLst>
+                        <a:ext uri="{9D8B030D-6E8A-4147-A177-3AD203B41FA5}">
+                          <a16:colId xmlns:a16="http://schemas.microsoft.com/office/drawing/2014/main" val="2292826030"/>
+                        </a:ext>
+                      </a:extLst>
+                    </a:gridCol>
+                    <a:gridCol w="1180093">
+                      <a:extLst>
+                        <a:ext uri="{9D8B030D-6E8A-4147-A177-3AD203B41FA5}">
+                          <a16:colId xmlns:a16="http://schemas.microsoft.com/office/drawing/2014/main" val="3005555885"/>
+                        </a:ext>
+                      </a:extLst>
+                    </a:gridCol>
+                    <a:gridCol w="1180093">
+                      <a:extLst>
+                        <a:ext uri="{9D8B030D-6E8A-4147-A177-3AD203B41FA5}">
+                          <a16:colId xmlns:a16="http://schemas.microsoft.com/office/drawing/2014/main" val="3172507302"/>
+                        </a:ext>
+                      </a:extLst>
+                    </a:gridCol>
+                    <a:gridCol w="1180093">
+                      <a:extLst>
+                        <a:ext uri="{9D8B030D-6E8A-4147-A177-3AD203B41FA5}">
+                          <a16:colId xmlns:a16="http://schemas.microsoft.com/office/drawing/2014/main" val="1347248038"/>
+                        </a:ext>
+                      </a:extLst>
+                    </a:gridCol>
+                    <a:gridCol w="1180093">
+                      <a:extLst>
+                        <a:ext uri="{9D8B030D-6E8A-4147-A177-3AD203B41FA5}">
+                          <a16:colId xmlns:a16="http://schemas.microsoft.com/office/drawing/2014/main" val="2733253339"/>
+                        </a:ext>
+                      </a:extLst>
+                    </a:gridCol>
+                  </a:tblGrid>
+                  <a:tr h="370840">
+                    <a:tc>
+                      <a:txBody>
+                        <a:bodyPr/>
+                        <a:lstStyle/>
+                        <a:p>
+                          <a:pPr algn="ctr"/>
+                          <a:r>
+                            <a:rPr lang="en-GB" dirty="0"/>
+                            <a:t>Inputs</a:t>
+                          </a:r>
+                        </a:p>
+                      </a:txBody>
+                      <a:tcPr anchor="ctr"/>
+                    </a:tc>
+                    <a:tc>
+                      <a:txBody>
+                        <a:bodyPr/>
+                        <a:lstStyle/>
+                        <a:p>
+                          <a:pPr algn="ctr"/>
+                          <a:r>
+                            <a:rPr lang="en-GB" dirty="0"/>
+                            <a:t>AND</a:t>
+                          </a:r>
+                        </a:p>
+                      </a:txBody>
+                      <a:tcPr anchor="ctr"/>
+                    </a:tc>
+                    <a:tc>
+                      <a:txBody>
+                        <a:bodyPr/>
+                        <a:lstStyle/>
+                        <a:p>
+                          <a:pPr algn="ctr"/>
+                          <a:r>
+                            <a:rPr lang="en-GB" dirty="0"/>
+                            <a:t>OR</a:t>
+                          </a:r>
+                        </a:p>
+                      </a:txBody>
+                      <a:tcPr anchor="ctr"/>
+                    </a:tc>
+                    <a:tc>
+                      <a:txBody>
+                        <a:bodyPr/>
+                        <a:lstStyle/>
+                        <a:p>
+                          <a:pPr algn="ctr"/>
+                          <a:r>
+                            <a:rPr lang="en-GB" dirty="0"/>
+                            <a:t>NAND</a:t>
+                          </a:r>
+                        </a:p>
+                      </a:txBody>
+                      <a:tcPr anchor="ctr"/>
+                    </a:tc>
+                    <a:tc>
+                      <a:txBody>
+                        <a:bodyPr/>
+                        <a:lstStyle/>
+                        <a:p>
+                          <a:pPr algn="ctr"/>
+                          <a:r>
+                            <a:rPr lang="en-GB" dirty="0"/>
+                            <a:t>NOR</a:t>
+                          </a:r>
+                        </a:p>
+                      </a:txBody>
+                      <a:tcPr anchor="ctr"/>
+                    </a:tc>
+                    <a:tc>
+                      <a:txBody>
+                        <a:bodyPr/>
+                        <a:lstStyle/>
+                        <a:p>
+                          <a:pPr algn="ctr"/>
+                          <a:r>
+                            <a:rPr lang="en-GB" dirty="0"/>
+                            <a:t>XOR / EOR</a:t>
+                          </a:r>
+                        </a:p>
+                      </a:txBody>
+                      <a:tcPr anchor="ctr"/>
+                    </a:tc>
+                    <a:tc>
+                      <a:txBody>
+                        <a:bodyPr/>
+                        <a:lstStyle/>
+                        <a:p>
+                          <a:pPr algn="ctr"/>
+                          <a:r>
+                            <a:rPr lang="en-GB" dirty="0"/>
+                            <a:t>XNOR</a:t>
+                          </a:r>
+                        </a:p>
+                      </a:txBody>
+                      <a:tcPr anchor="ctr"/>
+                    </a:tc>
+                    <a:extLst>
+                      <a:ext uri="{0D108BD9-81ED-4DB2-BD59-A6C34878D82A}">
+                        <a16:rowId xmlns:a16="http://schemas.microsoft.com/office/drawing/2014/main" val="3659613801"/>
+                      </a:ext>
+                    </a:extLst>
+                  </a:tr>
+                  <a:tr h="370840">
+                    <a:tc>
+                      <a:txBody>
+                        <a:bodyPr/>
+                        <a:lstStyle/>
+                        <a:p>
+                          <a:pPr algn="ctr"/>
+                          <a:r>
+                            <a:rPr lang="en-GB" dirty="0"/>
+                            <a:t>00</a:t>
+                          </a:r>
+                        </a:p>
+                      </a:txBody>
+                      <a:tcPr anchor="ctr"/>
+                    </a:tc>
+                    <a:tc>
+                      <a:txBody>
+                        <a:bodyPr/>
+                        <a:lstStyle/>
+                        <a:p>
+                          <a:pPr algn="ctr"/>
+                          <a:r>
+                            <a:rPr lang="en-GB" dirty="0"/>
+                            <a:t>0</a:t>
+                          </a:r>
+                        </a:p>
+                      </a:txBody>
+                      <a:tcPr anchor="ctr"/>
+                    </a:tc>
+                    <a:tc>
+                      <a:txBody>
+                        <a:bodyPr/>
+                        <a:lstStyle/>
+                        <a:p>
+                          <a:pPr algn="ctr"/>
+                          <a:r>
+                            <a:rPr lang="en-GB" dirty="0"/>
+                            <a:t>0</a:t>
+                          </a:r>
+                        </a:p>
+                      </a:txBody>
+                      <a:tcPr anchor="ctr"/>
+                    </a:tc>
+                    <a:tc>
+                      <a:txBody>
+                        <a:bodyPr/>
+                        <a:lstStyle/>
+                        <a:p>
+                          <a:pPr algn="ctr"/>
+                          <a:r>
+                            <a:rPr lang="en-GB" dirty="0"/>
+                            <a:t>1</a:t>
+                          </a:r>
+                        </a:p>
+                      </a:txBody>
+                      <a:tcPr anchor="ctr"/>
+                    </a:tc>
+                    <a:tc>
+                      <a:txBody>
+                        <a:bodyPr/>
+                        <a:lstStyle/>
+                        <a:p>
+                          <a:pPr algn="ctr"/>
+                          <a:r>
+                            <a:rPr lang="en-GB" dirty="0"/>
+                            <a:t>1</a:t>
+                          </a:r>
+                        </a:p>
+                      </a:txBody>
+                      <a:tcPr anchor="ctr"/>
+                    </a:tc>
+                    <a:tc>
+                      <a:txBody>
+                        <a:bodyPr/>
+                        <a:lstStyle/>
+                        <a:p>
+                          <a:pPr algn="ctr"/>
+                          <a:r>
+                            <a:rPr lang="en-GB" dirty="0"/>
+                            <a:t>0</a:t>
+                          </a:r>
+                        </a:p>
+                      </a:txBody>
+                      <a:tcPr anchor="ctr"/>
+                    </a:tc>
+                    <a:tc>
+                      <a:txBody>
+                        <a:bodyPr/>
+                        <a:lstStyle/>
+                        <a:p>
+                          <a:pPr algn="ctr"/>
+                          <a:r>
+                            <a:rPr lang="en-GB" dirty="0"/>
+                            <a:t>1</a:t>
+                          </a:r>
+                        </a:p>
+                      </a:txBody>
+                      <a:tcPr anchor="ctr"/>
+                    </a:tc>
+                    <a:extLst>
+                      <a:ext uri="{0D108BD9-81ED-4DB2-BD59-A6C34878D82A}">
+                        <a16:rowId xmlns:a16="http://schemas.microsoft.com/office/drawing/2014/main" val="3614342803"/>
+                      </a:ext>
+                    </a:extLst>
+                  </a:tr>
+                  <a:tr h="370840">
+                    <a:tc>
+                      <a:txBody>
+                        <a:bodyPr/>
+                        <a:lstStyle/>
+                        <a:p>
+                          <a:pPr algn="ctr"/>
+                          <a:r>
+                            <a:rPr lang="en-GB" dirty="0"/>
+                            <a:t>01</a:t>
+                          </a:r>
+                        </a:p>
+                      </a:txBody>
+                      <a:tcPr anchor="ctr"/>
+                    </a:tc>
+                    <a:tc>
+                      <a:txBody>
+                        <a:bodyPr/>
+                        <a:lstStyle/>
+                        <a:p>
+                          <a:pPr algn="ctr"/>
+                          <a:r>
+                            <a:rPr lang="en-GB" dirty="0"/>
+                            <a:t>0</a:t>
+                          </a:r>
+                        </a:p>
+                      </a:txBody>
+                      <a:tcPr anchor="ctr"/>
+                    </a:tc>
+                    <a:tc>
+                      <a:txBody>
+                        <a:bodyPr/>
+                        <a:lstStyle/>
+                        <a:p>
+                          <a:pPr algn="ctr"/>
+                          <a:r>
+                            <a:rPr lang="en-GB" dirty="0"/>
+                            <a:t>1</a:t>
+                          </a:r>
+                        </a:p>
+                      </a:txBody>
+                      <a:tcPr anchor="ctr"/>
+                    </a:tc>
+                    <a:tc>
+                      <a:txBody>
+                        <a:bodyPr/>
+                        <a:lstStyle/>
+                        <a:p>
+                          <a:pPr algn="ctr"/>
+                          <a:r>
+                            <a:rPr lang="en-GB" dirty="0"/>
+                            <a:t>1</a:t>
+                          </a:r>
+                        </a:p>
+                      </a:txBody>
+                      <a:tcPr anchor="ctr"/>
+                    </a:tc>
+                    <a:tc>
+                      <a:txBody>
+                        <a:bodyPr/>
+                        <a:lstStyle/>
+                        <a:p>
+                          <a:pPr algn="ctr"/>
+                          <a:r>
+                            <a:rPr lang="en-GB" dirty="0"/>
+                            <a:t>0</a:t>
+                          </a:r>
+                        </a:p>
+                      </a:txBody>
+                      <a:tcPr anchor="ctr"/>
+                    </a:tc>
+                    <a:tc>
+                      <a:txBody>
+                        <a:bodyPr/>
+                        <a:lstStyle/>
+                        <a:p>
+                          <a:pPr algn="ctr"/>
+                          <a:r>
+                            <a:rPr lang="en-GB" dirty="0"/>
+                            <a:t>1</a:t>
+                          </a:r>
+                        </a:p>
+                      </a:txBody>
+                      <a:tcPr anchor="ctr"/>
+                    </a:tc>
+                    <a:tc>
+                      <a:txBody>
+                        <a:bodyPr/>
+                        <a:lstStyle/>
+                        <a:p>
+                          <a:pPr algn="ctr"/>
+                          <a:r>
+                            <a:rPr lang="en-GB" dirty="0"/>
+                            <a:t>0</a:t>
+                          </a:r>
+                        </a:p>
+                      </a:txBody>
+                      <a:tcPr anchor="ctr"/>
+                    </a:tc>
+                    <a:extLst>
+                      <a:ext uri="{0D108BD9-81ED-4DB2-BD59-A6C34878D82A}">
+                        <a16:rowId xmlns:a16="http://schemas.microsoft.com/office/drawing/2014/main" val="1111114679"/>
+                      </a:ext>
+                    </a:extLst>
+                  </a:tr>
+                  <a:tr h="370840">
+                    <a:tc>
+                      <a:txBody>
+                        <a:bodyPr/>
+                        <a:lstStyle/>
+                        <a:p>
+                          <a:pPr algn="ctr"/>
+                          <a:r>
+                            <a:rPr lang="en-GB" dirty="0"/>
+                            <a:t>10</a:t>
+                          </a:r>
+                        </a:p>
+                      </a:txBody>
+                      <a:tcPr anchor="ctr"/>
+                    </a:tc>
+                    <a:tc>
+                      <a:txBody>
+                        <a:bodyPr/>
+                        <a:lstStyle/>
+                        <a:p>
+                          <a:pPr algn="ctr"/>
+                          <a:r>
+                            <a:rPr lang="en-GB" dirty="0"/>
+                            <a:t>0</a:t>
+                          </a:r>
+                        </a:p>
+                      </a:txBody>
+                      <a:tcPr anchor="ctr"/>
+                    </a:tc>
+                    <a:tc>
+                      <a:txBody>
+                        <a:bodyPr/>
+                        <a:lstStyle/>
+                        <a:p>
+                          <a:pPr algn="ctr"/>
+                          <a:r>
+                            <a:rPr lang="en-GB" dirty="0"/>
+                            <a:t>1</a:t>
+                          </a:r>
+                        </a:p>
+                      </a:txBody>
+                      <a:tcPr anchor="ctr"/>
+                    </a:tc>
+                    <a:tc>
+                      <a:txBody>
+                        <a:bodyPr/>
+                        <a:lstStyle/>
+                        <a:p>
+                          <a:pPr algn="ctr"/>
+                          <a:r>
+                            <a:rPr lang="en-GB" dirty="0"/>
+                            <a:t>1</a:t>
+                          </a:r>
+                        </a:p>
+                      </a:txBody>
+                      <a:tcPr anchor="ctr"/>
+                    </a:tc>
+                    <a:tc>
+                      <a:txBody>
+                        <a:bodyPr/>
+                        <a:lstStyle/>
+                        <a:p>
+                          <a:pPr algn="ctr"/>
+                          <a:r>
+                            <a:rPr lang="en-GB" dirty="0"/>
+                            <a:t>0</a:t>
+                          </a:r>
+                        </a:p>
+                      </a:txBody>
+                      <a:tcPr anchor="ctr"/>
+                    </a:tc>
+                    <a:tc>
+                      <a:txBody>
+                        <a:bodyPr/>
+                        <a:lstStyle/>
+                        <a:p>
+                          <a:pPr algn="ctr"/>
+                          <a:r>
+                            <a:rPr lang="en-GB" dirty="0"/>
+                            <a:t>1</a:t>
+                          </a:r>
+                        </a:p>
+                      </a:txBody>
+                      <a:tcPr anchor="ctr"/>
+                    </a:tc>
+                    <a:tc>
+                      <a:txBody>
+                        <a:bodyPr/>
+                        <a:lstStyle/>
+                        <a:p>
+                          <a:pPr algn="ctr"/>
+                          <a:r>
+                            <a:rPr lang="en-GB" dirty="0"/>
+                            <a:t>0</a:t>
+                          </a:r>
+                        </a:p>
+                      </a:txBody>
+                      <a:tcPr anchor="ctr"/>
+                    </a:tc>
+                    <a:extLst>
+                      <a:ext uri="{0D108BD9-81ED-4DB2-BD59-A6C34878D82A}">
+                        <a16:rowId xmlns:a16="http://schemas.microsoft.com/office/drawing/2014/main" val="826113176"/>
+                      </a:ext>
+                    </a:extLst>
+                  </a:tr>
+                  <a:tr h="370840">
+                    <a:tc>
+                      <a:txBody>
+                        <a:bodyPr/>
+                        <a:lstStyle/>
+                        <a:p>
+                          <a:pPr algn="ctr"/>
+                          <a:r>
+                            <a:rPr lang="en-GB" dirty="0"/>
+                            <a:t>11</a:t>
+                          </a:r>
+                        </a:p>
+                      </a:txBody>
+                      <a:tcPr anchor="ctr"/>
+                    </a:tc>
+                    <a:tc>
+                      <a:txBody>
+                        <a:bodyPr/>
+                        <a:lstStyle/>
+                        <a:p>
+                          <a:pPr algn="ctr"/>
+                          <a:r>
+                            <a:rPr lang="en-GB" dirty="0"/>
+                            <a:t>1</a:t>
+                          </a:r>
+                        </a:p>
+                      </a:txBody>
+                      <a:tcPr anchor="ctr"/>
+                    </a:tc>
+                    <a:tc>
+                      <a:txBody>
+                        <a:bodyPr/>
+                        <a:lstStyle/>
+                        <a:p>
+                          <a:pPr algn="ctr"/>
+                          <a:r>
+                            <a:rPr lang="en-GB" dirty="0"/>
+                            <a:t>1</a:t>
+                          </a:r>
+                        </a:p>
+                      </a:txBody>
+                      <a:tcPr anchor="ctr"/>
+                    </a:tc>
+                    <a:tc>
+                      <a:txBody>
+                        <a:bodyPr/>
+                        <a:lstStyle/>
+                        <a:p>
+                          <a:pPr algn="ctr"/>
+                          <a:r>
+                            <a:rPr lang="en-GB" dirty="0"/>
+                            <a:t>0</a:t>
+                          </a:r>
+                        </a:p>
+                      </a:txBody>
+                      <a:tcPr anchor="ctr"/>
+                    </a:tc>
+                    <a:tc>
+                      <a:txBody>
+                        <a:bodyPr/>
+                        <a:lstStyle/>
+                        <a:p>
+                          <a:pPr algn="ctr"/>
+                          <a:r>
+                            <a:rPr lang="en-GB" dirty="0"/>
+                            <a:t>0</a:t>
+                          </a:r>
+                        </a:p>
+                      </a:txBody>
+                      <a:tcPr anchor="ctr"/>
+                    </a:tc>
+                    <a:tc>
+                      <a:txBody>
+                        <a:bodyPr/>
+                        <a:lstStyle/>
+                        <a:p>
+                          <a:pPr algn="ctr"/>
+                          <a:r>
+                            <a:rPr lang="en-GB" dirty="0"/>
+                            <a:t>0</a:t>
+                          </a:r>
+                        </a:p>
+                      </a:txBody>
+                      <a:tcPr anchor="ctr"/>
+                    </a:tc>
+                    <a:tc>
+                      <a:txBody>
+                        <a:bodyPr/>
+                        <a:lstStyle/>
+                        <a:p>
+                          <a:pPr algn="ctr"/>
+                          <a:r>
+                            <a:rPr lang="en-GB" dirty="0"/>
+                            <a:t>1</a:t>
+                          </a:r>
+                        </a:p>
+                      </a:txBody>
+                      <a:tcPr anchor="ctr"/>
+                    </a:tc>
+                    <a:extLst>
+                      <a:ext uri="{0D108BD9-81ED-4DB2-BD59-A6C34878D82A}">
+                        <a16:rowId xmlns:a16="http://schemas.microsoft.com/office/drawing/2014/main" val="1155585223"/>
+                      </a:ext>
+                    </a:extLst>
+                  </a:tr>
+                  <a:tr h="373444">
+                    <a:tc>
+                      <a:txBody>
+                        <a:bodyPr/>
+                        <a:lstStyle/>
+                        <a:p>
+                          <a:endParaRPr lang="en-US"/>
+                        </a:p>
+                      </a:txBody>
+                      <a:tcPr anchor="ctr">
+                        <a:blipFill>
+                          <a:blip r:embed="rId2"/>
+                          <a:stretch>
+                            <a:fillRect l="-515" t="-508197" r="-601031" b="-8197"/>
+                          </a:stretch>
+                        </a:blipFill>
+                      </a:tcPr>
+                    </a:tc>
+                    <a:tc>
+                      <a:txBody>
+                        <a:bodyPr/>
+                        <a:lstStyle/>
+                        <a:p>
+                          <a:endParaRPr lang="en-US"/>
+                        </a:p>
+                      </a:txBody>
+                      <a:tcPr anchor="ctr">
+                        <a:blipFill>
+                          <a:blip r:embed="rId2"/>
+                          <a:stretch>
+                            <a:fillRect l="-101036" t="-508197" r="-504145" b="-8197"/>
+                          </a:stretch>
+                        </a:blipFill>
+                      </a:tcPr>
+                    </a:tc>
+                    <a:tc>
+                      <a:txBody>
+                        <a:bodyPr/>
+                        <a:lstStyle/>
+                        <a:p>
+                          <a:endParaRPr lang="en-US"/>
+                        </a:p>
+                      </a:txBody>
+                      <a:tcPr anchor="ctr">
+                        <a:blipFill>
+                          <a:blip r:embed="rId2"/>
+                          <a:stretch>
+                            <a:fillRect l="-200000" t="-508197" r="-401546" b="-8197"/>
+                          </a:stretch>
+                        </a:blipFill>
+                      </a:tcPr>
+                    </a:tc>
+                    <a:tc>
+                      <a:txBody>
+                        <a:bodyPr/>
+                        <a:lstStyle/>
+                        <a:p>
+                          <a:endParaRPr lang="en-US"/>
+                        </a:p>
+                      </a:txBody>
+                      <a:tcPr anchor="ctr">
+                        <a:blipFill>
+                          <a:blip r:embed="rId2"/>
+                          <a:stretch>
+                            <a:fillRect l="-300000" t="-508197" r="-301546" b="-8197"/>
+                          </a:stretch>
+                        </a:blipFill>
+                      </a:tcPr>
+                    </a:tc>
+                    <a:tc>
+                      <a:txBody>
+                        <a:bodyPr/>
+                        <a:lstStyle/>
+                        <a:p>
+                          <a:endParaRPr lang="en-US"/>
+                        </a:p>
+                      </a:txBody>
+                      <a:tcPr anchor="ctr">
+                        <a:blipFill>
+                          <a:blip r:embed="rId2"/>
+                          <a:stretch>
+                            <a:fillRect l="-400000" t="-508197" r="-201546" b="-8197"/>
+                          </a:stretch>
+                        </a:blipFill>
+                      </a:tcPr>
+                    </a:tc>
+                    <a:tc>
+                      <a:txBody>
+                        <a:bodyPr/>
+                        <a:lstStyle/>
+                        <a:p>
+                          <a:endParaRPr lang="en-US"/>
+                        </a:p>
+                      </a:txBody>
+                      <a:tcPr anchor="ctr">
+                        <a:blipFill>
+                          <a:blip r:embed="rId2"/>
+                          <a:stretch>
+                            <a:fillRect l="-502591" t="-508197" r="-102591" b="-8197"/>
+                          </a:stretch>
+                        </a:blipFill>
+                      </a:tcPr>
+                    </a:tc>
+                    <a:tc>
+                      <a:txBody>
+                        <a:bodyPr/>
+                        <a:lstStyle/>
+                        <a:p>
+                          <a:endParaRPr lang="en-US"/>
+                        </a:p>
+                      </a:txBody>
+                      <a:tcPr anchor="ctr">
+                        <a:blipFill>
+                          <a:blip r:embed="rId2"/>
+                          <a:stretch>
+                            <a:fillRect l="-599485" t="-508197" r="-2062" b="-8197"/>
+                          </a:stretch>
+                        </a:blipFill>
+                      </a:tcPr>
+                    </a:tc>
+                    <a:extLst>
+                      <a:ext uri="{0D108BD9-81ED-4DB2-BD59-A6C34878D82A}">
+                        <a16:rowId xmlns:a16="http://schemas.microsoft.com/office/drawing/2014/main" val="88898123"/>
+                      </a:ext>
+                    </a:extLst>
+                  </a:tr>
+                </a:tbl>
+              </a:graphicData>
+            </a:graphic>
+          </p:graphicFrame>
+        </mc:Fallback>
+      </mc:AlternateContent>
+      <p:sp>
+        <p:nvSpPr>
+          <p:cNvPr id="7" name="TextBox 6">
+            <a:extLst>
+              <a:ext uri="{FF2B5EF4-FFF2-40B4-BE49-F238E27FC236}">
+                <a16:creationId xmlns:a16="http://schemas.microsoft.com/office/drawing/2014/main" id="{6766B8A7-A57E-4BBA-FE39-D0CD8C1516EB}"/>
+              </a:ext>
+            </a:extLst>
+          </p:cNvPr>
+          <p:cNvSpPr txBox="1"/>
+          <p:nvPr/>
+        </p:nvSpPr>
+        <p:spPr>
+          <a:xfrm>
+            <a:off x="838200" y="5292546"/>
+            <a:ext cx="5297412" cy="1200329"/>
+          </a:xfrm>
+          <a:prstGeom prst="rect">
+            <a:avLst/>
+          </a:prstGeom>
+          <a:noFill/>
+        </p:spPr>
+        <p:txBody>
+          <a:bodyPr wrap="none" rtlCol="0">
+            <a:spAutoFit/>
+          </a:bodyPr>
+          <a:lstStyle/>
+          <a:p>
+            <a:r>
+              <a:rPr lang="en-GB" dirty="0"/>
+              <a:t>2 input “</a:t>
+            </a:r>
+            <a:r>
+              <a:rPr lang="en-GB" dirty="0" err="1"/>
+              <a:t>eXclusive</a:t>
+            </a:r>
+            <a:r>
+              <a:rPr lang="en-GB" dirty="0"/>
+              <a:t> OR” = one or the other but not both</a:t>
+            </a:r>
+          </a:p>
+          <a:p>
+            <a:r>
+              <a:rPr lang="en-GB" dirty="0"/>
+              <a:t>2 input XNOR is also a “parity” gate</a:t>
+            </a:r>
+          </a:p>
+          <a:p>
+            <a:endParaRPr lang="en-GB" dirty="0"/>
+          </a:p>
+          <a:p>
+            <a:r>
+              <a:rPr lang="en-GB" i="1" dirty="0"/>
+              <a:t>n</a:t>
+            </a:r>
+            <a:r>
+              <a:rPr lang="en-GB" dirty="0"/>
+              <a:t>-input gates are less obvious</a:t>
+            </a:r>
+          </a:p>
+        </p:txBody>
+      </p:sp>
+      <mc:AlternateContent xmlns:mc="http://schemas.openxmlformats.org/markup-compatibility/2006">
+        <mc:Choice xmlns:a14="http://schemas.microsoft.com/office/drawing/2010/main" Requires="a14">
+          <p:graphicFrame>
+            <p:nvGraphicFramePr>
+              <p:cNvPr id="10" name="Table 7">
+                <a:extLst>
+                  <a:ext uri="{FF2B5EF4-FFF2-40B4-BE49-F238E27FC236}">
+                    <a16:creationId xmlns:a16="http://schemas.microsoft.com/office/drawing/2014/main" id="{4200CA96-980B-F783-F6CB-F25974F32954}"/>
+                  </a:ext>
+                </a:extLst>
+              </p:cNvPr>
+              <p:cNvGraphicFramePr>
+                <a:graphicFrameLocks/>
+              </p:cNvGraphicFramePr>
+              <p:nvPr>
+                <p:extLst>
+                  <p:ext uri="{D42A27DB-BD31-4B8C-83A1-F6EECF244321}">
+                    <p14:modId xmlns:p14="http://schemas.microsoft.com/office/powerpoint/2010/main" val="2642508727"/>
+                  </p:ext>
+                </p:extLst>
+              </p:nvPr>
+            </p:nvGraphicFramePr>
+            <p:xfrm>
+              <a:off x="838194" y="1825625"/>
+              <a:ext cx="1995318" cy="1483360"/>
+            </p:xfrm>
+            <a:graphic>
+              <a:graphicData uri="http://schemas.openxmlformats.org/drawingml/2006/table">
+                <a:tbl>
+                  <a:tblPr firstRow="1" bandRow="1">
+                    <a:tableStyleId>{5C22544A-7EE6-4342-B048-85BDC9FD1C3A}</a:tableStyleId>
+                  </a:tblPr>
+                  <a:tblGrid>
+                    <a:gridCol w="997659">
+                      <a:extLst>
+                        <a:ext uri="{9D8B030D-6E8A-4147-A177-3AD203B41FA5}">
+                          <a16:colId xmlns:a16="http://schemas.microsoft.com/office/drawing/2014/main" val="862862155"/>
+                        </a:ext>
+                      </a:extLst>
+                    </a:gridCol>
+                    <a:gridCol w="997659">
+                      <a:extLst>
+                        <a:ext uri="{9D8B030D-6E8A-4147-A177-3AD203B41FA5}">
+                          <a16:colId xmlns:a16="http://schemas.microsoft.com/office/drawing/2014/main" val="2375298010"/>
+                        </a:ext>
+                      </a:extLst>
+                    </a:gridCol>
+                  </a:tblGrid>
+                  <a:tr h="370840">
+                    <a:tc>
+                      <a:txBody>
+                        <a:bodyPr/>
+                        <a:lstStyle/>
+                        <a:p>
+                          <a:pPr algn="ctr"/>
+                          <a:r>
+                            <a:rPr lang="en-GB" dirty="0"/>
+                            <a:t>Input</a:t>
+                          </a:r>
+                        </a:p>
+                      </a:txBody>
+                      <a:tcPr anchor="ctr"/>
+                    </a:tc>
+                    <a:tc>
+                      <a:txBody>
+                        <a:bodyPr/>
+                        <a:lstStyle/>
+                        <a:p>
+                          <a:pPr algn="ctr"/>
+                          <a:r>
+                            <a:rPr lang="en-GB" dirty="0"/>
+                            <a:t>NOT</a:t>
+                          </a:r>
+                        </a:p>
+                      </a:txBody>
+                      <a:tcPr anchor="ctr"/>
+                    </a:tc>
+                    <a:extLst>
+                      <a:ext uri="{0D108BD9-81ED-4DB2-BD59-A6C34878D82A}">
+                        <a16:rowId xmlns:a16="http://schemas.microsoft.com/office/drawing/2014/main" val="573205157"/>
+                      </a:ext>
+                    </a:extLst>
+                  </a:tr>
+                  <a:tr h="370840">
+                    <a:tc>
+                      <a:txBody>
+                        <a:bodyPr/>
+                        <a:lstStyle/>
+                        <a:p>
+                          <a:pPr algn="ctr"/>
+                          <a:r>
+                            <a:rPr lang="en-GB" dirty="0"/>
+                            <a:t>0</a:t>
+                          </a:r>
+                        </a:p>
+                      </a:txBody>
+                      <a:tcPr anchor="ctr"/>
+                    </a:tc>
+                    <a:tc>
+                      <a:txBody>
+                        <a:bodyPr/>
+                        <a:lstStyle/>
+                        <a:p>
+                          <a:pPr algn="ctr"/>
+                          <a:r>
+                            <a:rPr lang="en-GB" dirty="0"/>
+                            <a:t>1</a:t>
+                          </a:r>
+                        </a:p>
+                      </a:txBody>
+                      <a:tcPr anchor="ctr"/>
+                    </a:tc>
+                    <a:extLst>
+                      <a:ext uri="{0D108BD9-81ED-4DB2-BD59-A6C34878D82A}">
+                        <a16:rowId xmlns:a16="http://schemas.microsoft.com/office/drawing/2014/main" val="1491791049"/>
+                      </a:ext>
+                    </a:extLst>
+                  </a:tr>
+                  <a:tr h="370840">
+                    <a:tc>
+                      <a:txBody>
+                        <a:bodyPr/>
+                        <a:lstStyle/>
+                        <a:p>
+                          <a:pPr algn="ctr"/>
+                          <a:r>
+                            <a:rPr lang="en-GB" dirty="0"/>
+                            <a:t>1</a:t>
+                          </a:r>
+                        </a:p>
+                      </a:txBody>
+                      <a:tcPr anchor="ctr"/>
+                    </a:tc>
+                    <a:tc>
+                      <a:txBody>
+                        <a:bodyPr/>
+                        <a:lstStyle/>
+                        <a:p>
+                          <a:pPr algn="ctr"/>
+                          <a:r>
+                            <a:rPr lang="en-GB" dirty="0"/>
+                            <a:t>0</a:t>
+                          </a:r>
+                        </a:p>
+                      </a:txBody>
+                      <a:tcPr anchor="ctr"/>
+                    </a:tc>
+                    <a:extLst>
+                      <a:ext uri="{0D108BD9-81ED-4DB2-BD59-A6C34878D82A}">
+                        <a16:rowId xmlns:a16="http://schemas.microsoft.com/office/drawing/2014/main" val="2214736577"/>
+                      </a:ext>
+                    </a:extLst>
+                  </a:tr>
+                  <a:tr h="370840">
+                    <a:tc>
+                      <a:txBody>
+                        <a:bodyPr/>
+                        <a:lstStyle/>
+                        <a:p>
+                          <a:pPr algn="ctr"/>
+                          <a14:m>
+                            <m:oMathPara xmlns:m="http://schemas.openxmlformats.org/officeDocument/2006/math">
+                              <m:oMathParaPr>
+                                <m:jc m:val="centerGroup"/>
+                              </m:oMathParaPr>
+                              <m:oMath xmlns:m="http://schemas.openxmlformats.org/officeDocument/2006/math">
+                                <m:r>
+                                  <a:rPr lang="en-GB" b="0" i="1" smtClean="0">
+                                    <a:latin typeface="Cambria Math" panose="02040503050406030204" pitchFamily="18" charset="0"/>
+                                  </a:rPr>
+                                  <m:t>𝐴</m:t>
+                                </m:r>
+                              </m:oMath>
+                            </m:oMathPara>
+                          </a14:m>
+                          <a:endParaRPr lang="en-GB" dirty="0"/>
+                        </a:p>
+                      </a:txBody>
+                      <a:tcPr anchor="ctr"/>
+                    </a:tc>
+                    <a:tc>
+                      <a:txBody>
+                        <a:bodyPr/>
+                        <a:lstStyle/>
+                        <a:p>
+                          <a:pPr marL="0" marR="0" lvl="0" indent="0" algn="ctr" defTabSz="914400" rtl="0" eaLnBrk="1" fontAlgn="auto" latinLnBrk="0" hangingPunct="1">
+                            <a:lnSpc>
+                              <a:spcPct val="100000"/>
+                            </a:lnSpc>
+                            <a:spcBef>
+                              <a:spcPts val="0"/>
+                            </a:spcBef>
+                            <a:spcAft>
+                              <a:spcPts val="0"/>
+                            </a:spcAft>
+                            <a:buClrTx/>
+                            <a:buSzTx/>
+                            <a:buFontTx/>
+                            <a:buNone/>
+                            <a:tabLst/>
+                            <a:defRPr/>
+                          </a:pPr>
+                          <a14:m>
+                            <m:oMathPara xmlns:m="http://schemas.openxmlformats.org/officeDocument/2006/math">
+                              <m:oMathParaPr>
+                                <m:jc m:val="centerGroup"/>
+                              </m:oMathParaPr>
+                              <m:oMath xmlns:m="http://schemas.openxmlformats.org/officeDocument/2006/math">
+                                <m:acc>
+                                  <m:accPr>
+                                    <m:chr m:val="̅"/>
+                                    <m:ctrlPr>
+                                      <a:rPr lang="en-GB" i="1" smtClean="0">
+                                        <a:latin typeface="Cambria Math" panose="02040503050406030204" pitchFamily="18" charset="0"/>
+                                      </a:rPr>
+                                    </m:ctrlPr>
+                                  </m:accPr>
+                                  <m:e>
+                                    <m:r>
+                                      <a:rPr lang="en-GB" b="0" i="1" smtClean="0">
+                                        <a:latin typeface="Cambria Math" panose="02040503050406030204" pitchFamily="18" charset="0"/>
+                                      </a:rPr>
+                                      <m:t>𝐴</m:t>
+                                    </m:r>
+                                  </m:e>
+                                </m:acc>
+                              </m:oMath>
+                            </m:oMathPara>
+                          </a14:m>
+                          <a:endParaRPr lang="en-GB" dirty="0"/>
+                        </a:p>
+                      </a:txBody>
+                      <a:tcPr anchor="ctr"/>
+                    </a:tc>
+                    <a:extLst>
+                      <a:ext uri="{0D108BD9-81ED-4DB2-BD59-A6C34878D82A}">
+                        <a16:rowId xmlns:a16="http://schemas.microsoft.com/office/drawing/2014/main" val="1422073556"/>
+                      </a:ext>
+                    </a:extLst>
+                  </a:tr>
+                </a:tbl>
+              </a:graphicData>
+            </a:graphic>
+          </p:graphicFrame>
+        </mc:Choice>
+        <mc:Fallback>
+          <p:graphicFrame>
+            <p:nvGraphicFramePr>
+              <p:cNvPr id="10" name="Table 7">
+                <a:extLst>
+                  <a:ext uri="{FF2B5EF4-FFF2-40B4-BE49-F238E27FC236}">
+                    <a16:creationId xmlns:a16="http://schemas.microsoft.com/office/drawing/2014/main" id="{4200CA96-980B-F783-F6CB-F25974F32954}"/>
+                  </a:ext>
+                </a:extLst>
+              </p:cNvPr>
+              <p:cNvGraphicFramePr>
+                <a:graphicFrameLocks/>
+              </p:cNvGraphicFramePr>
+              <p:nvPr>
+                <p:extLst>
+                  <p:ext uri="{D42A27DB-BD31-4B8C-83A1-F6EECF244321}">
+                    <p14:modId xmlns:p14="http://schemas.microsoft.com/office/powerpoint/2010/main" val="2642508727"/>
+                  </p:ext>
+                </p:extLst>
+              </p:nvPr>
+            </p:nvGraphicFramePr>
+            <p:xfrm>
+              <a:off x="838194" y="1825625"/>
+              <a:ext cx="1995318" cy="1483360"/>
+            </p:xfrm>
+            <a:graphic>
+              <a:graphicData uri="http://schemas.openxmlformats.org/drawingml/2006/table">
+                <a:tbl>
+                  <a:tblPr firstRow="1" bandRow="1">
+                    <a:tableStyleId>{5C22544A-7EE6-4342-B048-85BDC9FD1C3A}</a:tableStyleId>
+                  </a:tblPr>
+                  <a:tblGrid>
+                    <a:gridCol w="997659">
+                      <a:extLst>
+                        <a:ext uri="{9D8B030D-6E8A-4147-A177-3AD203B41FA5}">
+                          <a16:colId xmlns:a16="http://schemas.microsoft.com/office/drawing/2014/main" val="862862155"/>
+                        </a:ext>
+                      </a:extLst>
+                    </a:gridCol>
+                    <a:gridCol w="997659">
+                      <a:extLst>
+                        <a:ext uri="{9D8B030D-6E8A-4147-A177-3AD203B41FA5}">
+                          <a16:colId xmlns:a16="http://schemas.microsoft.com/office/drawing/2014/main" val="2375298010"/>
+                        </a:ext>
+                      </a:extLst>
+                    </a:gridCol>
+                  </a:tblGrid>
+                  <a:tr h="370840">
+                    <a:tc>
+                      <a:txBody>
+                        <a:bodyPr/>
+                        <a:lstStyle/>
+                        <a:p>
+                          <a:pPr algn="ctr"/>
+                          <a:r>
+                            <a:rPr lang="en-GB" dirty="0"/>
+                            <a:t>Input</a:t>
+                          </a:r>
+                        </a:p>
+                      </a:txBody>
+                      <a:tcPr anchor="ctr"/>
+                    </a:tc>
+                    <a:tc>
+                      <a:txBody>
+                        <a:bodyPr/>
+                        <a:lstStyle/>
+                        <a:p>
+                          <a:pPr algn="ctr"/>
+                          <a:r>
+                            <a:rPr lang="en-GB" dirty="0"/>
+                            <a:t>NOT</a:t>
+                          </a:r>
+                        </a:p>
+                      </a:txBody>
+                      <a:tcPr anchor="ctr"/>
+                    </a:tc>
+                    <a:extLst>
+                      <a:ext uri="{0D108BD9-81ED-4DB2-BD59-A6C34878D82A}">
+                        <a16:rowId xmlns:a16="http://schemas.microsoft.com/office/drawing/2014/main" val="573205157"/>
+                      </a:ext>
+                    </a:extLst>
+                  </a:tr>
+                  <a:tr h="370840">
+                    <a:tc>
+                      <a:txBody>
+                        <a:bodyPr/>
+                        <a:lstStyle/>
+                        <a:p>
+                          <a:pPr algn="ctr"/>
+                          <a:r>
+                            <a:rPr lang="en-GB" dirty="0"/>
+                            <a:t>0</a:t>
+                          </a:r>
+                        </a:p>
+                      </a:txBody>
+                      <a:tcPr anchor="ctr"/>
+                    </a:tc>
+                    <a:tc>
+                      <a:txBody>
+                        <a:bodyPr/>
+                        <a:lstStyle/>
+                        <a:p>
+                          <a:pPr algn="ctr"/>
+                          <a:r>
+                            <a:rPr lang="en-GB" dirty="0"/>
+                            <a:t>1</a:t>
+                          </a:r>
+                        </a:p>
+                      </a:txBody>
+                      <a:tcPr anchor="ctr"/>
+                    </a:tc>
+                    <a:extLst>
+                      <a:ext uri="{0D108BD9-81ED-4DB2-BD59-A6C34878D82A}">
+                        <a16:rowId xmlns:a16="http://schemas.microsoft.com/office/drawing/2014/main" val="1491791049"/>
+                      </a:ext>
+                    </a:extLst>
+                  </a:tr>
+                  <a:tr h="370840">
+                    <a:tc>
+                      <a:txBody>
+                        <a:bodyPr/>
+                        <a:lstStyle/>
+                        <a:p>
+                          <a:pPr algn="ctr"/>
+                          <a:r>
+                            <a:rPr lang="en-GB" dirty="0"/>
+                            <a:t>1</a:t>
+                          </a:r>
+                        </a:p>
+                      </a:txBody>
+                      <a:tcPr anchor="ctr"/>
+                    </a:tc>
+                    <a:tc>
+                      <a:txBody>
+                        <a:bodyPr/>
+                        <a:lstStyle/>
+                        <a:p>
+                          <a:pPr algn="ctr"/>
+                          <a:r>
+                            <a:rPr lang="en-GB" dirty="0"/>
+                            <a:t>0</a:t>
+                          </a:r>
+                        </a:p>
+                      </a:txBody>
+                      <a:tcPr anchor="ctr"/>
+                    </a:tc>
+                    <a:extLst>
+                      <a:ext uri="{0D108BD9-81ED-4DB2-BD59-A6C34878D82A}">
+                        <a16:rowId xmlns:a16="http://schemas.microsoft.com/office/drawing/2014/main" val="2214736577"/>
+                      </a:ext>
+                    </a:extLst>
+                  </a:tr>
+                  <a:tr h="370840">
+                    <a:tc>
+                      <a:txBody>
+                        <a:bodyPr/>
+                        <a:lstStyle/>
+                        <a:p>
+                          <a:endParaRPr lang="en-US"/>
+                        </a:p>
+                      </a:txBody>
+                      <a:tcPr anchor="ctr">
+                        <a:blipFill>
+                          <a:blip r:embed="rId3"/>
+                          <a:stretch>
+                            <a:fillRect l="-610" t="-308197" r="-102439" b="-3279"/>
+                          </a:stretch>
+                        </a:blipFill>
+                      </a:tcPr>
+                    </a:tc>
+                    <a:tc>
+                      <a:txBody>
+                        <a:bodyPr/>
+                        <a:lstStyle/>
+                        <a:p>
+                          <a:endParaRPr lang="en-US"/>
+                        </a:p>
+                      </a:txBody>
+                      <a:tcPr anchor="ctr">
+                        <a:blipFill>
+                          <a:blip r:embed="rId3"/>
+                          <a:stretch>
+                            <a:fillRect l="-100610" t="-308197" r="-2439" b="-3279"/>
+                          </a:stretch>
+                        </a:blipFill>
+                      </a:tcPr>
+                    </a:tc>
+                    <a:extLst>
+                      <a:ext uri="{0D108BD9-81ED-4DB2-BD59-A6C34878D82A}">
+                        <a16:rowId xmlns:a16="http://schemas.microsoft.com/office/drawing/2014/main" val="1422073556"/>
+                      </a:ext>
+                    </a:extLst>
+                  </a:tr>
+                </a:tbl>
+              </a:graphicData>
+            </a:graphic>
+          </p:graphicFrame>
+        </mc:Fallback>
+      </mc:AlternateContent>
+      <p:pic>
+        <p:nvPicPr>
+          <p:cNvPr id="12" name="Picture 11">
+            <a:extLst>
+              <a:ext uri="{FF2B5EF4-FFF2-40B4-BE49-F238E27FC236}">
+                <a16:creationId xmlns:a16="http://schemas.microsoft.com/office/drawing/2014/main" id="{49F204B9-8FFB-E423-C5F6-1E260AE6B714}"/>
+              </a:ext>
+            </a:extLst>
+          </p:cNvPr>
+          <p:cNvPicPr>
+            <a:picLocks noChangeAspect="1"/>
+          </p:cNvPicPr>
+          <p:nvPr/>
+        </p:nvPicPr>
+        <p:blipFill rotWithShape="1">
+          <a:blip r:embed="rId4"/>
+          <a:srcRect l="7202" t="8671" r="5604" b="6894"/>
+          <a:stretch/>
+        </p:blipFill>
+        <p:spPr>
+          <a:xfrm>
+            <a:off x="4293314" y="4381944"/>
+            <a:ext cx="1197530" cy="581926"/>
+          </a:xfrm>
+          <a:prstGeom prst="rect">
+            <a:avLst/>
+          </a:prstGeom>
+        </p:spPr>
+      </p:pic>
+      <p:pic>
+        <p:nvPicPr>
+          <p:cNvPr id="14" name="Picture 13">
+            <a:extLst>
+              <a:ext uri="{FF2B5EF4-FFF2-40B4-BE49-F238E27FC236}">
+                <a16:creationId xmlns:a16="http://schemas.microsoft.com/office/drawing/2014/main" id="{BA654B60-166F-D221-7E11-04C0ACD6304C}"/>
+              </a:ext>
+            </a:extLst>
+          </p:cNvPr>
+          <p:cNvPicPr>
+            <a:picLocks noChangeAspect="1"/>
+          </p:cNvPicPr>
+          <p:nvPr/>
+        </p:nvPicPr>
+        <p:blipFill rotWithShape="1">
+          <a:blip r:embed="rId5"/>
+          <a:srcRect l="6642" t="8273" r="7228" b="7214"/>
+          <a:stretch/>
+        </p:blipFill>
+        <p:spPr>
+          <a:xfrm>
+            <a:off x="6673629" y="4388009"/>
+            <a:ext cx="1165712" cy="569796"/>
+          </a:xfrm>
+          <a:prstGeom prst="rect">
+            <a:avLst/>
+          </a:prstGeom>
+        </p:spPr>
+      </p:pic>
+      <p:pic>
+        <p:nvPicPr>
+          <p:cNvPr id="16" name="Picture 15">
+            <a:extLst>
+              <a:ext uri="{FF2B5EF4-FFF2-40B4-BE49-F238E27FC236}">
+                <a16:creationId xmlns:a16="http://schemas.microsoft.com/office/drawing/2014/main" id="{68CC492F-ADE6-AF3F-2ACE-8AB0860694D1}"/>
+              </a:ext>
+            </a:extLst>
+          </p:cNvPr>
+          <p:cNvPicPr>
+            <a:picLocks noChangeAspect="1"/>
+          </p:cNvPicPr>
+          <p:nvPr/>
+        </p:nvPicPr>
+        <p:blipFill rotWithShape="1">
+          <a:blip r:embed="rId6"/>
+          <a:srcRect l="5762" t="8928" r="2688" b="5928"/>
+          <a:stretch/>
+        </p:blipFill>
+        <p:spPr>
+          <a:xfrm>
+            <a:off x="5512386" y="4388009"/>
+            <a:ext cx="1188772" cy="569796"/>
+          </a:xfrm>
+          <a:prstGeom prst="rect">
+            <a:avLst/>
+          </a:prstGeom>
+        </p:spPr>
+      </p:pic>
+      <p:pic>
+        <p:nvPicPr>
+          <p:cNvPr id="18" name="Picture 17">
+            <a:extLst>
+              <a:ext uri="{FF2B5EF4-FFF2-40B4-BE49-F238E27FC236}">
+                <a16:creationId xmlns:a16="http://schemas.microsoft.com/office/drawing/2014/main" id="{C3924FC4-84F8-CCDE-D18B-9CA62E5ED7A8}"/>
+              </a:ext>
+            </a:extLst>
+          </p:cNvPr>
+          <p:cNvPicPr>
+            <a:picLocks noChangeAspect="1"/>
+          </p:cNvPicPr>
+          <p:nvPr/>
+        </p:nvPicPr>
+        <p:blipFill rotWithShape="1">
+          <a:blip r:embed="rId7"/>
+          <a:srcRect l="2743" t="11603" r="3173" b="8611"/>
+          <a:stretch/>
+        </p:blipFill>
+        <p:spPr>
+          <a:xfrm>
+            <a:off x="7811812" y="4388009"/>
+            <a:ext cx="1188772" cy="569797"/>
+          </a:xfrm>
+          <a:prstGeom prst="rect">
+            <a:avLst/>
+          </a:prstGeom>
+        </p:spPr>
+      </p:pic>
+      <p:pic>
+        <p:nvPicPr>
+          <p:cNvPr id="20" name="Picture 19">
+            <a:extLst>
+              <a:ext uri="{FF2B5EF4-FFF2-40B4-BE49-F238E27FC236}">
+                <a16:creationId xmlns:a16="http://schemas.microsoft.com/office/drawing/2014/main" id="{E18C1D6B-CBDF-261D-B2C2-0820CD7877F2}"/>
+              </a:ext>
+            </a:extLst>
+          </p:cNvPr>
+          <p:cNvPicPr>
+            <a:picLocks noChangeAspect="1"/>
+          </p:cNvPicPr>
+          <p:nvPr/>
+        </p:nvPicPr>
+        <p:blipFill rotWithShape="1">
+          <a:blip r:embed="rId8"/>
+          <a:srcRect l="8425" t="10155" r="8558" b="7753"/>
+          <a:stretch/>
+        </p:blipFill>
+        <p:spPr>
+          <a:xfrm>
+            <a:off x="1751295" y="4369519"/>
+            <a:ext cx="1148434" cy="606776"/>
+          </a:xfrm>
+          <a:prstGeom prst="rect">
+            <a:avLst/>
+          </a:prstGeom>
+        </p:spPr>
+      </p:pic>
+      <p:pic>
+        <p:nvPicPr>
+          <p:cNvPr id="22" name="Picture 21">
+            <a:extLst>
+              <a:ext uri="{FF2B5EF4-FFF2-40B4-BE49-F238E27FC236}">
+                <a16:creationId xmlns:a16="http://schemas.microsoft.com/office/drawing/2014/main" id="{4336BB5E-EDD3-3B69-17A1-A17174F36506}"/>
+              </a:ext>
+            </a:extLst>
+          </p:cNvPr>
+          <p:cNvPicPr>
+            <a:picLocks noChangeAspect="1"/>
+          </p:cNvPicPr>
+          <p:nvPr/>
+        </p:nvPicPr>
+        <p:blipFill rotWithShape="1">
+          <a:blip r:embed="rId9"/>
+          <a:srcRect l="9643" t="12810" r="5346" b="10931"/>
+          <a:stretch/>
+        </p:blipFill>
+        <p:spPr>
+          <a:xfrm>
+            <a:off x="9070169" y="4398692"/>
+            <a:ext cx="1188772" cy="548430"/>
+          </a:xfrm>
+          <a:prstGeom prst="rect">
+            <a:avLst/>
+          </a:prstGeom>
+        </p:spPr>
+      </p:pic>
+      <p:pic>
+        <p:nvPicPr>
+          <p:cNvPr id="24" name="Picture 23">
+            <a:extLst>
+              <a:ext uri="{FF2B5EF4-FFF2-40B4-BE49-F238E27FC236}">
+                <a16:creationId xmlns:a16="http://schemas.microsoft.com/office/drawing/2014/main" id="{563EE505-1966-DC3D-1AC5-795026C3D660}"/>
+              </a:ext>
+            </a:extLst>
+          </p:cNvPr>
+          <p:cNvPicPr>
+            <a:picLocks noChangeAspect="1"/>
+          </p:cNvPicPr>
+          <p:nvPr/>
+        </p:nvPicPr>
+        <p:blipFill rotWithShape="1">
+          <a:blip r:embed="rId10"/>
+          <a:srcRect l="6334" t="10737" r="4082" b="9417"/>
+          <a:stretch/>
+        </p:blipFill>
+        <p:spPr>
+          <a:xfrm>
+            <a:off x="10190566" y="4385798"/>
+            <a:ext cx="1163234" cy="574218"/>
+          </a:xfrm>
+          <a:prstGeom prst="rect">
+            <a:avLst/>
+          </a:prstGeom>
+        </p:spPr>
+      </p:pic>
+    </p:spTree>
+    <p:extLst>
+      <p:ext uri="{BB962C8B-B14F-4D97-AF65-F5344CB8AC3E}">
+        <p14:creationId xmlns:p14="http://schemas.microsoft.com/office/powerpoint/2010/main" val="2391808412"/>
+      </p:ext>
+    </p:extLst>
+  </p:cSld>
+  <p:clrMapOvr>
+    <a:masterClrMapping/>
+  </p:clrMapOvr>
+</p:sld>
+</file>
+
+<file path=ppt/slides/slide22.xml><?xml version="1.0" encoding="utf-8"?>
+<p:sld xmlns:a="http://schemas.openxmlformats.org/drawingml/2006/main" xmlns:r="http://schemas.openxmlformats.org/officeDocument/2006/relationships" xmlns:p="http://schemas.openxmlformats.org/presentationml/2006/main">
+  <p:cSld>
+    <p:spTree>
+      <p:nvGrpSpPr>
+        <p:cNvPr id="1" name=""/>
+        <p:cNvGrpSpPr/>
+        <p:nvPr/>
+      </p:nvGrpSpPr>
+      <p:grpSpPr>
+        <a:xfrm>
+          <a:off x="0" y="0"/>
+          <a:ext cx="0" cy="0"/>
+          <a:chOff x="0" y="0"/>
+          <a:chExt cx="0" cy="0"/>
+        </a:xfrm>
+      </p:grpSpPr>
+      <p:sp>
+        <p:nvSpPr>
+          <p:cNvPr id="2" name="Title 1">
+            <a:extLst>
+              <a:ext uri="{FF2B5EF4-FFF2-40B4-BE49-F238E27FC236}">
+                <a16:creationId xmlns:a16="http://schemas.microsoft.com/office/drawing/2014/main" id="{923F6CF6-D53C-188E-FA3D-9851BC027580}"/>
+              </a:ext>
+            </a:extLst>
+          </p:cNvPr>
+          <p:cNvSpPr>
+            <a:spLocks noGrp="1"/>
+          </p:cNvSpPr>
+          <p:nvPr>
+            <p:ph type="title"/>
+          </p:nvPr>
+        </p:nvSpPr>
+        <p:spPr/>
+        <p:txBody>
+          <a:bodyPr/>
+          <a:lstStyle/>
+          <a:p>
+            <a:r>
+              <a:rPr lang="en-GB" dirty="0"/>
+              <a:t>3-Input XOR &amp; XNOR</a:t>
+            </a:r>
+          </a:p>
+        </p:txBody>
+      </p:sp>
+      <p:graphicFrame>
+        <p:nvGraphicFramePr>
+          <p:cNvPr id="4" name="Table 4">
+            <a:extLst>
+              <a:ext uri="{FF2B5EF4-FFF2-40B4-BE49-F238E27FC236}">
+                <a16:creationId xmlns:a16="http://schemas.microsoft.com/office/drawing/2014/main" id="{00877D25-975C-CC25-6973-BA21347A66C0}"/>
+              </a:ext>
+            </a:extLst>
+          </p:cNvPr>
+          <p:cNvGraphicFramePr>
+            <a:graphicFrameLocks noGrp="1"/>
+          </p:cNvGraphicFramePr>
+          <p:nvPr>
+            <p:ph idx="1"/>
+            <p:extLst>
+              <p:ext uri="{D42A27DB-BD31-4B8C-83A1-F6EECF244321}">
+                <p14:modId xmlns:p14="http://schemas.microsoft.com/office/powerpoint/2010/main" val="2237630473"/>
+              </p:ext>
+            </p:extLst>
+          </p:nvPr>
+        </p:nvGraphicFramePr>
+        <p:xfrm>
+          <a:off x="2664178" y="1893888"/>
+          <a:ext cx="6863645" cy="3606800"/>
+        </p:xfrm>
+        <a:graphic>
+          <a:graphicData uri="http://schemas.openxmlformats.org/drawingml/2006/table">
+            <a:tbl>
+              <a:tblPr firstRow="1" bandRow="1">
+                <a:tableStyleId>{5C22544A-7EE6-4342-B048-85BDC9FD1C3A}</a:tableStyleId>
+              </a:tblPr>
+              <a:tblGrid>
+                <a:gridCol w="1021645">
+                  <a:extLst>
+                    <a:ext uri="{9D8B030D-6E8A-4147-A177-3AD203B41FA5}">
+                      <a16:colId xmlns:a16="http://schemas.microsoft.com/office/drawing/2014/main" val="2043051597"/>
+                    </a:ext>
+                  </a:extLst>
+                </a:gridCol>
+                <a:gridCol w="2861733">
+                  <a:extLst>
+                    <a:ext uri="{9D8B030D-6E8A-4147-A177-3AD203B41FA5}">
+                      <a16:colId xmlns:a16="http://schemas.microsoft.com/office/drawing/2014/main" val="983857928"/>
+                    </a:ext>
+                  </a:extLst>
+                </a:gridCol>
+                <a:gridCol w="2980267">
+                  <a:extLst>
+                    <a:ext uri="{9D8B030D-6E8A-4147-A177-3AD203B41FA5}">
+                      <a16:colId xmlns:a16="http://schemas.microsoft.com/office/drawing/2014/main" val="343357605"/>
+                    </a:ext>
+                  </a:extLst>
+                </a:gridCol>
+              </a:tblGrid>
+              <a:tr h="370840">
+                <a:tc>
+                  <a:txBody>
+                    <a:bodyPr/>
+                    <a:lstStyle/>
+                    <a:p>
+                      <a:pPr algn="ctr"/>
+                      <a:r>
+                        <a:rPr lang="en-GB" dirty="0"/>
+                        <a:t>Inputs</a:t>
+                      </a:r>
+                    </a:p>
+                  </a:txBody>
+                  <a:tcPr anchor="ctr"/>
+                </a:tc>
+                <a:tc>
+                  <a:txBody>
+                    <a:bodyPr/>
+                    <a:lstStyle/>
+                    <a:p>
+                      <a:pPr algn="ctr"/>
+                      <a:r>
+                        <a:rPr lang="en-GB" dirty="0"/>
+                        <a:t>XOR</a:t>
+                      </a:r>
+                      <a:br>
+                        <a:rPr lang="en-GB" dirty="0"/>
+                      </a:br>
+                      <a:r>
+                        <a:rPr lang="en-GB" i="1" dirty="0"/>
+                        <a:t>odd</a:t>
+                      </a:r>
+                      <a:r>
+                        <a:rPr lang="en-GB" dirty="0"/>
+                        <a:t> number of inputs high</a:t>
+                      </a:r>
+                    </a:p>
+                  </a:txBody>
+                  <a:tcPr anchor="ctr"/>
+                </a:tc>
+                <a:tc>
+                  <a:txBody>
+                    <a:bodyPr/>
+                    <a:lstStyle/>
+                    <a:p>
+                      <a:pPr algn="ctr"/>
+                      <a:r>
+                        <a:rPr lang="en-GB" dirty="0"/>
+                        <a:t>XNOR</a:t>
+                      </a:r>
+                      <a:br>
+                        <a:rPr lang="en-GB" dirty="0"/>
+                      </a:br>
+                      <a:r>
+                        <a:rPr lang="en-GB" i="1" dirty="0"/>
+                        <a:t>even</a:t>
+                      </a:r>
+                      <a:r>
+                        <a:rPr lang="en-GB" dirty="0"/>
+                        <a:t> number of inputs high</a:t>
+                      </a:r>
+                    </a:p>
+                  </a:txBody>
+                  <a:tcPr anchor="ctr"/>
+                </a:tc>
+                <a:extLst>
+                  <a:ext uri="{0D108BD9-81ED-4DB2-BD59-A6C34878D82A}">
+                    <a16:rowId xmlns:a16="http://schemas.microsoft.com/office/drawing/2014/main" val="3338666001"/>
+                  </a:ext>
+                </a:extLst>
+              </a:tr>
+              <a:tr h="370840">
+                <a:tc>
+                  <a:txBody>
+                    <a:bodyPr/>
+                    <a:lstStyle/>
+                    <a:p>
+                      <a:pPr algn="ctr"/>
+                      <a:r>
+                        <a:rPr lang="en-GB" dirty="0"/>
+                        <a:t>000</a:t>
+                      </a:r>
+                    </a:p>
+                  </a:txBody>
+                  <a:tcPr anchor="ctr"/>
+                </a:tc>
+                <a:tc>
+                  <a:txBody>
+                    <a:bodyPr/>
+                    <a:lstStyle/>
+                    <a:p>
+                      <a:pPr algn="ctr"/>
+                      <a:r>
+                        <a:rPr lang="en-GB" dirty="0"/>
+                        <a:t>0</a:t>
+                      </a:r>
+                    </a:p>
+                  </a:txBody>
+                  <a:tcPr anchor="ctr"/>
+                </a:tc>
+                <a:tc>
+                  <a:txBody>
+                    <a:bodyPr/>
+                    <a:lstStyle/>
+                    <a:p>
+                      <a:pPr algn="ctr"/>
+                      <a:r>
+                        <a:rPr lang="en-GB" dirty="0"/>
+                        <a:t>1</a:t>
+                      </a:r>
+                    </a:p>
+                  </a:txBody>
+                  <a:tcPr anchor="ctr"/>
+                </a:tc>
+                <a:extLst>
+                  <a:ext uri="{0D108BD9-81ED-4DB2-BD59-A6C34878D82A}">
+                    <a16:rowId xmlns:a16="http://schemas.microsoft.com/office/drawing/2014/main" val="3517545623"/>
+                  </a:ext>
+                </a:extLst>
+              </a:tr>
+              <a:tr h="370840">
+                <a:tc>
+                  <a:txBody>
+                    <a:bodyPr/>
+                    <a:lstStyle/>
+                    <a:p>
+                      <a:pPr algn="ctr"/>
+                      <a:r>
+                        <a:rPr lang="en-GB" dirty="0"/>
+                        <a:t>001</a:t>
+                      </a:r>
+                    </a:p>
+                  </a:txBody>
+                  <a:tcPr anchor="ctr"/>
+                </a:tc>
+                <a:tc>
+                  <a:txBody>
+                    <a:bodyPr/>
+                    <a:lstStyle/>
+                    <a:p>
+                      <a:pPr algn="ctr"/>
+                      <a:r>
+                        <a:rPr lang="en-GB" dirty="0"/>
+                        <a:t>1</a:t>
+                      </a:r>
+                    </a:p>
+                  </a:txBody>
+                  <a:tcPr anchor="ctr"/>
+                </a:tc>
+                <a:tc>
+                  <a:txBody>
+                    <a:bodyPr/>
+                    <a:lstStyle/>
+                    <a:p>
+                      <a:pPr algn="ctr"/>
+                      <a:r>
+                        <a:rPr lang="en-GB" dirty="0"/>
+                        <a:t>0</a:t>
+                      </a:r>
+                    </a:p>
+                  </a:txBody>
+                  <a:tcPr anchor="ctr"/>
+                </a:tc>
+                <a:extLst>
+                  <a:ext uri="{0D108BD9-81ED-4DB2-BD59-A6C34878D82A}">
+                    <a16:rowId xmlns:a16="http://schemas.microsoft.com/office/drawing/2014/main" val="723816110"/>
+                  </a:ext>
+                </a:extLst>
+              </a:tr>
+              <a:tr h="370840">
+                <a:tc>
+                  <a:txBody>
+                    <a:bodyPr/>
+                    <a:lstStyle/>
+                    <a:p>
+                      <a:pPr algn="ctr"/>
+                      <a:r>
+                        <a:rPr lang="en-GB" dirty="0"/>
+                        <a:t>010</a:t>
+                      </a:r>
+                    </a:p>
+                  </a:txBody>
+                  <a:tcPr anchor="ctr"/>
+                </a:tc>
+                <a:tc>
+                  <a:txBody>
+                    <a:bodyPr/>
+                    <a:lstStyle/>
+                    <a:p>
+                      <a:pPr algn="ctr"/>
+                      <a:r>
+                        <a:rPr lang="en-GB" dirty="0"/>
+                        <a:t>1</a:t>
+                      </a:r>
+                    </a:p>
+                  </a:txBody>
+                  <a:tcPr anchor="ctr"/>
+                </a:tc>
+                <a:tc>
+                  <a:txBody>
+                    <a:bodyPr/>
+                    <a:lstStyle/>
+                    <a:p>
+                      <a:pPr algn="ctr"/>
+                      <a:r>
+                        <a:rPr lang="en-GB" dirty="0"/>
+                        <a:t>0</a:t>
+                      </a:r>
+                    </a:p>
+                  </a:txBody>
+                  <a:tcPr anchor="ctr"/>
+                </a:tc>
+                <a:extLst>
+                  <a:ext uri="{0D108BD9-81ED-4DB2-BD59-A6C34878D82A}">
+                    <a16:rowId xmlns:a16="http://schemas.microsoft.com/office/drawing/2014/main" val="2279132336"/>
+                  </a:ext>
+                </a:extLst>
+              </a:tr>
+              <a:tr h="370840">
+                <a:tc>
+                  <a:txBody>
+                    <a:bodyPr/>
+                    <a:lstStyle/>
+                    <a:p>
+                      <a:pPr algn="ctr"/>
+                      <a:r>
+                        <a:rPr lang="en-GB" dirty="0"/>
+                        <a:t>011</a:t>
+                      </a:r>
+                    </a:p>
+                  </a:txBody>
+                  <a:tcPr anchor="ctr"/>
+                </a:tc>
+                <a:tc>
+                  <a:txBody>
+                    <a:bodyPr/>
+                    <a:lstStyle/>
+                    <a:p>
+                      <a:pPr algn="ctr"/>
+                      <a:r>
+                        <a:rPr lang="en-GB" dirty="0"/>
+                        <a:t>0</a:t>
+                      </a:r>
+                    </a:p>
+                  </a:txBody>
+                  <a:tcPr anchor="ctr"/>
+                </a:tc>
+                <a:tc>
+                  <a:txBody>
+                    <a:bodyPr/>
+                    <a:lstStyle/>
+                    <a:p>
+                      <a:pPr algn="ctr"/>
+                      <a:r>
+                        <a:rPr lang="en-GB" dirty="0"/>
+                        <a:t>1</a:t>
+                      </a:r>
+                    </a:p>
+                  </a:txBody>
+                  <a:tcPr anchor="ctr"/>
+                </a:tc>
+                <a:extLst>
+                  <a:ext uri="{0D108BD9-81ED-4DB2-BD59-A6C34878D82A}">
+                    <a16:rowId xmlns:a16="http://schemas.microsoft.com/office/drawing/2014/main" val="136245523"/>
+                  </a:ext>
+                </a:extLst>
+              </a:tr>
+              <a:tr h="370840">
+                <a:tc>
+                  <a:txBody>
+                    <a:bodyPr/>
+                    <a:lstStyle/>
+                    <a:p>
+                      <a:pPr algn="ctr"/>
+                      <a:r>
+                        <a:rPr lang="en-GB" dirty="0"/>
+                        <a:t>100</a:t>
+                      </a:r>
+                    </a:p>
+                  </a:txBody>
+                  <a:tcPr anchor="ctr"/>
+                </a:tc>
+                <a:tc>
+                  <a:txBody>
+                    <a:bodyPr/>
+                    <a:lstStyle/>
+                    <a:p>
+                      <a:pPr algn="ctr"/>
+                      <a:r>
+                        <a:rPr lang="en-GB" dirty="0"/>
+                        <a:t>1</a:t>
+                      </a:r>
+                    </a:p>
+                  </a:txBody>
+                  <a:tcPr anchor="ctr"/>
+                </a:tc>
+                <a:tc>
+                  <a:txBody>
+                    <a:bodyPr/>
+                    <a:lstStyle/>
+                    <a:p>
+                      <a:pPr algn="ctr"/>
+                      <a:r>
+                        <a:rPr lang="en-GB" dirty="0"/>
+                        <a:t>0</a:t>
+                      </a:r>
+                    </a:p>
+                  </a:txBody>
+                  <a:tcPr anchor="ctr"/>
+                </a:tc>
+                <a:extLst>
+                  <a:ext uri="{0D108BD9-81ED-4DB2-BD59-A6C34878D82A}">
+                    <a16:rowId xmlns:a16="http://schemas.microsoft.com/office/drawing/2014/main" val="829115041"/>
+                  </a:ext>
+                </a:extLst>
+              </a:tr>
+              <a:tr h="370840">
+                <a:tc>
+                  <a:txBody>
+                    <a:bodyPr/>
+                    <a:lstStyle/>
+                    <a:p>
+                      <a:pPr algn="ctr"/>
+                      <a:r>
+                        <a:rPr lang="en-GB" dirty="0"/>
+                        <a:t>101</a:t>
+                      </a:r>
+                    </a:p>
+                  </a:txBody>
+                  <a:tcPr anchor="ctr"/>
+                </a:tc>
+                <a:tc>
+                  <a:txBody>
+                    <a:bodyPr/>
+                    <a:lstStyle/>
+                    <a:p>
+                      <a:pPr algn="ctr"/>
+                      <a:r>
+                        <a:rPr lang="en-GB" dirty="0"/>
+                        <a:t>0</a:t>
+                      </a:r>
+                    </a:p>
+                  </a:txBody>
+                  <a:tcPr anchor="ctr"/>
+                </a:tc>
+                <a:tc>
+                  <a:txBody>
+                    <a:bodyPr/>
+                    <a:lstStyle/>
+                    <a:p>
+                      <a:pPr algn="ctr"/>
+                      <a:r>
+                        <a:rPr lang="en-GB" dirty="0"/>
+                        <a:t>1</a:t>
+                      </a:r>
+                    </a:p>
+                  </a:txBody>
+                  <a:tcPr anchor="ctr"/>
+                </a:tc>
+                <a:extLst>
+                  <a:ext uri="{0D108BD9-81ED-4DB2-BD59-A6C34878D82A}">
+                    <a16:rowId xmlns:a16="http://schemas.microsoft.com/office/drawing/2014/main" val="479386923"/>
+                  </a:ext>
+                </a:extLst>
+              </a:tr>
+              <a:tr h="370840">
+                <a:tc>
+                  <a:txBody>
+                    <a:bodyPr/>
+                    <a:lstStyle/>
+                    <a:p>
+                      <a:pPr algn="ctr"/>
+                      <a:r>
+                        <a:rPr lang="en-GB" dirty="0"/>
+                        <a:t>110</a:t>
+                      </a:r>
+                    </a:p>
+                  </a:txBody>
+                  <a:tcPr anchor="ctr"/>
+                </a:tc>
+                <a:tc>
+                  <a:txBody>
+                    <a:bodyPr/>
+                    <a:lstStyle/>
+                    <a:p>
+                      <a:pPr algn="ctr"/>
+                      <a:r>
+                        <a:rPr lang="en-GB" dirty="0"/>
+                        <a:t>0</a:t>
+                      </a:r>
+                    </a:p>
+                  </a:txBody>
+                  <a:tcPr anchor="ctr"/>
+                </a:tc>
+                <a:tc>
+                  <a:txBody>
+                    <a:bodyPr/>
+                    <a:lstStyle/>
+                    <a:p>
+                      <a:pPr algn="ctr"/>
+                      <a:r>
+                        <a:rPr lang="en-GB" dirty="0"/>
+                        <a:t>1</a:t>
+                      </a:r>
+                    </a:p>
+                  </a:txBody>
+                  <a:tcPr anchor="ctr"/>
+                </a:tc>
+                <a:extLst>
+                  <a:ext uri="{0D108BD9-81ED-4DB2-BD59-A6C34878D82A}">
+                    <a16:rowId xmlns:a16="http://schemas.microsoft.com/office/drawing/2014/main" val="3631049974"/>
+                  </a:ext>
+                </a:extLst>
+              </a:tr>
+              <a:tr h="370840">
+                <a:tc>
+                  <a:txBody>
+                    <a:bodyPr/>
+                    <a:lstStyle/>
+                    <a:p>
+                      <a:pPr algn="ctr"/>
+                      <a:r>
+                        <a:rPr lang="en-GB" dirty="0"/>
+                        <a:t>111</a:t>
+                      </a:r>
+                    </a:p>
+                  </a:txBody>
+                  <a:tcPr anchor="ctr"/>
+                </a:tc>
+                <a:tc>
+                  <a:txBody>
+                    <a:bodyPr/>
+                    <a:lstStyle/>
+                    <a:p>
+                      <a:pPr algn="ctr"/>
+                      <a:r>
+                        <a:rPr lang="en-GB" dirty="0"/>
+                        <a:t>1</a:t>
+                      </a:r>
+                    </a:p>
+                  </a:txBody>
+                  <a:tcPr anchor="ctr"/>
+                </a:tc>
+                <a:tc>
+                  <a:txBody>
+                    <a:bodyPr/>
+                    <a:lstStyle/>
+                    <a:p>
+                      <a:pPr algn="ctr"/>
+                      <a:r>
+                        <a:rPr lang="en-GB" dirty="0"/>
+                        <a:t>0</a:t>
+                      </a:r>
+                    </a:p>
+                  </a:txBody>
+                  <a:tcPr anchor="ctr"/>
+                </a:tc>
+                <a:extLst>
+                  <a:ext uri="{0D108BD9-81ED-4DB2-BD59-A6C34878D82A}">
+                    <a16:rowId xmlns:a16="http://schemas.microsoft.com/office/drawing/2014/main" val="2202292041"/>
+                  </a:ext>
+                </a:extLst>
+              </a:tr>
+            </a:tbl>
+          </a:graphicData>
+        </a:graphic>
+      </p:graphicFrame>
+      <p:grpSp>
+        <p:nvGrpSpPr>
+          <p:cNvPr id="8" name="Group 7">
+            <a:extLst>
+              <a:ext uri="{FF2B5EF4-FFF2-40B4-BE49-F238E27FC236}">
+                <a16:creationId xmlns:a16="http://schemas.microsoft.com/office/drawing/2014/main" id="{15341ABA-2E80-1AD4-5796-5E92A622BDFD}"/>
+              </a:ext>
+            </a:extLst>
+          </p:cNvPr>
+          <p:cNvGrpSpPr/>
+          <p:nvPr/>
+        </p:nvGrpSpPr>
+        <p:grpSpPr>
+          <a:xfrm>
+            <a:off x="4138079" y="5630583"/>
+            <a:ext cx="2140567" cy="670225"/>
+            <a:chOff x="5144202" y="5934440"/>
+            <a:chExt cx="2140567" cy="670225"/>
+          </a:xfrm>
+        </p:grpSpPr>
+        <p:pic>
+          <p:nvPicPr>
+            <p:cNvPr id="5" name="Picture 4">
+              <a:extLst>
+                <a:ext uri="{FF2B5EF4-FFF2-40B4-BE49-F238E27FC236}">
+                  <a16:creationId xmlns:a16="http://schemas.microsoft.com/office/drawing/2014/main" id="{5B6E0FFD-B758-0968-183A-D1E4E2155E60}"/>
+                </a:ext>
+              </a:extLst>
+            </p:cNvPr>
+            <p:cNvPicPr>
+              <a:picLocks noChangeAspect="1"/>
+            </p:cNvPicPr>
+            <p:nvPr/>
+          </p:nvPicPr>
+          <p:blipFill rotWithShape="1">
+            <a:blip r:embed="rId2"/>
+            <a:srcRect l="13124" t="12810" r="5346" b="10931"/>
+            <a:stretch/>
+          </p:blipFill>
+          <p:spPr>
+            <a:xfrm>
+              <a:off x="6144682" y="6056235"/>
+              <a:ext cx="1140087" cy="548430"/>
+            </a:xfrm>
+            <a:prstGeom prst="rect">
+              <a:avLst/>
+            </a:prstGeom>
+          </p:spPr>
+        </p:pic>
+        <p:pic>
+          <p:nvPicPr>
+            <p:cNvPr id="7" name="Picture 6">
+              <a:extLst>
+                <a:ext uri="{FF2B5EF4-FFF2-40B4-BE49-F238E27FC236}">
+                  <a16:creationId xmlns:a16="http://schemas.microsoft.com/office/drawing/2014/main" id="{F6A6A0C1-33C7-3AB2-9EE7-17B34D3C168E}"/>
+                </a:ext>
+              </a:extLst>
+            </p:cNvPr>
+            <p:cNvPicPr>
+              <a:picLocks noChangeAspect="1"/>
+            </p:cNvPicPr>
+            <p:nvPr/>
+          </p:nvPicPr>
+          <p:blipFill rotWithShape="1">
+            <a:blip r:embed="rId2"/>
+            <a:srcRect l="9643" t="12810" r="18812" b="10931"/>
+            <a:stretch/>
+          </p:blipFill>
+          <p:spPr>
+            <a:xfrm>
+              <a:off x="5144202" y="5934440"/>
+              <a:ext cx="1000480" cy="548430"/>
+            </a:xfrm>
+            <a:prstGeom prst="rect">
+              <a:avLst/>
+            </a:prstGeom>
+          </p:spPr>
+        </p:pic>
+      </p:grpSp>
+      <p:grpSp>
+        <p:nvGrpSpPr>
+          <p:cNvPr id="10" name="Group 9">
+            <a:extLst>
+              <a:ext uri="{FF2B5EF4-FFF2-40B4-BE49-F238E27FC236}">
+                <a16:creationId xmlns:a16="http://schemas.microsoft.com/office/drawing/2014/main" id="{F067F879-5BFE-153F-863B-03EA94680D76}"/>
+              </a:ext>
+            </a:extLst>
+          </p:cNvPr>
+          <p:cNvGrpSpPr/>
+          <p:nvPr/>
+        </p:nvGrpSpPr>
+        <p:grpSpPr>
+          <a:xfrm>
+            <a:off x="7053443" y="5625176"/>
+            <a:ext cx="2123725" cy="681038"/>
+            <a:chOff x="8151986" y="5534160"/>
+            <a:chExt cx="2123725" cy="681038"/>
+          </a:xfrm>
+        </p:grpSpPr>
+        <p:pic>
+          <p:nvPicPr>
+            <p:cNvPr id="6" name="Picture 5">
+              <a:extLst>
+                <a:ext uri="{FF2B5EF4-FFF2-40B4-BE49-F238E27FC236}">
+                  <a16:creationId xmlns:a16="http://schemas.microsoft.com/office/drawing/2014/main" id="{75EAA47C-511E-B9E2-C739-079F68872D62}"/>
+                </a:ext>
+              </a:extLst>
+            </p:cNvPr>
+            <p:cNvPicPr>
+              <a:picLocks noChangeAspect="1"/>
+            </p:cNvPicPr>
+            <p:nvPr/>
+          </p:nvPicPr>
+          <p:blipFill rotWithShape="1">
+            <a:blip r:embed="rId3"/>
+            <a:srcRect l="9414" t="10737" r="4082" b="9417"/>
+            <a:stretch/>
+          </p:blipFill>
+          <p:spPr>
+            <a:xfrm>
+              <a:off x="9152466" y="5640980"/>
+              <a:ext cx="1123245" cy="574218"/>
+            </a:xfrm>
+            <a:prstGeom prst="rect">
+              <a:avLst/>
+            </a:prstGeom>
+          </p:spPr>
+        </p:pic>
+        <p:pic>
+          <p:nvPicPr>
+            <p:cNvPr id="9" name="Picture 8">
+              <a:extLst>
+                <a:ext uri="{FF2B5EF4-FFF2-40B4-BE49-F238E27FC236}">
+                  <a16:creationId xmlns:a16="http://schemas.microsoft.com/office/drawing/2014/main" id="{4414F732-C879-558E-EE78-63B369EFFA24}"/>
+                </a:ext>
+              </a:extLst>
+            </p:cNvPr>
+            <p:cNvPicPr>
+              <a:picLocks noChangeAspect="1"/>
+            </p:cNvPicPr>
+            <p:nvPr/>
+          </p:nvPicPr>
+          <p:blipFill rotWithShape="1">
+            <a:blip r:embed="rId2"/>
+            <a:srcRect l="9643" t="12810" r="18812" b="10931"/>
+            <a:stretch/>
+          </p:blipFill>
+          <p:spPr>
+            <a:xfrm>
+              <a:off x="8151986" y="5534160"/>
+              <a:ext cx="1000480" cy="548430"/>
+            </a:xfrm>
+            <a:prstGeom prst="rect">
+              <a:avLst/>
+            </a:prstGeom>
+          </p:spPr>
+        </p:pic>
+      </p:grpSp>
+      <p:sp>
+        <p:nvSpPr>
+          <p:cNvPr id="11" name="TextBox 10">
+            <a:extLst>
+              <a:ext uri="{FF2B5EF4-FFF2-40B4-BE49-F238E27FC236}">
+                <a16:creationId xmlns:a16="http://schemas.microsoft.com/office/drawing/2014/main" id="{2CB2F344-DE6F-9192-C126-8AF4D846AA54}"/>
+              </a:ext>
+            </a:extLst>
+          </p:cNvPr>
+          <p:cNvSpPr txBox="1"/>
+          <p:nvPr/>
+        </p:nvSpPr>
+        <p:spPr>
+          <a:xfrm>
+            <a:off x="403673" y="5752378"/>
+            <a:ext cx="3347007" cy="369332"/>
+          </a:xfrm>
+          <a:prstGeom prst="rect">
+            <a:avLst/>
+          </a:prstGeom>
+          <a:noFill/>
+        </p:spPr>
+        <p:txBody>
+          <a:bodyPr wrap="none" rtlCol="0">
+            <a:spAutoFit/>
+          </a:bodyPr>
+          <a:lstStyle/>
+          <a:p>
+            <a:r>
+              <a:rPr lang="en-GB" dirty="0"/>
+              <a:t>How do these extend to 4 inputs?</a:t>
+            </a:r>
+          </a:p>
+        </p:txBody>
+      </p:sp>
+    </p:spTree>
+    <p:extLst>
+      <p:ext uri="{BB962C8B-B14F-4D97-AF65-F5344CB8AC3E}">
+        <p14:creationId xmlns:p14="http://schemas.microsoft.com/office/powerpoint/2010/main" val="389100617"/>
+      </p:ext>
+    </p:extLst>
+  </p:cSld>
+  <p:clrMapOvr>
+    <a:masterClrMapping/>
+  </p:clrMapOvr>
+</p:sld>
+</file>
+
+<file path=ppt/slides/slide23.xml><?xml version="1.0" encoding="utf-8"?>
+<p:sld xmlns:a="http://schemas.openxmlformats.org/drawingml/2006/main" xmlns:r="http://schemas.openxmlformats.org/officeDocument/2006/relationships" xmlns:p="http://schemas.openxmlformats.org/presentationml/2006/main">
+  <p:cSld>
+    <p:spTree>
+      <p:nvGrpSpPr>
+        <p:cNvPr id="1" name=""/>
+        <p:cNvGrpSpPr/>
+        <p:nvPr/>
+      </p:nvGrpSpPr>
+      <p:grpSpPr>
+        <a:xfrm>
+          <a:off x="0" y="0"/>
+          <a:ext cx="0" cy="0"/>
+          <a:chOff x="0" y="0"/>
+          <a:chExt cx="0" cy="0"/>
+        </a:xfrm>
+      </p:grpSpPr>
+      <p:sp>
+        <p:nvSpPr>
+          <p:cNvPr id="2" name="Title 1">
+            <a:extLst>
+              <a:ext uri="{FF2B5EF4-FFF2-40B4-BE49-F238E27FC236}">
+                <a16:creationId xmlns:a16="http://schemas.microsoft.com/office/drawing/2014/main" id="{04F58489-277D-C056-B303-E2A6FAFF7490}"/>
+              </a:ext>
+            </a:extLst>
+          </p:cNvPr>
+          <p:cNvSpPr>
+            <a:spLocks noGrp="1"/>
+          </p:cNvSpPr>
+          <p:nvPr>
+            <p:ph type="title"/>
+          </p:nvPr>
+        </p:nvSpPr>
+        <p:spPr/>
+        <p:txBody>
+          <a:bodyPr/>
+          <a:lstStyle/>
+          <a:p>
+            <a:r>
+              <a:rPr lang="en-GB" dirty="0"/>
+              <a:t>DeMorgan’s Theorems</a:t>
+            </a:r>
+          </a:p>
+        </p:txBody>
+      </p:sp>
+      <p:sp>
+        <p:nvSpPr>
+          <p:cNvPr id="3" name="Content Placeholder 2">
+            <a:extLst>
+              <a:ext uri="{FF2B5EF4-FFF2-40B4-BE49-F238E27FC236}">
+                <a16:creationId xmlns:a16="http://schemas.microsoft.com/office/drawing/2014/main" id="{DF0C0705-491C-8456-8BD9-B8EC093A72B7}"/>
+              </a:ext>
+            </a:extLst>
+          </p:cNvPr>
+          <p:cNvSpPr>
+            <a:spLocks noGrp="1"/>
+          </p:cNvSpPr>
+          <p:nvPr>
+            <p:ph sz="half" idx="1"/>
+          </p:nvPr>
+        </p:nvSpPr>
+        <p:spPr>
+          <a:xfrm>
+            <a:off x="838200" y="4216399"/>
+            <a:ext cx="5181600" cy="1960563"/>
+          </a:xfrm>
+        </p:spPr>
+        <p:txBody>
+          <a:bodyPr/>
+          <a:lstStyle/>
+          <a:p>
+            <a:r>
+              <a:rPr lang="en-GB" dirty="0"/>
+              <a:t>We never actually need this as our tools create the LUT contents for us!</a:t>
+            </a:r>
+          </a:p>
+        </p:txBody>
+      </p:sp>
+      <mc:AlternateContent xmlns:mc="http://schemas.openxmlformats.org/markup-compatibility/2006">
+        <mc:Choice xmlns:a14="http://schemas.microsoft.com/office/drawing/2010/main" Requires="a14">
+          <p:sp>
+            <p:nvSpPr>
+              <p:cNvPr id="4" name="Content Placeholder 3">
+                <a:extLst>
+                  <a:ext uri="{FF2B5EF4-FFF2-40B4-BE49-F238E27FC236}">
+                    <a16:creationId xmlns:a16="http://schemas.microsoft.com/office/drawing/2014/main" id="{C3A3BF25-BDAB-5804-92F3-D893B297F3B4}"/>
+                  </a:ext>
+                </a:extLst>
+              </p:cNvPr>
+              <p:cNvSpPr>
+                <a:spLocks noGrp="1"/>
+              </p:cNvSpPr>
+              <p:nvPr>
+                <p:ph sz="half" idx="2"/>
+              </p:nvPr>
+            </p:nvSpPr>
+            <p:spPr/>
+            <p:txBody>
+              <a:bodyPr/>
+              <a:lstStyle/>
+              <a:p>
+                <a:r>
+                  <a:rPr lang="en-GB" dirty="0"/>
+                  <a:t>DeMorgan’s First Theorem</a:t>
+                </a:r>
+              </a:p>
+              <a:p>
+                <a:pPr lvl="1"/>
+                <a14:m>
+                  <m:oMath xmlns:m="http://schemas.openxmlformats.org/officeDocument/2006/math">
+                    <m:acc>
+                      <m:accPr>
+                        <m:chr m:val="̅"/>
+                        <m:ctrlPr>
+                          <a:rPr lang="en-GB" i="1" smtClean="0">
+                            <a:latin typeface="Cambria Math" panose="02040503050406030204" pitchFamily="18" charset="0"/>
+                          </a:rPr>
+                        </m:ctrlPr>
+                      </m:accPr>
+                      <m:e>
+                        <m:r>
+                          <a:rPr lang="en-GB" b="0" i="1" smtClean="0">
+                            <a:latin typeface="Cambria Math" panose="02040503050406030204" pitchFamily="18" charset="0"/>
+                          </a:rPr>
+                          <m:t>𝐴</m:t>
+                        </m:r>
+                        <m:r>
+                          <a:rPr lang="en-GB" b="0" i="1" smtClean="0">
+                            <a:latin typeface="Cambria Math" panose="02040503050406030204" pitchFamily="18" charset="0"/>
+                          </a:rPr>
+                          <m:t>.</m:t>
+                        </m:r>
+                        <m:r>
+                          <a:rPr lang="en-GB" b="0" i="1" smtClean="0">
+                            <a:latin typeface="Cambria Math" panose="02040503050406030204" pitchFamily="18" charset="0"/>
+                          </a:rPr>
+                          <m:t>𝐵</m:t>
+                        </m:r>
+                      </m:e>
+                    </m:acc>
+                    <m:r>
+                      <a:rPr lang="en-GB" b="0" i="1" smtClean="0">
+                        <a:latin typeface="Cambria Math" panose="02040503050406030204" pitchFamily="18" charset="0"/>
+                      </a:rPr>
+                      <m:t>=</m:t>
+                    </m:r>
+                    <m:acc>
+                      <m:accPr>
+                        <m:chr m:val="̅"/>
+                        <m:ctrlPr>
+                          <a:rPr lang="en-GB" i="1">
+                            <a:latin typeface="Cambria Math" panose="02040503050406030204" pitchFamily="18" charset="0"/>
+                          </a:rPr>
+                        </m:ctrlPr>
+                      </m:accPr>
+                      <m:e>
+                        <m:r>
+                          <a:rPr lang="en-GB" i="1">
+                            <a:latin typeface="Cambria Math" panose="02040503050406030204" pitchFamily="18" charset="0"/>
+                          </a:rPr>
+                          <m:t>𝐴</m:t>
+                        </m:r>
+                      </m:e>
+                    </m:acc>
+                    <m:r>
+                      <a:rPr lang="en-GB" b="0" i="1" smtClean="0">
+                        <a:latin typeface="Cambria Math" panose="02040503050406030204" pitchFamily="18" charset="0"/>
+                      </a:rPr>
+                      <m:t>+</m:t>
+                    </m:r>
+                    <m:acc>
+                      <m:accPr>
+                        <m:chr m:val="̅"/>
+                        <m:ctrlPr>
+                          <a:rPr lang="en-GB" i="1">
+                            <a:latin typeface="Cambria Math" panose="02040503050406030204" pitchFamily="18" charset="0"/>
+                          </a:rPr>
+                        </m:ctrlPr>
+                      </m:accPr>
+                      <m:e>
+                        <m:r>
+                          <a:rPr lang="en-GB" i="1">
+                            <a:latin typeface="Cambria Math" panose="02040503050406030204" pitchFamily="18" charset="0"/>
+                          </a:rPr>
+                          <m:t>𝐵</m:t>
+                        </m:r>
+                      </m:e>
+                    </m:acc>
+                  </m:oMath>
+                </a14:m>
+                <a:endParaRPr lang="en-GB" dirty="0"/>
+              </a:p>
+              <a:p>
+                <a:endParaRPr lang="en-GB" dirty="0"/>
+              </a:p>
+              <a:p>
+                <a:endParaRPr lang="en-GB" dirty="0"/>
+              </a:p>
+              <a:p>
+                <a:endParaRPr lang="en-GB" dirty="0"/>
+              </a:p>
+              <a:p>
+                <a:r>
+                  <a:rPr lang="en-GB" dirty="0"/>
+                  <a:t>DeMorgan’s Second Theorem</a:t>
+                </a:r>
+              </a:p>
+              <a:p>
+                <a:pPr lvl="1"/>
+                <a14:m>
+                  <m:oMath xmlns:m="http://schemas.openxmlformats.org/officeDocument/2006/math">
+                    <m:acc>
+                      <m:accPr>
+                        <m:chr m:val="̅"/>
+                        <m:ctrlPr>
+                          <a:rPr lang="en-GB" i="1" smtClean="0">
+                            <a:latin typeface="Cambria Math" panose="02040503050406030204" pitchFamily="18" charset="0"/>
+                          </a:rPr>
+                        </m:ctrlPr>
+                      </m:accPr>
+                      <m:e>
+                        <m:r>
+                          <a:rPr lang="en-GB" b="0" i="1" smtClean="0">
+                            <a:latin typeface="Cambria Math" panose="02040503050406030204" pitchFamily="18" charset="0"/>
+                          </a:rPr>
+                          <m:t>𝐴</m:t>
+                        </m:r>
+                        <m:r>
+                          <a:rPr lang="en-GB" b="0" i="1" smtClean="0">
+                            <a:latin typeface="Cambria Math" panose="02040503050406030204" pitchFamily="18" charset="0"/>
+                          </a:rPr>
+                          <m:t>+</m:t>
+                        </m:r>
+                        <m:r>
+                          <a:rPr lang="en-GB" b="0" i="1" smtClean="0">
+                            <a:latin typeface="Cambria Math" panose="02040503050406030204" pitchFamily="18" charset="0"/>
+                          </a:rPr>
+                          <m:t>𝐵</m:t>
+                        </m:r>
+                      </m:e>
+                    </m:acc>
+                    <m:r>
+                      <a:rPr lang="en-GB" b="0" i="1" smtClean="0">
+                        <a:latin typeface="Cambria Math" panose="02040503050406030204" pitchFamily="18" charset="0"/>
+                      </a:rPr>
+                      <m:t>=</m:t>
+                    </m:r>
+                    <m:acc>
+                      <m:accPr>
+                        <m:chr m:val="̅"/>
+                        <m:ctrlPr>
+                          <a:rPr lang="en-GB" i="1">
+                            <a:latin typeface="Cambria Math" panose="02040503050406030204" pitchFamily="18" charset="0"/>
+                          </a:rPr>
+                        </m:ctrlPr>
+                      </m:accPr>
+                      <m:e>
+                        <m:r>
+                          <a:rPr lang="en-GB" i="1">
+                            <a:latin typeface="Cambria Math" panose="02040503050406030204" pitchFamily="18" charset="0"/>
+                          </a:rPr>
+                          <m:t>𝐴</m:t>
+                        </m:r>
+                      </m:e>
+                    </m:acc>
+                    <m:r>
+                      <a:rPr lang="en-GB" b="0" i="1" smtClean="0">
+                        <a:latin typeface="Cambria Math" panose="02040503050406030204" pitchFamily="18" charset="0"/>
+                      </a:rPr>
+                      <m:t>.</m:t>
+                    </m:r>
+                    <m:acc>
+                      <m:accPr>
+                        <m:chr m:val="̅"/>
+                        <m:ctrlPr>
+                          <a:rPr lang="en-GB" i="1">
+                            <a:latin typeface="Cambria Math" panose="02040503050406030204" pitchFamily="18" charset="0"/>
+                          </a:rPr>
+                        </m:ctrlPr>
+                      </m:accPr>
+                      <m:e>
+                        <m:r>
+                          <a:rPr lang="en-GB" i="1">
+                            <a:latin typeface="Cambria Math" panose="02040503050406030204" pitchFamily="18" charset="0"/>
+                          </a:rPr>
+                          <m:t>𝐵</m:t>
+                        </m:r>
+                      </m:e>
+                    </m:acc>
+                  </m:oMath>
+                </a14:m>
+                <a:endParaRPr lang="en-GB" dirty="0"/>
+              </a:p>
+            </p:txBody>
+          </p:sp>
+        </mc:Choice>
+        <mc:Fallback>
+          <p:sp>
+            <p:nvSpPr>
+              <p:cNvPr id="4" name="Content Placeholder 3">
+                <a:extLst>
+                  <a:ext uri="{FF2B5EF4-FFF2-40B4-BE49-F238E27FC236}">
+                    <a16:creationId xmlns:a16="http://schemas.microsoft.com/office/drawing/2014/main" id="{C3A3BF25-BDAB-5804-92F3-D893B297F3B4}"/>
+                  </a:ext>
+                </a:extLst>
+              </p:cNvPr>
+              <p:cNvSpPr>
+                <a:spLocks noGrp="1" noRot="1" noChangeAspect="1" noMove="1" noResize="1" noEditPoints="1" noAdjustHandles="1" noChangeArrowheads="1" noChangeShapeType="1" noTextEdit="1"/>
+              </p:cNvSpPr>
+              <p:nvPr>
+                <p:ph sz="half" idx="2"/>
+              </p:nvPr>
+            </p:nvSpPr>
+            <p:spPr>
+              <a:blipFill>
+                <a:blip r:embed="rId2"/>
+                <a:stretch>
+                  <a:fillRect l="-2118" t="-2241"/>
+                </a:stretch>
+              </a:blipFill>
+            </p:spPr>
+            <p:txBody>
+              <a:bodyPr/>
+              <a:lstStyle/>
+              <a:p>
+                <a:r>
+                  <a:rPr lang="en-GB">
+                    <a:noFill/>
+                  </a:rPr>
+                  <a:t> </a:t>
+                </a:r>
+              </a:p>
+            </p:txBody>
+          </p:sp>
+        </mc:Fallback>
+      </mc:AlternateContent>
+      <p:grpSp>
+        <p:nvGrpSpPr>
+          <p:cNvPr id="21" name="Group 20">
+            <a:extLst>
+              <a:ext uri="{FF2B5EF4-FFF2-40B4-BE49-F238E27FC236}">
+                <a16:creationId xmlns:a16="http://schemas.microsoft.com/office/drawing/2014/main" id="{157596C1-E8D0-77CD-7772-5DB2603BFB35}"/>
+              </a:ext>
+            </a:extLst>
+          </p:cNvPr>
+          <p:cNvGrpSpPr/>
+          <p:nvPr/>
+        </p:nvGrpSpPr>
+        <p:grpSpPr>
+          <a:xfrm>
+            <a:off x="6927872" y="2906342"/>
+            <a:ext cx="2870863" cy="569796"/>
+            <a:chOff x="6927872" y="2906342"/>
+            <a:chExt cx="2870863" cy="569796"/>
+          </a:xfrm>
+        </p:grpSpPr>
+        <p:pic>
+          <p:nvPicPr>
+            <p:cNvPr id="12" name="Picture 11">
+              <a:extLst>
+                <a:ext uri="{FF2B5EF4-FFF2-40B4-BE49-F238E27FC236}">
+                  <a16:creationId xmlns:a16="http://schemas.microsoft.com/office/drawing/2014/main" id="{E36D7AE9-D6F2-5BCB-06E2-1A75E0091843}"/>
+                </a:ext>
+              </a:extLst>
+            </p:cNvPr>
+            <p:cNvPicPr>
+              <a:picLocks noChangeAspect="1"/>
+            </p:cNvPicPr>
+            <p:nvPr/>
+          </p:nvPicPr>
+          <p:blipFill rotWithShape="1">
+            <a:blip r:embed="rId3"/>
+            <a:srcRect l="6642" t="8273" r="7228" b="7214"/>
+            <a:stretch/>
+          </p:blipFill>
+          <p:spPr>
+            <a:xfrm>
+              <a:off x="6927872" y="2906342"/>
+              <a:ext cx="1165712" cy="569796"/>
+            </a:xfrm>
+            <a:prstGeom prst="rect">
+              <a:avLst/>
+            </a:prstGeom>
+          </p:spPr>
+        </p:pic>
+        <p:sp>
+          <p:nvSpPr>
+            <p:cNvPr id="13" name="TextBox 12">
+              <a:extLst>
+                <a:ext uri="{FF2B5EF4-FFF2-40B4-BE49-F238E27FC236}">
+                  <a16:creationId xmlns:a16="http://schemas.microsoft.com/office/drawing/2014/main" id="{451386BE-8325-6AB8-E918-99EAF8CC9E61}"/>
+                </a:ext>
+              </a:extLst>
+            </p:cNvPr>
+            <p:cNvSpPr txBox="1"/>
+            <p:nvPr/>
+          </p:nvSpPr>
+          <p:spPr>
+            <a:xfrm>
+              <a:off x="8161644" y="2929630"/>
+              <a:ext cx="364202" cy="523220"/>
+            </a:xfrm>
+            <a:prstGeom prst="rect">
+              <a:avLst/>
+            </a:prstGeom>
+            <a:noFill/>
+          </p:spPr>
+          <p:txBody>
+            <a:bodyPr wrap="none" rtlCol="0">
+              <a:spAutoFit/>
+            </a:bodyPr>
+            <a:lstStyle/>
+            <a:p>
+              <a:r>
+                <a:rPr lang="en-GB" sz="2800" dirty="0"/>
+                <a:t>≡</a:t>
+              </a:r>
+            </a:p>
+          </p:txBody>
+        </p:sp>
+        <p:grpSp>
+          <p:nvGrpSpPr>
+            <p:cNvPr id="16" name="Group 15">
+              <a:extLst>
+                <a:ext uri="{FF2B5EF4-FFF2-40B4-BE49-F238E27FC236}">
+                  <a16:creationId xmlns:a16="http://schemas.microsoft.com/office/drawing/2014/main" id="{B0DDD24B-80D7-36C7-691E-D84A5F5A0223}"/>
+                </a:ext>
+              </a:extLst>
+            </p:cNvPr>
+            <p:cNvGrpSpPr/>
+            <p:nvPr/>
+          </p:nvGrpSpPr>
+          <p:grpSpPr>
+            <a:xfrm>
+              <a:off x="8609963" y="2906342"/>
+              <a:ext cx="1188772" cy="569796"/>
+              <a:chOff x="3992243" y="3515942"/>
+              <a:chExt cx="1188772" cy="569796"/>
+            </a:xfrm>
+          </p:grpSpPr>
+          <p:pic>
+            <p:nvPicPr>
+              <p:cNvPr id="11" name="Picture 10">
+                <a:extLst>
+                  <a:ext uri="{FF2B5EF4-FFF2-40B4-BE49-F238E27FC236}">
+                    <a16:creationId xmlns:a16="http://schemas.microsoft.com/office/drawing/2014/main" id="{78C423CB-C158-E713-D93D-7BC6B70606D7}"/>
+                  </a:ext>
+                </a:extLst>
+              </p:cNvPr>
+              <p:cNvPicPr>
+                <a:picLocks noChangeAspect="1"/>
+              </p:cNvPicPr>
+              <p:nvPr/>
+            </p:nvPicPr>
+            <p:blipFill rotWithShape="1">
+              <a:blip r:embed="rId4"/>
+              <a:srcRect l="5762" t="8928" r="2688" b="5928"/>
+              <a:stretch/>
+            </p:blipFill>
+            <p:spPr>
+              <a:xfrm>
+                <a:off x="3992243" y="3515942"/>
+                <a:ext cx="1188772" cy="569796"/>
+              </a:xfrm>
+              <a:prstGeom prst="rect">
+                <a:avLst/>
+              </a:prstGeom>
+            </p:spPr>
+          </p:pic>
+          <p:sp>
+            <p:nvSpPr>
+              <p:cNvPr id="14" name="Oval 13">
+                <a:extLst>
+                  <a:ext uri="{FF2B5EF4-FFF2-40B4-BE49-F238E27FC236}">
+                    <a16:creationId xmlns:a16="http://schemas.microsoft.com/office/drawing/2014/main" id="{1CC70F31-BED6-2855-4BDC-EFD144204680}"/>
+                  </a:ext>
+                </a:extLst>
+              </p:cNvPr>
+              <p:cNvSpPr/>
+              <p:nvPr/>
+            </p:nvSpPr>
+            <p:spPr>
+              <a:xfrm>
+                <a:off x="4241690" y="3872058"/>
+                <a:ext cx="92528" cy="92528"/>
+              </a:xfrm>
+              <a:prstGeom prst="ellipse">
+                <a:avLst/>
+              </a:prstGeom>
+              <a:solidFill>
+                <a:schemeClr val="bg1"/>
+              </a:solidFill>
+              <a:ln w="25400">
+                <a:solidFill>
+                  <a:schemeClr val="tx1"/>
+                </a:solidFill>
+              </a:ln>
+            </p:spPr>
+            <p:style>
+              <a:lnRef idx="2">
+                <a:schemeClr val="accent1">
+                  <a:shade val="15000"/>
+                </a:schemeClr>
+              </a:lnRef>
+              <a:fillRef idx="1">
+                <a:schemeClr val="accent1"/>
+              </a:fillRef>
+              <a:effectRef idx="0">
+                <a:schemeClr val="accent1"/>
+              </a:effectRef>
+              <a:fontRef idx="minor">
+                <a:schemeClr val="lt1"/>
+              </a:fontRef>
+            </p:style>
+            <p:txBody>
+              <a:bodyPr rtlCol="0" anchor="ctr"/>
+              <a:lstStyle/>
+              <a:p>
+                <a:pPr algn="ctr"/>
+                <a:endParaRPr lang="en-GB"/>
+              </a:p>
+            </p:txBody>
+          </p:sp>
+          <p:sp>
+            <p:nvSpPr>
+              <p:cNvPr id="15" name="Oval 14">
+                <a:extLst>
+                  <a:ext uri="{FF2B5EF4-FFF2-40B4-BE49-F238E27FC236}">
+                    <a16:creationId xmlns:a16="http://schemas.microsoft.com/office/drawing/2014/main" id="{EC2F98BD-B75F-E785-F4E0-35A603A7833C}"/>
+                  </a:ext>
+                </a:extLst>
+              </p:cNvPr>
+              <p:cNvSpPr/>
+              <p:nvPr/>
+            </p:nvSpPr>
+            <p:spPr>
+              <a:xfrm>
+                <a:off x="4241690" y="3631062"/>
+                <a:ext cx="92528" cy="92528"/>
+              </a:xfrm>
+              <a:prstGeom prst="ellipse">
+                <a:avLst/>
+              </a:prstGeom>
+              <a:solidFill>
+                <a:schemeClr val="bg1"/>
+              </a:solidFill>
+              <a:ln w="25400">
+                <a:solidFill>
+                  <a:schemeClr val="tx1"/>
+                </a:solidFill>
+              </a:ln>
+            </p:spPr>
+            <p:style>
+              <a:lnRef idx="2">
+                <a:schemeClr val="accent1">
+                  <a:shade val="15000"/>
+                </a:schemeClr>
+              </a:lnRef>
+              <a:fillRef idx="1">
+                <a:schemeClr val="accent1"/>
+              </a:fillRef>
+              <a:effectRef idx="0">
+                <a:schemeClr val="accent1"/>
+              </a:effectRef>
+              <a:fontRef idx="minor">
+                <a:schemeClr val="lt1"/>
+              </a:fontRef>
+            </p:style>
+            <p:txBody>
+              <a:bodyPr rtlCol="0" anchor="ctr"/>
+              <a:lstStyle/>
+              <a:p>
+                <a:pPr algn="ctr"/>
+                <a:endParaRPr lang="en-GB"/>
+              </a:p>
+            </p:txBody>
+          </p:sp>
+        </p:grpSp>
+      </p:grpSp>
+      <p:grpSp>
+        <p:nvGrpSpPr>
+          <p:cNvPr id="20" name="Group 19">
+            <a:extLst>
+              <a:ext uri="{FF2B5EF4-FFF2-40B4-BE49-F238E27FC236}">
+                <a16:creationId xmlns:a16="http://schemas.microsoft.com/office/drawing/2014/main" id="{14F5868C-DB4F-B031-E93E-5303DF94347F}"/>
+              </a:ext>
+            </a:extLst>
+          </p:cNvPr>
+          <p:cNvGrpSpPr/>
+          <p:nvPr/>
+        </p:nvGrpSpPr>
+        <p:grpSpPr>
+          <a:xfrm>
+            <a:off x="6927872" y="5331644"/>
+            <a:ext cx="2879621" cy="581926"/>
+            <a:chOff x="6927872" y="5292612"/>
+            <a:chExt cx="2879621" cy="581926"/>
+          </a:xfrm>
+        </p:grpSpPr>
+        <p:grpSp>
+          <p:nvGrpSpPr>
+            <p:cNvPr id="18" name="Group 17">
+              <a:extLst>
+                <a:ext uri="{FF2B5EF4-FFF2-40B4-BE49-F238E27FC236}">
+                  <a16:creationId xmlns:a16="http://schemas.microsoft.com/office/drawing/2014/main" id="{1BBD4A1F-2C26-D37B-515F-93BB7FAB4951}"/>
+                </a:ext>
+              </a:extLst>
+            </p:cNvPr>
+            <p:cNvGrpSpPr/>
+            <p:nvPr/>
+          </p:nvGrpSpPr>
+          <p:grpSpPr>
+            <a:xfrm>
+              <a:off x="8609963" y="5292612"/>
+              <a:ext cx="1197530" cy="581926"/>
+              <a:chOff x="8513443" y="5284000"/>
+              <a:chExt cx="1197530" cy="581926"/>
+            </a:xfrm>
+          </p:grpSpPr>
+          <p:pic>
+            <p:nvPicPr>
+              <p:cNvPr id="5" name="Picture 4">
+                <a:extLst>
+                  <a:ext uri="{FF2B5EF4-FFF2-40B4-BE49-F238E27FC236}">
+                    <a16:creationId xmlns:a16="http://schemas.microsoft.com/office/drawing/2014/main" id="{16463675-A161-A99C-2BAB-FFFE11C11704}"/>
+                  </a:ext>
+                </a:extLst>
+              </p:cNvPr>
+              <p:cNvPicPr>
+                <a:picLocks noChangeAspect="1"/>
+              </p:cNvPicPr>
+              <p:nvPr/>
+            </p:nvPicPr>
+            <p:blipFill rotWithShape="1">
+              <a:blip r:embed="rId5"/>
+              <a:srcRect l="7202" t="8671" r="5604" b="6894"/>
+              <a:stretch/>
+            </p:blipFill>
+            <p:spPr>
+              <a:xfrm>
+                <a:off x="8513443" y="5284000"/>
+                <a:ext cx="1197530" cy="581926"/>
+              </a:xfrm>
+              <a:prstGeom prst="rect">
+                <a:avLst/>
+              </a:prstGeom>
+            </p:spPr>
+          </p:pic>
+          <p:sp>
+            <p:nvSpPr>
+              <p:cNvPr id="9" name="Oval 8">
+                <a:extLst>
+                  <a:ext uri="{FF2B5EF4-FFF2-40B4-BE49-F238E27FC236}">
+                    <a16:creationId xmlns:a16="http://schemas.microsoft.com/office/drawing/2014/main" id="{358863FF-0EEC-17C6-C73B-6A35ACF78FE0}"/>
+                  </a:ext>
+                </a:extLst>
+              </p:cNvPr>
+              <p:cNvSpPr/>
+              <p:nvPr/>
+            </p:nvSpPr>
+            <p:spPr>
+              <a:xfrm>
+                <a:off x="8746916" y="5651834"/>
+                <a:ext cx="92528" cy="92528"/>
+              </a:xfrm>
+              <a:prstGeom prst="ellipse">
+                <a:avLst/>
+              </a:prstGeom>
+              <a:solidFill>
+                <a:schemeClr val="bg1"/>
+              </a:solidFill>
+              <a:ln w="25400">
+                <a:solidFill>
+                  <a:schemeClr val="tx1"/>
+                </a:solidFill>
+              </a:ln>
+            </p:spPr>
+            <p:style>
+              <a:lnRef idx="2">
+                <a:schemeClr val="accent1">
+                  <a:shade val="15000"/>
+                </a:schemeClr>
+              </a:lnRef>
+              <a:fillRef idx="1">
+                <a:schemeClr val="accent1"/>
+              </a:fillRef>
+              <a:effectRef idx="0">
+                <a:schemeClr val="accent1"/>
+              </a:effectRef>
+              <a:fontRef idx="minor">
+                <a:schemeClr val="lt1"/>
+              </a:fontRef>
+            </p:style>
+            <p:txBody>
+              <a:bodyPr rtlCol="0" anchor="ctr"/>
+              <a:lstStyle/>
+              <a:p>
+                <a:pPr algn="ctr"/>
+                <a:endParaRPr lang="en-GB"/>
+              </a:p>
+            </p:txBody>
+          </p:sp>
+          <p:sp>
+            <p:nvSpPr>
+              <p:cNvPr id="7" name="Oval 6">
+                <a:extLst>
+                  <a:ext uri="{FF2B5EF4-FFF2-40B4-BE49-F238E27FC236}">
+                    <a16:creationId xmlns:a16="http://schemas.microsoft.com/office/drawing/2014/main" id="{00E03E0F-D954-EF9E-975A-67ABFA32E3C4}"/>
+                  </a:ext>
+                </a:extLst>
+              </p:cNvPr>
+              <p:cNvSpPr/>
+              <p:nvPr/>
+            </p:nvSpPr>
+            <p:spPr>
+              <a:xfrm>
+                <a:off x="8746916" y="5412579"/>
+                <a:ext cx="92528" cy="92528"/>
+              </a:xfrm>
+              <a:prstGeom prst="ellipse">
+                <a:avLst/>
+              </a:prstGeom>
+              <a:solidFill>
+                <a:schemeClr val="bg1"/>
+              </a:solidFill>
+              <a:ln w="25400">
+                <a:solidFill>
+                  <a:schemeClr val="tx1"/>
+                </a:solidFill>
+              </a:ln>
+            </p:spPr>
+            <p:style>
+              <a:lnRef idx="2">
+                <a:schemeClr val="accent1">
+                  <a:shade val="15000"/>
+                </a:schemeClr>
+              </a:lnRef>
+              <a:fillRef idx="1">
+                <a:schemeClr val="accent1"/>
+              </a:fillRef>
+              <a:effectRef idx="0">
+                <a:schemeClr val="accent1"/>
+              </a:effectRef>
+              <a:fontRef idx="minor">
+                <a:schemeClr val="lt1"/>
+              </a:fontRef>
+            </p:style>
+            <p:txBody>
+              <a:bodyPr rtlCol="0" anchor="ctr"/>
+              <a:lstStyle/>
+              <a:p>
+                <a:pPr algn="ctr"/>
+                <a:endParaRPr lang="en-GB"/>
+              </a:p>
+            </p:txBody>
+          </p:sp>
+        </p:grpSp>
+        <p:sp>
+          <p:nvSpPr>
+            <p:cNvPr id="10" name="TextBox 9">
+              <a:extLst>
+                <a:ext uri="{FF2B5EF4-FFF2-40B4-BE49-F238E27FC236}">
+                  <a16:creationId xmlns:a16="http://schemas.microsoft.com/office/drawing/2014/main" id="{CFB17E28-1900-572A-D9AC-5AC55B6D8F5F}"/>
+                </a:ext>
+              </a:extLst>
+            </p:cNvPr>
+            <p:cNvSpPr txBox="1"/>
+            <p:nvPr/>
+          </p:nvSpPr>
+          <p:spPr>
+            <a:xfrm>
+              <a:off x="8161644" y="5321965"/>
+              <a:ext cx="364202" cy="523220"/>
+            </a:xfrm>
+            <a:prstGeom prst="rect">
+              <a:avLst/>
+            </a:prstGeom>
+            <a:noFill/>
+          </p:spPr>
+          <p:txBody>
+            <a:bodyPr wrap="none" rtlCol="0">
+              <a:spAutoFit/>
+            </a:bodyPr>
+            <a:lstStyle/>
+            <a:p>
+              <a:r>
+                <a:rPr lang="en-GB" sz="2800" dirty="0"/>
+                <a:t>≡</a:t>
+              </a:r>
+            </a:p>
+          </p:txBody>
+        </p:sp>
+        <p:pic>
+          <p:nvPicPr>
+            <p:cNvPr id="17" name="Picture 16">
+              <a:extLst>
+                <a:ext uri="{FF2B5EF4-FFF2-40B4-BE49-F238E27FC236}">
+                  <a16:creationId xmlns:a16="http://schemas.microsoft.com/office/drawing/2014/main" id="{C12FABD5-827A-2C15-79A5-A6A24EFE6F68}"/>
+                </a:ext>
+              </a:extLst>
+            </p:cNvPr>
+            <p:cNvPicPr>
+              <a:picLocks noChangeAspect="1"/>
+            </p:cNvPicPr>
+            <p:nvPr/>
+          </p:nvPicPr>
+          <p:blipFill rotWithShape="1">
+            <a:blip r:embed="rId6"/>
+            <a:srcRect l="2743" t="11603" r="3173" b="8611"/>
+            <a:stretch/>
+          </p:blipFill>
+          <p:spPr>
+            <a:xfrm>
+              <a:off x="6927872" y="5298677"/>
+              <a:ext cx="1188772" cy="569797"/>
+            </a:xfrm>
+            <a:prstGeom prst="rect">
+              <a:avLst/>
+            </a:prstGeom>
+          </p:spPr>
+        </p:pic>
+      </p:grpSp>
+      <p:pic>
+        <p:nvPicPr>
+          <p:cNvPr id="1026" name="Picture 2">
+            <a:extLst>
+              <a:ext uri="{FF2B5EF4-FFF2-40B4-BE49-F238E27FC236}">
+                <a16:creationId xmlns:a16="http://schemas.microsoft.com/office/drawing/2014/main" id="{18DF4374-05CC-FA13-9BE1-5571D2A4F1A6}"/>
+              </a:ext>
+            </a:extLst>
+          </p:cNvPr>
+          <p:cNvPicPr>
+            <a:picLocks noChangeAspect="1" noChangeArrowheads="1"/>
+          </p:cNvPicPr>
+          <p:nvPr/>
+        </p:nvPicPr>
+        <p:blipFill>
+          <a:blip r:embed="rId7">
+            <a:extLst>
+              <a:ext uri="{28A0092B-C50C-407E-A947-70E740481C1C}">
+                <a14:useLocalDpi xmlns:a14="http://schemas.microsoft.com/office/drawing/2010/main" val="0"/>
+              </a:ext>
+            </a:extLst>
+          </a:blip>
+          <a:srcRect/>
+          <a:stretch>
+            <a:fillRect/>
+          </a:stretch>
+        </p:blipFill>
+        <p:spPr bwMode="auto">
+          <a:xfrm>
+            <a:off x="838200" y="1825625"/>
+            <a:ext cx="1905000" cy="2352675"/>
+          </a:xfrm>
+          <a:prstGeom prst="rect">
+            <a:avLst/>
+          </a:prstGeom>
+          <a:noFill/>
+          <a:extLst>
+            <a:ext uri="{909E8E84-426E-40DD-AFC4-6F175D3DCCD1}">
+              <a14:hiddenFill xmlns:a14="http://schemas.microsoft.com/office/drawing/2010/main">
+                <a:solidFill>
+                  <a:srgbClr val="FFFFFF"/>
+                </a:solidFill>
+              </a14:hiddenFill>
+            </a:ext>
+          </a:extLst>
+        </p:spPr>
+      </p:pic>
+      <p:sp>
+        <p:nvSpPr>
+          <p:cNvPr id="23" name="TextBox 22">
+            <a:extLst>
+              <a:ext uri="{FF2B5EF4-FFF2-40B4-BE49-F238E27FC236}">
+                <a16:creationId xmlns:a16="http://schemas.microsoft.com/office/drawing/2014/main" id="{06DF78FB-D96B-39AA-65E6-4D925C2747C8}"/>
+              </a:ext>
+            </a:extLst>
+          </p:cNvPr>
+          <p:cNvSpPr txBox="1"/>
+          <p:nvPr/>
+        </p:nvSpPr>
+        <p:spPr>
+          <a:xfrm>
+            <a:off x="2827317" y="1821133"/>
+            <a:ext cx="3192483" cy="1200329"/>
+          </a:xfrm>
+          <a:prstGeom prst="rect">
+            <a:avLst/>
+          </a:prstGeom>
+          <a:noFill/>
+        </p:spPr>
+        <p:txBody>
+          <a:bodyPr wrap="square" rtlCol="0">
+            <a:spAutoFit/>
+          </a:bodyPr>
+          <a:lstStyle/>
+          <a:p>
+            <a:r>
+              <a:rPr lang="en-GB" b="1" dirty="0"/>
+              <a:t>Augustus De Morgan</a:t>
+            </a:r>
+          </a:p>
+          <a:p>
+            <a:r>
+              <a:rPr lang="en-GB" dirty="0"/>
+              <a:t>27 June 1806 - 18 March 1871</a:t>
+            </a:r>
+          </a:p>
+          <a:p>
+            <a:r>
+              <a:rPr lang="en-GB" dirty="0"/>
+              <a:t>was a British mathematician and logician.</a:t>
+            </a:r>
+          </a:p>
+        </p:txBody>
+      </p:sp>
+    </p:spTree>
+    <p:extLst>
+      <p:ext uri="{BB962C8B-B14F-4D97-AF65-F5344CB8AC3E}">
+        <p14:creationId xmlns:p14="http://schemas.microsoft.com/office/powerpoint/2010/main" val="3918797593"/>
+      </p:ext>
+    </p:extLst>
+  </p:cSld>
+  <p:clrMapOvr>
+    <a:masterClrMapping/>
+  </p:clrMapOvr>
+</p:sld>
+</file>
+
 <file path=ppt/slides/slide3.xml><?xml version="1.0" encoding="utf-8"?>
 <p:sld xmlns:a="http://schemas.openxmlformats.org/drawingml/2006/main" xmlns:r="http://schemas.openxmlformats.org/officeDocument/2006/relationships" xmlns:p="http://schemas.openxmlformats.org/presentationml/2006/main">
   <p:cSld>

--- a/docs/Training/Training_Material.pptx
+++ b/docs/Training/Training_Material.pptx
@@ -4695,7 +4695,7 @@
   <dgm:whole/>
   <dgm:extLst>
     <a:ext uri="http://schemas.microsoft.com/office/drawing/2008/diagram">
-      <dsp:dataModelExt xmlns:dsp="http://schemas.microsoft.com/office/drawing/2008/diagram" relId="rId9" minVer="http://schemas.openxmlformats.org/drawingml/2006/diagram"/>
+      <dsp:dataModelExt xmlns:dsp="http://schemas.microsoft.com/office/drawing/2008/diagram" relId="rId8" minVer="http://schemas.openxmlformats.org/drawingml/2006/diagram"/>
     </a:ext>
   </dgm:extLst>
 </dgm:dataModel>
@@ -11287,7 +11287,7 @@
           <a:p>
             <a:fld id="{30B3C7E8-375D-401E-BEC1-10CE8D38D293}" type="datetimeFigureOut">
               <a:rPr lang="en-GB" smtClean="0"/>
-              <a:t>30/07/2023</a:t>
+              <a:t>27/04/2024</a:t>
             </a:fld>
             <a:endParaRPr lang="en-GB"/>
           </a:p>
@@ -12248,7 +12248,7 @@
           <a:p>
             <a:fld id="{17AE5EF1-79CE-4930-A913-038157A37917}" type="datetimeFigureOut">
               <a:rPr lang="en-GB" smtClean="0"/>
-              <a:t>30/07/2023</a:t>
+              <a:t>27/04/2024</a:t>
             </a:fld>
             <a:endParaRPr lang="en-GB"/>
           </a:p>
@@ -12448,7 +12448,7 @@
           <a:p>
             <a:fld id="{17AE5EF1-79CE-4930-A913-038157A37917}" type="datetimeFigureOut">
               <a:rPr lang="en-GB" smtClean="0"/>
-              <a:t>30/07/2023</a:t>
+              <a:t>27/04/2024</a:t>
             </a:fld>
             <a:endParaRPr lang="en-GB"/>
           </a:p>
@@ -12658,7 +12658,7 @@
           <a:p>
             <a:fld id="{17AE5EF1-79CE-4930-A913-038157A37917}" type="datetimeFigureOut">
               <a:rPr lang="en-GB" smtClean="0"/>
-              <a:t>30/07/2023</a:t>
+              <a:t>27/04/2024</a:t>
             </a:fld>
             <a:endParaRPr lang="en-GB"/>
           </a:p>
@@ -12858,7 +12858,7 @@
           <a:p>
             <a:fld id="{17AE5EF1-79CE-4930-A913-038157A37917}" type="datetimeFigureOut">
               <a:rPr lang="en-GB" smtClean="0"/>
-              <a:t>30/07/2023</a:t>
+              <a:t>27/04/2024</a:t>
             </a:fld>
             <a:endParaRPr lang="en-GB"/>
           </a:p>
@@ -13134,7 +13134,7 @@
           <a:p>
             <a:fld id="{17AE5EF1-79CE-4930-A913-038157A37917}" type="datetimeFigureOut">
               <a:rPr lang="en-GB" smtClean="0"/>
-              <a:t>30/07/2023</a:t>
+              <a:t>27/04/2024</a:t>
             </a:fld>
             <a:endParaRPr lang="en-GB"/>
           </a:p>
@@ -13402,7 +13402,7 @@
           <a:p>
             <a:fld id="{17AE5EF1-79CE-4930-A913-038157A37917}" type="datetimeFigureOut">
               <a:rPr lang="en-GB" smtClean="0"/>
-              <a:t>30/07/2023</a:t>
+              <a:t>27/04/2024</a:t>
             </a:fld>
             <a:endParaRPr lang="en-GB"/>
           </a:p>
@@ -13817,7 +13817,7 @@
           <a:p>
             <a:fld id="{17AE5EF1-79CE-4930-A913-038157A37917}" type="datetimeFigureOut">
               <a:rPr lang="en-GB" smtClean="0"/>
-              <a:t>30/07/2023</a:t>
+              <a:t>27/04/2024</a:t>
             </a:fld>
             <a:endParaRPr lang="en-GB"/>
           </a:p>
@@ -13959,7 +13959,7 @@
           <a:p>
             <a:fld id="{17AE5EF1-79CE-4930-A913-038157A37917}" type="datetimeFigureOut">
               <a:rPr lang="en-GB" smtClean="0"/>
-              <a:t>30/07/2023</a:t>
+              <a:t>27/04/2024</a:t>
             </a:fld>
             <a:endParaRPr lang="en-GB"/>
           </a:p>
@@ -14072,7 +14072,7 @@
           <a:p>
             <a:fld id="{17AE5EF1-79CE-4930-A913-038157A37917}" type="datetimeFigureOut">
               <a:rPr lang="en-GB" smtClean="0"/>
-              <a:t>30/07/2023</a:t>
+              <a:t>27/04/2024</a:t>
             </a:fld>
             <a:endParaRPr lang="en-GB"/>
           </a:p>
@@ -14385,7 +14385,7 @@
           <a:p>
             <a:fld id="{17AE5EF1-79CE-4930-A913-038157A37917}" type="datetimeFigureOut">
               <a:rPr lang="en-GB" smtClean="0"/>
-              <a:t>30/07/2023</a:t>
+              <a:t>27/04/2024</a:t>
             </a:fld>
             <a:endParaRPr lang="en-GB"/>
           </a:p>
@@ -14674,7 +14674,7 @@
           <a:p>
             <a:fld id="{17AE5EF1-79CE-4930-A913-038157A37917}" type="datetimeFigureOut">
               <a:rPr lang="en-GB" smtClean="0"/>
-              <a:t>30/07/2023</a:t>
+              <a:t>27/04/2024</a:t>
             </a:fld>
             <a:endParaRPr lang="en-GB"/>
           </a:p>
@@ -14917,7 +14917,7 @@
           <a:p>
             <a:fld id="{17AE5EF1-79CE-4930-A913-038157A37917}" type="datetimeFigureOut">
               <a:rPr lang="en-GB" smtClean="0"/>
-              <a:t>30/07/2023</a:t>
+              <a:t>27/04/2024</a:t>
             </a:fld>
             <a:endParaRPr lang="en-GB"/>
           </a:p>
@@ -15593,7 +15593,7 @@
             <a:pPr lvl="1"/>
             <a:r>
               <a:rPr lang="en-GB" dirty="0"/>
-              <a:t>3 LEDs</a:t>
+              <a:t>4 LEDs</a:t>
             </a:r>
           </a:p>
           <a:p>
@@ -15612,17 +15612,17 @@
           <a:p>
             <a:r>
               <a:rPr lang="en-GB" dirty="0"/>
-              <a:t>The simulation wave window then needs to be used to debug the design</a:t>
+              <a:t>The simulation wave window then needs to be used to verify and debug your design</a:t>
             </a:r>
           </a:p>
         </p:txBody>
       </p:sp>
       <p:grpSp>
         <p:nvGrpSpPr>
-          <p:cNvPr id="39" name="Group 38">
+          <p:cNvPr id="61" name="Group 60">
             <a:extLst>
               <a:ext uri="{FF2B5EF4-FFF2-40B4-BE49-F238E27FC236}">
-                <a16:creationId xmlns:a16="http://schemas.microsoft.com/office/drawing/2014/main" id="{06BE1162-1542-8E6B-BAC8-8F59DDBCC0A5}"/>
+                <a16:creationId xmlns:a16="http://schemas.microsoft.com/office/drawing/2014/main" id="{296C0988-9935-61FB-A342-8F29F6A4C0BF}"/>
               </a:ext>
             </a:extLst>
           </p:cNvPr>
@@ -15631,18 +15631,18 @@
         </p:nvGrpSpPr>
         <p:grpSpPr>
           <a:xfrm>
-            <a:off x="7273795" y="1953843"/>
+            <a:off x="6940163" y="1690688"/>
             <a:ext cx="3650796" cy="4094902"/>
-            <a:chOff x="1271715" y="2009457"/>
+            <a:chOff x="6940163" y="1381549"/>
             <a:chExt cx="3650796" cy="4094902"/>
           </a:xfrm>
         </p:grpSpPr>
         <p:sp>
           <p:nvSpPr>
-            <p:cNvPr id="6" name="Rectangle 5">
+            <p:cNvPr id="62" name="Rectangle 61">
               <a:extLst>
                 <a:ext uri="{FF2B5EF4-FFF2-40B4-BE49-F238E27FC236}">
-                  <a16:creationId xmlns:a16="http://schemas.microsoft.com/office/drawing/2014/main" id="{933BF2E5-88D9-2425-6C27-1961C3189D8C}"/>
+                  <a16:creationId xmlns:a16="http://schemas.microsoft.com/office/drawing/2014/main" id="{CF4DD120-5519-351F-1B36-985863A1CE8F}"/>
                 </a:ext>
               </a:extLst>
             </p:cNvPr>
@@ -15651,7 +15651,7 @@
           </p:nvSpPr>
           <p:spPr>
             <a:xfrm>
-              <a:off x="1271715" y="2012208"/>
+              <a:off x="6940163" y="1384300"/>
               <a:ext cx="3650796" cy="4092151"/>
             </a:xfrm>
             <a:prstGeom prst="rect">
@@ -15684,16 +15684,16 @@
             <a:lstStyle/>
             <a:p>
               <a:pPr algn="ctr"/>
-              <a:endParaRPr lang="en-GB"/>
+              <a:endParaRPr lang="en-GB" sz="2000"/>
             </a:p>
           </p:txBody>
         </p:sp>
         <p:sp>
           <p:nvSpPr>
-            <p:cNvPr id="7" name="Rectangle 6">
+            <p:cNvPr id="63" name="Rectangle 62">
               <a:extLst>
                 <a:ext uri="{FF2B5EF4-FFF2-40B4-BE49-F238E27FC236}">
-                  <a16:creationId xmlns:a16="http://schemas.microsoft.com/office/drawing/2014/main" id="{B7808B37-A771-BA34-69E7-6B1632486BDE}"/>
+                  <a16:creationId xmlns:a16="http://schemas.microsoft.com/office/drawing/2014/main" id="{AD7CE706-B23D-F3C7-4972-52C3D22EA42F}"/>
                 </a:ext>
               </a:extLst>
             </p:cNvPr>
@@ -15702,7 +15702,7 @@
           </p:nvSpPr>
           <p:spPr>
             <a:xfrm>
-              <a:off x="2681033" y="3249969"/>
+              <a:off x="8349481" y="2622061"/>
               <a:ext cx="1498922" cy="1209555"/>
             </a:xfrm>
             <a:prstGeom prst="rect">
@@ -15741,10 +15741,10 @@
         </p:sp>
         <p:sp>
           <p:nvSpPr>
-            <p:cNvPr id="8" name="TextBox 7">
+            <p:cNvPr id="64" name="TextBox 63">
               <a:extLst>
                 <a:ext uri="{FF2B5EF4-FFF2-40B4-BE49-F238E27FC236}">
-                  <a16:creationId xmlns:a16="http://schemas.microsoft.com/office/drawing/2014/main" id="{86A99D5A-0E55-4A6C-1CCF-07FB2262FE05}"/>
+                  <a16:creationId xmlns:a16="http://schemas.microsoft.com/office/drawing/2014/main" id="{CA66A9A0-F00C-4F5B-230B-A35326FD217E}"/>
                 </a:ext>
               </a:extLst>
             </p:cNvPr>
@@ -15753,8 +15753,8 @@
           </p:nvSpPr>
           <p:spPr>
             <a:xfrm>
-              <a:off x="3666473" y="3246453"/>
-              <a:ext cx="316112" cy="184666"/>
+              <a:off x="9400374" y="2618545"/>
+              <a:ext cx="316113" cy="184666"/>
             </a:xfrm>
             <a:prstGeom prst="rect">
               <a:avLst/>
@@ -15777,10 +15777,10 @@
         </p:sp>
         <p:sp>
           <p:nvSpPr>
-            <p:cNvPr id="9" name="TextBox 8">
+            <p:cNvPr id="65" name="TextBox 64">
               <a:extLst>
                 <a:ext uri="{FF2B5EF4-FFF2-40B4-BE49-F238E27FC236}">
-                  <a16:creationId xmlns:a16="http://schemas.microsoft.com/office/drawing/2014/main" id="{F4C23E57-CE08-3095-6CE2-D10AFB60FEA1}"/>
+                  <a16:creationId xmlns:a16="http://schemas.microsoft.com/office/drawing/2014/main" id="{95FFBA2A-1628-5FFF-8EB0-20F6D6FD50F1}"/>
                 </a:ext>
               </a:extLst>
             </p:cNvPr>
@@ -15789,7 +15789,7 @@
           </p:nvSpPr>
           <p:spPr>
             <a:xfrm>
-              <a:off x="2956017" y="3246453"/>
+              <a:off x="8541911" y="2618545"/>
               <a:ext cx="171522" cy="184666"/>
             </a:xfrm>
             <a:prstGeom prst="rect">
@@ -15814,10 +15814,10 @@
         </p:sp>
         <p:sp>
           <p:nvSpPr>
-            <p:cNvPr id="10" name="TextBox 9">
+            <p:cNvPr id="66" name="TextBox 65">
               <a:extLst>
                 <a:ext uri="{FF2B5EF4-FFF2-40B4-BE49-F238E27FC236}">
-                  <a16:creationId xmlns:a16="http://schemas.microsoft.com/office/drawing/2014/main" id="{37B28352-3B85-1646-C952-DF0C8A210125}"/>
+                  <a16:creationId xmlns:a16="http://schemas.microsoft.com/office/drawing/2014/main" id="{2B80C0FE-E375-33E1-35E8-00F58CC5AA0E}"/>
                 </a:ext>
               </a:extLst>
             </p:cNvPr>
@@ -15826,7 +15826,7 @@
           </p:nvSpPr>
           <p:spPr>
             <a:xfrm>
-              <a:off x="2680637" y="3414761"/>
+              <a:off x="8349085" y="2786853"/>
               <a:ext cx="1498922" cy="369332"/>
             </a:xfrm>
             <a:prstGeom prst="rect">
@@ -15850,10 +15850,10 @@
         </p:sp>
         <p:sp>
           <p:nvSpPr>
-            <p:cNvPr id="11" name="TextBox 10">
+            <p:cNvPr id="67" name="TextBox 66">
               <a:extLst>
                 <a:ext uri="{FF2B5EF4-FFF2-40B4-BE49-F238E27FC236}">
-                  <a16:creationId xmlns:a16="http://schemas.microsoft.com/office/drawing/2014/main" id="{64B7E209-510C-EDD8-981A-522BFF38A6C2}"/>
+                  <a16:creationId xmlns:a16="http://schemas.microsoft.com/office/drawing/2014/main" id="{CFFCD3B3-28CE-F371-58D4-B491DAD3958D}"/>
                 </a:ext>
               </a:extLst>
             </p:cNvPr>
@@ -15862,7 +15862,7 @@
           </p:nvSpPr>
           <p:spPr>
             <a:xfrm>
-              <a:off x="2680637" y="3759275"/>
+              <a:off x="8349085" y="3365047"/>
               <a:ext cx="810153" cy="184666"/>
             </a:xfrm>
             <a:prstGeom prst="rect">
@@ -15885,10 +15885,10 @@
         </p:sp>
         <p:sp>
           <p:nvSpPr>
-            <p:cNvPr id="12" name="TextBox 11">
+            <p:cNvPr id="68" name="TextBox 67">
               <a:extLst>
                 <a:ext uri="{FF2B5EF4-FFF2-40B4-BE49-F238E27FC236}">
-                  <a16:creationId xmlns:a16="http://schemas.microsoft.com/office/drawing/2014/main" id="{4D38A396-EBF8-935F-5DAA-CDC1C32B4737}"/>
+                  <a16:creationId xmlns:a16="http://schemas.microsoft.com/office/drawing/2014/main" id="{C88BD4E5-3352-3B5F-1A1F-7E2B5AAEA113}"/>
                 </a:ext>
               </a:extLst>
             </p:cNvPr>
@@ -15897,8 +15897,8 @@
           </p:nvSpPr>
           <p:spPr>
             <a:xfrm>
-              <a:off x="3598186" y="3759275"/>
-              <a:ext cx="581373" cy="184666"/>
+              <a:off x="9266633" y="3365047"/>
+              <a:ext cx="581374" cy="184666"/>
             </a:xfrm>
             <a:prstGeom prst="rect">
               <a:avLst/>
@@ -15925,10 +15925,10 @@
         </p:sp>
         <p:pic>
           <p:nvPicPr>
-            <p:cNvPr id="13" name="Picture 12">
+            <p:cNvPr id="69" name="Picture 68">
               <a:extLst>
                 <a:ext uri="{FF2B5EF4-FFF2-40B4-BE49-F238E27FC236}">
-                  <a16:creationId xmlns:a16="http://schemas.microsoft.com/office/drawing/2014/main" id="{CA7BDE66-9570-C966-7895-846ABBE08568}"/>
+                  <a16:creationId xmlns:a16="http://schemas.microsoft.com/office/drawing/2014/main" id="{3616804C-7354-C297-3751-A3423D2C3BDF}"/>
                 </a:ext>
               </a:extLst>
             </p:cNvPr>
@@ -15945,7 +15945,7 @@
           </p:blipFill>
           <p:spPr>
             <a:xfrm>
-              <a:off x="2370504" y="4792780"/>
+              <a:off x="8038952" y="4164872"/>
               <a:ext cx="2119980" cy="1111032"/>
             </a:xfrm>
             <a:prstGeom prst="rect">
@@ -15962,26 +15962,28 @@
         </p:pic>
         <p:cxnSp>
           <p:nvCxnSpPr>
-            <p:cNvPr id="14" name="Connector: Elbow 13">
+            <p:cNvPr id="70" name="Connector: Elbow 69">
               <a:extLst>
                 <a:ext uri="{FF2B5EF4-FFF2-40B4-BE49-F238E27FC236}">
-                  <a16:creationId xmlns:a16="http://schemas.microsoft.com/office/drawing/2014/main" id="{7F168BAF-C50F-5D92-7FB0-6C0B11BF2CC1}"/>
+                  <a16:creationId xmlns:a16="http://schemas.microsoft.com/office/drawing/2014/main" id="{640EA0F4-1211-4F94-DE74-4D4370E10264}"/>
                 </a:ext>
               </a:extLst>
             </p:cNvPr>
             <p:cNvCxnSpPr>
               <a:cxnSpLocks/>
+              <a:stCxn id="69" idx="1"/>
+              <a:endCxn id="67" idx="1"/>
             </p:cNvCxnSpPr>
             <p:nvPr/>
           </p:nvCxnSpPr>
           <p:spPr>
             <a:xfrm rot="10800000" flipH="1">
-              <a:off x="2370504" y="3854747"/>
-              <a:ext cx="310529" cy="1493549"/>
+              <a:off x="8038951" y="3457380"/>
+              <a:ext cx="310133" cy="1263008"/>
             </a:xfrm>
             <a:prstGeom prst="bentConnector3">
               <a:avLst>
-                <a:gd name="adj1" fmla="val -73616"/>
+                <a:gd name="adj1" fmla="val -73710"/>
               </a:avLst>
             </a:prstGeom>
             <a:ln>
@@ -16012,28 +16014,28 @@
         </p:cxnSp>
         <p:cxnSp>
           <p:nvCxnSpPr>
-            <p:cNvPr id="15" name="Connector: Elbow 14">
+            <p:cNvPr id="71" name="Connector: Elbow 70">
               <a:extLst>
                 <a:ext uri="{FF2B5EF4-FFF2-40B4-BE49-F238E27FC236}">
-                  <a16:creationId xmlns:a16="http://schemas.microsoft.com/office/drawing/2014/main" id="{2417C4A1-DF20-99F4-9452-B4E132E84D96}"/>
+                  <a16:creationId xmlns:a16="http://schemas.microsoft.com/office/drawing/2014/main" id="{25106B13-E4FC-8B45-04DA-1652B7EA9F77}"/>
                 </a:ext>
               </a:extLst>
             </p:cNvPr>
             <p:cNvCxnSpPr>
               <a:cxnSpLocks/>
-              <a:stCxn id="7" idx="3"/>
-              <a:endCxn id="13" idx="3"/>
+              <a:stCxn id="68" idx="3"/>
+              <a:endCxn id="69" idx="3"/>
             </p:cNvCxnSpPr>
             <p:nvPr/>
           </p:nvCxnSpPr>
           <p:spPr>
             <a:xfrm>
-              <a:off x="4179955" y="3854747"/>
-              <a:ext cx="310529" cy="1493549"/>
+              <a:off x="9848007" y="3457380"/>
+              <a:ext cx="310925" cy="1263008"/>
             </a:xfrm>
             <a:prstGeom prst="bentConnector3">
               <a:avLst>
-                <a:gd name="adj1" fmla="val 173616"/>
+                <a:gd name="adj1" fmla="val 173523"/>
               </a:avLst>
             </a:prstGeom>
             <a:ln>
@@ -16064,10 +16066,10 @@
         </p:cxnSp>
         <p:sp>
           <p:nvSpPr>
-            <p:cNvPr id="16" name="Rectangle: Rounded Corners 15">
+            <p:cNvPr id="72" name="Rectangle: Rounded Corners 71">
               <a:extLst>
                 <a:ext uri="{FF2B5EF4-FFF2-40B4-BE49-F238E27FC236}">
-                  <a16:creationId xmlns:a16="http://schemas.microsoft.com/office/drawing/2014/main" id="{A9BB72FB-6571-F684-437E-1FCA4B679B77}"/>
+                  <a16:creationId xmlns:a16="http://schemas.microsoft.com/office/drawing/2014/main" id="{810179E8-6062-637A-B28A-6D6BED341C60}"/>
                 </a:ext>
               </a:extLst>
             </p:cNvPr>
@@ -16076,8 +16078,8 @@
           </p:nvSpPr>
           <p:spPr>
             <a:xfrm>
-              <a:off x="1446944" y="2568099"/>
-              <a:ext cx="1038796" cy="603222"/>
+              <a:off x="7115392" y="1940190"/>
+              <a:ext cx="1038796" cy="819377"/>
             </a:xfrm>
             <a:prstGeom prst="roundRect">
               <a:avLst/>
@@ -16115,10 +16117,10 @@
         </p:sp>
         <p:sp>
           <p:nvSpPr>
-            <p:cNvPr id="17" name="TextBox 16">
+            <p:cNvPr id="73" name="TextBox 72">
               <a:extLst>
                 <a:ext uri="{FF2B5EF4-FFF2-40B4-BE49-F238E27FC236}">
-                  <a16:creationId xmlns:a16="http://schemas.microsoft.com/office/drawing/2014/main" id="{F23C7822-6BC2-3D29-8FA5-0E308ED9E3C4}"/>
+                  <a16:creationId xmlns:a16="http://schemas.microsoft.com/office/drawing/2014/main" id="{78225362-08D3-1863-B1A3-3BCFCCD6005D}"/>
                 </a:ext>
               </a:extLst>
             </p:cNvPr>
@@ -16127,8 +16129,8 @@
           </p:nvSpPr>
           <p:spPr>
             <a:xfrm>
-              <a:off x="2133276" y="2579082"/>
-              <a:ext cx="352464" cy="184666"/>
+              <a:off x="7801723" y="1971494"/>
+              <a:ext cx="352465" cy="184666"/>
             </a:xfrm>
             <a:prstGeom prst="rect">
               <a:avLst/>
@@ -16151,10 +16153,10 @@
         </p:sp>
         <p:sp>
           <p:nvSpPr>
-            <p:cNvPr id="18" name="TextBox 17">
+            <p:cNvPr id="74" name="TextBox 73">
               <a:extLst>
                 <a:ext uri="{FF2B5EF4-FFF2-40B4-BE49-F238E27FC236}">
-                  <a16:creationId xmlns:a16="http://schemas.microsoft.com/office/drawing/2014/main" id="{3EA57755-1751-EB4A-94D5-750CD49DB09B}"/>
+                  <a16:creationId xmlns:a16="http://schemas.microsoft.com/office/drawing/2014/main" id="{55DA7131-ECB5-3789-772B-0656F3895D13}"/>
                 </a:ext>
               </a:extLst>
             </p:cNvPr>
@@ -16163,7 +16165,7 @@
           </p:nvSpPr>
           <p:spPr>
             <a:xfrm>
-              <a:off x="2277867" y="2774721"/>
+              <a:off x="7946315" y="2385541"/>
               <a:ext cx="207873" cy="184666"/>
             </a:xfrm>
             <a:prstGeom prst="rect">
@@ -16188,23 +16190,23 @@
         </p:sp>
         <p:cxnSp>
           <p:nvCxnSpPr>
-            <p:cNvPr id="19" name="Connector: Elbow 18">
+            <p:cNvPr id="75" name="Connector: Elbow 74">
               <a:extLst>
                 <a:ext uri="{FF2B5EF4-FFF2-40B4-BE49-F238E27FC236}">
-                  <a16:creationId xmlns:a16="http://schemas.microsoft.com/office/drawing/2014/main" id="{CACA75F3-19DD-10E0-8943-33F11F9532A6}"/>
+                  <a16:creationId xmlns:a16="http://schemas.microsoft.com/office/drawing/2014/main" id="{120B7E57-6BD1-BB81-2EB0-FFF55370FF4E}"/>
                 </a:ext>
               </a:extLst>
             </p:cNvPr>
             <p:cNvCxnSpPr>
-              <a:stCxn id="18" idx="3"/>
-              <a:endCxn id="9" idx="0"/>
+              <a:stCxn id="74" idx="3"/>
+              <a:endCxn id="65" idx="0"/>
             </p:cNvCxnSpPr>
             <p:nvPr/>
           </p:nvCxnSpPr>
           <p:spPr>
             <a:xfrm>
-              <a:off x="2485740" y="2867054"/>
-              <a:ext cx="556038" cy="379399"/>
+              <a:off x="8154188" y="2477874"/>
+              <a:ext cx="473484" cy="140671"/>
             </a:xfrm>
             <a:prstGeom prst="bentConnector2">
               <a:avLst/>
@@ -16234,23 +16236,23 @@
         </p:cxnSp>
         <p:cxnSp>
           <p:nvCxnSpPr>
-            <p:cNvPr id="20" name="Connector: Elbow 19">
+            <p:cNvPr id="76" name="Connector: Elbow 75">
               <a:extLst>
                 <a:ext uri="{FF2B5EF4-FFF2-40B4-BE49-F238E27FC236}">
-                  <a16:creationId xmlns:a16="http://schemas.microsoft.com/office/drawing/2014/main" id="{2F4828BE-7213-53CA-AAD5-7C00F9DDCDB8}"/>
+                  <a16:creationId xmlns:a16="http://schemas.microsoft.com/office/drawing/2014/main" id="{41CC858F-1067-C976-0996-A00CC0329ED4}"/>
                 </a:ext>
               </a:extLst>
             </p:cNvPr>
             <p:cNvCxnSpPr>
-              <a:stCxn id="17" idx="3"/>
-              <a:endCxn id="8" idx="0"/>
+              <a:stCxn id="73" idx="3"/>
+              <a:endCxn id="64" idx="0"/>
             </p:cNvCxnSpPr>
             <p:nvPr/>
           </p:nvCxnSpPr>
           <p:spPr>
             <a:xfrm>
-              <a:off x="2485740" y="2671415"/>
-              <a:ext cx="1338789" cy="575038"/>
+              <a:off x="8154188" y="2063827"/>
+              <a:ext cx="1404243" cy="554718"/>
             </a:xfrm>
             <a:prstGeom prst="bentConnector2">
               <a:avLst/>
@@ -16280,10 +16282,10 @@
         </p:cxnSp>
         <p:sp>
           <p:nvSpPr>
-            <p:cNvPr id="21" name="TextBox 20">
+            <p:cNvPr id="77" name="TextBox 76">
               <a:extLst>
                 <a:ext uri="{FF2B5EF4-FFF2-40B4-BE49-F238E27FC236}">
-                  <a16:creationId xmlns:a16="http://schemas.microsoft.com/office/drawing/2014/main" id="{88AA5A52-0599-EB04-035D-0D41A3E1E318}"/>
+                  <a16:creationId xmlns:a16="http://schemas.microsoft.com/office/drawing/2014/main" id="{89214BBD-81E0-1FBD-6ADE-157989D05478}"/>
                 </a:ext>
               </a:extLst>
             </p:cNvPr>
@@ -16292,7 +16294,7 @@
           </p:nvSpPr>
           <p:spPr>
             <a:xfrm>
-              <a:off x="1446944" y="2869710"/>
+              <a:off x="7115392" y="2483101"/>
               <a:ext cx="1038797" cy="369332"/>
             </a:xfrm>
             <a:prstGeom prst="rect">
@@ -16315,10 +16317,10 @@
         </p:sp>
         <p:sp>
           <p:nvSpPr>
-            <p:cNvPr id="22" name="TextBox 21">
+            <p:cNvPr id="78" name="TextBox 77">
               <a:extLst>
                 <a:ext uri="{FF2B5EF4-FFF2-40B4-BE49-F238E27FC236}">
-                  <a16:creationId xmlns:a16="http://schemas.microsoft.com/office/drawing/2014/main" id="{45D6CB95-1EC8-A996-F750-00D4446A0B4A}"/>
+                  <a16:creationId xmlns:a16="http://schemas.microsoft.com/office/drawing/2014/main" id="{A7F6F53F-A137-A87C-6867-7797052244CE}"/>
                 </a:ext>
               </a:extLst>
             </p:cNvPr>
@@ -16327,7 +16329,7 @@
           </p:nvSpPr>
           <p:spPr>
             <a:xfrm>
-              <a:off x="1271715" y="2009457"/>
+              <a:off x="6940163" y="1381549"/>
               <a:ext cx="1764522" cy="369332"/>
             </a:xfrm>
             <a:prstGeom prst="rect">
@@ -16348,6 +16350,127 @@
             </a:p>
           </p:txBody>
         </p:sp>
+        <p:sp>
+          <p:nvSpPr>
+            <p:cNvPr id="79" name="TextBox 78">
+              <a:extLst>
+                <a:ext uri="{FF2B5EF4-FFF2-40B4-BE49-F238E27FC236}">
+                  <a16:creationId xmlns:a16="http://schemas.microsoft.com/office/drawing/2014/main" id="{2E0D0C02-4FC4-EC3A-2E65-6911702B1F01}"/>
+                </a:ext>
+              </a:extLst>
+            </p:cNvPr>
+            <p:cNvSpPr txBox="1"/>
+            <p:nvPr/>
+          </p:nvSpPr>
+          <p:spPr>
+            <a:xfrm>
+              <a:off x="8942368" y="2614615"/>
+              <a:ext cx="234039" cy="184666"/>
+            </a:xfrm>
+            <a:prstGeom prst="rect">
+              <a:avLst/>
+            </a:prstGeom>
+            <a:noFill/>
+          </p:spPr>
+          <p:txBody>
+            <a:bodyPr wrap="none" lIns="0" tIns="0" rIns="0" bIns="0" rtlCol="0">
+              <a:spAutoFit/>
+            </a:bodyPr>
+            <a:lstStyle/>
+            <a:p>
+              <a:pPr algn="ctr"/>
+              <a:r>
+                <a:rPr lang="en-GB" sz="1200" dirty="0" err="1"/>
+                <a:t>incr</a:t>
+              </a:r>
+              <a:endParaRPr lang="en-GB" sz="1200" dirty="0"/>
+            </a:p>
+          </p:txBody>
+        </p:sp>
+        <p:sp>
+          <p:nvSpPr>
+            <p:cNvPr id="80" name="TextBox 79">
+              <a:extLst>
+                <a:ext uri="{FF2B5EF4-FFF2-40B4-BE49-F238E27FC236}">
+                  <a16:creationId xmlns:a16="http://schemas.microsoft.com/office/drawing/2014/main" id="{D5E0F9F0-7C79-392F-58BA-95B9C06D248A}"/>
+                </a:ext>
+              </a:extLst>
+            </p:cNvPr>
+            <p:cNvSpPr txBox="1"/>
+            <p:nvPr/>
+          </p:nvSpPr>
+          <p:spPr>
+            <a:xfrm>
+              <a:off x="7892087" y="2171164"/>
+              <a:ext cx="270391" cy="184666"/>
+            </a:xfrm>
+            <a:prstGeom prst="rect">
+              <a:avLst/>
+            </a:prstGeom>
+            <a:noFill/>
+          </p:spPr>
+          <p:txBody>
+            <a:bodyPr wrap="none" lIns="0" tIns="0" rIns="36000" bIns="0" rtlCol="0">
+              <a:spAutoFit/>
+            </a:bodyPr>
+            <a:lstStyle/>
+            <a:p>
+              <a:pPr algn="r"/>
+              <a:r>
+                <a:rPr lang="en-GB" sz="1200" dirty="0" err="1"/>
+                <a:t>incr</a:t>
+              </a:r>
+              <a:endParaRPr lang="en-GB" sz="1200" dirty="0"/>
+            </a:p>
+          </p:txBody>
+        </p:sp>
+        <p:cxnSp>
+          <p:nvCxnSpPr>
+            <p:cNvPr id="81" name="Connector: Elbow 80">
+              <a:extLst>
+                <a:ext uri="{FF2B5EF4-FFF2-40B4-BE49-F238E27FC236}">
+                  <a16:creationId xmlns:a16="http://schemas.microsoft.com/office/drawing/2014/main" id="{7C9578CC-E836-D07A-3CE3-409CEA2A0601}"/>
+                </a:ext>
+              </a:extLst>
+            </p:cNvPr>
+            <p:cNvCxnSpPr>
+              <a:cxnSpLocks/>
+              <a:stCxn id="80" idx="3"/>
+              <a:endCxn id="79" idx="0"/>
+            </p:cNvCxnSpPr>
+            <p:nvPr/>
+          </p:nvCxnSpPr>
+          <p:spPr>
+            <a:xfrm>
+              <a:off x="8162478" y="2263497"/>
+              <a:ext cx="896910" cy="351118"/>
+            </a:xfrm>
+            <a:prstGeom prst="bentConnector2">
+              <a:avLst/>
+            </a:prstGeom>
+            <a:effectLst>
+              <a:outerShdw blurRad="50800" dist="38100" dir="2700000" algn="tl" rotWithShape="0">
+                <a:prstClr val="black">
+                  <a:alpha val="40000"/>
+                </a:prstClr>
+              </a:outerShdw>
+            </a:effectLst>
+          </p:spPr>
+          <p:style>
+            <a:lnRef idx="1">
+              <a:schemeClr val="dk1"/>
+            </a:lnRef>
+            <a:fillRef idx="0">
+              <a:schemeClr val="dk1"/>
+            </a:fillRef>
+            <a:effectRef idx="0">
+              <a:schemeClr val="dk1"/>
+            </a:effectRef>
+            <a:fontRef idx="minor">
+              <a:schemeClr val="tx1"/>
+            </a:fontRef>
+          </p:style>
+        </p:cxnSp>
       </p:grpSp>
     </p:spTree>
     <p:extLst>
@@ -17125,42 +17248,6 @@
       </p:graphicFrame>
       <p:sp>
         <p:nvSpPr>
-          <p:cNvPr id="21" name="TextBox 20">
-            <a:extLst>
-              <a:ext uri="{FF2B5EF4-FFF2-40B4-BE49-F238E27FC236}">
-                <a16:creationId xmlns:a16="http://schemas.microsoft.com/office/drawing/2014/main" id="{F43CA5DC-89C8-01D1-B218-392BF9FE9004}"/>
-              </a:ext>
-            </a:extLst>
-          </p:cNvPr>
-          <p:cNvSpPr txBox="1"/>
-          <p:nvPr/>
-        </p:nvSpPr>
-        <p:spPr>
-          <a:xfrm>
-            <a:off x="1821656" y="5942568"/>
-            <a:ext cx="8548687" cy="369332"/>
-          </a:xfrm>
-          <a:prstGeom prst="rect">
-            <a:avLst/>
-          </a:prstGeom>
-          <a:noFill/>
-        </p:spPr>
-        <p:txBody>
-          <a:bodyPr wrap="none" rtlCol="0">
-            <a:spAutoFit/>
-          </a:bodyPr>
-          <a:lstStyle/>
-          <a:p>
-            <a:pPr algn="ctr"/>
-            <a:r>
-              <a:rPr lang="en-GB" b="1" dirty="0"/>
-              <a:t>Experience the end-to-end design entry and build process without having to learn VHDL</a:t>
-            </a:r>
-          </a:p>
-        </p:txBody>
-      </p:sp>
-      <p:sp>
-        <p:nvSpPr>
           <p:cNvPr id="3" name="TextBox 2">
             <a:extLst>
               <a:ext uri="{FF2B5EF4-FFF2-40B4-BE49-F238E27FC236}">
@@ -17281,42 +17368,6 @@
       </p:grpSpPr>
       <p:pic>
         <p:nvPicPr>
-          <p:cNvPr id="12" name="Picture 11" descr="A picture containing screenshot, line, parallel&#10;&#10;Description automatically generated">
-            <a:extLst>
-              <a:ext uri="{FF2B5EF4-FFF2-40B4-BE49-F238E27FC236}">
-                <a16:creationId xmlns:a16="http://schemas.microsoft.com/office/drawing/2014/main" id="{238BE272-8BBC-55A4-5A1D-5CED715ED229}"/>
-              </a:ext>
-            </a:extLst>
-          </p:cNvPr>
-          <p:cNvPicPr>
-            <a:picLocks noChangeAspect="1"/>
-          </p:cNvPicPr>
-          <p:nvPr/>
-        </p:nvPicPr>
-        <p:blipFill>
-          <a:blip r:embed="rId2">
-            <a:extLst>
-              <a:ext uri="{28A0092B-C50C-407E-A947-70E740481C1C}">
-                <a14:useLocalDpi xmlns:a14="http://schemas.microsoft.com/office/drawing/2010/main" val="0"/>
-              </a:ext>
-            </a:extLst>
-          </a:blip>
-          <a:stretch>
-            <a:fillRect/>
-          </a:stretch>
-        </p:blipFill>
-        <p:spPr>
-          <a:xfrm>
-            <a:off x="7222672" y="1440642"/>
-            <a:ext cx="1660071" cy="1804311"/>
-          </a:xfrm>
-          <a:prstGeom prst="rect">
-            <a:avLst/>
-          </a:prstGeom>
-        </p:spPr>
-      </p:pic>
-      <p:pic>
-        <p:nvPicPr>
           <p:cNvPr id="10" name="Picture 9" descr="A picture containing text, diagram, plan, parallel&#10;&#10;Description automatically generated">
             <a:extLst>
               <a:ext uri="{FF2B5EF4-FFF2-40B4-BE49-F238E27FC236}">
@@ -17330,7 +17381,7 @@
           <p:nvPr/>
         </p:nvPicPr>
         <p:blipFill>
-          <a:blip r:embed="rId3">
+          <a:blip r:embed="rId2">
             <a:extLst>
               <a:ext uri="{28A0092B-C50C-407E-A947-70E740481C1C}">
                 <a14:useLocalDpi xmlns:a14="http://schemas.microsoft.com/office/drawing/2010/main" val="0"/>
@@ -17366,7 +17417,7 @@
           <p:nvPr/>
         </p:nvPicPr>
         <p:blipFill>
-          <a:blip r:embed="rId4">
+          <a:blip r:embed="rId3">
             <a:extLst>
               <a:ext uri="{28A0092B-C50C-407E-A947-70E740481C1C}">
                 <a14:useLocalDpi xmlns:a14="http://schemas.microsoft.com/office/drawing/2010/main" val="0"/>
@@ -17442,7 +17493,7 @@
         </p:xfrm>
         <a:graphic>
           <a:graphicData uri="http://schemas.openxmlformats.org/drawingml/2006/diagram">
-            <dgm:relIds xmlns:dgm="http://schemas.openxmlformats.org/drawingml/2006/diagram" xmlns:r="http://schemas.openxmlformats.org/officeDocument/2006/relationships" r:dm="rId5" r:lo="rId6" r:qs="rId7" r:cs="rId8"/>
+            <dgm:relIds xmlns:dgm="http://schemas.openxmlformats.org/drawingml/2006/diagram" xmlns:r="http://schemas.openxmlformats.org/officeDocument/2006/relationships" r:dm="rId4" r:lo="rId5" r:qs="rId6" r:cs="rId7"/>
           </a:graphicData>
         </a:graphic>
       </p:graphicFrame>
@@ -17504,7 +17555,7 @@
           <p:nvPr/>
         </p:nvPicPr>
         <p:blipFill>
-          <a:blip r:embed="rId10">
+          <a:blip r:embed="rId9">
             <a:extLst>
               <a:ext uri="{28A0092B-C50C-407E-A947-70E740481C1C}">
                 <a14:useLocalDpi xmlns:a14="http://schemas.microsoft.com/office/drawing/2010/main" val="0"/>
@@ -17540,7 +17591,7 @@
           <p:nvPr/>
         </p:nvPicPr>
         <p:blipFill>
-          <a:blip r:embed="rId11">
+          <a:blip r:embed="rId10">
             <a:extLst>
               <a:ext uri="{28A0092B-C50C-407E-A947-70E740481C1C}">
                 <a14:useLocalDpi xmlns:a14="http://schemas.microsoft.com/office/drawing/2010/main" val="0"/>
@@ -17698,6 +17749,42 @@
           </a:p>
         </p:txBody>
       </p:sp>
+      <p:pic>
+        <p:nvPicPr>
+          <p:cNvPr id="12" name="Picture 11" descr="A picture containing screenshot, line, parallel&#10;&#10;Description automatically generated">
+            <a:extLst>
+              <a:ext uri="{FF2B5EF4-FFF2-40B4-BE49-F238E27FC236}">
+                <a16:creationId xmlns:a16="http://schemas.microsoft.com/office/drawing/2014/main" id="{238BE272-8BBC-55A4-5A1D-5CED715ED229}"/>
+              </a:ext>
+            </a:extLst>
+          </p:cNvPr>
+          <p:cNvPicPr>
+            <a:picLocks noChangeAspect="1"/>
+          </p:cNvPicPr>
+          <p:nvPr/>
+        </p:nvPicPr>
+        <p:blipFill>
+          <a:blip r:embed="rId11">
+            <a:extLst>
+              <a:ext uri="{28A0092B-C50C-407E-A947-70E740481C1C}">
+                <a14:useLocalDpi xmlns:a14="http://schemas.microsoft.com/office/drawing/2010/main" val="0"/>
+              </a:ext>
+            </a:extLst>
+          </a:blip>
+          <a:stretch>
+            <a:fillRect/>
+          </a:stretch>
+        </p:blipFill>
+        <p:spPr>
+          <a:xfrm>
+            <a:off x="7222672" y="1440642"/>
+            <a:ext cx="1660071" cy="1804311"/>
+          </a:xfrm>
+          <a:prstGeom prst="rect">
+            <a:avLst/>
+          </a:prstGeom>
+        </p:spPr>
+      </p:pic>
     </p:spTree>
     <p:extLst>
       <p:ext uri="{BB962C8B-B14F-4D97-AF65-F5344CB8AC3E}">
@@ -17752,2475 +17839,6 @@
             <a:r>
               <a:rPr lang="en-GB" dirty="0"/>
               <a:t>What does “Check Timing” mean?</a:t>
-            </a:r>
-          </a:p>
-        </p:txBody>
-      </p:sp>
-      <p:cxnSp>
-        <p:nvCxnSpPr>
-          <p:cNvPr id="6" name="Straight Connector 5">
-            <a:extLst>
-              <a:ext uri="{FF2B5EF4-FFF2-40B4-BE49-F238E27FC236}">
-                <a16:creationId xmlns:a16="http://schemas.microsoft.com/office/drawing/2014/main" id="{FF1D1E68-9A17-4404-3711-B5B63610B7B7}"/>
-              </a:ext>
-            </a:extLst>
-          </p:cNvPr>
-          <p:cNvCxnSpPr>
-            <a:cxnSpLocks/>
-          </p:cNvCxnSpPr>
-          <p:nvPr/>
-        </p:nvCxnSpPr>
-        <p:spPr>
-          <a:xfrm>
-            <a:off x="2484404" y="3638250"/>
-            <a:ext cx="370976" cy="0"/>
-          </a:xfrm>
-          <a:prstGeom prst="line">
-            <a:avLst/>
-          </a:prstGeom>
-        </p:spPr>
-        <p:style>
-          <a:lnRef idx="3">
-            <a:schemeClr val="dk1"/>
-          </a:lnRef>
-          <a:fillRef idx="0">
-            <a:schemeClr val="dk1"/>
-          </a:fillRef>
-          <a:effectRef idx="2">
-            <a:schemeClr val="dk1"/>
-          </a:effectRef>
-          <a:fontRef idx="minor">
-            <a:schemeClr val="tx1"/>
-          </a:fontRef>
-        </p:style>
-      </p:cxnSp>
-      <p:cxnSp>
-        <p:nvCxnSpPr>
-          <p:cNvPr id="7" name="Straight Connector 6">
-            <a:extLst>
-              <a:ext uri="{FF2B5EF4-FFF2-40B4-BE49-F238E27FC236}">
-                <a16:creationId xmlns:a16="http://schemas.microsoft.com/office/drawing/2014/main" id="{C0BFD87B-B3B5-B135-DBA5-2D0EAC2E09A2}"/>
-              </a:ext>
-            </a:extLst>
-          </p:cNvPr>
-          <p:cNvCxnSpPr>
-            <a:cxnSpLocks/>
-          </p:cNvCxnSpPr>
-          <p:nvPr/>
-        </p:nvCxnSpPr>
-        <p:spPr>
-          <a:xfrm>
-            <a:off x="2484404" y="4091275"/>
-            <a:ext cx="370976" cy="0"/>
-          </a:xfrm>
-          <a:prstGeom prst="line">
-            <a:avLst/>
-          </a:prstGeom>
-        </p:spPr>
-        <p:style>
-          <a:lnRef idx="3">
-            <a:schemeClr val="dk1"/>
-          </a:lnRef>
-          <a:fillRef idx="0">
-            <a:schemeClr val="dk1"/>
-          </a:fillRef>
-          <a:effectRef idx="2">
-            <a:schemeClr val="dk1"/>
-          </a:effectRef>
-          <a:fontRef idx="minor">
-            <a:schemeClr val="tx1"/>
-          </a:fontRef>
-        </p:style>
-      </p:cxnSp>
-      <p:cxnSp>
-        <p:nvCxnSpPr>
-          <p:cNvPr id="8" name="Straight Connector 7">
-            <a:extLst>
-              <a:ext uri="{FF2B5EF4-FFF2-40B4-BE49-F238E27FC236}">
-                <a16:creationId xmlns:a16="http://schemas.microsoft.com/office/drawing/2014/main" id="{C88F7A4A-4050-9AAF-AA49-7A7192E01CE2}"/>
-              </a:ext>
-            </a:extLst>
-          </p:cNvPr>
-          <p:cNvCxnSpPr>
-            <a:cxnSpLocks/>
-          </p:cNvCxnSpPr>
-          <p:nvPr/>
-        </p:nvCxnSpPr>
-        <p:spPr>
-          <a:xfrm flipH="1">
-            <a:off x="4540072" y="3638250"/>
-            <a:ext cx="75156" cy="212942"/>
-          </a:xfrm>
-          <a:prstGeom prst="line">
-            <a:avLst/>
-          </a:prstGeom>
-        </p:spPr>
-        <p:style>
-          <a:lnRef idx="3">
-            <a:schemeClr val="dk1"/>
-          </a:lnRef>
-          <a:fillRef idx="0">
-            <a:schemeClr val="dk1"/>
-          </a:fillRef>
-          <a:effectRef idx="2">
-            <a:schemeClr val="dk1"/>
-          </a:effectRef>
-          <a:fontRef idx="minor">
-            <a:schemeClr val="tx1"/>
-          </a:fontRef>
-        </p:style>
-      </p:cxnSp>
-      <p:cxnSp>
-        <p:nvCxnSpPr>
-          <p:cNvPr id="9" name="Straight Connector 8">
-            <a:extLst>
-              <a:ext uri="{FF2B5EF4-FFF2-40B4-BE49-F238E27FC236}">
-                <a16:creationId xmlns:a16="http://schemas.microsoft.com/office/drawing/2014/main" id="{D7432300-257C-0EF2-95ED-574B7873809D}"/>
-              </a:ext>
-            </a:extLst>
-          </p:cNvPr>
-          <p:cNvCxnSpPr>
-            <a:cxnSpLocks/>
-          </p:cNvCxnSpPr>
-          <p:nvPr/>
-        </p:nvCxnSpPr>
-        <p:spPr>
-          <a:xfrm>
-            <a:off x="4540072" y="3851192"/>
-            <a:ext cx="75156" cy="240083"/>
-          </a:xfrm>
-          <a:prstGeom prst="line">
-            <a:avLst/>
-          </a:prstGeom>
-        </p:spPr>
-        <p:style>
-          <a:lnRef idx="3">
-            <a:schemeClr val="dk1"/>
-          </a:lnRef>
-          <a:fillRef idx="0">
-            <a:schemeClr val="dk1"/>
-          </a:fillRef>
-          <a:effectRef idx="2">
-            <a:schemeClr val="dk1"/>
-          </a:effectRef>
-          <a:fontRef idx="minor">
-            <a:schemeClr val="tx1"/>
-          </a:fontRef>
-        </p:style>
-      </p:cxnSp>
-      <p:cxnSp>
-        <p:nvCxnSpPr>
-          <p:cNvPr id="10" name="Straight Connector 9">
-            <a:extLst>
-              <a:ext uri="{FF2B5EF4-FFF2-40B4-BE49-F238E27FC236}">
-                <a16:creationId xmlns:a16="http://schemas.microsoft.com/office/drawing/2014/main" id="{79AD9957-B14A-FB3F-B1A8-F5697884429A}"/>
-              </a:ext>
-            </a:extLst>
-          </p:cNvPr>
-          <p:cNvCxnSpPr>
-            <a:cxnSpLocks/>
-          </p:cNvCxnSpPr>
-          <p:nvPr/>
-        </p:nvCxnSpPr>
-        <p:spPr>
-          <a:xfrm>
-            <a:off x="3019201" y="3638250"/>
-            <a:ext cx="1122838" cy="0"/>
-          </a:xfrm>
-          <a:prstGeom prst="line">
-            <a:avLst/>
-          </a:prstGeom>
-        </p:spPr>
-        <p:style>
-          <a:lnRef idx="3">
-            <a:schemeClr val="dk1"/>
-          </a:lnRef>
-          <a:fillRef idx="0">
-            <a:schemeClr val="dk1"/>
-          </a:fillRef>
-          <a:effectRef idx="2">
-            <a:schemeClr val="dk1"/>
-          </a:effectRef>
-          <a:fontRef idx="minor">
-            <a:schemeClr val="tx1"/>
-          </a:fontRef>
-        </p:style>
-      </p:cxnSp>
-      <p:cxnSp>
-        <p:nvCxnSpPr>
-          <p:cNvPr id="11" name="Straight Connector 10">
-            <a:extLst>
-              <a:ext uri="{FF2B5EF4-FFF2-40B4-BE49-F238E27FC236}">
-                <a16:creationId xmlns:a16="http://schemas.microsoft.com/office/drawing/2014/main" id="{7B1AE189-9227-507F-4581-A709967E678A}"/>
-              </a:ext>
-            </a:extLst>
-          </p:cNvPr>
-          <p:cNvCxnSpPr>
-            <a:cxnSpLocks/>
-          </p:cNvCxnSpPr>
-          <p:nvPr/>
-        </p:nvCxnSpPr>
-        <p:spPr>
-          <a:xfrm>
-            <a:off x="3019201" y="4091275"/>
-            <a:ext cx="1122838" cy="0"/>
-          </a:xfrm>
-          <a:prstGeom prst="line">
-            <a:avLst/>
-          </a:prstGeom>
-        </p:spPr>
-        <p:style>
-          <a:lnRef idx="3">
-            <a:schemeClr val="dk1"/>
-          </a:lnRef>
-          <a:fillRef idx="0">
-            <a:schemeClr val="dk1"/>
-          </a:fillRef>
-          <a:effectRef idx="2">
-            <a:schemeClr val="dk1"/>
-          </a:effectRef>
-          <a:fontRef idx="minor">
-            <a:schemeClr val="tx1"/>
-          </a:fontRef>
-        </p:style>
-      </p:cxnSp>
-      <p:cxnSp>
-        <p:nvCxnSpPr>
-          <p:cNvPr id="12" name="Straight Connector 11">
-            <a:extLst>
-              <a:ext uri="{FF2B5EF4-FFF2-40B4-BE49-F238E27FC236}">
-                <a16:creationId xmlns:a16="http://schemas.microsoft.com/office/drawing/2014/main" id="{34438A7E-5AC7-B223-5BA0-DB0C4DAA72F5}"/>
-              </a:ext>
-            </a:extLst>
-          </p:cNvPr>
-          <p:cNvCxnSpPr>
-            <a:cxnSpLocks/>
-          </p:cNvCxnSpPr>
-          <p:nvPr/>
-        </p:nvCxnSpPr>
-        <p:spPr>
-          <a:xfrm flipH="1">
-            <a:off x="2944045" y="3638250"/>
-            <a:ext cx="75156" cy="212942"/>
-          </a:xfrm>
-          <a:prstGeom prst="line">
-            <a:avLst/>
-          </a:prstGeom>
-        </p:spPr>
-        <p:style>
-          <a:lnRef idx="3">
-            <a:schemeClr val="dk1"/>
-          </a:lnRef>
-          <a:fillRef idx="0">
-            <a:schemeClr val="dk1"/>
-          </a:fillRef>
-          <a:effectRef idx="2">
-            <a:schemeClr val="dk1"/>
-          </a:effectRef>
-          <a:fontRef idx="minor">
-            <a:schemeClr val="tx1"/>
-          </a:fontRef>
-        </p:style>
-      </p:cxnSp>
-      <p:cxnSp>
-        <p:nvCxnSpPr>
-          <p:cNvPr id="13" name="Straight Connector 12">
-            <a:extLst>
-              <a:ext uri="{FF2B5EF4-FFF2-40B4-BE49-F238E27FC236}">
-                <a16:creationId xmlns:a16="http://schemas.microsoft.com/office/drawing/2014/main" id="{EC90CEA6-EA7C-DA77-F94F-222DCC371760}"/>
-              </a:ext>
-            </a:extLst>
-          </p:cNvPr>
-          <p:cNvCxnSpPr>
-            <a:cxnSpLocks/>
-          </p:cNvCxnSpPr>
-          <p:nvPr/>
-        </p:nvCxnSpPr>
-        <p:spPr>
-          <a:xfrm>
-            <a:off x="2944045" y="3851192"/>
-            <a:ext cx="75156" cy="240083"/>
-          </a:xfrm>
-          <a:prstGeom prst="line">
-            <a:avLst/>
-          </a:prstGeom>
-        </p:spPr>
-        <p:style>
-          <a:lnRef idx="3">
-            <a:schemeClr val="dk1"/>
-          </a:lnRef>
-          <a:fillRef idx="0">
-            <a:schemeClr val="dk1"/>
-          </a:fillRef>
-          <a:effectRef idx="2">
-            <a:schemeClr val="dk1"/>
-          </a:effectRef>
-          <a:fontRef idx="minor">
-            <a:schemeClr val="tx1"/>
-          </a:fontRef>
-        </p:style>
-      </p:cxnSp>
-      <p:cxnSp>
-        <p:nvCxnSpPr>
-          <p:cNvPr id="14" name="Straight Connector 13">
-            <a:extLst>
-              <a:ext uri="{FF2B5EF4-FFF2-40B4-BE49-F238E27FC236}">
-                <a16:creationId xmlns:a16="http://schemas.microsoft.com/office/drawing/2014/main" id="{85ACE16E-4D78-2A6A-D773-E579CE5072C3}"/>
-              </a:ext>
-            </a:extLst>
-          </p:cNvPr>
-          <p:cNvCxnSpPr>
-            <a:cxnSpLocks/>
-          </p:cNvCxnSpPr>
-          <p:nvPr/>
-        </p:nvCxnSpPr>
-        <p:spPr>
-          <a:xfrm>
-            <a:off x="4142039" y="3638250"/>
-            <a:ext cx="75156" cy="212942"/>
-          </a:xfrm>
-          <a:prstGeom prst="line">
-            <a:avLst/>
-          </a:prstGeom>
-        </p:spPr>
-        <p:style>
-          <a:lnRef idx="3">
-            <a:schemeClr val="dk1"/>
-          </a:lnRef>
-          <a:fillRef idx="0">
-            <a:schemeClr val="dk1"/>
-          </a:fillRef>
-          <a:effectRef idx="2">
-            <a:schemeClr val="dk1"/>
-          </a:effectRef>
-          <a:fontRef idx="minor">
-            <a:schemeClr val="tx1"/>
-          </a:fontRef>
-        </p:style>
-      </p:cxnSp>
-      <p:cxnSp>
-        <p:nvCxnSpPr>
-          <p:cNvPr id="15" name="Straight Connector 14">
-            <a:extLst>
-              <a:ext uri="{FF2B5EF4-FFF2-40B4-BE49-F238E27FC236}">
-                <a16:creationId xmlns:a16="http://schemas.microsoft.com/office/drawing/2014/main" id="{3CBE9DA0-A5B0-D6E4-CBDF-B83F4AA8D161}"/>
-              </a:ext>
-            </a:extLst>
-          </p:cNvPr>
-          <p:cNvCxnSpPr>
-            <a:cxnSpLocks/>
-          </p:cNvCxnSpPr>
-          <p:nvPr/>
-        </p:nvCxnSpPr>
-        <p:spPr>
-          <a:xfrm flipH="1">
-            <a:off x="4142039" y="3851192"/>
-            <a:ext cx="75156" cy="240083"/>
-          </a:xfrm>
-          <a:prstGeom prst="line">
-            <a:avLst/>
-          </a:prstGeom>
-        </p:spPr>
-        <p:style>
-          <a:lnRef idx="3">
-            <a:schemeClr val="dk1"/>
-          </a:lnRef>
-          <a:fillRef idx="0">
-            <a:schemeClr val="dk1"/>
-          </a:fillRef>
-          <a:effectRef idx="2">
-            <a:schemeClr val="dk1"/>
-          </a:effectRef>
-          <a:fontRef idx="minor">
-            <a:schemeClr val="tx1"/>
-          </a:fontRef>
-        </p:style>
-      </p:cxnSp>
-      <p:cxnSp>
-        <p:nvCxnSpPr>
-          <p:cNvPr id="16" name="Straight Connector 15">
-            <a:extLst>
-              <a:ext uri="{FF2B5EF4-FFF2-40B4-BE49-F238E27FC236}">
-                <a16:creationId xmlns:a16="http://schemas.microsoft.com/office/drawing/2014/main" id="{09CF57D6-5B57-639C-D6D5-A879D557DD00}"/>
-              </a:ext>
-            </a:extLst>
-          </p:cNvPr>
-          <p:cNvCxnSpPr>
-            <a:cxnSpLocks/>
-          </p:cNvCxnSpPr>
-          <p:nvPr/>
-        </p:nvCxnSpPr>
-        <p:spPr>
-          <a:xfrm flipH="1">
-            <a:off x="4214064" y="3638250"/>
-            <a:ext cx="75156" cy="212942"/>
-          </a:xfrm>
-          <a:prstGeom prst="line">
-            <a:avLst/>
-          </a:prstGeom>
-        </p:spPr>
-        <p:style>
-          <a:lnRef idx="3">
-            <a:schemeClr val="dk1"/>
-          </a:lnRef>
-          <a:fillRef idx="0">
-            <a:schemeClr val="dk1"/>
-          </a:fillRef>
-          <a:effectRef idx="2">
-            <a:schemeClr val="dk1"/>
-          </a:effectRef>
-          <a:fontRef idx="minor">
-            <a:schemeClr val="tx1"/>
-          </a:fontRef>
-        </p:style>
-      </p:cxnSp>
-      <p:cxnSp>
-        <p:nvCxnSpPr>
-          <p:cNvPr id="17" name="Straight Connector 16">
-            <a:extLst>
-              <a:ext uri="{FF2B5EF4-FFF2-40B4-BE49-F238E27FC236}">
-                <a16:creationId xmlns:a16="http://schemas.microsoft.com/office/drawing/2014/main" id="{3A0E2DB8-0F8B-64AB-789D-AF77A9B58023}"/>
-              </a:ext>
-            </a:extLst>
-          </p:cNvPr>
-          <p:cNvCxnSpPr>
-            <a:cxnSpLocks/>
-          </p:cNvCxnSpPr>
-          <p:nvPr/>
-        </p:nvCxnSpPr>
-        <p:spPr>
-          <a:xfrm>
-            <a:off x="4214064" y="3851192"/>
-            <a:ext cx="75156" cy="240083"/>
-          </a:xfrm>
-          <a:prstGeom prst="line">
-            <a:avLst/>
-          </a:prstGeom>
-        </p:spPr>
-        <p:style>
-          <a:lnRef idx="3">
-            <a:schemeClr val="dk1"/>
-          </a:lnRef>
-          <a:fillRef idx="0">
-            <a:schemeClr val="dk1"/>
-          </a:fillRef>
-          <a:effectRef idx="2">
-            <a:schemeClr val="dk1"/>
-          </a:effectRef>
-          <a:fontRef idx="minor">
-            <a:schemeClr val="tx1"/>
-          </a:fontRef>
-        </p:style>
-      </p:cxnSp>
-      <p:cxnSp>
-        <p:nvCxnSpPr>
-          <p:cNvPr id="18" name="Straight Connector 17">
-            <a:extLst>
-              <a:ext uri="{FF2B5EF4-FFF2-40B4-BE49-F238E27FC236}">
-                <a16:creationId xmlns:a16="http://schemas.microsoft.com/office/drawing/2014/main" id="{FA5B234B-0945-B282-8D16-DCEF6C92CA1A}"/>
-              </a:ext>
-            </a:extLst>
-          </p:cNvPr>
-          <p:cNvCxnSpPr>
-            <a:cxnSpLocks/>
-          </p:cNvCxnSpPr>
-          <p:nvPr/>
-        </p:nvCxnSpPr>
-        <p:spPr>
-          <a:xfrm>
-            <a:off x="4289220" y="3637033"/>
-            <a:ext cx="175696" cy="0"/>
-          </a:xfrm>
-          <a:prstGeom prst="line">
-            <a:avLst/>
-          </a:prstGeom>
-        </p:spPr>
-        <p:style>
-          <a:lnRef idx="3">
-            <a:schemeClr val="dk1"/>
-          </a:lnRef>
-          <a:fillRef idx="0">
-            <a:schemeClr val="dk1"/>
-          </a:fillRef>
-          <a:effectRef idx="2">
-            <a:schemeClr val="dk1"/>
-          </a:effectRef>
-          <a:fontRef idx="minor">
-            <a:schemeClr val="tx1"/>
-          </a:fontRef>
-        </p:style>
-      </p:cxnSp>
-      <p:cxnSp>
-        <p:nvCxnSpPr>
-          <p:cNvPr id="19" name="Straight Connector 18">
-            <a:extLst>
-              <a:ext uri="{FF2B5EF4-FFF2-40B4-BE49-F238E27FC236}">
-                <a16:creationId xmlns:a16="http://schemas.microsoft.com/office/drawing/2014/main" id="{4BA6381A-0375-5290-5DDE-44B53C747F5F}"/>
-              </a:ext>
-            </a:extLst>
-          </p:cNvPr>
-          <p:cNvCxnSpPr>
-            <a:cxnSpLocks/>
-          </p:cNvCxnSpPr>
-          <p:nvPr/>
-        </p:nvCxnSpPr>
-        <p:spPr>
-          <a:xfrm>
-            <a:off x="4289220" y="4090058"/>
-            <a:ext cx="175696" cy="0"/>
-          </a:xfrm>
-          <a:prstGeom prst="line">
-            <a:avLst/>
-          </a:prstGeom>
-        </p:spPr>
-        <p:style>
-          <a:lnRef idx="3">
-            <a:schemeClr val="dk1"/>
-          </a:lnRef>
-          <a:fillRef idx="0">
-            <a:schemeClr val="dk1"/>
-          </a:fillRef>
-          <a:effectRef idx="2">
-            <a:schemeClr val="dk1"/>
-          </a:effectRef>
-          <a:fontRef idx="minor">
-            <a:schemeClr val="tx1"/>
-          </a:fontRef>
-        </p:style>
-      </p:cxnSp>
-      <p:cxnSp>
-        <p:nvCxnSpPr>
-          <p:cNvPr id="20" name="Straight Connector 19">
-            <a:extLst>
-              <a:ext uri="{FF2B5EF4-FFF2-40B4-BE49-F238E27FC236}">
-                <a16:creationId xmlns:a16="http://schemas.microsoft.com/office/drawing/2014/main" id="{26FBB868-11FD-D36E-2316-C5DA85334FF4}"/>
-              </a:ext>
-            </a:extLst>
-          </p:cNvPr>
-          <p:cNvCxnSpPr>
-            <a:cxnSpLocks/>
-          </p:cNvCxnSpPr>
-          <p:nvPr/>
-        </p:nvCxnSpPr>
-        <p:spPr>
-          <a:xfrm>
-            <a:off x="4464916" y="3633858"/>
-            <a:ext cx="75156" cy="212942"/>
-          </a:xfrm>
-          <a:prstGeom prst="line">
-            <a:avLst/>
-          </a:prstGeom>
-        </p:spPr>
-        <p:style>
-          <a:lnRef idx="3">
-            <a:schemeClr val="dk1"/>
-          </a:lnRef>
-          <a:fillRef idx="0">
-            <a:schemeClr val="dk1"/>
-          </a:fillRef>
-          <a:effectRef idx="2">
-            <a:schemeClr val="dk1"/>
-          </a:effectRef>
-          <a:fontRef idx="minor">
-            <a:schemeClr val="tx1"/>
-          </a:fontRef>
-        </p:style>
-      </p:cxnSp>
-      <p:cxnSp>
-        <p:nvCxnSpPr>
-          <p:cNvPr id="21" name="Straight Connector 20">
-            <a:extLst>
-              <a:ext uri="{FF2B5EF4-FFF2-40B4-BE49-F238E27FC236}">
-                <a16:creationId xmlns:a16="http://schemas.microsoft.com/office/drawing/2014/main" id="{05EDFD76-5199-BC53-2F7D-F789A747B898}"/>
-              </a:ext>
-            </a:extLst>
-          </p:cNvPr>
-          <p:cNvCxnSpPr>
-            <a:cxnSpLocks/>
-          </p:cNvCxnSpPr>
-          <p:nvPr/>
-        </p:nvCxnSpPr>
-        <p:spPr>
-          <a:xfrm flipH="1">
-            <a:off x="4464916" y="3846800"/>
-            <a:ext cx="75156" cy="240083"/>
-          </a:xfrm>
-          <a:prstGeom prst="line">
-            <a:avLst/>
-          </a:prstGeom>
-        </p:spPr>
-        <p:style>
-          <a:lnRef idx="3">
-            <a:schemeClr val="dk1"/>
-          </a:lnRef>
-          <a:fillRef idx="0">
-            <a:schemeClr val="dk1"/>
-          </a:fillRef>
-          <a:effectRef idx="2">
-            <a:schemeClr val="dk1"/>
-          </a:effectRef>
-          <a:fontRef idx="minor">
-            <a:schemeClr val="tx1"/>
-          </a:fontRef>
-        </p:style>
-      </p:cxnSp>
-      <p:cxnSp>
-        <p:nvCxnSpPr>
-          <p:cNvPr id="22" name="Straight Connector 21">
-            <a:extLst>
-              <a:ext uri="{FF2B5EF4-FFF2-40B4-BE49-F238E27FC236}">
-                <a16:creationId xmlns:a16="http://schemas.microsoft.com/office/drawing/2014/main" id="{3A926BCB-4A6D-401C-18FA-36028996B250}"/>
-              </a:ext>
-            </a:extLst>
-          </p:cNvPr>
-          <p:cNvCxnSpPr>
-            <a:cxnSpLocks/>
-          </p:cNvCxnSpPr>
-          <p:nvPr/>
-        </p:nvCxnSpPr>
-        <p:spPr>
-          <a:xfrm>
-            <a:off x="4615228" y="3633858"/>
-            <a:ext cx="541969" cy="0"/>
-          </a:xfrm>
-          <a:prstGeom prst="line">
-            <a:avLst/>
-          </a:prstGeom>
-        </p:spPr>
-        <p:style>
-          <a:lnRef idx="3">
-            <a:schemeClr val="dk1"/>
-          </a:lnRef>
-          <a:fillRef idx="0">
-            <a:schemeClr val="dk1"/>
-          </a:fillRef>
-          <a:effectRef idx="2">
-            <a:schemeClr val="dk1"/>
-          </a:effectRef>
-          <a:fontRef idx="minor">
-            <a:schemeClr val="tx1"/>
-          </a:fontRef>
-        </p:style>
-      </p:cxnSp>
-      <p:cxnSp>
-        <p:nvCxnSpPr>
-          <p:cNvPr id="23" name="Straight Connector 22">
-            <a:extLst>
-              <a:ext uri="{FF2B5EF4-FFF2-40B4-BE49-F238E27FC236}">
-                <a16:creationId xmlns:a16="http://schemas.microsoft.com/office/drawing/2014/main" id="{02A1B1BC-C304-E75B-D3A7-F308E147E326}"/>
-              </a:ext>
-            </a:extLst>
-          </p:cNvPr>
-          <p:cNvCxnSpPr>
-            <a:cxnSpLocks/>
-          </p:cNvCxnSpPr>
-          <p:nvPr/>
-        </p:nvCxnSpPr>
-        <p:spPr>
-          <a:xfrm>
-            <a:off x="4615228" y="4086883"/>
-            <a:ext cx="555968" cy="0"/>
-          </a:xfrm>
-          <a:prstGeom prst="line">
-            <a:avLst/>
-          </a:prstGeom>
-        </p:spPr>
-        <p:style>
-          <a:lnRef idx="3">
-            <a:schemeClr val="dk1"/>
-          </a:lnRef>
-          <a:fillRef idx="0">
-            <a:schemeClr val="dk1"/>
-          </a:fillRef>
-          <a:effectRef idx="2">
-            <a:schemeClr val="dk1"/>
-          </a:effectRef>
-          <a:fontRef idx="minor">
-            <a:schemeClr val="tx1"/>
-          </a:fontRef>
-        </p:style>
-      </p:cxnSp>
-      <p:cxnSp>
-        <p:nvCxnSpPr>
-          <p:cNvPr id="24" name="Straight Connector 23">
-            <a:extLst>
-              <a:ext uri="{FF2B5EF4-FFF2-40B4-BE49-F238E27FC236}">
-                <a16:creationId xmlns:a16="http://schemas.microsoft.com/office/drawing/2014/main" id="{CB857969-DECE-1A54-2F41-669C42F3ED91}"/>
-              </a:ext>
-            </a:extLst>
-          </p:cNvPr>
-          <p:cNvCxnSpPr/>
-          <p:nvPr/>
-        </p:nvCxnSpPr>
-        <p:spPr>
-          <a:xfrm flipV="1">
-            <a:off x="2484404" y="2976457"/>
-            <a:ext cx="0" cy="419622"/>
-          </a:xfrm>
-          <a:prstGeom prst="line">
-            <a:avLst/>
-          </a:prstGeom>
-        </p:spPr>
-        <p:style>
-          <a:lnRef idx="3">
-            <a:schemeClr val="dk1"/>
-          </a:lnRef>
-          <a:fillRef idx="0">
-            <a:schemeClr val="dk1"/>
-          </a:fillRef>
-          <a:effectRef idx="2">
-            <a:schemeClr val="dk1"/>
-          </a:effectRef>
-          <a:fontRef idx="minor">
-            <a:schemeClr val="tx1"/>
-          </a:fontRef>
-        </p:style>
-      </p:cxnSp>
-      <p:cxnSp>
-        <p:nvCxnSpPr>
-          <p:cNvPr id="25" name="Straight Connector 24">
-            <a:extLst>
-              <a:ext uri="{FF2B5EF4-FFF2-40B4-BE49-F238E27FC236}">
-                <a16:creationId xmlns:a16="http://schemas.microsoft.com/office/drawing/2014/main" id="{5F939497-1931-A292-C45B-5822824D9649}"/>
-              </a:ext>
-            </a:extLst>
-          </p:cNvPr>
-          <p:cNvCxnSpPr>
-            <a:cxnSpLocks/>
-          </p:cNvCxnSpPr>
-          <p:nvPr/>
-        </p:nvCxnSpPr>
-        <p:spPr>
-          <a:xfrm>
-            <a:off x="3831628" y="3389816"/>
-            <a:ext cx="1339568" cy="0"/>
-          </a:xfrm>
-          <a:prstGeom prst="line">
-            <a:avLst/>
-          </a:prstGeom>
-        </p:spPr>
-        <p:style>
-          <a:lnRef idx="3">
-            <a:schemeClr val="dk1"/>
-          </a:lnRef>
-          <a:fillRef idx="0">
-            <a:schemeClr val="dk1"/>
-          </a:fillRef>
-          <a:effectRef idx="2">
-            <a:schemeClr val="dk1"/>
-          </a:effectRef>
-          <a:fontRef idx="minor">
-            <a:schemeClr val="tx1"/>
-          </a:fontRef>
-        </p:style>
-      </p:cxnSp>
-      <p:cxnSp>
-        <p:nvCxnSpPr>
-          <p:cNvPr id="26" name="Straight Connector 25">
-            <a:extLst>
-              <a:ext uri="{FF2B5EF4-FFF2-40B4-BE49-F238E27FC236}">
-                <a16:creationId xmlns:a16="http://schemas.microsoft.com/office/drawing/2014/main" id="{530E3CAD-4C5F-3B8D-3C06-8D1221108C45}"/>
-              </a:ext>
-            </a:extLst>
-          </p:cNvPr>
-          <p:cNvCxnSpPr/>
-          <p:nvPr/>
-        </p:nvCxnSpPr>
-        <p:spPr>
-          <a:xfrm flipV="1">
-            <a:off x="3831628" y="2976457"/>
-            <a:ext cx="0" cy="419622"/>
-          </a:xfrm>
-          <a:prstGeom prst="line">
-            <a:avLst/>
-          </a:prstGeom>
-        </p:spPr>
-        <p:style>
-          <a:lnRef idx="3">
-            <a:schemeClr val="dk1"/>
-          </a:lnRef>
-          <a:fillRef idx="0">
-            <a:schemeClr val="dk1"/>
-          </a:fillRef>
-          <a:effectRef idx="2">
-            <a:schemeClr val="dk1"/>
-          </a:effectRef>
-          <a:fontRef idx="minor">
-            <a:schemeClr val="tx1"/>
-          </a:fontRef>
-        </p:style>
-      </p:cxnSp>
-      <p:cxnSp>
-        <p:nvCxnSpPr>
-          <p:cNvPr id="27" name="Straight Connector 26">
-            <a:extLst>
-              <a:ext uri="{FF2B5EF4-FFF2-40B4-BE49-F238E27FC236}">
-                <a16:creationId xmlns:a16="http://schemas.microsoft.com/office/drawing/2014/main" id="{9D32D87D-4AA5-98E5-A11C-129DCFB47BA2}"/>
-              </a:ext>
-            </a:extLst>
-          </p:cNvPr>
-          <p:cNvCxnSpPr/>
-          <p:nvPr/>
-        </p:nvCxnSpPr>
-        <p:spPr>
-          <a:xfrm flipV="1">
-            <a:off x="5160859" y="2976457"/>
-            <a:ext cx="0" cy="419622"/>
-          </a:xfrm>
-          <a:prstGeom prst="line">
-            <a:avLst/>
-          </a:prstGeom>
-        </p:spPr>
-        <p:style>
-          <a:lnRef idx="3">
-            <a:schemeClr val="dk1"/>
-          </a:lnRef>
-          <a:fillRef idx="0">
-            <a:schemeClr val="dk1"/>
-          </a:fillRef>
-          <a:effectRef idx="2">
-            <a:schemeClr val="dk1"/>
-          </a:effectRef>
-          <a:fontRef idx="minor">
-            <a:schemeClr val="tx1"/>
-          </a:fontRef>
-        </p:style>
-      </p:cxnSp>
-      <p:cxnSp>
-        <p:nvCxnSpPr>
-          <p:cNvPr id="28" name="Straight Connector 27">
-            <a:extLst>
-              <a:ext uri="{FF2B5EF4-FFF2-40B4-BE49-F238E27FC236}">
-                <a16:creationId xmlns:a16="http://schemas.microsoft.com/office/drawing/2014/main" id="{F9A34EC5-79C8-4C73-495E-CDEEB2A1916C}"/>
-              </a:ext>
-            </a:extLst>
-          </p:cNvPr>
-          <p:cNvCxnSpPr/>
-          <p:nvPr/>
-        </p:nvCxnSpPr>
-        <p:spPr>
-          <a:xfrm>
-            <a:off x="5160859" y="2976457"/>
-            <a:ext cx="1014608" cy="0"/>
-          </a:xfrm>
-          <a:prstGeom prst="line">
-            <a:avLst/>
-          </a:prstGeom>
-        </p:spPr>
-        <p:style>
-          <a:lnRef idx="3">
-            <a:schemeClr val="dk1"/>
-          </a:lnRef>
-          <a:fillRef idx="0">
-            <a:schemeClr val="dk1"/>
-          </a:fillRef>
-          <a:effectRef idx="2">
-            <a:schemeClr val="dk1"/>
-          </a:effectRef>
-          <a:fontRef idx="minor">
-            <a:schemeClr val="tx1"/>
-          </a:fontRef>
-        </p:style>
-      </p:cxnSp>
-      <p:cxnSp>
-        <p:nvCxnSpPr>
-          <p:cNvPr id="29" name="Straight Connector 28">
-            <a:extLst>
-              <a:ext uri="{FF2B5EF4-FFF2-40B4-BE49-F238E27FC236}">
-                <a16:creationId xmlns:a16="http://schemas.microsoft.com/office/drawing/2014/main" id="{9B7230C9-DD4A-C4CD-56F2-E59DCC2ECB4B}"/>
-              </a:ext>
-            </a:extLst>
-          </p:cNvPr>
-          <p:cNvCxnSpPr>
-            <a:cxnSpLocks/>
-          </p:cNvCxnSpPr>
-          <p:nvPr/>
-        </p:nvCxnSpPr>
-        <p:spPr>
-          <a:xfrm>
-            <a:off x="1382114" y="3389816"/>
-            <a:ext cx="1102290" cy="0"/>
-          </a:xfrm>
-          <a:prstGeom prst="line">
-            <a:avLst/>
-          </a:prstGeom>
-        </p:spPr>
-        <p:style>
-          <a:lnRef idx="3">
-            <a:schemeClr val="dk1"/>
-          </a:lnRef>
-          <a:fillRef idx="0">
-            <a:schemeClr val="dk1"/>
-          </a:fillRef>
-          <a:effectRef idx="2">
-            <a:schemeClr val="dk1"/>
-          </a:effectRef>
-          <a:fontRef idx="minor">
-            <a:schemeClr val="tx1"/>
-          </a:fontRef>
-        </p:style>
-      </p:cxnSp>
-      <p:cxnSp>
-        <p:nvCxnSpPr>
-          <p:cNvPr id="30" name="Straight Connector 29">
-            <a:extLst>
-              <a:ext uri="{FF2B5EF4-FFF2-40B4-BE49-F238E27FC236}">
-                <a16:creationId xmlns:a16="http://schemas.microsoft.com/office/drawing/2014/main" id="{7B31B70D-3DCB-FC71-C774-061849542C2D}"/>
-              </a:ext>
-            </a:extLst>
-          </p:cNvPr>
-          <p:cNvCxnSpPr>
-            <a:cxnSpLocks/>
-          </p:cNvCxnSpPr>
-          <p:nvPr/>
-        </p:nvCxnSpPr>
-        <p:spPr>
-          <a:xfrm>
-            <a:off x="2484404" y="3379703"/>
-            <a:ext cx="0" cy="2723157"/>
-          </a:xfrm>
-          <a:prstGeom prst="line">
-            <a:avLst/>
-          </a:prstGeom>
-          <a:ln w="9525" cap="flat" cmpd="sng" algn="ctr">
-            <a:solidFill>
-              <a:schemeClr val="dk1"/>
-            </a:solidFill>
-            <a:prstDash val="dash"/>
-            <a:round/>
-            <a:headEnd type="none" w="med" len="med"/>
-            <a:tailEnd type="none" w="med" len="med"/>
-          </a:ln>
-        </p:spPr>
-        <p:style>
-          <a:lnRef idx="0">
-            <a:scrgbClr r="0" g="0" b="0"/>
-          </a:lnRef>
-          <a:fillRef idx="0">
-            <a:scrgbClr r="0" g="0" b="0"/>
-          </a:fillRef>
-          <a:effectRef idx="0">
-            <a:scrgbClr r="0" g="0" b="0"/>
-          </a:effectRef>
-          <a:fontRef idx="minor">
-            <a:schemeClr val="tx1"/>
-          </a:fontRef>
-        </p:style>
-      </p:cxnSp>
-      <p:cxnSp>
-        <p:nvCxnSpPr>
-          <p:cNvPr id="31" name="Straight Connector 30">
-            <a:extLst>
-              <a:ext uri="{FF2B5EF4-FFF2-40B4-BE49-F238E27FC236}">
-                <a16:creationId xmlns:a16="http://schemas.microsoft.com/office/drawing/2014/main" id="{3E8000A6-97E3-7FE4-63A8-C67DA30B6883}"/>
-              </a:ext>
-            </a:extLst>
-          </p:cNvPr>
-          <p:cNvCxnSpPr>
-            <a:cxnSpLocks/>
-          </p:cNvCxnSpPr>
-          <p:nvPr/>
-        </p:nvCxnSpPr>
-        <p:spPr>
-          <a:xfrm>
-            <a:off x="5157197" y="3379703"/>
-            <a:ext cx="0" cy="2723157"/>
-          </a:xfrm>
-          <a:prstGeom prst="line">
-            <a:avLst/>
-          </a:prstGeom>
-          <a:ln w="9525" cap="flat" cmpd="sng" algn="ctr">
-            <a:solidFill>
-              <a:schemeClr val="dk1"/>
-            </a:solidFill>
-            <a:prstDash val="dash"/>
-            <a:round/>
-            <a:headEnd type="none" w="med" len="med"/>
-            <a:tailEnd type="none" w="med" len="med"/>
-          </a:ln>
-        </p:spPr>
-        <p:style>
-          <a:lnRef idx="0">
-            <a:scrgbClr r="0" g="0" b="0"/>
-          </a:lnRef>
-          <a:fillRef idx="0">
-            <a:scrgbClr r="0" g="0" b="0"/>
-          </a:fillRef>
-          <a:effectRef idx="0">
-            <a:scrgbClr r="0" g="0" b="0"/>
-          </a:effectRef>
-          <a:fontRef idx="minor">
-            <a:schemeClr val="tx1"/>
-          </a:fontRef>
-        </p:style>
-      </p:cxnSp>
-      <p:sp>
-        <p:nvSpPr>
-          <p:cNvPr id="32" name="TextBox 31">
-            <a:extLst>
-              <a:ext uri="{FF2B5EF4-FFF2-40B4-BE49-F238E27FC236}">
-                <a16:creationId xmlns:a16="http://schemas.microsoft.com/office/drawing/2014/main" id="{377EC9A3-FF43-CF4E-C1E0-3A13C68B6E01}"/>
-              </a:ext>
-            </a:extLst>
-          </p:cNvPr>
-          <p:cNvSpPr txBox="1"/>
-          <p:nvPr/>
-        </p:nvSpPr>
-        <p:spPr>
-          <a:xfrm>
-            <a:off x="4667219" y="3721654"/>
-            <a:ext cx="386456" cy="276999"/>
-          </a:xfrm>
-          <a:prstGeom prst="rect">
-            <a:avLst/>
-          </a:prstGeom>
-          <a:noFill/>
-        </p:spPr>
-        <p:txBody>
-          <a:bodyPr wrap="square" rtlCol="0">
-            <a:spAutoFit/>
-          </a:bodyPr>
-          <a:lstStyle/>
-          <a:p>
-            <a:pPr algn="ctr"/>
-            <a:r>
-              <a:rPr lang="en-GB" sz="1200" i="1" dirty="0"/>
-              <a:t>T</a:t>
-            </a:r>
-            <a:r>
-              <a:rPr lang="en-GB" sz="1200" i="1" baseline="-25000" dirty="0"/>
-              <a:t>SU</a:t>
-            </a:r>
-          </a:p>
-        </p:txBody>
-      </p:sp>
-      <p:sp>
-        <p:nvSpPr>
-          <p:cNvPr id="33" name="TextBox 32">
-            <a:extLst>
-              <a:ext uri="{FF2B5EF4-FFF2-40B4-BE49-F238E27FC236}">
-                <a16:creationId xmlns:a16="http://schemas.microsoft.com/office/drawing/2014/main" id="{B14CAF4E-1CB2-3BAA-A10E-B59B908EDA81}"/>
-              </a:ext>
-            </a:extLst>
-          </p:cNvPr>
-          <p:cNvSpPr txBox="1"/>
-          <p:nvPr/>
-        </p:nvSpPr>
-        <p:spPr>
-          <a:xfrm>
-            <a:off x="1275329" y="3686972"/>
-            <a:ext cx="620554" cy="369332"/>
-          </a:xfrm>
-          <a:prstGeom prst="rect">
-            <a:avLst/>
-          </a:prstGeom>
-          <a:noFill/>
-        </p:spPr>
-        <p:txBody>
-          <a:bodyPr wrap="none" rtlCol="0">
-            <a:spAutoFit/>
-          </a:bodyPr>
-          <a:lstStyle/>
-          <a:p>
-            <a:r>
-              <a:rPr lang="en-GB" dirty="0"/>
-              <a:t>Data</a:t>
-            </a:r>
-          </a:p>
-        </p:txBody>
-      </p:sp>
-      <p:sp>
-        <p:nvSpPr>
-          <p:cNvPr id="34" name="TextBox 33">
-            <a:extLst>
-              <a:ext uri="{FF2B5EF4-FFF2-40B4-BE49-F238E27FC236}">
-                <a16:creationId xmlns:a16="http://schemas.microsoft.com/office/drawing/2014/main" id="{BE53E8DE-2688-9C4D-6D05-F402655872AC}"/>
-              </a:ext>
-            </a:extLst>
-          </p:cNvPr>
-          <p:cNvSpPr txBox="1"/>
-          <p:nvPr/>
-        </p:nvSpPr>
-        <p:spPr>
-          <a:xfrm>
-            <a:off x="1275329" y="3033195"/>
-            <a:ext cx="684803" cy="369332"/>
-          </a:xfrm>
-          <a:prstGeom prst="rect">
-            <a:avLst/>
-          </a:prstGeom>
-          <a:noFill/>
-        </p:spPr>
-        <p:txBody>
-          <a:bodyPr wrap="none" rtlCol="0">
-            <a:spAutoFit/>
-          </a:bodyPr>
-          <a:lstStyle/>
-          <a:p>
-            <a:r>
-              <a:rPr lang="en-GB" dirty="0"/>
-              <a:t>Clock</a:t>
-            </a:r>
-          </a:p>
-        </p:txBody>
-      </p:sp>
-      <p:cxnSp>
-        <p:nvCxnSpPr>
-          <p:cNvPr id="35" name="Straight Connector 34">
-            <a:extLst>
-              <a:ext uri="{FF2B5EF4-FFF2-40B4-BE49-F238E27FC236}">
-                <a16:creationId xmlns:a16="http://schemas.microsoft.com/office/drawing/2014/main" id="{7B6DFC48-500D-56AE-640E-C990DE0EF752}"/>
-              </a:ext>
-            </a:extLst>
-          </p:cNvPr>
-          <p:cNvCxnSpPr>
-            <a:cxnSpLocks/>
-          </p:cNvCxnSpPr>
-          <p:nvPr/>
-        </p:nvCxnSpPr>
-        <p:spPr>
-          <a:xfrm>
-            <a:off x="2482002" y="2976457"/>
-            <a:ext cx="1349626" cy="0"/>
-          </a:xfrm>
-          <a:prstGeom prst="line">
-            <a:avLst/>
-          </a:prstGeom>
-        </p:spPr>
-        <p:style>
-          <a:lnRef idx="3">
-            <a:schemeClr val="dk1"/>
-          </a:lnRef>
-          <a:fillRef idx="0">
-            <a:schemeClr val="dk1"/>
-          </a:fillRef>
-          <a:effectRef idx="2">
-            <a:schemeClr val="dk1"/>
-          </a:effectRef>
-          <a:fontRef idx="minor">
-            <a:schemeClr val="tx1"/>
-          </a:fontRef>
-        </p:style>
-      </p:cxnSp>
-      <p:sp>
-        <p:nvSpPr>
-          <p:cNvPr id="36" name="TextBox 35">
-            <a:extLst>
-              <a:ext uri="{FF2B5EF4-FFF2-40B4-BE49-F238E27FC236}">
-                <a16:creationId xmlns:a16="http://schemas.microsoft.com/office/drawing/2014/main" id="{0931AE97-D71A-2013-A29F-7F439E0003FD}"/>
-              </a:ext>
-            </a:extLst>
-          </p:cNvPr>
-          <p:cNvSpPr txBox="1"/>
-          <p:nvPr/>
-        </p:nvSpPr>
-        <p:spPr>
-          <a:xfrm>
-            <a:off x="3096730" y="3721654"/>
-            <a:ext cx="962892" cy="276999"/>
-          </a:xfrm>
-          <a:prstGeom prst="rect">
-            <a:avLst/>
-          </a:prstGeom>
-          <a:noFill/>
-        </p:spPr>
-        <p:txBody>
-          <a:bodyPr wrap="none" rtlCol="0">
-            <a:spAutoFit/>
-          </a:bodyPr>
-          <a:lstStyle/>
-          <a:p>
-            <a:pPr algn="ctr"/>
-            <a:r>
-              <a:rPr lang="en-GB" sz="1200" i="1" dirty="0"/>
-              <a:t>Logic &amp; Nets</a:t>
-            </a:r>
-            <a:endParaRPr lang="en-GB" sz="1200" i="1" baseline="-25000" dirty="0"/>
-          </a:p>
-        </p:txBody>
-      </p:sp>
-      <p:sp>
-        <p:nvSpPr>
-          <p:cNvPr id="37" name="TextBox 36">
-            <a:extLst>
-              <a:ext uri="{FF2B5EF4-FFF2-40B4-BE49-F238E27FC236}">
-                <a16:creationId xmlns:a16="http://schemas.microsoft.com/office/drawing/2014/main" id="{C6643560-7EFE-6CEC-C57F-EEF8A87268BF}"/>
-              </a:ext>
-            </a:extLst>
-          </p:cNvPr>
-          <p:cNvSpPr txBox="1"/>
-          <p:nvPr/>
-        </p:nvSpPr>
-        <p:spPr>
-          <a:xfrm>
-            <a:off x="4193324" y="3655289"/>
-            <a:ext cx="369332" cy="409728"/>
-          </a:xfrm>
-          <a:prstGeom prst="rect">
-            <a:avLst/>
-          </a:prstGeom>
-          <a:noFill/>
-        </p:spPr>
-        <p:txBody>
-          <a:bodyPr vert="vert270" wrap="none" rtlCol="0">
-            <a:spAutoFit/>
-          </a:bodyPr>
-          <a:lstStyle/>
-          <a:p>
-            <a:pPr algn="ctr"/>
-            <a:r>
-              <a:rPr lang="en-GB" sz="1200" i="1" dirty="0"/>
-              <a:t>Slack</a:t>
-            </a:r>
-            <a:endParaRPr lang="en-GB" sz="1200" i="1" baseline="-25000" dirty="0"/>
-          </a:p>
-        </p:txBody>
-      </p:sp>
-      <p:cxnSp>
-        <p:nvCxnSpPr>
-          <p:cNvPr id="38" name="Straight Connector 37">
-            <a:extLst>
-              <a:ext uri="{FF2B5EF4-FFF2-40B4-BE49-F238E27FC236}">
-                <a16:creationId xmlns:a16="http://schemas.microsoft.com/office/drawing/2014/main" id="{BA32E195-CB22-DEC2-F54F-3D1CB62EE5A8}"/>
-              </a:ext>
-            </a:extLst>
-          </p:cNvPr>
-          <p:cNvCxnSpPr>
-            <a:cxnSpLocks/>
-          </p:cNvCxnSpPr>
-          <p:nvPr/>
-        </p:nvCxnSpPr>
-        <p:spPr>
-          <a:xfrm>
-            <a:off x="1382114" y="3638091"/>
-            <a:ext cx="1101292" cy="0"/>
-          </a:xfrm>
-          <a:prstGeom prst="line">
-            <a:avLst/>
-          </a:prstGeom>
-          <a:ln>
-            <a:prstDash val="dash"/>
-          </a:ln>
-        </p:spPr>
-        <p:style>
-          <a:lnRef idx="3">
-            <a:schemeClr val="dk1"/>
-          </a:lnRef>
-          <a:fillRef idx="0">
-            <a:schemeClr val="dk1"/>
-          </a:fillRef>
-          <a:effectRef idx="2">
-            <a:schemeClr val="dk1"/>
-          </a:effectRef>
-          <a:fontRef idx="minor">
-            <a:schemeClr val="tx1"/>
-          </a:fontRef>
-        </p:style>
-      </p:cxnSp>
-      <p:cxnSp>
-        <p:nvCxnSpPr>
-          <p:cNvPr id="39" name="Straight Connector 38">
-            <a:extLst>
-              <a:ext uri="{FF2B5EF4-FFF2-40B4-BE49-F238E27FC236}">
-                <a16:creationId xmlns:a16="http://schemas.microsoft.com/office/drawing/2014/main" id="{DD2AC73C-0EA9-2B76-00CD-50588C532242}"/>
-              </a:ext>
-            </a:extLst>
-          </p:cNvPr>
-          <p:cNvCxnSpPr>
-            <a:cxnSpLocks/>
-          </p:cNvCxnSpPr>
-          <p:nvPr/>
-        </p:nvCxnSpPr>
-        <p:spPr>
-          <a:xfrm>
-            <a:off x="1382114" y="4091116"/>
-            <a:ext cx="1101292" cy="0"/>
-          </a:xfrm>
-          <a:prstGeom prst="line">
-            <a:avLst/>
-          </a:prstGeom>
-          <a:ln>
-            <a:prstDash val="dash"/>
-          </a:ln>
-        </p:spPr>
-        <p:style>
-          <a:lnRef idx="3">
-            <a:schemeClr val="dk1"/>
-          </a:lnRef>
-          <a:fillRef idx="0">
-            <a:schemeClr val="dk1"/>
-          </a:fillRef>
-          <a:effectRef idx="2">
-            <a:schemeClr val="dk1"/>
-          </a:effectRef>
-          <a:fontRef idx="minor">
-            <a:schemeClr val="tx1"/>
-          </a:fontRef>
-        </p:style>
-      </p:cxnSp>
-      <p:cxnSp>
-        <p:nvCxnSpPr>
-          <p:cNvPr id="40" name="Straight Connector 39">
-            <a:extLst>
-              <a:ext uri="{FF2B5EF4-FFF2-40B4-BE49-F238E27FC236}">
-                <a16:creationId xmlns:a16="http://schemas.microsoft.com/office/drawing/2014/main" id="{82B6A1D7-851B-8421-956E-546DE8684EA4}"/>
-              </a:ext>
-            </a:extLst>
-          </p:cNvPr>
-          <p:cNvCxnSpPr>
-            <a:cxnSpLocks/>
-          </p:cNvCxnSpPr>
-          <p:nvPr/>
-        </p:nvCxnSpPr>
-        <p:spPr>
-          <a:xfrm>
-            <a:off x="5157197" y="3633858"/>
-            <a:ext cx="1018270" cy="0"/>
-          </a:xfrm>
-          <a:prstGeom prst="line">
-            <a:avLst/>
-          </a:prstGeom>
-          <a:ln>
-            <a:prstDash val="dash"/>
-          </a:ln>
-        </p:spPr>
-        <p:style>
-          <a:lnRef idx="3">
-            <a:schemeClr val="dk1"/>
-          </a:lnRef>
-          <a:fillRef idx="0">
-            <a:schemeClr val="dk1"/>
-          </a:fillRef>
-          <a:effectRef idx="2">
-            <a:schemeClr val="dk1"/>
-          </a:effectRef>
-          <a:fontRef idx="minor">
-            <a:schemeClr val="tx1"/>
-          </a:fontRef>
-        </p:style>
-      </p:cxnSp>
-      <p:cxnSp>
-        <p:nvCxnSpPr>
-          <p:cNvPr id="41" name="Straight Connector 40">
-            <a:extLst>
-              <a:ext uri="{FF2B5EF4-FFF2-40B4-BE49-F238E27FC236}">
-                <a16:creationId xmlns:a16="http://schemas.microsoft.com/office/drawing/2014/main" id="{4DD9E448-242F-CC25-F6D0-1DD2D82D45A0}"/>
-              </a:ext>
-            </a:extLst>
-          </p:cNvPr>
-          <p:cNvCxnSpPr>
-            <a:cxnSpLocks/>
-          </p:cNvCxnSpPr>
-          <p:nvPr/>
-        </p:nvCxnSpPr>
-        <p:spPr>
-          <a:xfrm>
-            <a:off x="5157197" y="4086883"/>
-            <a:ext cx="1018270" cy="0"/>
-          </a:xfrm>
-          <a:prstGeom prst="line">
-            <a:avLst/>
-          </a:prstGeom>
-          <a:ln>
-            <a:prstDash val="dash"/>
-          </a:ln>
-        </p:spPr>
-        <p:style>
-          <a:lnRef idx="3">
-            <a:schemeClr val="dk1"/>
-          </a:lnRef>
-          <a:fillRef idx="0">
-            <a:schemeClr val="dk1"/>
-          </a:fillRef>
-          <a:effectRef idx="2">
-            <a:schemeClr val="dk1"/>
-          </a:effectRef>
-          <a:fontRef idx="minor">
-            <a:schemeClr val="tx1"/>
-          </a:fontRef>
-        </p:style>
-      </p:cxnSp>
-      <p:cxnSp>
-        <p:nvCxnSpPr>
-          <p:cNvPr id="44" name="Straight Connector 43">
-            <a:extLst>
-              <a:ext uri="{FF2B5EF4-FFF2-40B4-BE49-F238E27FC236}">
-                <a16:creationId xmlns:a16="http://schemas.microsoft.com/office/drawing/2014/main" id="{8C5717F0-AAA2-B012-5508-204E4A21C28B}"/>
-              </a:ext>
-            </a:extLst>
-          </p:cNvPr>
-          <p:cNvCxnSpPr>
-            <a:cxnSpLocks/>
-          </p:cNvCxnSpPr>
-          <p:nvPr/>
-        </p:nvCxnSpPr>
-        <p:spPr>
-          <a:xfrm>
-            <a:off x="2855380" y="3643677"/>
-            <a:ext cx="75156" cy="212942"/>
-          </a:xfrm>
-          <a:prstGeom prst="line">
-            <a:avLst/>
-          </a:prstGeom>
-        </p:spPr>
-        <p:style>
-          <a:lnRef idx="3">
-            <a:schemeClr val="dk1"/>
-          </a:lnRef>
-          <a:fillRef idx="0">
-            <a:schemeClr val="dk1"/>
-          </a:fillRef>
-          <a:effectRef idx="2">
-            <a:schemeClr val="dk1"/>
-          </a:effectRef>
-          <a:fontRef idx="minor">
-            <a:schemeClr val="tx1"/>
-          </a:fontRef>
-        </p:style>
-      </p:cxnSp>
-      <p:cxnSp>
-        <p:nvCxnSpPr>
-          <p:cNvPr id="45" name="Straight Connector 44">
-            <a:extLst>
-              <a:ext uri="{FF2B5EF4-FFF2-40B4-BE49-F238E27FC236}">
-                <a16:creationId xmlns:a16="http://schemas.microsoft.com/office/drawing/2014/main" id="{A98A1BBC-B856-BD6A-766B-0F48F0282E77}"/>
-              </a:ext>
-            </a:extLst>
-          </p:cNvPr>
-          <p:cNvCxnSpPr>
-            <a:cxnSpLocks/>
-          </p:cNvCxnSpPr>
-          <p:nvPr/>
-        </p:nvCxnSpPr>
-        <p:spPr>
-          <a:xfrm flipH="1">
-            <a:off x="2855380" y="3856619"/>
-            <a:ext cx="75156" cy="240083"/>
-          </a:xfrm>
-          <a:prstGeom prst="line">
-            <a:avLst/>
-          </a:prstGeom>
-        </p:spPr>
-        <p:style>
-          <a:lnRef idx="3">
-            <a:schemeClr val="dk1"/>
-          </a:lnRef>
-          <a:fillRef idx="0">
-            <a:schemeClr val="dk1"/>
-          </a:fillRef>
-          <a:effectRef idx="2">
-            <a:schemeClr val="dk1"/>
-          </a:effectRef>
-          <a:fontRef idx="minor">
-            <a:schemeClr val="tx1"/>
-          </a:fontRef>
-        </p:style>
-      </p:cxnSp>
-      <p:cxnSp>
-        <p:nvCxnSpPr>
-          <p:cNvPr id="55" name="Straight Arrow Connector 54">
-            <a:extLst>
-              <a:ext uri="{FF2B5EF4-FFF2-40B4-BE49-F238E27FC236}">
-                <a16:creationId xmlns:a16="http://schemas.microsoft.com/office/drawing/2014/main" id="{E2F1A4A1-AEDB-9AEC-D5C9-6E4BFAC5B8F1}"/>
-              </a:ext>
-            </a:extLst>
-          </p:cNvPr>
-          <p:cNvCxnSpPr>
-            <a:cxnSpLocks/>
-          </p:cNvCxnSpPr>
-          <p:nvPr/>
-        </p:nvCxnSpPr>
-        <p:spPr>
-          <a:xfrm>
-            <a:off x="2491165" y="6021287"/>
-            <a:ext cx="2666032" cy="0"/>
-          </a:xfrm>
-          <a:prstGeom prst="straightConnector1">
-            <a:avLst/>
-          </a:prstGeom>
-          <a:ln>
-            <a:headEnd type="triangle"/>
-            <a:tailEnd type="triangle"/>
-          </a:ln>
-        </p:spPr>
-        <p:style>
-          <a:lnRef idx="1">
-            <a:schemeClr val="dk1"/>
-          </a:lnRef>
-          <a:fillRef idx="0">
-            <a:schemeClr val="dk1"/>
-          </a:fillRef>
-          <a:effectRef idx="0">
-            <a:schemeClr val="dk1"/>
-          </a:effectRef>
-          <a:fontRef idx="minor">
-            <a:schemeClr val="tx1"/>
-          </a:fontRef>
-        </p:style>
-      </p:cxnSp>
-      <p:sp>
-        <p:nvSpPr>
-          <p:cNvPr id="56" name="TextBox 55">
-            <a:extLst>
-              <a:ext uri="{FF2B5EF4-FFF2-40B4-BE49-F238E27FC236}">
-                <a16:creationId xmlns:a16="http://schemas.microsoft.com/office/drawing/2014/main" id="{3748C1E7-0678-969F-B881-1256E62A3708}"/>
-              </a:ext>
-            </a:extLst>
-          </p:cNvPr>
-          <p:cNvSpPr txBox="1"/>
-          <p:nvPr/>
-        </p:nvSpPr>
-        <p:spPr>
-          <a:xfrm>
-            <a:off x="2487170" y="5739358"/>
-            <a:ext cx="2666032" cy="276999"/>
-          </a:xfrm>
-          <a:prstGeom prst="rect">
-            <a:avLst/>
-          </a:prstGeom>
-          <a:noFill/>
-        </p:spPr>
-        <p:txBody>
-          <a:bodyPr wrap="square" rtlCol="0">
-            <a:spAutoFit/>
-          </a:bodyPr>
-          <a:lstStyle/>
-          <a:p>
-            <a:pPr algn="ctr"/>
-            <a:r>
-              <a:rPr lang="en-GB" sz="1200" dirty="0"/>
-              <a:t>Clock Period (s) = </a:t>
-            </a:r>
-            <a:r>
-              <a:rPr lang="en-GB" sz="1200" i="1" dirty="0"/>
-              <a:t>T</a:t>
-            </a:r>
-            <a:r>
-              <a:rPr lang="en-GB" sz="1200" i="1" baseline="-25000" dirty="0"/>
-              <a:t>P</a:t>
-            </a:r>
-          </a:p>
-        </p:txBody>
-      </p:sp>
-      <p:grpSp>
-        <p:nvGrpSpPr>
-          <p:cNvPr id="57" name="Group 56">
-            <a:extLst>
-              <a:ext uri="{FF2B5EF4-FFF2-40B4-BE49-F238E27FC236}">
-                <a16:creationId xmlns:a16="http://schemas.microsoft.com/office/drawing/2014/main" id="{28C99222-5B2C-EAFE-129C-5960D6AF554F}"/>
-              </a:ext>
-            </a:extLst>
-          </p:cNvPr>
-          <p:cNvGrpSpPr/>
-          <p:nvPr/>
-        </p:nvGrpSpPr>
-        <p:grpSpPr>
-          <a:xfrm>
-            <a:off x="1438171" y="4169223"/>
-            <a:ext cx="4790547" cy="1509224"/>
-            <a:chOff x="4368649" y="2490244"/>
-            <a:chExt cx="4790547" cy="1509224"/>
-          </a:xfrm>
-        </p:grpSpPr>
-        <p:sp>
-          <p:nvSpPr>
-            <p:cNvPr id="59" name="Rectangle 58">
-              <a:extLst>
-                <a:ext uri="{FF2B5EF4-FFF2-40B4-BE49-F238E27FC236}">
-                  <a16:creationId xmlns:a16="http://schemas.microsoft.com/office/drawing/2014/main" id="{C514AF61-0B2A-3749-7708-65E936F3F606}"/>
-                </a:ext>
-              </a:extLst>
-            </p:cNvPr>
-            <p:cNvSpPr/>
-            <p:nvPr/>
-          </p:nvSpPr>
-          <p:spPr>
-            <a:xfrm>
-              <a:off x="5117385" y="2908492"/>
-              <a:ext cx="581416" cy="756261"/>
-            </a:xfrm>
-            <a:prstGeom prst="rect">
-              <a:avLst/>
-            </a:prstGeom>
-            <a:solidFill>
-              <a:schemeClr val="bg1"/>
-            </a:solidFill>
-            <a:ln>
-              <a:solidFill>
-                <a:srgbClr val="FF0000"/>
-              </a:solidFill>
-            </a:ln>
-          </p:spPr>
-          <p:style>
-            <a:lnRef idx="2">
-              <a:schemeClr val="accent1">
-                <a:shade val="50000"/>
-              </a:schemeClr>
-            </a:lnRef>
-            <a:fillRef idx="1">
-              <a:schemeClr val="accent1"/>
-            </a:fillRef>
-            <a:effectRef idx="0">
-              <a:schemeClr val="accent1"/>
-            </a:effectRef>
-            <a:fontRef idx="minor">
-              <a:schemeClr val="lt1"/>
-            </a:fontRef>
-          </p:style>
-          <p:txBody>
-            <a:bodyPr rtlCol="0" anchor="ctr"/>
-            <a:lstStyle/>
-            <a:p>
-              <a:pPr algn="ctr"/>
-              <a:endParaRPr lang="en-GB"/>
-            </a:p>
-          </p:txBody>
-        </p:sp>
-        <p:grpSp>
-          <p:nvGrpSpPr>
-            <p:cNvPr id="60" name="Group 59">
-              <a:extLst>
-                <a:ext uri="{FF2B5EF4-FFF2-40B4-BE49-F238E27FC236}">
-                  <a16:creationId xmlns:a16="http://schemas.microsoft.com/office/drawing/2014/main" id="{92C0757D-2421-77F2-8F33-D6334FBF425F}"/>
-                </a:ext>
-              </a:extLst>
-            </p:cNvPr>
-            <p:cNvGrpSpPr/>
-            <p:nvPr/>
-          </p:nvGrpSpPr>
-          <p:grpSpPr>
-            <a:xfrm>
-              <a:off x="5111693" y="3374573"/>
-              <a:ext cx="118030" cy="208875"/>
-              <a:chOff x="8388570" y="2302315"/>
-              <a:chExt cx="61130" cy="108180"/>
-            </a:xfrm>
-          </p:grpSpPr>
-          <p:cxnSp>
-            <p:nvCxnSpPr>
-              <p:cNvPr id="78" name="Straight Connector 77">
-                <a:extLst>
-                  <a:ext uri="{FF2B5EF4-FFF2-40B4-BE49-F238E27FC236}">
-                    <a16:creationId xmlns:a16="http://schemas.microsoft.com/office/drawing/2014/main" id="{2225FCF3-9458-81FD-A25D-2FBC72E98E50}"/>
-                  </a:ext>
-                </a:extLst>
-              </p:cNvPr>
-              <p:cNvCxnSpPr>
-                <a:cxnSpLocks/>
-              </p:cNvCxnSpPr>
-              <p:nvPr/>
-            </p:nvCxnSpPr>
-            <p:spPr>
-              <a:xfrm>
-                <a:off x="8391518" y="2302315"/>
-                <a:ext cx="58182" cy="56934"/>
-              </a:xfrm>
-              <a:prstGeom prst="line">
-                <a:avLst/>
-              </a:prstGeom>
-              <a:ln>
-                <a:solidFill>
-                  <a:srgbClr val="FF0000"/>
-                </a:solidFill>
-              </a:ln>
-            </p:spPr>
-            <p:style>
-              <a:lnRef idx="1">
-                <a:schemeClr val="accent1"/>
-              </a:lnRef>
-              <a:fillRef idx="0">
-                <a:schemeClr val="accent1"/>
-              </a:fillRef>
-              <a:effectRef idx="0">
-                <a:schemeClr val="accent1"/>
-              </a:effectRef>
-              <a:fontRef idx="minor">
-                <a:schemeClr val="tx1"/>
-              </a:fontRef>
-            </p:style>
-          </p:cxnSp>
-          <p:cxnSp>
-            <p:nvCxnSpPr>
-              <p:cNvPr id="79" name="Straight Connector 78">
-                <a:extLst>
-                  <a:ext uri="{FF2B5EF4-FFF2-40B4-BE49-F238E27FC236}">
-                    <a16:creationId xmlns:a16="http://schemas.microsoft.com/office/drawing/2014/main" id="{93CE2D46-99A2-562E-F7CC-FE7B2BE1F361}"/>
-                  </a:ext>
-                </a:extLst>
-              </p:cNvPr>
-              <p:cNvCxnSpPr>
-                <a:cxnSpLocks/>
-              </p:cNvCxnSpPr>
-              <p:nvPr/>
-            </p:nvCxnSpPr>
-            <p:spPr>
-              <a:xfrm flipV="1">
-                <a:off x="8388570" y="2359249"/>
-                <a:ext cx="61130" cy="51246"/>
-              </a:xfrm>
-              <a:prstGeom prst="line">
-                <a:avLst/>
-              </a:prstGeom>
-              <a:ln>
-                <a:solidFill>
-                  <a:srgbClr val="FF0000"/>
-                </a:solidFill>
-              </a:ln>
-            </p:spPr>
-            <p:style>
-              <a:lnRef idx="1">
-                <a:schemeClr val="accent1"/>
-              </a:lnRef>
-              <a:fillRef idx="0">
-                <a:schemeClr val="accent1"/>
-              </a:fillRef>
-              <a:effectRef idx="0">
-                <a:schemeClr val="accent1"/>
-              </a:effectRef>
-              <a:fontRef idx="minor">
-                <a:schemeClr val="tx1"/>
-              </a:fontRef>
-            </p:style>
-          </p:cxnSp>
-        </p:grpSp>
-        <p:sp>
-          <p:nvSpPr>
-            <p:cNvPr id="61" name="TextBox 60">
-              <a:extLst>
-                <a:ext uri="{FF2B5EF4-FFF2-40B4-BE49-F238E27FC236}">
-                  <a16:creationId xmlns:a16="http://schemas.microsoft.com/office/drawing/2014/main" id="{DC1564E0-7779-D63B-182D-E8C533FA53DA}"/>
-                </a:ext>
-              </a:extLst>
-            </p:cNvPr>
-            <p:cNvSpPr txBox="1"/>
-            <p:nvPr/>
-          </p:nvSpPr>
-          <p:spPr>
-            <a:xfrm>
-              <a:off x="5066056" y="2866588"/>
-              <a:ext cx="327334" cy="369332"/>
-            </a:xfrm>
-            <a:prstGeom prst="rect">
-              <a:avLst/>
-            </a:prstGeom>
-            <a:noFill/>
-          </p:spPr>
-          <p:txBody>
-            <a:bodyPr wrap="none" rtlCol="0">
-              <a:spAutoFit/>
-            </a:bodyPr>
-            <a:lstStyle/>
-            <a:p>
-              <a:r>
-                <a:rPr lang="en-GB" dirty="0"/>
-                <a:t>D</a:t>
-              </a:r>
-            </a:p>
-          </p:txBody>
-        </p:sp>
-        <p:sp>
-          <p:nvSpPr>
-            <p:cNvPr id="62" name="TextBox 61">
-              <a:extLst>
-                <a:ext uri="{FF2B5EF4-FFF2-40B4-BE49-F238E27FC236}">
-                  <a16:creationId xmlns:a16="http://schemas.microsoft.com/office/drawing/2014/main" id="{415D4C73-2CD1-855B-8EAC-F19A1F4A9130}"/>
-                </a:ext>
-              </a:extLst>
-            </p:cNvPr>
-            <p:cNvSpPr txBox="1"/>
-            <p:nvPr/>
-          </p:nvSpPr>
-          <p:spPr>
-            <a:xfrm>
-              <a:off x="5367727" y="2866588"/>
-              <a:ext cx="340158" cy="369332"/>
-            </a:xfrm>
-            <a:prstGeom prst="rect">
-              <a:avLst/>
-            </a:prstGeom>
-            <a:noFill/>
-          </p:spPr>
-          <p:txBody>
-            <a:bodyPr wrap="none" rtlCol="0">
-              <a:spAutoFit/>
-            </a:bodyPr>
-            <a:lstStyle/>
-            <a:p>
-              <a:pPr algn="r"/>
-              <a:r>
-                <a:rPr lang="en-GB" dirty="0"/>
-                <a:t>Q</a:t>
-              </a:r>
-            </a:p>
-          </p:txBody>
-        </p:sp>
-        <p:cxnSp>
-          <p:nvCxnSpPr>
-            <p:cNvPr id="63" name="Straight Connector 62">
-              <a:extLst>
-                <a:ext uri="{FF2B5EF4-FFF2-40B4-BE49-F238E27FC236}">
-                  <a16:creationId xmlns:a16="http://schemas.microsoft.com/office/drawing/2014/main" id="{576C3527-3312-73B8-AA3A-B9A6138DCE30}"/>
-                </a:ext>
-              </a:extLst>
-            </p:cNvPr>
-            <p:cNvCxnSpPr>
-              <a:cxnSpLocks/>
-            </p:cNvCxnSpPr>
-            <p:nvPr/>
-          </p:nvCxnSpPr>
-          <p:spPr>
-            <a:xfrm>
-              <a:off x="4368649" y="3042976"/>
-              <a:ext cx="748736" cy="0"/>
-            </a:xfrm>
-            <a:prstGeom prst="line">
-              <a:avLst/>
-            </a:prstGeom>
-            <a:ln>
-              <a:solidFill>
-                <a:schemeClr val="tx1"/>
-              </a:solidFill>
-            </a:ln>
-          </p:spPr>
-          <p:style>
-            <a:lnRef idx="1">
-              <a:schemeClr val="accent1"/>
-            </a:lnRef>
-            <a:fillRef idx="0">
-              <a:schemeClr val="accent1"/>
-            </a:fillRef>
-            <a:effectRef idx="0">
-              <a:schemeClr val="accent1"/>
-            </a:effectRef>
-            <a:fontRef idx="minor">
-              <a:schemeClr val="tx1"/>
-            </a:fontRef>
-          </p:style>
-        </p:cxnSp>
-        <p:cxnSp>
-          <p:nvCxnSpPr>
-            <p:cNvPr id="64" name="Straight Connector 63">
-              <a:extLst>
-                <a:ext uri="{FF2B5EF4-FFF2-40B4-BE49-F238E27FC236}">
-                  <a16:creationId xmlns:a16="http://schemas.microsoft.com/office/drawing/2014/main" id="{318ED503-C184-BEA6-B942-2F1913C9620C}"/>
-                </a:ext>
-              </a:extLst>
-            </p:cNvPr>
-            <p:cNvCxnSpPr>
-              <a:cxnSpLocks/>
-            </p:cNvCxnSpPr>
-            <p:nvPr/>
-          </p:nvCxnSpPr>
-          <p:spPr>
-            <a:xfrm>
-              <a:off x="5696374" y="3034919"/>
-              <a:ext cx="2129824" cy="0"/>
-            </a:xfrm>
-            <a:prstGeom prst="line">
-              <a:avLst/>
-            </a:prstGeom>
-            <a:ln>
-              <a:solidFill>
-                <a:schemeClr val="tx1"/>
-              </a:solidFill>
-            </a:ln>
-          </p:spPr>
-          <p:style>
-            <a:lnRef idx="1">
-              <a:schemeClr val="accent1"/>
-            </a:lnRef>
-            <a:fillRef idx="0">
-              <a:schemeClr val="accent1"/>
-            </a:fillRef>
-            <a:effectRef idx="0">
-              <a:schemeClr val="accent1"/>
-            </a:effectRef>
-            <a:fontRef idx="minor">
-              <a:schemeClr val="tx1"/>
-            </a:fontRef>
-          </p:style>
-        </p:cxnSp>
-        <p:cxnSp>
-          <p:nvCxnSpPr>
-            <p:cNvPr id="65" name="Straight Connector 64">
-              <a:extLst>
-                <a:ext uri="{FF2B5EF4-FFF2-40B4-BE49-F238E27FC236}">
-                  <a16:creationId xmlns:a16="http://schemas.microsoft.com/office/drawing/2014/main" id="{E8EF187E-F4F8-8482-1E6C-34BC2CCB73AC}"/>
-                </a:ext>
-              </a:extLst>
-            </p:cNvPr>
-            <p:cNvCxnSpPr>
-              <a:cxnSpLocks/>
-            </p:cNvCxnSpPr>
-            <p:nvPr/>
-          </p:nvCxnSpPr>
-          <p:spPr>
-            <a:xfrm>
-              <a:off x="4912930" y="3479011"/>
-              <a:ext cx="198763" cy="0"/>
-            </a:xfrm>
-            <a:prstGeom prst="line">
-              <a:avLst/>
-            </a:prstGeom>
-            <a:ln>
-              <a:solidFill>
-                <a:schemeClr val="tx1"/>
-              </a:solidFill>
-            </a:ln>
-          </p:spPr>
-          <p:style>
-            <a:lnRef idx="1">
-              <a:schemeClr val="accent1"/>
-            </a:lnRef>
-            <a:fillRef idx="0">
-              <a:schemeClr val="accent1"/>
-            </a:fillRef>
-            <a:effectRef idx="0">
-              <a:schemeClr val="accent1"/>
-            </a:effectRef>
-            <a:fontRef idx="minor">
-              <a:schemeClr val="tx1"/>
-            </a:fontRef>
-          </p:style>
-        </p:cxnSp>
-        <p:cxnSp>
-          <p:nvCxnSpPr>
-            <p:cNvPr id="66" name="Straight Connector 65">
-              <a:extLst>
-                <a:ext uri="{FF2B5EF4-FFF2-40B4-BE49-F238E27FC236}">
-                  <a16:creationId xmlns:a16="http://schemas.microsoft.com/office/drawing/2014/main" id="{B3251EB5-8EBA-AB34-678A-47D36A22A973}"/>
-                </a:ext>
-              </a:extLst>
-            </p:cNvPr>
-            <p:cNvCxnSpPr>
-              <a:cxnSpLocks/>
-            </p:cNvCxnSpPr>
-            <p:nvPr/>
-          </p:nvCxnSpPr>
-          <p:spPr>
-            <a:xfrm flipV="1">
-              <a:off x="4911892" y="3479011"/>
-              <a:ext cx="0" cy="520457"/>
-            </a:xfrm>
-            <a:prstGeom prst="line">
-              <a:avLst/>
-            </a:prstGeom>
-            <a:ln>
-              <a:solidFill>
-                <a:schemeClr val="tx1"/>
-              </a:solidFill>
-            </a:ln>
-          </p:spPr>
-          <p:style>
-            <a:lnRef idx="1">
-              <a:schemeClr val="accent1"/>
-            </a:lnRef>
-            <a:fillRef idx="0">
-              <a:schemeClr val="accent1"/>
-            </a:fillRef>
-            <a:effectRef idx="0">
-              <a:schemeClr val="accent1"/>
-            </a:effectRef>
-            <a:fontRef idx="minor">
-              <a:schemeClr val="tx1"/>
-            </a:fontRef>
-          </p:style>
-        </p:cxnSp>
-        <p:cxnSp>
-          <p:nvCxnSpPr>
-            <p:cNvPr id="67" name="Straight Connector 66">
-              <a:extLst>
-                <a:ext uri="{FF2B5EF4-FFF2-40B4-BE49-F238E27FC236}">
-                  <a16:creationId xmlns:a16="http://schemas.microsoft.com/office/drawing/2014/main" id="{D8DDCBDE-DC36-B8AE-C012-DD93EBD0589A}"/>
-                </a:ext>
-              </a:extLst>
-            </p:cNvPr>
-            <p:cNvCxnSpPr>
-              <a:cxnSpLocks/>
-            </p:cNvCxnSpPr>
-            <p:nvPr/>
-          </p:nvCxnSpPr>
-          <p:spPr>
-            <a:xfrm>
-              <a:off x="4648362" y="3999468"/>
-              <a:ext cx="2978674" cy="0"/>
-            </a:xfrm>
-            <a:prstGeom prst="line">
-              <a:avLst/>
-            </a:prstGeom>
-            <a:ln>
-              <a:solidFill>
-                <a:schemeClr val="tx1"/>
-              </a:solidFill>
-            </a:ln>
-          </p:spPr>
-          <p:style>
-            <a:lnRef idx="1">
-              <a:schemeClr val="accent1"/>
-            </a:lnRef>
-            <a:fillRef idx="0">
-              <a:schemeClr val="accent1"/>
-            </a:fillRef>
-            <a:effectRef idx="0">
-              <a:schemeClr val="accent1"/>
-            </a:effectRef>
-            <a:fontRef idx="minor">
-              <a:schemeClr val="tx1"/>
-            </a:fontRef>
-          </p:style>
-        </p:cxnSp>
-        <p:sp>
-          <p:nvSpPr>
-            <p:cNvPr id="68" name="Rectangle 67">
-              <a:extLst>
-                <a:ext uri="{FF2B5EF4-FFF2-40B4-BE49-F238E27FC236}">
-                  <a16:creationId xmlns:a16="http://schemas.microsoft.com/office/drawing/2014/main" id="{CA684741-4F50-3301-6442-B0B2AC7179D2}"/>
-                </a:ext>
-              </a:extLst>
-            </p:cNvPr>
-            <p:cNvSpPr/>
-            <p:nvPr/>
-          </p:nvSpPr>
-          <p:spPr>
-            <a:xfrm>
-              <a:off x="7829044" y="2900434"/>
-              <a:ext cx="581416" cy="756261"/>
-            </a:xfrm>
-            <a:prstGeom prst="rect">
-              <a:avLst/>
-            </a:prstGeom>
-            <a:solidFill>
-              <a:schemeClr val="bg1"/>
-            </a:solidFill>
-            <a:ln>
-              <a:solidFill>
-                <a:srgbClr val="FF0000"/>
-              </a:solidFill>
-            </a:ln>
-          </p:spPr>
-          <p:style>
-            <a:lnRef idx="2">
-              <a:schemeClr val="accent1">
-                <a:shade val="50000"/>
-              </a:schemeClr>
-            </a:lnRef>
-            <a:fillRef idx="1">
-              <a:schemeClr val="accent1"/>
-            </a:fillRef>
-            <a:effectRef idx="0">
-              <a:schemeClr val="accent1"/>
-            </a:effectRef>
-            <a:fontRef idx="minor">
-              <a:schemeClr val="lt1"/>
-            </a:fontRef>
-          </p:style>
-          <p:txBody>
-            <a:bodyPr rtlCol="0" anchor="ctr"/>
-            <a:lstStyle/>
-            <a:p>
-              <a:pPr algn="ctr"/>
-              <a:endParaRPr lang="en-GB"/>
-            </a:p>
-          </p:txBody>
-        </p:sp>
-        <p:grpSp>
-          <p:nvGrpSpPr>
-            <p:cNvPr id="69" name="Group 68">
-              <a:extLst>
-                <a:ext uri="{FF2B5EF4-FFF2-40B4-BE49-F238E27FC236}">
-                  <a16:creationId xmlns:a16="http://schemas.microsoft.com/office/drawing/2014/main" id="{3E6A0D11-214A-6580-15A8-183F3A32738F}"/>
-                </a:ext>
-              </a:extLst>
-            </p:cNvPr>
-            <p:cNvGrpSpPr/>
-            <p:nvPr/>
-          </p:nvGrpSpPr>
-          <p:grpSpPr>
-            <a:xfrm>
-              <a:off x="7823352" y="3366516"/>
-              <a:ext cx="118030" cy="208875"/>
-              <a:chOff x="8388570" y="2302315"/>
-              <a:chExt cx="61130" cy="108180"/>
-            </a:xfrm>
-          </p:grpSpPr>
-          <p:cxnSp>
-            <p:nvCxnSpPr>
-              <p:cNvPr id="76" name="Straight Connector 75">
-                <a:extLst>
-                  <a:ext uri="{FF2B5EF4-FFF2-40B4-BE49-F238E27FC236}">
-                    <a16:creationId xmlns:a16="http://schemas.microsoft.com/office/drawing/2014/main" id="{379C1549-A9B4-A73B-BCD4-EDFC0EB64E39}"/>
-                  </a:ext>
-                </a:extLst>
-              </p:cNvPr>
-              <p:cNvCxnSpPr>
-                <a:cxnSpLocks/>
-              </p:cNvCxnSpPr>
-              <p:nvPr/>
-            </p:nvCxnSpPr>
-            <p:spPr>
-              <a:xfrm>
-                <a:off x="8391518" y="2302315"/>
-                <a:ext cx="58182" cy="56934"/>
-              </a:xfrm>
-              <a:prstGeom prst="line">
-                <a:avLst/>
-              </a:prstGeom>
-              <a:ln>
-                <a:solidFill>
-                  <a:srgbClr val="FF0000"/>
-                </a:solidFill>
-              </a:ln>
-            </p:spPr>
-            <p:style>
-              <a:lnRef idx="1">
-                <a:schemeClr val="accent1"/>
-              </a:lnRef>
-              <a:fillRef idx="0">
-                <a:schemeClr val="accent1"/>
-              </a:fillRef>
-              <a:effectRef idx="0">
-                <a:schemeClr val="accent1"/>
-              </a:effectRef>
-              <a:fontRef idx="minor">
-                <a:schemeClr val="tx1"/>
-              </a:fontRef>
-            </p:style>
-          </p:cxnSp>
-          <p:cxnSp>
-            <p:nvCxnSpPr>
-              <p:cNvPr id="77" name="Straight Connector 76">
-                <a:extLst>
-                  <a:ext uri="{FF2B5EF4-FFF2-40B4-BE49-F238E27FC236}">
-                    <a16:creationId xmlns:a16="http://schemas.microsoft.com/office/drawing/2014/main" id="{7CE93371-A33A-DEFD-106C-491E8846A458}"/>
-                  </a:ext>
-                </a:extLst>
-              </p:cNvPr>
-              <p:cNvCxnSpPr>
-                <a:cxnSpLocks/>
-              </p:cNvCxnSpPr>
-              <p:nvPr/>
-            </p:nvCxnSpPr>
-            <p:spPr>
-              <a:xfrm flipV="1">
-                <a:off x="8388570" y="2359249"/>
-                <a:ext cx="61130" cy="51246"/>
-              </a:xfrm>
-              <a:prstGeom prst="line">
-                <a:avLst/>
-              </a:prstGeom>
-              <a:ln>
-                <a:solidFill>
-                  <a:srgbClr val="FF0000"/>
-                </a:solidFill>
-              </a:ln>
-            </p:spPr>
-            <p:style>
-              <a:lnRef idx="1">
-                <a:schemeClr val="accent1"/>
-              </a:lnRef>
-              <a:fillRef idx="0">
-                <a:schemeClr val="accent1"/>
-              </a:fillRef>
-              <a:effectRef idx="0">
-                <a:schemeClr val="accent1"/>
-              </a:effectRef>
-              <a:fontRef idx="minor">
-                <a:schemeClr val="tx1"/>
-              </a:fontRef>
-            </p:style>
-          </p:cxnSp>
-        </p:grpSp>
-        <p:sp>
-          <p:nvSpPr>
-            <p:cNvPr id="70" name="TextBox 69">
-              <a:extLst>
-                <a:ext uri="{FF2B5EF4-FFF2-40B4-BE49-F238E27FC236}">
-                  <a16:creationId xmlns:a16="http://schemas.microsoft.com/office/drawing/2014/main" id="{70F23108-D971-2574-1F3C-E1F66E69EA34}"/>
-                </a:ext>
-              </a:extLst>
-            </p:cNvPr>
-            <p:cNvSpPr txBox="1"/>
-            <p:nvPr/>
-          </p:nvSpPr>
-          <p:spPr>
-            <a:xfrm>
-              <a:off x="7777714" y="2858531"/>
-              <a:ext cx="327334" cy="369332"/>
-            </a:xfrm>
-            <a:prstGeom prst="rect">
-              <a:avLst/>
-            </a:prstGeom>
-            <a:noFill/>
-          </p:spPr>
-          <p:txBody>
-            <a:bodyPr wrap="none" rtlCol="0">
-              <a:spAutoFit/>
-            </a:bodyPr>
-            <a:lstStyle/>
-            <a:p>
-              <a:r>
-                <a:rPr lang="en-GB" dirty="0"/>
-                <a:t>D</a:t>
-              </a:r>
-            </a:p>
-          </p:txBody>
-        </p:sp>
-        <p:sp>
-          <p:nvSpPr>
-            <p:cNvPr id="71" name="TextBox 70">
-              <a:extLst>
-                <a:ext uri="{FF2B5EF4-FFF2-40B4-BE49-F238E27FC236}">
-                  <a16:creationId xmlns:a16="http://schemas.microsoft.com/office/drawing/2014/main" id="{B1FFB122-B422-9290-913F-D5B8707F4BB6}"/>
-                </a:ext>
-              </a:extLst>
-            </p:cNvPr>
-            <p:cNvSpPr txBox="1"/>
-            <p:nvPr/>
-          </p:nvSpPr>
-          <p:spPr>
-            <a:xfrm>
-              <a:off x="8087675" y="2858531"/>
-              <a:ext cx="340158" cy="369332"/>
-            </a:xfrm>
-            <a:prstGeom prst="rect">
-              <a:avLst/>
-            </a:prstGeom>
-            <a:noFill/>
-          </p:spPr>
-          <p:txBody>
-            <a:bodyPr wrap="none" rtlCol="0">
-              <a:spAutoFit/>
-            </a:bodyPr>
-            <a:lstStyle/>
-            <a:p>
-              <a:pPr algn="r"/>
-              <a:r>
-                <a:rPr lang="en-GB" dirty="0"/>
-                <a:t>Q</a:t>
-              </a:r>
-            </a:p>
-          </p:txBody>
-        </p:sp>
-        <p:cxnSp>
-          <p:nvCxnSpPr>
-            <p:cNvPr id="72" name="Straight Connector 71">
-              <a:extLst>
-                <a:ext uri="{FF2B5EF4-FFF2-40B4-BE49-F238E27FC236}">
-                  <a16:creationId xmlns:a16="http://schemas.microsoft.com/office/drawing/2014/main" id="{A15E97F6-0DC9-D582-27A9-AB97B249F586}"/>
-                </a:ext>
-              </a:extLst>
-            </p:cNvPr>
-            <p:cNvCxnSpPr>
-              <a:cxnSpLocks/>
-            </p:cNvCxnSpPr>
-            <p:nvPr/>
-          </p:nvCxnSpPr>
-          <p:spPr>
-            <a:xfrm>
-              <a:off x="8410460" y="3034919"/>
-              <a:ext cx="748736" cy="0"/>
-            </a:xfrm>
-            <a:prstGeom prst="line">
-              <a:avLst/>
-            </a:prstGeom>
-            <a:ln>
-              <a:solidFill>
-                <a:schemeClr val="tx1"/>
-              </a:solidFill>
-            </a:ln>
-          </p:spPr>
-          <p:style>
-            <a:lnRef idx="1">
-              <a:schemeClr val="accent1"/>
-            </a:lnRef>
-            <a:fillRef idx="0">
-              <a:schemeClr val="accent1"/>
-            </a:fillRef>
-            <a:effectRef idx="0">
-              <a:schemeClr val="accent1"/>
-            </a:effectRef>
-            <a:fontRef idx="minor">
-              <a:schemeClr val="tx1"/>
-            </a:fontRef>
-          </p:style>
-        </p:cxnSp>
-        <p:cxnSp>
-          <p:nvCxnSpPr>
-            <p:cNvPr id="73" name="Straight Connector 72">
-              <a:extLst>
-                <a:ext uri="{FF2B5EF4-FFF2-40B4-BE49-F238E27FC236}">
-                  <a16:creationId xmlns:a16="http://schemas.microsoft.com/office/drawing/2014/main" id="{35E59CC8-BC20-FABA-2EEB-CF65C49A7776}"/>
-                </a:ext>
-              </a:extLst>
-            </p:cNvPr>
-            <p:cNvCxnSpPr>
-              <a:cxnSpLocks/>
-            </p:cNvCxnSpPr>
-            <p:nvPr/>
-          </p:nvCxnSpPr>
-          <p:spPr>
-            <a:xfrm>
-              <a:off x="7624588" y="3470954"/>
-              <a:ext cx="198763" cy="0"/>
-            </a:xfrm>
-            <a:prstGeom prst="line">
-              <a:avLst/>
-            </a:prstGeom>
-            <a:ln>
-              <a:solidFill>
-                <a:schemeClr val="tx1"/>
-              </a:solidFill>
-            </a:ln>
-          </p:spPr>
-          <p:style>
-            <a:lnRef idx="1">
-              <a:schemeClr val="accent1"/>
-            </a:lnRef>
-            <a:fillRef idx="0">
-              <a:schemeClr val="accent1"/>
-            </a:fillRef>
-            <a:effectRef idx="0">
-              <a:schemeClr val="accent1"/>
-            </a:effectRef>
-            <a:fontRef idx="minor">
-              <a:schemeClr val="tx1"/>
-            </a:fontRef>
-          </p:style>
-        </p:cxnSp>
-        <p:cxnSp>
-          <p:nvCxnSpPr>
-            <p:cNvPr id="74" name="Straight Connector 73">
-              <a:extLst>
-                <a:ext uri="{FF2B5EF4-FFF2-40B4-BE49-F238E27FC236}">
-                  <a16:creationId xmlns:a16="http://schemas.microsoft.com/office/drawing/2014/main" id="{AE1E8B4B-EE1B-BA3F-BB87-9948A54C1EC6}"/>
-                </a:ext>
-              </a:extLst>
-            </p:cNvPr>
-            <p:cNvCxnSpPr>
-              <a:cxnSpLocks/>
-            </p:cNvCxnSpPr>
-            <p:nvPr/>
-          </p:nvCxnSpPr>
-          <p:spPr>
-            <a:xfrm flipV="1">
-              <a:off x="7624588" y="3470954"/>
-              <a:ext cx="0" cy="528514"/>
-            </a:xfrm>
-            <a:prstGeom prst="line">
-              <a:avLst/>
-            </a:prstGeom>
-            <a:ln>
-              <a:solidFill>
-                <a:schemeClr val="tx1"/>
-              </a:solidFill>
-            </a:ln>
-          </p:spPr>
-          <p:style>
-            <a:lnRef idx="1">
-              <a:schemeClr val="accent1"/>
-            </a:lnRef>
-            <a:fillRef idx="0">
-              <a:schemeClr val="accent1"/>
-            </a:fillRef>
-            <a:effectRef idx="0">
-              <a:schemeClr val="accent1"/>
-            </a:effectRef>
-            <a:fontRef idx="minor">
-              <a:schemeClr val="tx1"/>
-            </a:fontRef>
-          </p:style>
-        </p:cxnSp>
-        <p:sp>
-          <p:nvSpPr>
-            <p:cNvPr id="75" name="Explosion: 14 Points 74">
-              <a:extLst>
-                <a:ext uri="{FF2B5EF4-FFF2-40B4-BE49-F238E27FC236}">
-                  <a16:creationId xmlns:a16="http://schemas.microsoft.com/office/drawing/2014/main" id="{CE35CE4B-1D00-E987-BB65-B802FB896D63}"/>
-                </a:ext>
-              </a:extLst>
-            </p:cNvPr>
-            <p:cNvSpPr/>
-            <p:nvPr/>
-          </p:nvSpPr>
-          <p:spPr>
-            <a:xfrm>
-              <a:off x="5931668" y="2490244"/>
-              <a:ext cx="1199936" cy="1122019"/>
-            </a:xfrm>
-            <a:prstGeom prst="irregularSeal2">
-              <a:avLst/>
-            </a:prstGeom>
-            <a:solidFill>
-              <a:schemeClr val="bg1"/>
-            </a:solidFill>
-            <a:ln>
-              <a:solidFill>
-                <a:schemeClr val="tx1"/>
-              </a:solidFill>
-            </a:ln>
-          </p:spPr>
-          <p:style>
-            <a:lnRef idx="2">
-              <a:schemeClr val="accent1">
-                <a:shade val="50000"/>
-              </a:schemeClr>
-            </a:lnRef>
-            <a:fillRef idx="1">
-              <a:schemeClr val="accent1"/>
-            </a:fillRef>
-            <a:effectRef idx="0">
-              <a:schemeClr val="accent1"/>
-            </a:effectRef>
-            <a:fontRef idx="minor">
-              <a:schemeClr val="lt1"/>
-            </a:fontRef>
-          </p:style>
-          <p:txBody>
-            <a:bodyPr rtlCol="0" anchor="ctr"/>
-            <a:lstStyle/>
-            <a:p>
-              <a:pPr algn="ctr"/>
-              <a:endParaRPr lang="en-GB"/>
-            </a:p>
-          </p:txBody>
-        </p:sp>
-      </p:grpSp>
-      <p:sp>
-        <p:nvSpPr>
-          <p:cNvPr id="84" name="TextBox 83">
-            <a:extLst>
-              <a:ext uri="{FF2B5EF4-FFF2-40B4-BE49-F238E27FC236}">
-                <a16:creationId xmlns:a16="http://schemas.microsoft.com/office/drawing/2014/main" id="{9DEFD3D7-1B0F-6DD3-2774-65CEDC3272DC}"/>
-              </a:ext>
-            </a:extLst>
-          </p:cNvPr>
-          <p:cNvSpPr txBox="1"/>
-          <p:nvPr/>
-        </p:nvSpPr>
-        <p:spPr>
-          <a:xfrm>
-            <a:off x="2486620" y="3718118"/>
-            <a:ext cx="386456" cy="276999"/>
-          </a:xfrm>
-          <a:prstGeom prst="rect">
-            <a:avLst/>
-          </a:prstGeom>
-          <a:noFill/>
-        </p:spPr>
-        <p:txBody>
-          <a:bodyPr wrap="square" rtlCol="0">
-            <a:spAutoFit/>
-          </a:bodyPr>
-          <a:lstStyle/>
-          <a:p>
-            <a:pPr algn="ctr"/>
-            <a:r>
-              <a:rPr lang="en-GB" sz="1200" i="1" dirty="0"/>
-              <a:t>T</a:t>
-            </a:r>
-            <a:r>
-              <a:rPr lang="en-GB" sz="1200" i="1" baseline="-25000" dirty="0"/>
-              <a:t>H</a:t>
             </a:r>
           </a:p>
         </p:txBody>
@@ -20586,132 +18204,2622 @@
           </a:p>
         </p:txBody>
       </p:sp>
-      <p:cxnSp>
-        <p:nvCxnSpPr>
-          <p:cNvPr id="3" name="Straight Connector 2">
+      <p:grpSp>
+        <p:nvGrpSpPr>
+          <p:cNvPr id="4" name="Group 3">
             <a:extLst>
               <a:ext uri="{FF2B5EF4-FFF2-40B4-BE49-F238E27FC236}">
-                <a16:creationId xmlns:a16="http://schemas.microsoft.com/office/drawing/2014/main" id="{BE1A5A41-3A9C-C7AC-1EA5-8743F2017855}"/>
+                <a16:creationId xmlns:a16="http://schemas.microsoft.com/office/drawing/2014/main" id="{1A48755C-0517-A59A-5B12-D2A0DDB356F7}"/>
               </a:ext>
             </a:extLst>
           </p:cNvPr>
-          <p:cNvCxnSpPr>
-            <a:cxnSpLocks/>
-          </p:cNvCxnSpPr>
+          <p:cNvGrpSpPr/>
           <p:nvPr/>
-        </p:nvCxnSpPr>
-        <p:spPr>
+        </p:nvGrpSpPr>
+        <p:grpSpPr>
           <a:xfrm>
-            <a:off x="4214064" y="3379703"/>
-            <a:ext cx="0" cy="2228617"/>
+            <a:off x="1275329" y="2976457"/>
+            <a:ext cx="4953389" cy="3126403"/>
+            <a:chOff x="1275329" y="2976457"/>
+            <a:chExt cx="4953389" cy="3126403"/>
           </a:xfrm>
-          <a:prstGeom prst="line">
-            <a:avLst/>
-          </a:prstGeom>
-          <a:ln w="9525" cap="flat" cmpd="sng" algn="ctr">
-            <a:solidFill>
+        </p:grpSpPr>
+        <p:cxnSp>
+          <p:nvCxnSpPr>
+            <p:cNvPr id="6" name="Straight Connector 5">
+              <a:extLst>
+                <a:ext uri="{FF2B5EF4-FFF2-40B4-BE49-F238E27FC236}">
+                  <a16:creationId xmlns:a16="http://schemas.microsoft.com/office/drawing/2014/main" id="{FF1D1E68-9A17-4404-3711-B5B63610B7B7}"/>
+                </a:ext>
+              </a:extLst>
+            </p:cNvPr>
+            <p:cNvCxnSpPr>
+              <a:cxnSpLocks/>
+            </p:cNvCxnSpPr>
+            <p:nvPr/>
+          </p:nvCxnSpPr>
+          <p:spPr>
+            <a:xfrm>
+              <a:off x="2484404" y="3638250"/>
+              <a:ext cx="370976" cy="0"/>
+            </a:xfrm>
+            <a:prstGeom prst="line">
+              <a:avLst/>
+            </a:prstGeom>
+          </p:spPr>
+          <p:style>
+            <a:lnRef idx="3">
               <a:schemeClr val="dk1"/>
-            </a:solidFill>
-            <a:prstDash val="dash"/>
-            <a:round/>
-            <a:headEnd type="none" w="med" len="med"/>
-            <a:tailEnd type="none" w="med" len="med"/>
-          </a:ln>
-        </p:spPr>
-        <p:style>
-          <a:lnRef idx="0">
-            <a:scrgbClr r="0" g="0" b="0"/>
-          </a:lnRef>
-          <a:fillRef idx="0">
-            <a:scrgbClr r="0" g="0" b="0"/>
-          </a:fillRef>
-          <a:effectRef idx="0">
-            <a:scrgbClr r="0" g="0" b="0"/>
-          </a:effectRef>
-          <a:fontRef idx="minor">
-            <a:schemeClr val="tx1"/>
-          </a:fontRef>
-        </p:style>
-      </p:cxnSp>
-      <p:cxnSp>
-        <p:nvCxnSpPr>
-          <p:cNvPr id="5" name="Straight Arrow Connector 4">
-            <a:extLst>
-              <a:ext uri="{FF2B5EF4-FFF2-40B4-BE49-F238E27FC236}">
-                <a16:creationId xmlns:a16="http://schemas.microsoft.com/office/drawing/2014/main" id="{B8218072-D35C-0614-2172-4D152A1909B4}"/>
-              </a:ext>
-            </a:extLst>
-          </p:cNvPr>
-          <p:cNvCxnSpPr>
-            <a:cxnSpLocks/>
-          </p:cNvCxnSpPr>
-          <p:nvPr/>
-        </p:nvCxnSpPr>
-        <p:spPr>
-          <a:xfrm>
-            <a:off x="2491165" y="5563452"/>
-            <a:ext cx="1722899" cy="0"/>
-          </a:xfrm>
-          <a:prstGeom prst="straightConnector1">
-            <a:avLst/>
-          </a:prstGeom>
-          <a:ln w="19050">
-            <a:headEnd type="triangle"/>
-            <a:tailEnd type="triangle"/>
-          </a:ln>
-        </p:spPr>
-        <p:style>
-          <a:lnRef idx="1">
-            <a:schemeClr val="dk1"/>
-          </a:lnRef>
-          <a:fillRef idx="0">
-            <a:schemeClr val="dk1"/>
-          </a:fillRef>
-          <a:effectRef idx="0">
-            <a:schemeClr val="dk1"/>
-          </a:effectRef>
-          <a:fontRef idx="minor">
-            <a:schemeClr val="tx1"/>
-          </a:fontRef>
-        </p:style>
-      </p:cxnSp>
-      <p:sp>
-        <p:nvSpPr>
-          <p:cNvPr id="43" name="TextBox 42">
-            <a:extLst>
-              <a:ext uri="{FF2B5EF4-FFF2-40B4-BE49-F238E27FC236}">
-                <a16:creationId xmlns:a16="http://schemas.microsoft.com/office/drawing/2014/main" id="{E7275F69-1E61-63F7-49EF-F851B99AB05C}"/>
-              </a:ext>
-            </a:extLst>
-          </p:cNvPr>
-          <p:cNvSpPr txBox="1"/>
-          <p:nvPr/>
-        </p:nvSpPr>
-        <p:spPr>
-          <a:xfrm>
-            <a:off x="2487169" y="5275359"/>
-            <a:ext cx="1726895" cy="276999"/>
-          </a:xfrm>
-          <a:prstGeom prst="rect">
-            <a:avLst/>
-          </a:prstGeom>
-          <a:noFill/>
-        </p:spPr>
-        <p:txBody>
-          <a:bodyPr wrap="square" rtlCol="0">
-            <a:spAutoFit/>
-          </a:bodyPr>
-          <a:lstStyle/>
-          <a:p>
-            <a:pPr algn="ctr"/>
-            <a:r>
-              <a:rPr lang="en-GB" sz="1200" b="1" dirty="0"/>
-              <a:t>Arrival Time</a:t>
-            </a:r>
-            <a:endParaRPr lang="en-GB" sz="1200" b="1" i="1" baseline="-25000" dirty="0"/>
-          </a:p>
-        </p:txBody>
-      </p:sp>
+            </a:lnRef>
+            <a:fillRef idx="0">
+              <a:schemeClr val="dk1"/>
+            </a:fillRef>
+            <a:effectRef idx="2">
+              <a:schemeClr val="dk1"/>
+            </a:effectRef>
+            <a:fontRef idx="minor">
+              <a:schemeClr val="tx1"/>
+            </a:fontRef>
+          </p:style>
+        </p:cxnSp>
+        <p:cxnSp>
+          <p:nvCxnSpPr>
+            <p:cNvPr id="7" name="Straight Connector 6">
+              <a:extLst>
+                <a:ext uri="{FF2B5EF4-FFF2-40B4-BE49-F238E27FC236}">
+                  <a16:creationId xmlns:a16="http://schemas.microsoft.com/office/drawing/2014/main" id="{C0BFD87B-B3B5-B135-DBA5-2D0EAC2E09A2}"/>
+                </a:ext>
+              </a:extLst>
+            </p:cNvPr>
+            <p:cNvCxnSpPr>
+              <a:cxnSpLocks/>
+            </p:cNvCxnSpPr>
+            <p:nvPr/>
+          </p:nvCxnSpPr>
+          <p:spPr>
+            <a:xfrm>
+              <a:off x="2484404" y="4091275"/>
+              <a:ext cx="370976" cy="0"/>
+            </a:xfrm>
+            <a:prstGeom prst="line">
+              <a:avLst/>
+            </a:prstGeom>
+          </p:spPr>
+          <p:style>
+            <a:lnRef idx="3">
+              <a:schemeClr val="dk1"/>
+            </a:lnRef>
+            <a:fillRef idx="0">
+              <a:schemeClr val="dk1"/>
+            </a:fillRef>
+            <a:effectRef idx="2">
+              <a:schemeClr val="dk1"/>
+            </a:effectRef>
+            <a:fontRef idx="minor">
+              <a:schemeClr val="tx1"/>
+            </a:fontRef>
+          </p:style>
+        </p:cxnSp>
+        <p:cxnSp>
+          <p:nvCxnSpPr>
+            <p:cNvPr id="8" name="Straight Connector 7">
+              <a:extLst>
+                <a:ext uri="{FF2B5EF4-FFF2-40B4-BE49-F238E27FC236}">
+                  <a16:creationId xmlns:a16="http://schemas.microsoft.com/office/drawing/2014/main" id="{C88F7A4A-4050-9AAF-AA49-7A7192E01CE2}"/>
+                </a:ext>
+              </a:extLst>
+            </p:cNvPr>
+            <p:cNvCxnSpPr>
+              <a:cxnSpLocks/>
+            </p:cNvCxnSpPr>
+            <p:nvPr/>
+          </p:nvCxnSpPr>
+          <p:spPr>
+            <a:xfrm flipH="1">
+              <a:off x="4540072" y="3638250"/>
+              <a:ext cx="75156" cy="212942"/>
+            </a:xfrm>
+            <a:prstGeom prst="line">
+              <a:avLst/>
+            </a:prstGeom>
+          </p:spPr>
+          <p:style>
+            <a:lnRef idx="3">
+              <a:schemeClr val="dk1"/>
+            </a:lnRef>
+            <a:fillRef idx="0">
+              <a:schemeClr val="dk1"/>
+            </a:fillRef>
+            <a:effectRef idx="2">
+              <a:schemeClr val="dk1"/>
+            </a:effectRef>
+            <a:fontRef idx="minor">
+              <a:schemeClr val="tx1"/>
+            </a:fontRef>
+          </p:style>
+        </p:cxnSp>
+        <p:cxnSp>
+          <p:nvCxnSpPr>
+            <p:cNvPr id="9" name="Straight Connector 8">
+              <a:extLst>
+                <a:ext uri="{FF2B5EF4-FFF2-40B4-BE49-F238E27FC236}">
+                  <a16:creationId xmlns:a16="http://schemas.microsoft.com/office/drawing/2014/main" id="{D7432300-257C-0EF2-95ED-574B7873809D}"/>
+                </a:ext>
+              </a:extLst>
+            </p:cNvPr>
+            <p:cNvCxnSpPr>
+              <a:cxnSpLocks/>
+            </p:cNvCxnSpPr>
+            <p:nvPr/>
+          </p:nvCxnSpPr>
+          <p:spPr>
+            <a:xfrm>
+              <a:off x="4540072" y="3851192"/>
+              <a:ext cx="75156" cy="240083"/>
+            </a:xfrm>
+            <a:prstGeom prst="line">
+              <a:avLst/>
+            </a:prstGeom>
+          </p:spPr>
+          <p:style>
+            <a:lnRef idx="3">
+              <a:schemeClr val="dk1"/>
+            </a:lnRef>
+            <a:fillRef idx="0">
+              <a:schemeClr val="dk1"/>
+            </a:fillRef>
+            <a:effectRef idx="2">
+              <a:schemeClr val="dk1"/>
+            </a:effectRef>
+            <a:fontRef idx="minor">
+              <a:schemeClr val="tx1"/>
+            </a:fontRef>
+          </p:style>
+        </p:cxnSp>
+        <p:cxnSp>
+          <p:nvCxnSpPr>
+            <p:cNvPr id="10" name="Straight Connector 9">
+              <a:extLst>
+                <a:ext uri="{FF2B5EF4-FFF2-40B4-BE49-F238E27FC236}">
+                  <a16:creationId xmlns:a16="http://schemas.microsoft.com/office/drawing/2014/main" id="{79AD9957-B14A-FB3F-B1A8-F5697884429A}"/>
+                </a:ext>
+              </a:extLst>
+            </p:cNvPr>
+            <p:cNvCxnSpPr>
+              <a:cxnSpLocks/>
+            </p:cNvCxnSpPr>
+            <p:nvPr/>
+          </p:nvCxnSpPr>
+          <p:spPr>
+            <a:xfrm>
+              <a:off x="3019201" y="3638250"/>
+              <a:ext cx="1122838" cy="0"/>
+            </a:xfrm>
+            <a:prstGeom prst="line">
+              <a:avLst/>
+            </a:prstGeom>
+          </p:spPr>
+          <p:style>
+            <a:lnRef idx="3">
+              <a:schemeClr val="dk1"/>
+            </a:lnRef>
+            <a:fillRef idx="0">
+              <a:schemeClr val="dk1"/>
+            </a:fillRef>
+            <a:effectRef idx="2">
+              <a:schemeClr val="dk1"/>
+            </a:effectRef>
+            <a:fontRef idx="minor">
+              <a:schemeClr val="tx1"/>
+            </a:fontRef>
+          </p:style>
+        </p:cxnSp>
+        <p:cxnSp>
+          <p:nvCxnSpPr>
+            <p:cNvPr id="11" name="Straight Connector 10">
+              <a:extLst>
+                <a:ext uri="{FF2B5EF4-FFF2-40B4-BE49-F238E27FC236}">
+                  <a16:creationId xmlns:a16="http://schemas.microsoft.com/office/drawing/2014/main" id="{7B1AE189-9227-507F-4581-A709967E678A}"/>
+                </a:ext>
+              </a:extLst>
+            </p:cNvPr>
+            <p:cNvCxnSpPr>
+              <a:cxnSpLocks/>
+            </p:cNvCxnSpPr>
+            <p:nvPr/>
+          </p:nvCxnSpPr>
+          <p:spPr>
+            <a:xfrm>
+              <a:off x="3019201" y="4091275"/>
+              <a:ext cx="1122838" cy="0"/>
+            </a:xfrm>
+            <a:prstGeom prst="line">
+              <a:avLst/>
+            </a:prstGeom>
+          </p:spPr>
+          <p:style>
+            <a:lnRef idx="3">
+              <a:schemeClr val="dk1"/>
+            </a:lnRef>
+            <a:fillRef idx="0">
+              <a:schemeClr val="dk1"/>
+            </a:fillRef>
+            <a:effectRef idx="2">
+              <a:schemeClr val="dk1"/>
+            </a:effectRef>
+            <a:fontRef idx="minor">
+              <a:schemeClr val="tx1"/>
+            </a:fontRef>
+          </p:style>
+        </p:cxnSp>
+        <p:cxnSp>
+          <p:nvCxnSpPr>
+            <p:cNvPr id="12" name="Straight Connector 11">
+              <a:extLst>
+                <a:ext uri="{FF2B5EF4-FFF2-40B4-BE49-F238E27FC236}">
+                  <a16:creationId xmlns:a16="http://schemas.microsoft.com/office/drawing/2014/main" id="{34438A7E-5AC7-B223-5BA0-DB0C4DAA72F5}"/>
+                </a:ext>
+              </a:extLst>
+            </p:cNvPr>
+            <p:cNvCxnSpPr>
+              <a:cxnSpLocks/>
+            </p:cNvCxnSpPr>
+            <p:nvPr/>
+          </p:nvCxnSpPr>
+          <p:spPr>
+            <a:xfrm flipH="1">
+              <a:off x="2944045" y="3638250"/>
+              <a:ext cx="75156" cy="212942"/>
+            </a:xfrm>
+            <a:prstGeom prst="line">
+              <a:avLst/>
+            </a:prstGeom>
+          </p:spPr>
+          <p:style>
+            <a:lnRef idx="3">
+              <a:schemeClr val="dk1"/>
+            </a:lnRef>
+            <a:fillRef idx="0">
+              <a:schemeClr val="dk1"/>
+            </a:fillRef>
+            <a:effectRef idx="2">
+              <a:schemeClr val="dk1"/>
+            </a:effectRef>
+            <a:fontRef idx="minor">
+              <a:schemeClr val="tx1"/>
+            </a:fontRef>
+          </p:style>
+        </p:cxnSp>
+        <p:cxnSp>
+          <p:nvCxnSpPr>
+            <p:cNvPr id="13" name="Straight Connector 12">
+              <a:extLst>
+                <a:ext uri="{FF2B5EF4-FFF2-40B4-BE49-F238E27FC236}">
+                  <a16:creationId xmlns:a16="http://schemas.microsoft.com/office/drawing/2014/main" id="{EC90CEA6-EA7C-DA77-F94F-222DCC371760}"/>
+                </a:ext>
+              </a:extLst>
+            </p:cNvPr>
+            <p:cNvCxnSpPr>
+              <a:cxnSpLocks/>
+            </p:cNvCxnSpPr>
+            <p:nvPr/>
+          </p:nvCxnSpPr>
+          <p:spPr>
+            <a:xfrm>
+              <a:off x="2944045" y="3851192"/>
+              <a:ext cx="75156" cy="240083"/>
+            </a:xfrm>
+            <a:prstGeom prst="line">
+              <a:avLst/>
+            </a:prstGeom>
+          </p:spPr>
+          <p:style>
+            <a:lnRef idx="3">
+              <a:schemeClr val="dk1"/>
+            </a:lnRef>
+            <a:fillRef idx="0">
+              <a:schemeClr val="dk1"/>
+            </a:fillRef>
+            <a:effectRef idx="2">
+              <a:schemeClr val="dk1"/>
+            </a:effectRef>
+            <a:fontRef idx="minor">
+              <a:schemeClr val="tx1"/>
+            </a:fontRef>
+          </p:style>
+        </p:cxnSp>
+        <p:cxnSp>
+          <p:nvCxnSpPr>
+            <p:cNvPr id="14" name="Straight Connector 13">
+              <a:extLst>
+                <a:ext uri="{FF2B5EF4-FFF2-40B4-BE49-F238E27FC236}">
+                  <a16:creationId xmlns:a16="http://schemas.microsoft.com/office/drawing/2014/main" id="{85ACE16E-4D78-2A6A-D773-E579CE5072C3}"/>
+                </a:ext>
+              </a:extLst>
+            </p:cNvPr>
+            <p:cNvCxnSpPr>
+              <a:cxnSpLocks/>
+            </p:cNvCxnSpPr>
+            <p:nvPr/>
+          </p:nvCxnSpPr>
+          <p:spPr>
+            <a:xfrm>
+              <a:off x="4142039" y="3638250"/>
+              <a:ext cx="75156" cy="212942"/>
+            </a:xfrm>
+            <a:prstGeom prst="line">
+              <a:avLst/>
+            </a:prstGeom>
+          </p:spPr>
+          <p:style>
+            <a:lnRef idx="3">
+              <a:schemeClr val="dk1"/>
+            </a:lnRef>
+            <a:fillRef idx="0">
+              <a:schemeClr val="dk1"/>
+            </a:fillRef>
+            <a:effectRef idx="2">
+              <a:schemeClr val="dk1"/>
+            </a:effectRef>
+            <a:fontRef idx="minor">
+              <a:schemeClr val="tx1"/>
+            </a:fontRef>
+          </p:style>
+        </p:cxnSp>
+        <p:cxnSp>
+          <p:nvCxnSpPr>
+            <p:cNvPr id="15" name="Straight Connector 14">
+              <a:extLst>
+                <a:ext uri="{FF2B5EF4-FFF2-40B4-BE49-F238E27FC236}">
+                  <a16:creationId xmlns:a16="http://schemas.microsoft.com/office/drawing/2014/main" id="{3CBE9DA0-A5B0-D6E4-CBDF-B83F4AA8D161}"/>
+                </a:ext>
+              </a:extLst>
+            </p:cNvPr>
+            <p:cNvCxnSpPr>
+              <a:cxnSpLocks/>
+            </p:cNvCxnSpPr>
+            <p:nvPr/>
+          </p:nvCxnSpPr>
+          <p:spPr>
+            <a:xfrm flipH="1">
+              <a:off x="4142039" y="3851192"/>
+              <a:ext cx="75156" cy="240083"/>
+            </a:xfrm>
+            <a:prstGeom prst="line">
+              <a:avLst/>
+            </a:prstGeom>
+          </p:spPr>
+          <p:style>
+            <a:lnRef idx="3">
+              <a:schemeClr val="dk1"/>
+            </a:lnRef>
+            <a:fillRef idx="0">
+              <a:schemeClr val="dk1"/>
+            </a:fillRef>
+            <a:effectRef idx="2">
+              <a:schemeClr val="dk1"/>
+            </a:effectRef>
+            <a:fontRef idx="minor">
+              <a:schemeClr val="tx1"/>
+            </a:fontRef>
+          </p:style>
+        </p:cxnSp>
+        <p:cxnSp>
+          <p:nvCxnSpPr>
+            <p:cNvPr id="16" name="Straight Connector 15">
+              <a:extLst>
+                <a:ext uri="{FF2B5EF4-FFF2-40B4-BE49-F238E27FC236}">
+                  <a16:creationId xmlns:a16="http://schemas.microsoft.com/office/drawing/2014/main" id="{09CF57D6-5B57-639C-D6D5-A879D557DD00}"/>
+                </a:ext>
+              </a:extLst>
+            </p:cNvPr>
+            <p:cNvCxnSpPr>
+              <a:cxnSpLocks/>
+            </p:cNvCxnSpPr>
+            <p:nvPr/>
+          </p:nvCxnSpPr>
+          <p:spPr>
+            <a:xfrm flipH="1">
+              <a:off x="4214064" y="3638250"/>
+              <a:ext cx="75156" cy="212942"/>
+            </a:xfrm>
+            <a:prstGeom prst="line">
+              <a:avLst/>
+            </a:prstGeom>
+          </p:spPr>
+          <p:style>
+            <a:lnRef idx="3">
+              <a:schemeClr val="dk1"/>
+            </a:lnRef>
+            <a:fillRef idx="0">
+              <a:schemeClr val="dk1"/>
+            </a:fillRef>
+            <a:effectRef idx="2">
+              <a:schemeClr val="dk1"/>
+            </a:effectRef>
+            <a:fontRef idx="minor">
+              <a:schemeClr val="tx1"/>
+            </a:fontRef>
+          </p:style>
+        </p:cxnSp>
+        <p:cxnSp>
+          <p:nvCxnSpPr>
+            <p:cNvPr id="17" name="Straight Connector 16">
+              <a:extLst>
+                <a:ext uri="{FF2B5EF4-FFF2-40B4-BE49-F238E27FC236}">
+                  <a16:creationId xmlns:a16="http://schemas.microsoft.com/office/drawing/2014/main" id="{3A0E2DB8-0F8B-64AB-789D-AF77A9B58023}"/>
+                </a:ext>
+              </a:extLst>
+            </p:cNvPr>
+            <p:cNvCxnSpPr>
+              <a:cxnSpLocks/>
+            </p:cNvCxnSpPr>
+            <p:nvPr/>
+          </p:nvCxnSpPr>
+          <p:spPr>
+            <a:xfrm>
+              <a:off x="4214064" y="3851192"/>
+              <a:ext cx="75156" cy="240083"/>
+            </a:xfrm>
+            <a:prstGeom prst="line">
+              <a:avLst/>
+            </a:prstGeom>
+          </p:spPr>
+          <p:style>
+            <a:lnRef idx="3">
+              <a:schemeClr val="dk1"/>
+            </a:lnRef>
+            <a:fillRef idx="0">
+              <a:schemeClr val="dk1"/>
+            </a:fillRef>
+            <a:effectRef idx="2">
+              <a:schemeClr val="dk1"/>
+            </a:effectRef>
+            <a:fontRef idx="minor">
+              <a:schemeClr val="tx1"/>
+            </a:fontRef>
+          </p:style>
+        </p:cxnSp>
+        <p:cxnSp>
+          <p:nvCxnSpPr>
+            <p:cNvPr id="18" name="Straight Connector 17">
+              <a:extLst>
+                <a:ext uri="{FF2B5EF4-FFF2-40B4-BE49-F238E27FC236}">
+                  <a16:creationId xmlns:a16="http://schemas.microsoft.com/office/drawing/2014/main" id="{FA5B234B-0945-B282-8D16-DCEF6C92CA1A}"/>
+                </a:ext>
+              </a:extLst>
+            </p:cNvPr>
+            <p:cNvCxnSpPr>
+              <a:cxnSpLocks/>
+            </p:cNvCxnSpPr>
+            <p:nvPr/>
+          </p:nvCxnSpPr>
+          <p:spPr>
+            <a:xfrm>
+              <a:off x="4289220" y="3637033"/>
+              <a:ext cx="175696" cy="0"/>
+            </a:xfrm>
+            <a:prstGeom prst="line">
+              <a:avLst/>
+            </a:prstGeom>
+          </p:spPr>
+          <p:style>
+            <a:lnRef idx="3">
+              <a:schemeClr val="dk1"/>
+            </a:lnRef>
+            <a:fillRef idx="0">
+              <a:schemeClr val="dk1"/>
+            </a:fillRef>
+            <a:effectRef idx="2">
+              <a:schemeClr val="dk1"/>
+            </a:effectRef>
+            <a:fontRef idx="minor">
+              <a:schemeClr val="tx1"/>
+            </a:fontRef>
+          </p:style>
+        </p:cxnSp>
+        <p:cxnSp>
+          <p:nvCxnSpPr>
+            <p:cNvPr id="19" name="Straight Connector 18">
+              <a:extLst>
+                <a:ext uri="{FF2B5EF4-FFF2-40B4-BE49-F238E27FC236}">
+                  <a16:creationId xmlns:a16="http://schemas.microsoft.com/office/drawing/2014/main" id="{4BA6381A-0375-5290-5DDE-44B53C747F5F}"/>
+                </a:ext>
+              </a:extLst>
+            </p:cNvPr>
+            <p:cNvCxnSpPr>
+              <a:cxnSpLocks/>
+            </p:cNvCxnSpPr>
+            <p:nvPr/>
+          </p:nvCxnSpPr>
+          <p:spPr>
+            <a:xfrm>
+              <a:off x="4289220" y="4090058"/>
+              <a:ext cx="175696" cy="0"/>
+            </a:xfrm>
+            <a:prstGeom prst="line">
+              <a:avLst/>
+            </a:prstGeom>
+          </p:spPr>
+          <p:style>
+            <a:lnRef idx="3">
+              <a:schemeClr val="dk1"/>
+            </a:lnRef>
+            <a:fillRef idx="0">
+              <a:schemeClr val="dk1"/>
+            </a:fillRef>
+            <a:effectRef idx="2">
+              <a:schemeClr val="dk1"/>
+            </a:effectRef>
+            <a:fontRef idx="minor">
+              <a:schemeClr val="tx1"/>
+            </a:fontRef>
+          </p:style>
+        </p:cxnSp>
+        <p:cxnSp>
+          <p:nvCxnSpPr>
+            <p:cNvPr id="20" name="Straight Connector 19">
+              <a:extLst>
+                <a:ext uri="{FF2B5EF4-FFF2-40B4-BE49-F238E27FC236}">
+                  <a16:creationId xmlns:a16="http://schemas.microsoft.com/office/drawing/2014/main" id="{26FBB868-11FD-D36E-2316-C5DA85334FF4}"/>
+                </a:ext>
+              </a:extLst>
+            </p:cNvPr>
+            <p:cNvCxnSpPr>
+              <a:cxnSpLocks/>
+            </p:cNvCxnSpPr>
+            <p:nvPr/>
+          </p:nvCxnSpPr>
+          <p:spPr>
+            <a:xfrm>
+              <a:off x="4464916" y="3633858"/>
+              <a:ext cx="75156" cy="212942"/>
+            </a:xfrm>
+            <a:prstGeom prst="line">
+              <a:avLst/>
+            </a:prstGeom>
+          </p:spPr>
+          <p:style>
+            <a:lnRef idx="3">
+              <a:schemeClr val="dk1"/>
+            </a:lnRef>
+            <a:fillRef idx="0">
+              <a:schemeClr val="dk1"/>
+            </a:fillRef>
+            <a:effectRef idx="2">
+              <a:schemeClr val="dk1"/>
+            </a:effectRef>
+            <a:fontRef idx="minor">
+              <a:schemeClr val="tx1"/>
+            </a:fontRef>
+          </p:style>
+        </p:cxnSp>
+        <p:cxnSp>
+          <p:nvCxnSpPr>
+            <p:cNvPr id="21" name="Straight Connector 20">
+              <a:extLst>
+                <a:ext uri="{FF2B5EF4-FFF2-40B4-BE49-F238E27FC236}">
+                  <a16:creationId xmlns:a16="http://schemas.microsoft.com/office/drawing/2014/main" id="{05EDFD76-5199-BC53-2F7D-F789A747B898}"/>
+                </a:ext>
+              </a:extLst>
+            </p:cNvPr>
+            <p:cNvCxnSpPr>
+              <a:cxnSpLocks/>
+            </p:cNvCxnSpPr>
+            <p:nvPr/>
+          </p:nvCxnSpPr>
+          <p:spPr>
+            <a:xfrm flipH="1">
+              <a:off x="4464916" y="3846800"/>
+              <a:ext cx="75156" cy="240083"/>
+            </a:xfrm>
+            <a:prstGeom prst="line">
+              <a:avLst/>
+            </a:prstGeom>
+          </p:spPr>
+          <p:style>
+            <a:lnRef idx="3">
+              <a:schemeClr val="dk1"/>
+            </a:lnRef>
+            <a:fillRef idx="0">
+              <a:schemeClr val="dk1"/>
+            </a:fillRef>
+            <a:effectRef idx="2">
+              <a:schemeClr val="dk1"/>
+            </a:effectRef>
+            <a:fontRef idx="minor">
+              <a:schemeClr val="tx1"/>
+            </a:fontRef>
+          </p:style>
+        </p:cxnSp>
+        <p:cxnSp>
+          <p:nvCxnSpPr>
+            <p:cNvPr id="22" name="Straight Connector 21">
+              <a:extLst>
+                <a:ext uri="{FF2B5EF4-FFF2-40B4-BE49-F238E27FC236}">
+                  <a16:creationId xmlns:a16="http://schemas.microsoft.com/office/drawing/2014/main" id="{3A926BCB-4A6D-401C-18FA-36028996B250}"/>
+                </a:ext>
+              </a:extLst>
+            </p:cNvPr>
+            <p:cNvCxnSpPr>
+              <a:cxnSpLocks/>
+            </p:cNvCxnSpPr>
+            <p:nvPr/>
+          </p:nvCxnSpPr>
+          <p:spPr>
+            <a:xfrm>
+              <a:off x="4615228" y="3633858"/>
+              <a:ext cx="541969" cy="0"/>
+            </a:xfrm>
+            <a:prstGeom prst="line">
+              <a:avLst/>
+            </a:prstGeom>
+          </p:spPr>
+          <p:style>
+            <a:lnRef idx="3">
+              <a:schemeClr val="dk1"/>
+            </a:lnRef>
+            <a:fillRef idx="0">
+              <a:schemeClr val="dk1"/>
+            </a:fillRef>
+            <a:effectRef idx="2">
+              <a:schemeClr val="dk1"/>
+            </a:effectRef>
+            <a:fontRef idx="minor">
+              <a:schemeClr val="tx1"/>
+            </a:fontRef>
+          </p:style>
+        </p:cxnSp>
+        <p:cxnSp>
+          <p:nvCxnSpPr>
+            <p:cNvPr id="23" name="Straight Connector 22">
+              <a:extLst>
+                <a:ext uri="{FF2B5EF4-FFF2-40B4-BE49-F238E27FC236}">
+                  <a16:creationId xmlns:a16="http://schemas.microsoft.com/office/drawing/2014/main" id="{02A1B1BC-C304-E75B-D3A7-F308E147E326}"/>
+                </a:ext>
+              </a:extLst>
+            </p:cNvPr>
+            <p:cNvCxnSpPr>
+              <a:cxnSpLocks/>
+            </p:cNvCxnSpPr>
+            <p:nvPr/>
+          </p:nvCxnSpPr>
+          <p:spPr>
+            <a:xfrm>
+              <a:off x="4615228" y="4086883"/>
+              <a:ext cx="555968" cy="0"/>
+            </a:xfrm>
+            <a:prstGeom prst="line">
+              <a:avLst/>
+            </a:prstGeom>
+          </p:spPr>
+          <p:style>
+            <a:lnRef idx="3">
+              <a:schemeClr val="dk1"/>
+            </a:lnRef>
+            <a:fillRef idx="0">
+              <a:schemeClr val="dk1"/>
+            </a:fillRef>
+            <a:effectRef idx="2">
+              <a:schemeClr val="dk1"/>
+            </a:effectRef>
+            <a:fontRef idx="minor">
+              <a:schemeClr val="tx1"/>
+            </a:fontRef>
+          </p:style>
+        </p:cxnSp>
+        <p:cxnSp>
+          <p:nvCxnSpPr>
+            <p:cNvPr id="24" name="Straight Connector 23">
+              <a:extLst>
+                <a:ext uri="{FF2B5EF4-FFF2-40B4-BE49-F238E27FC236}">
+                  <a16:creationId xmlns:a16="http://schemas.microsoft.com/office/drawing/2014/main" id="{CB857969-DECE-1A54-2F41-669C42F3ED91}"/>
+                </a:ext>
+              </a:extLst>
+            </p:cNvPr>
+            <p:cNvCxnSpPr/>
+            <p:nvPr/>
+          </p:nvCxnSpPr>
+          <p:spPr>
+            <a:xfrm flipV="1">
+              <a:off x="2484404" y="2976457"/>
+              <a:ext cx="0" cy="419622"/>
+            </a:xfrm>
+            <a:prstGeom prst="line">
+              <a:avLst/>
+            </a:prstGeom>
+          </p:spPr>
+          <p:style>
+            <a:lnRef idx="3">
+              <a:schemeClr val="dk1"/>
+            </a:lnRef>
+            <a:fillRef idx="0">
+              <a:schemeClr val="dk1"/>
+            </a:fillRef>
+            <a:effectRef idx="2">
+              <a:schemeClr val="dk1"/>
+            </a:effectRef>
+            <a:fontRef idx="minor">
+              <a:schemeClr val="tx1"/>
+            </a:fontRef>
+          </p:style>
+        </p:cxnSp>
+        <p:cxnSp>
+          <p:nvCxnSpPr>
+            <p:cNvPr id="25" name="Straight Connector 24">
+              <a:extLst>
+                <a:ext uri="{FF2B5EF4-FFF2-40B4-BE49-F238E27FC236}">
+                  <a16:creationId xmlns:a16="http://schemas.microsoft.com/office/drawing/2014/main" id="{5F939497-1931-A292-C45B-5822824D9649}"/>
+                </a:ext>
+              </a:extLst>
+            </p:cNvPr>
+            <p:cNvCxnSpPr>
+              <a:cxnSpLocks/>
+            </p:cNvCxnSpPr>
+            <p:nvPr/>
+          </p:nvCxnSpPr>
+          <p:spPr>
+            <a:xfrm>
+              <a:off x="3831628" y="3389816"/>
+              <a:ext cx="1339568" cy="0"/>
+            </a:xfrm>
+            <a:prstGeom prst="line">
+              <a:avLst/>
+            </a:prstGeom>
+          </p:spPr>
+          <p:style>
+            <a:lnRef idx="3">
+              <a:schemeClr val="dk1"/>
+            </a:lnRef>
+            <a:fillRef idx="0">
+              <a:schemeClr val="dk1"/>
+            </a:fillRef>
+            <a:effectRef idx="2">
+              <a:schemeClr val="dk1"/>
+            </a:effectRef>
+            <a:fontRef idx="minor">
+              <a:schemeClr val="tx1"/>
+            </a:fontRef>
+          </p:style>
+        </p:cxnSp>
+        <p:cxnSp>
+          <p:nvCxnSpPr>
+            <p:cNvPr id="26" name="Straight Connector 25">
+              <a:extLst>
+                <a:ext uri="{FF2B5EF4-FFF2-40B4-BE49-F238E27FC236}">
+                  <a16:creationId xmlns:a16="http://schemas.microsoft.com/office/drawing/2014/main" id="{530E3CAD-4C5F-3B8D-3C06-8D1221108C45}"/>
+                </a:ext>
+              </a:extLst>
+            </p:cNvPr>
+            <p:cNvCxnSpPr/>
+            <p:nvPr/>
+          </p:nvCxnSpPr>
+          <p:spPr>
+            <a:xfrm flipV="1">
+              <a:off x="3831628" y="2976457"/>
+              <a:ext cx="0" cy="419622"/>
+            </a:xfrm>
+            <a:prstGeom prst="line">
+              <a:avLst/>
+            </a:prstGeom>
+          </p:spPr>
+          <p:style>
+            <a:lnRef idx="3">
+              <a:schemeClr val="dk1"/>
+            </a:lnRef>
+            <a:fillRef idx="0">
+              <a:schemeClr val="dk1"/>
+            </a:fillRef>
+            <a:effectRef idx="2">
+              <a:schemeClr val="dk1"/>
+            </a:effectRef>
+            <a:fontRef idx="minor">
+              <a:schemeClr val="tx1"/>
+            </a:fontRef>
+          </p:style>
+        </p:cxnSp>
+        <p:cxnSp>
+          <p:nvCxnSpPr>
+            <p:cNvPr id="27" name="Straight Connector 26">
+              <a:extLst>
+                <a:ext uri="{FF2B5EF4-FFF2-40B4-BE49-F238E27FC236}">
+                  <a16:creationId xmlns:a16="http://schemas.microsoft.com/office/drawing/2014/main" id="{9D32D87D-4AA5-98E5-A11C-129DCFB47BA2}"/>
+                </a:ext>
+              </a:extLst>
+            </p:cNvPr>
+            <p:cNvCxnSpPr/>
+            <p:nvPr/>
+          </p:nvCxnSpPr>
+          <p:spPr>
+            <a:xfrm flipV="1">
+              <a:off x="5160859" y="2976457"/>
+              <a:ext cx="0" cy="419622"/>
+            </a:xfrm>
+            <a:prstGeom prst="line">
+              <a:avLst/>
+            </a:prstGeom>
+          </p:spPr>
+          <p:style>
+            <a:lnRef idx="3">
+              <a:schemeClr val="dk1"/>
+            </a:lnRef>
+            <a:fillRef idx="0">
+              <a:schemeClr val="dk1"/>
+            </a:fillRef>
+            <a:effectRef idx="2">
+              <a:schemeClr val="dk1"/>
+            </a:effectRef>
+            <a:fontRef idx="minor">
+              <a:schemeClr val="tx1"/>
+            </a:fontRef>
+          </p:style>
+        </p:cxnSp>
+        <p:cxnSp>
+          <p:nvCxnSpPr>
+            <p:cNvPr id="28" name="Straight Connector 27">
+              <a:extLst>
+                <a:ext uri="{FF2B5EF4-FFF2-40B4-BE49-F238E27FC236}">
+                  <a16:creationId xmlns:a16="http://schemas.microsoft.com/office/drawing/2014/main" id="{F9A34EC5-79C8-4C73-495E-CDEEB2A1916C}"/>
+                </a:ext>
+              </a:extLst>
+            </p:cNvPr>
+            <p:cNvCxnSpPr/>
+            <p:nvPr/>
+          </p:nvCxnSpPr>
+          <p:spPr>
+            <a:xfrm>
+              <a:off x="5160859" y="2976457"/>
+              <a:ext cx="1014608" cy="0"/>
+            </a:xfrm>
+            <a:prstGeom prst="line">
+              <a:avLst/>
+            </a:prstGeom>
+          </p:spPr>
+          <p:style>
+            <a:lnRef idx="3">
+              <a:schemeClr val="dk1"/>
+            </a:lnRef>
+            <a:fillRef idx="0">
+              <a:schemeClr val="dk1"/>
+            </a:fillRef>
+            <a:effectRef idx="2">
+              <a:schemeClr val="dk1"/>
+            </a:effectRef>
+            <a:fontRef idx="minor">
+              <a:schemeClr val="tx1"/>
+            </a:fontRef>
+          </p:style>
+        </p:cxnSp>
+        <p:cxnSp>
+          <p:nvCxnSpPr>
+            <p:cNvPr id="29" name="Straight Connector 28">
+              <a:extLst>
+                <a:ext uri="{FF2B5EF4-FFF2-40B4-BE49-F238E27FC236}">
+                  <a16:creationId xmlns:a16="http://schemas.microsoft.com/office/drawing/2014/main" id="{9B7230C9-DD4A-C4CD-56F2-E59DCC2ECB4B}"/>
+                </a:ext>
+              </a:extLst>
+            </p:cNvPr>
+            <p:cNvCxnSpPr>
+              <a:cxnSpLocks/>
+            </p:cNvCxnSpPr>
+            <p:nvPr/>
+          </p:nvCxnSpPr>
+          <p:spPr>
+            <a:xfrm>
+              <a:off x="1382114" y="3389816"/>
+              <a:ext cx="1102290" cy="0"/>
+            </a:xfrm>
+            <a:prstGeom prst="line">
+              <a:avLst/>
+            </a:prstGeom>
+          </p:spPr>
+          <p:style>
+            <a:lnRef idx="3">
+              <a:schemeClr val="dk1"/>
+            </a:lnRef>
+            <a:fillRef idx="0">
+              <a:schemeClr val="dk1"/>
+            </a:fillRef>
+            <a:effectRef idx="2">
+              <a:schemeClr val="dk1"/>
+            </a:effectRef>
+            <a:fontRef idx="minor">
+              <a:schemeClr val="tx1"/>
+            </a:fontRef>
+          </p:style>
+        </p:cxnSp>
+        <p:cxnSp>
+          <p:nvCxnSpPr>
+            <p:cNvPr id="30" name="Straight Connector 29">
+              <a:extLst>
+                <a:ext uri="{FF2B5EF4-FFF2-40B4-BE49-F238E27FC236}">
+                  <a16:creationId xmlns:a16="http://schemas.microsoft.com/office/drawing/2014/main" id="{7B31B70D-3DCB-FC71-C774-061849542C2D}"/>
+                </a:ext>
+              </a:extLst>
+            </p:cNvPr>
+            <p:cNvCxnSpPr>
+              <a:cxnSpLocks/>
+            </p:cNvCxnSpPr>
+            <p:nvPr/>
+          </p:nvCxnSpPr>
+          <p:spPr>
+            <a:xfrm>
+              <a:off x="2484404" y="3379703"/>
+              <a:ext cx="0" cy="2723157"/>
+            </a:xfrm>
+            <a:prstGeom prst="line">
+              <a:avLst/>
+            </a:prstGeom>
+            <a:ln w="9525" cap="flat" cmpd="sng" algn="ctr">
+              <a:solidFill>
+                <a:schemeClr val="dk1"/>
+              </a:solidFill>
+              <a:prstDash val="dash"/>
+              <a:round/>
+              <a:headEnd type="none" w="med" len="med"/>
+              <a:tailEnd type="none" w="med" len="med"/>
+            </a:ln>
+          </p:spPr>
+          <p:style>
+            <a:lnRef idx="0">
+              <a:scrgbClr r="0" g="0" b="0"/>
+            </a:lnRef>
+            <a:fillRef idx="0">
+              <a:scrgbClr r="0" g="0" b="0"/>
+            </a:fillRef>
+            <a:effectRef idx="0">
+              <a:scrgbClr r="0" g="0" b="0"/>
+            </a:effectRef>
+            <a:fontRef idx="minor">
+              <a:schemeClr val="tx1"/>
+            </a:fontRef>
+          </p:style>
+        </p:cxnSp>
+        <p:cxnSp>
+          <p:nvCxnSpPr>
+            <p:cNvPr id="31" name="Straight Connector 30">
+              <a:extLst>
+                <a:ext uri="{FF2B5EF4-FFF2-40B4-BE49-F238E27FC236}">
+                  <a16:creationId xmlns:a16="http://schemas.microsoft.com/office/drawing/2014/main" id="{3E8000A6-97E3-7FE4-63A8-C67DA30B6883}"/>
+                </a:ext>
+              </a:extLst>
+            </p:cNvPr>
+            <p:cNvCxnSpPr>
+              <a:cxnSpLocks/>
+            </p:cNvCxnSpPr>
+            <p:nvPr/>
+          </p:nvCxnSpPr>
+          <p:spPr>
+            <a:xfrm>
+              <a:off x="5157197" y="3379703"/>
+              <a:ext cx="0" cy="2723157"/>
+            </a:xfrm>
+            <a:prstGeom prst="line">
+              <a:avLst/>
+            </a:prstGeom>
+            <a:ln w="9525" cap="flat" cmpd="sng" algn="ctr">
+              <a:solidFill>
+                <a:schemeClr val="dk1"/>
+              </a:solidFill>
+              <a:prstDash val="dash"/>
+              <a:round/>
+              <a:headEnd type="none" w="med" len="med"/>
+              <a:tailEnd type="none" w="med" len="med"/>
+            </a:ln>
+          </p:spPr>
+          <p:style>
+            <a:lnRef idx="0">
+              <a:scrgbClr r="0" g="0" b="0"/>
+            </a:lnRef>
+            <a:fillRef idx="0">
+              <a:scrgbClr r="0" g="0" b="0"/>
+            </a:fillRef>
+            <a:effectRef idx="0">
+              <a:scrgbClr r="0" g="0" b="0"/>
+            </a:effectRef>
+            <a:fontRef idx="minor">
+              <a:schemeClr val="tx1"/>
+            </a:fontRef>
+          </p:style>
+        </p:cxnSp>
+        <p:sp>
+          <p:nvSpPr>
+            <p:cNvPr id="32" name="TextBox 31">
+              <a:extLst>
+                <a:ext uri="{FF2B5EF4-FFF2-40B4-BE49-F238E27FC236}">
+                  <a16:creationId xmlns:a16="http://schemas.microsoft.com/office/drawing/2014/main" id="{377EC9A3-FF43-CF4E-C1E0-3A13C68B6E01}"/>
+                </a:ext>
+              </a:extLst>
+            </p:cNvPr>
+            <p:cNvSpPr txBox="1"/>
+            <p:nvPr/>
+          </p:nvSpPr>
+          <p:spPr>
+            <a:xfrm>
+              <a:off x="4667219" y="3721654"/>
+              <a:ext cx="386456" cy="276999"/>
+            </a:xfrm>
+            <a:prstGeom prst="rect">
+              <a:avLst/>
+            </a:prstGeom>
+            <a:noFill/>
+          </p:spPr>
+          <p:txBody>
+            <a:bodyPr wrap="square" rtlCol="0">
+              <a:spAutoFit/>
+            </a:bodyPr>
+            <a:lstStyle/>
+            <a:p>
+              <a:pPr algn="ctr"/>
+              <a:r>
+                <a:rPr lang="en-GB" sz="1200" i="1" dirty="0"/>
+                <a:t>T</a:t>
+              </a:r>
+              <a:r>
+                <a:rPr lang="en-GB" sz="1200" i="1" baseline="-25000" dirty="0"/>
+                <a:t>SU</a:t>
+              </a:r>
+            </a:p>
+          </p:txBody>
+        </p:sp>
+        <p:sp>
+          <p:nvSpPr>
+            <p:cNvPr id="33" name="TextBox 32">
+              <a:extLst>
+                <a:ext uri="{FF2B5EF4-FFF2-40B4-BE49-F238E27FC236}">
+                  <a16:creationId xmlns:a16="http://schemas.microsoft.com/office/drawing/2014/main" id="{B14CAF4E-1CB2-3BAA-A10E-B59B908EDA81}"/>
+                </a:ext>
+              </a:extLst>
+            </p:cNvPr>
+            <p:cNvSpPr txBox="1"/>
+            <p:nvPr/>
+          </p:nvSpPr>
+          <p:spPr>
+            <a:xfrm>
+              <a:off x="1275329" y="3686972"/>
+              <a:ext cx="620554" cy="369332"/>
+            </a:xfrm>
+            <a:prstGeom prst="rect">
+              <a:avLst/>
+            </a:prstGeom>
+            <a:noFill/>
+          </p:spPr>
+          <p:txBody>
+            <a:bodyPr wrap="none" rtlCol="0">
+              <a:spAutoFit/>
+            </a:bodyPr>
+            <a:lstStyle/>
+            <a:p>
+              <a:r>
+                <a:rPr lang="en-GB" dirty="0"/>
+                <a:t>Data</a:t>
+              </a:r>
+            </a:p>
+          </p:txBody>
+        </p:sp>
+        <p:sp>
+          <p:nvSpPr>
+            <p:cNvPr id="34" name="TextBox 33">
+              <a:extLst>
+                <a:ext uri="{FF2B5EF4-FFF2-40B4-BE49-F238E27FC236}">
+                  <a16:creationId xmlns:a16="http://schemas.microsoft.com/office/drawing/2014/main" id="{BE53E8DE-2688-9C4D-6D05-F402655872AC}"/>
+                </a:ext>
+              </a:extLst>
+            </p:cNvPr>
+            <p:cNvSpPr txBox="1"/>
+            <p:nvPr/>
+          </p:nvSpPr>
+          <p:spPr>
+            <a:xfrm>
+              <a:off x="1275329" y="3033195"/>
+              <a:ext cx="684803" cy="369332"/>
+            </a:xfrm>
+            <a:prstGeom prst="rect">
+              <a:avLst/>
+            </a:prstGeom>
+            <a:noFill/>
+          </p:spPr>
+          <p:txBody>
+            <a:bodyPr wrap="none" rtlCol="0">
+              <a:spAutoFit/>
+            </a:bodyPr>
+            <a:lstStyle/>
+            <a:p>
+              <a:r>
+                <a:rPr lang="en-GB" dirty="0"/>
+                <a:t>Clock</a:t>
+              </a:r>
+            </a:p>
+          </p:txBody>
+        </p:sp>
+        <p:cxnSp>
+          <p:nvCxnSpPr>
+            <p:cNvPr id="35" name="Straight Connector 34">
+              <a:extLst>
+                <a:ext uri="{FF2B5EF4-FFF2-40B4-BE49-F238E27FC236}">
+                  <a16:creationId xmlns:a16="http://schemas.microsoft.com/office/drawing/2014/main" id="{7B6DFC48-500D-56AE-640E-C990DE0EF752}"/>
+                </a:ext>
+              </a:extLst>
+            </p:cNvPr>
+            <p:cNvCxnSpPr>
+              <a:cxnSpLocks/>
+            </p:cNvCxnSpPr>
+            <p:nvPr/>
+          </p:nvCxnSpPr>
+          <p:spPr>
+            <a:xfrm>
+              <a:off x="2482002" y="2976457"/>
+              <a:ext cx="1349626" cy="0"/>
+            </a:xfrm>
+            <a:prstGeom prst="line">
+              <a:avLst/>
+            </a:prstGeom>
+          </p:spPr>
+          <p:style>
+            <a:lnRef idx="3">
+              <a:schemeClr val="dk1"/>
+            </a:lnRef>
+            <a:fillRef idx="0">
+              <a:schemeClr val="dk1"/>
+            </a:fillRef>
+            <a:effectRef idx="2">
+              <a:schemeClr val="dk1"/>
+            </a:effectRef>
+            <a:fontRef idx="minor">
+              <a:schemeClr val="tx1"/>
+            </a:fontRef>
+          </p:style>
+        </p:cxnSp>
+        <p:sp>
+          <p:nvSpPr>
+            <p:cNvPr id="36" name="TextBox 35">
+              <a:extLst>
+                <a:ext uri="{FF2B5EF4-FFF2-40B4-BE49-F238E27FC236}">
+                  <a16:creationId xmlns:a16="http://schemas.microsoft.com/office/drawing/2014/main" id="{0931AE97-D71A-2013-A29F-7F439E0003FD}"/>
+                </a:ext>
+              </a:extLst>
+            </p:cNvPr>
+            <p:cNvSpPr txBox="1"/>
+            <p:nvPr/>
+          </p:nvSpPr>
+          <p:spPr>
+            <a:xfrm>
+              <a:off x="3096730" y="3721654"/>
+              <a:ext cx="962892" cy="276999"/>
+            </a:xfrm>
+            <a:prstGeom prst="rect">
+              <a:avLst/>
+            </a:prstGeom>
+            <a:noFill/>
+          </p:spPr>
+          <p:txBody>
+            <a:bodyPr wrap="none" rtlCol="0">
+              <a:spAutoFit/>
+            </a:bodyPr>
+            <a:lstStyle/>
+            <a:p>
+              <a:pPr algn="ctr"/>
+              <a:r>
+                <a:rPr lang="en-GB" sz="1200" i="1" dirty="0"/>
+                <a:t>Logic &amp; Nets</a:t>
+              </a:r>
+              <a:endParaRPr lang="en-GB" sz="1200" i="1" baseline="-25000" dirty="0"/>
+            </a:p>
+          </p:txBody>
+        </p:sp>
+        <p:sp>
+          <p:nvSpPr>
+            <p:cNvPr id="37" name="TextBox 36">
+              <a:extLst>
+                <a:ext uri="{FF2B5EF4-FFF2-40B4-BE49-F238E27FC236}">
+                  <a16:creationId xmlns:a16="http://schemas.microsoft.com/office/drawing/2014/main" id="{C6643560-7EFE-6CEC-C57F-EEF8A87268BF}"/>
+                </a:ext>
+              </a:extLst>
+            </p:cNvPr>
+            <p:cNvSpPr txBox="1"/>
+            <p:nvPr/>
+          </p:nvSpPr>
+          <p:spPr>
+            <a:xfrm>
+              <a:off x="4193324" y="3655289"/>
+              <a:ext cx="369332" cy="409728"/>
+            </a:xfrm>
+            <a:prstGeom prst="rect">
+              <a:avLst/>
+            </a:prstGeom>
+            <a:noFill/>
+          </p:spPr>
+          <p:txBody>
+            <a:bodyPr vert="vert270" wrap="none" rtlCol="0">
+              <a:spAutoFit/>
+            </a:bodyPr>
+            <a:lstStyle/>
+            <a:p>
+              <a:pPr algn="ctr"/>
+              <a:r>
+                <a:rPr lang="en-GB" sz="1200" i="1" dirty="0"/>
+                <a:t>Slack</a:t>
+              </a:r>
+              <a:endParaRPr lang="en-GB" sz="1200" i="1" baseline="-25000" dirty="0"/>
+            </a:p>
+          </p:txBody>
+        </p:sp>
+        <p:cxnSp>
+          <p:nvCxnSpPr>
+            <p:cNvPr id="38" name="Straight Connector 37">
+              <a:extLst>
+                <a:ext uri="{FF2B5EF4-FFF2-40B4-BE49-F238E27FC236}">
+                  <a16:creationId xmlns:a16="http://schemas.microsoft.com/office/drawing/2014/main" id="{BA32E195-CB22-DEC2-F54F-3D1CB62EE5A8}"/>
+                </a:ext>
+              </a:extLst>
+            </p:cNvPr>
+            <p:cNvCxnSpPr>
+              <a:cxnSpLocks/>
+            </p:cNvCxnSpPr>
+            <p:nvPr/>
+          </p:nvCxnSpPr>
+          <p:spPr>
+            <a:xfrm>
+              <a:off x="1382114" y="3638091"/>
+              <a:ext cx="1101292" cy="0"/>
+            </a:xfrm>
+            <a:prstGeom prst="line">
+              <a:avLst/>
+            </a:prstGeom>
+            <a:ln>
+              <a:prstDash val="dash"/>
+            </a:ln>
+          </p:spPr>
+          <p:style>
+            <a:lnRef idx="3">
+              <a:schemeClr val="dk1"/>
+            </a:lnRef>
+            <a:fillRef idx="0">
+              <a:schemeClr val="dk1"/>
+            </a:fillRef>
+            <a:effectRef idx="2">
+              <a:schemeClr val="dk1"/>
+            </a:effectRef>
+            <a:fontRef idx="minor">
+              <a:schemeClr val="tx1"/>
+            </a:fontRef>
+          </p:style>
+        </p:cxnSp>
+        <p:cxnSp>
+          <p:nvCxnSpPr>
+            <p:cNvPr id="39" name="Straight Connector 38">
+              <a:extLst>
+                <a:ext uri="{FF2B5EF4-FFF2-40B4-BE49-F238E27FC236}">
+                  <a16:creationId xmlns:a16="http://schemas.microsoft.com/office/drawing/2014/main" id="{DD2AC73C-0EA9-2B76-00CD-50588C532242}"/>
+                </a:ext>
+              </a:extLst>
+            </p:cNvPr>
+            <p:cNvCxnSpPr>
+              <a:cxnSpLocks/>
+            </p:cNvCxnSpPr>
+            <p:nvPr/>
+          </p:nvCxnSpPr>
+          <p:spPr>
+            <a:xfrm>
+              <a:off x="1382114" y="4091116"/>
+              <a:ext cx="1101292" cy="0"/>
+            </a:xfrm>
+            <a:prstGeom prst="line">
+              <a:avLst/>
+            </a:prstGeom>
+            <a:ln>
+              <a:prstDash val="dash"/>
+            </a:ln>
+          </p:spPr>
+          <p:style>
+            <a:lnRef idx="3">
+              <a:schemeClr val="dk1"/>
+            </a:lnRef>
+            <a:fillRef idx="0">
+              <a:schemeClr val="dk1"/>
+            </a:fillRef>
+            <a:effectRef idx="2">
+              <a:schemeClr val="dk1"/>
+            </a:effectRef>
+            <a:fontRef idx="minor">
+              <a:schemeClr val="tx1"/>
+            </a:fontRef>
+          </p:style>
+        </p:cxnSp>
+        <p:cxnSp>
+          <p:nvCxnSpPr>
+            <p:cNvPr id="40" name="Straight Connector 39">
+              <a:extLst>
+                <a:ext uri="{FF2B5EF4-FFF2-40B4-BE49-F238E27FC236}">
+                  <a16:creationId xmlns:a16="http://schemas.microsoft.com/office/drawing/2014/main" id="{82B6A1D7-851B-8421-956E-546DE8684EA4}"/>
+                </a:ext>
+              </a:extLst>
+            </p:cNvPr>
+            <p:cNvCxnSpPr>
+              <a:cxnSpLocks/>
+            </p:cNvCxnSpPr>
+            <p:nvPr/>
+          </p:nvCxnSpPr>
+          <p:spPr>
+            <a:xfrm>
+              <a:off x="5157197" y="3633858"/>
+              <a:ext cx="1018270" cy="0"/>
+            </a:xfrm>
+            <a:prstGeom prst="line">
+              <a:avLst/>
+            </a:prstGeom>
+            <a:ln>
+              <a:prstDash val="dash"/>
+            </a:ln>
+          </p:spPr>
+          <p:style>
+            <a:lnRef idx="3">
+              <a:schemeClr val="dk1"/>
+            </a:lnRef>
+            <a:fillRef idx="0">
+              <a:schemeClr val="dk1"/>
+            </a:fillRef>
+            <a:effectRef idx="2">
+              <a:schemeClr val="dk1"/>
+            </a:effectRef>
+            <a:fontRef idx="minor">
+              <a:schemeClr val="tx1"/>
+            </a:fontRef>
+          </p:style>
+        </p:cxnSp>
+        <p:cxnSp>
+          <p:nvCxnSpPr>
+            <p:cNvPr id="41" name="Straight Connector 40">
+              <a:extLst>
+                <a:ext uri="{FF2B5EF4-FFF2-40B4-BE49-F238E27FC236}">
+                  <a16:creationId xmlns:a16="http://schemas.microsoft.com/office/drawing/2014/main" id="{4DD9E448-242F-CC25-F6D0-1DD2D82D45A0}"/>
+                </a:ext>
+              </a:extLst>
+            </p:cNvPr>
+            <p:cNvCxnSpPr>
+              <a:cxnSpLocks/>
+            </p:cNvCxnSpPr>
+            <p:nvPr/>
+          </p:nvCxnSpPr>
+          <p:spPr>
+            <a:xfrm>
+              <a:off x="5157197" y="4086883"/>
+              <a:ext cx="1018270" cy="0"/>
+            </a:xfrm>
+            <a:prstGeom prst="line">
+              <a:avLst/>
+            </a:prstGeom>
+            <a:ln>
+              <a:prstDash val="dash"/>
+            </a:ln>
+          </p:spPr>
+          <p:style>
+            <a:lnRef idx="3">
+              <a:schemeClr val="dk1"/>
+            </a:lnRef>
+            <a:fillRef idx="0">
+              <a:schemeClr val="dk1"/>
+            </a:fillRef>
+            <a:effectRef idx="2">
+              <a:schemeClr val="dk1"/>
+            </a:effectRef>
+            <a:fontRef idx="minor">
+              <a:schemeClr val="tx1"/>
+            </a:fontRef>
+          </p:style>
+        </p:cxnSp>
+        <p:cxnSp>
+          <p:nvCxnSpPr>
+            <p:cNvPr id="44" name="Straight Connector 43">
+              <a:extLst>
+                <a:ext uri="{FF2B5EF4-FFF2-40B4-BE49-F238E27FC236}">
+                  <a16:creationId xmlns:a16="http://schemas.microsoft.com/office/drawing/2014/main" id="{8C5717F0-AAA2-B012-5508-204E4A21C28B}"/>
+                </a:ext>
+              </a:extLst>
+            </p:cNvPr>
+            <p:cNvCxnSpPr>
+              <a:cxnSpLocks/>
+            </p:cNvCxnSpPr>
+            <p:nvPr/>
+          </p:nvCxnSpPr>
+          <p:spPr>
+            <a:xfrm>
+              <a:off x="2855380" y="3643677"/>
+              <a:ext cx="75156" cy="212942"/>
+            </a:xfrm>
+            <a:prstGeom prst="line">
+              <a:avLst/>
+            </a:prstGeom>
+          </p:spPr>
+          <p:style>
+            <a:lnRef idx="3">
+              <a:schemeClr val="dk1"/>
+            </a:lnRef>
+            <a:fillRef idx="0">
+              <a:schemeClr val="dk1"/>
+            </a:fillRef>
+            <a:effectRef idx="2">
+              <a:schemeClr val="dk1"/>
+            </a:effectRef>
+            <a:fontRef idx="minor">
+              <a:schemeClr val="tx1"/>
+            </a:fontRef>
+          </p:style>
+        </p:cxnSp>
+        <p:cxnSp>
+          <p:nvCxnSpPr>
+            <p:cNvPr id="45" name="Straight Connector 44">
+              <a:extLst>
+                <a:ext uri="{FF2B5EF4-FFF2-40B4-BE49-F238E27FC236}">
+                  <a16:creationId xmlns:a16="http://schemas.microsoft.com/office/drawing/2014/main" id="{A98A1BBC-B856-BD6A-766B-0F48F0282E77}"/>
+                </a:ext>
+              </a:extLst>
+            </p:cNvPr>
+            <p:cNvCxnSpPr>
+              <a:cxnSpLocks/>
+            </p:cNvCxnSpPr>
+            <p:nvPr/>
+          </p:nvCxnSpPr>
+          <p:spPr>
+            <a:xfrm flipH="1">
+              <a:off x="2855380" y="3856619"/>
+              <a:ext cx="75156" cy="240083"/>
+            </a:xfrm>
+            <a:prstGeom prst="line">
+              <a:avLst/>
+            </a:prstGeom>
+          </p:spPr>
+          <p:style>
+            <a:lnRef idx="3">
+              <a:schemeClr val="dk1"/>
+            </a:lnRef>
+            <a:fillRef idx="0">
+              <a:schemeClr val="dk1"/>
+            </a:fillRef>
+            <a:effectRef idx="2">
+              <a:schemeClr val="dk1"/>
+            </a:effectRef>
+            <a:fontRef idx="minor">
+              <a:schemeClr val="tx1"/>
+            </a:fontRef>
+          </p:style>
+        </p:cxnSp>
+        <p:cxnSp>
+          <p:nvCxnSpPr>
+            <p:cNvPr id="55" name="Straight Arrow Connector 54">
+              <a:extLst>
+                <a:ext uri="{FF2B5EF4-FFF2-40B4-BE49-F238E27FC236}">
+                  <a16:creationId xmlns:a16="http://schemas.microsoft.com/office/drawing/2014/main" id="{E2F1A4A1-AEDB-9AEC-D5C9-6E4BFAC5B8F1}"/>
+                </a:ext>
+              </a:extLst>
+            </p:cNvPr>
+            <p:cNvCxnSpPr>
+              <a:cxnSpLocks/>
+            </p:cNvCxnSpPr>
+            <p:nvPr/>
+          </p:nvCxnSpPr>
+          <p:spPr>
+            <a:xfrm>
+              <a:off x="2491165" y="6021287"/>
+              <a:ext cx="2666032" cy="0"/>
+            </a:xfrm>
+            <a:prstGeom prst="straightConnector1">
+              <a:avLst/>
+            </a:prstGeom>
+            <a:ln>
+              <a:headEnd type="triangle"/>
+              <a:tailEnd type="triangle"/>
+            </a:ln>
+          </p:spPr>
+          <p:style>
+            <a:lnRef idx="1">
+              <a:schemeClr val="dk1"/>
+            </a:lnRef>
+            <a:fillRef idx="0">
+              <a:schemeClr val="dk1"/>
+            </a:fillRef>
+            <a:effectRef idx="0">
+              <a:schemeClr val="dk1"/>
+            </a:effectRef>
+            <a:fontRef idx="minor">
+              <a:schemeClr val="tx1"/>
+            </a:fontRef>
+          </p:style>
+        </p:cxnSp>
+        <p:sp>
+          <p:nvSpPr>
+            <p:cNvPr id="56" name="TextBox 55">
+              <a:extLst>
+                <a:ext uri="{FF2B5EF4-FFF2-40B4-BE49-F238E27FC236}">
+                  <a16:creationId xmlns:a16="http://schemas.microsoft.com/office/drawing/2014/main" id="{3748C1E7-0678-969F-B881-1256E62A3708}"/>
+                </a:ext>
+              </a:extLst>
+            </p:cNvPr>
+            <p:cNvSpPr txBox="1"/>
+            <p:nvPr/>
+          </p:nvSpPr>
+          <p:spPr>
+            <a:xfrm>
+              <a:off x="2487170" y="5739358"/>
+              <a:ext cx="2666032" cy="276999"/>
+            </a:xfrm>
+            <a:prstGeom prst="rect">
+              <a:avLst/>
+            </a:prstGeom>
+            <a:noFill/>
+          </p:spPr>
+          <p:txBody>
+            <a:bodyPr wrap="square" rtlCol="0">
+              <a:spAutoFit/>
+            </a:bodyPr>
+            <a:lstStyle/>
+            <a:p>
+              <a:pPr algn="ctr"/>
+              <a:r>
+                <a:rPr lang="en-GB" sz="1200" dirty="0"/>
+                <a:t>Clock Period (s) = </a:t>
+              </a:r>
+              <a:r>
+                <a:rPr lang="en-GB" sz="1200" i="1" dirty="0"/>
+                <a:t>T</a:t>
+              </a:r>
+              <a:r>
+                <a:rPr lang="en-GB" sz="1200" i="1" baseline="-25000" dirty="0"/>
+                <a:t>P</a:t>
+              </a:r>
+            </a:p>
+          </p:txBody>
+        </p:sp>
+        <p:grpSp>
+          <p:nvGrpSpPr>
+            <p:cNvPr id="57" name="Group 56">
+              <a:extLst>
+                <a:ext uri="{FF2B5EF4-FFF2-40B4-BE49-F238E27FC236}">
+                  <a16:creationId xmlns:a16="http://schemas.microsoft.com/office/drawing/2014/main" id="{28C99222-5B2C-EAFE-129C-5960D6AF554F}"/>
+                </a:ext>
+              </a:extLst>
+            </p:cNvPr>
+            <p:cNvGrpSpPr/>
+            <p:nvPr/>
+          </p:nvGrpSpPr>
+          <p:grpSpPr>
+            <a:xfrm>
+              <a:off x="1438171" y="4169223"/>
+              <a:ext cx="4790547" cy="1509224"/>
+              <a:chOff x="4368649" y="2490244"/>
+              <a:chExt cx="4790547" cy="1509224"/>
+            </a:xfrm>
+          </p:grpSpPr>
+          <p:sp>
+            <p:nvSpPr>
+              <p:cNvPr id="59" name="Rectangle 58">
+                <a:extLst>
+                  <a:ext uri="{FF2B5EF4-FFF2-40B4-BE49-F238E27FC236}">
+                    <a16:creationId xmlns:a16="http://schemas.microsoft.com/office/drawing/2014/main" id="{C514AF61-0B2A-3749-7708-65E936F3F606}"/>
+                  </a:ext>
+                </a:extLst>
+              </p:cNvPr>
+              <p:cNvSpPr/>
+              <p:nvPr/>
+            </p:nvSpPr>
+            <p:spPr>
+              <a:xfrm>
+                <a:off x="5117385" y="2908492"/>
+                <a:ext cx="581416" cy="756261"/>
+              </a:xfrm>
+              <a:prstGeom prst="rect">
+                <a:avLst/>
+              </a:prstGeom>
+              <a:solidFill>
+                <a:schemeClr val="bg1"/>
+              </a:solidFill>
+              <a:ln>
+                <a:solidFill>
+                  <a:srgbClr val="FF0000"/>
+                </a:solidFill>
+              </a:ln>
+            </p:spPr>
+            <p:style>
+              <a:lnRef idx="2">
+                <a:schemeClr val="accent1">
+                  <a:shade val="50000"/>
+                </a:schemeClr>
+              </a:lnRef>
+              <a:fillRef idx="1">
+                <a:schemeClr val="accent1"/>
+              </a:fillRef>
+              <a:effectRef idx="0">
+                <a:schemeClr val="accent1"/>
+              </a:effectRef>
+              <a:fontRef idx="minor">
+                <a:schemeClr val="lt1"/>
+              </a:fontRef>
+            </p:style>
+            <p:txBody>
+              <a:bodyPr rtlCol="0" anchor="ctr"/>
+              <a:lstStyle/>
+              <a:p>
+                <a:pPr algn="ctr"/>
+                <a:endParaRPr lang="en-GB"/>
+              </a:p>
+            </p:txBody>
+          </p:sp>
+          <p:grpSp>
+            <p:nvGrpSpPr>
+              <p:cNvPr id="60" name="Group 59">
+                <a:extLst>
+                  <a:ext uri="{FF2B5EF4-FFF2-40B4-BE49-F238E27FC236}">
+                    <a16:creationId xmlns:a16="http://schemas.microsoft.com/office/drawing/2014/main" id="{92C0757D-2421-77F2-8F33-D6334FBF425F}"/>
+                  </a:ext>
+                </a:extLst>
+              </p:cNvPr>
+              <p:cNvGrpSpPr/>
+              <p:nvPr/>
+            </p:nvGrpSpPr>
+            <p:grpSpPr>
+              <a:xfrm>
+                <a:off x="5111693" y="3374573"/>
+                <a:ext cx="118030" cy="208875"/>
+                <a:chOff x="8388570" y="2302315"/>
+                <a:chExt cx="61130" cy="108180"/>
+              </a:xfrm>
+            </p:grpSpPr>
+            <p:cxnSp>
+              <p:nvCxnSpPr>
+                <p:cNvPr id="78" name="Straight Connector 77">
+                  <a:extLst>
+                    <a:ext uri="{FF2B5EF4-FFF2-40B4-BE49-F238E27FC236}">
+                      <a16:creationId xmlns:a16="http://schemas.microsoft.com/office/drawing/2014/main" id="{2225FCF3-9458-81FD-A25D-2FBC72E98E50}"/>
+                    </a:ext>
+                  </a:extLst>
+                </p:cNvPr>
+                <p:cNvCxnSpPr>
+                  <a:cxnSpLocks/>
+                </p:cNvCxnSpPr>
+                <p:nvPr/>
+              </p:nvCxnSpPr>
+              <p:spPr>
+                <a:xfrm>
+                  <a:off x="8391518" y="2302315"/>
+                  <a:ext cx="58182" cy="56934"/>
+                </a:xfrm>
+                <a:prstGeom prst="line">
+                  <a:avLst/>
+                </a:prstGeom>
+                <a:ln>
+                  <a:solidFill>
+                    <a:srgbClr val="FF0000"/>
+                  </a:solidFill>
+                </a:ln>
+              </p:spPr>
+              <p:style>
+                <a:lnRef idx="1">
+                  <a:schemeClr val="accent1"/>
+                </a:lnRef>
+                <a:fillRef idx="0">
+                  <a:schemeClr val="accent1"/>
+                </a:fillRef>
+                <a:effectRef idx="0">
+                  <a:schemeClr val="accent1"/>
+                </a:effectRef>
+                <a:fontRef idx="minor">
+                  <a:schemeClr val="tx1"/>
+                </a:fontRef>
+              </p:style>
+            </p:cxnSp>
+            <p:cxnSp>
+              <p:nvCxnSpPr>
+                <p:cNvPr id="79" name="Straight Connector 78">
+                  <a:extLst>
+                    <a:ext uri="{FF2B5EF4-FFF2-40B4-BE49-F238E27FC236}">
+                      <a16:creationId xmlns:a16="http://schemas.microsoft.com/office/drawing/2014/main" id="{93CE2D46-99A2-562E-F7CC-FE7B2BE1F361}"/>
+                    </a:ext>
+                  </a:extLst>
+                </p:cNvPr>
+                <p:cNvCxnSpPr>
+                  <a:cxnSpLocks/>
+                </p:cNvCxnSpPr>
+                <p:nvPr/>
+              </p:nvCxnSpPr>
+              <p:spPr>
+                <a:xfrm flipV="1">
+                  <a:off x="8388570" y="2359249"/>
+                  <a:ext cx="61130" cy="51246"/>
+                </a:xfrm>
+                <a:prstGeom prst="line">
+                  <a:avLst/>
+                </a:prstGeom>
+                <a:ln>
+                  <a:solidFill>
+                    <a:srgbClr val="FF0000"/>
+                  </a:solidFill>
+                </a:ln>
+              </p:spPr>
+              <p:style>
+                <a:lnRef idx="1">
+                  <a:schemeClr val="accent1"/>
+                </a:lnRef>
+                <a:fillRef idx="0">
+                  <a:schemeClr val="accent1"/>
+                </a:fillRef>
+                <a:effectRef idx="0">
+                  <a:schemeClr val="accent1"/>
+                </a:effectRef>
+                <a:fontRef idx="minor">
+                  <a:schemeClr val="tx1"/>
+                </a:fontRef>
+              </p:style>
+            </p:cxnSp>
+          </p:grpSp>
+          <p:sp>
+            <p:nvSpPr>
+              <p:cNvPr id="61" name="TextBox 60">
+                <a:extLst>
+                  <a:ext uri="{FF2B5EF4-FFF2-40B4-BE49-F238E27FC236}">
+                    <a16:creationId xmlns:a16="http://schemas.microsoft.com/office/drawing/2014/main" id="{DC1564E0-7779-D63B-182D-E8C533FA53DA}"/>
+                  </a:ext>
+                </a:extLst>
+              </p:cNvPr>
+              <p:cNvSpPr txBox="1"/>
+              <p:nvPr/>
+            </p:nvSpPr>
+            <p:spPr>
+              <a:xfrm>
+                <a:off x="5066056" y="2866588"/>
+                <a:ext cx="327334" cy="369332"/>
+              </a:xfrm>
+              <a:prstGeom prst="rect">
+                <a:avLst/>
+              </a:prstGeom>
+              <a:noFill/>
+            </p:spPr>
+            <p:txBody>
+              <a:bodyPr wrap="none" rtlCol="0">
+                <a:spAutoFit/>
+              </a:bodyPr>
+              <a:lstStyle/>
+              <a:p>
+                <a:r>
+                  <a:rPr lang="en-GB" dirty="0"/>
+                  <a:t>D</a:t>
+                </a:r>
+              </a:p>
+            </p:txBody>
+          </p:sp>
+          <p:sp>
+            <p:nvSpPr>
+              <p:cNvPr id="62" name="TextBox 61">
+                <a:extLst>
+                  <a:ext uri="{FF2B5EF4-FFF2-40B4-BE49-F238E27FC236}">
+                    <a16:creationId xmlns:a16="http://schemas.microsoft.com/office/drawing/2014/main" id="{415D4C73-2CD1-855B-8EAC-F19A1F4A9130}"/>
+                  </a:ext>
+                </a:extLst>
+              </p:cNvPr>
+              <p:cNvSpPr txBox="1"/>
+              <p:nvPr/>
+            </p:nvSpPr>
+            <p:spPr>
+              <a:xfrm>
+                <a:off x="5367727" y="2866588"/>
+                <a:ext cx="340158" cy="369332"/>
+              </a:xfrm>
+              <a:prstGeom prst="rect">
+                <a:avLst/>
+              </a:prstGeom>
+              <a:noFill/>
+            </p:spPr>
+            <p:txBody>
+              <a:bodyPr wrap="none" rtlCol="0">
+                <a:spAutoFit/>
+              </a:bodyPr>
+              <a:lstStyle/>
+              <a:p>
+                <a:pPr algn="r"/>
+                <a:r>
+                  <a:rPr lang="en-GB" dirty="0"/>
+                  <a:t>Q</a:t>
+                </a:r>
+              </a:p>
+            </p:txBody>
+          </p:sp>
+          <p:cxnSp>
+            <p:nvCxnSpPr>
+              <p:cNvPr id="63" name="Straight Connector 62">
+                <a:extLst>
+                  <a:ext uri="{FF2B5EF4-FFF2-40B4-BE49-F238E27FC236}">
+                    <a16:creationId xmlns:a16="http://schemas.microsoft.com/office/drawing/2014/main" id="{576C3527-3312-73B8-AA3A-B9A6138DCE30}"/>
+                  </a:ext>
+                </a:extLst>
+              </p:cNvPr>
+              <p:cNvCxnSpPr>
+                <a:cxnSpLocks/>
+              </p:cNvCxnSpPr>
+              <p:nvPr/>
+            </p:nvCxnSpPr>
+            <p:spPr>
+              <a:xfrm>
+                <a:off x="4368649" y="3042976"/>
+                <a:ext cx="748736" cy="0"/>
+              </a:xfrm>
+              <a:prstGeom prst="line">
+                <a:avLst/>
+              </a:prstGeom>
+              <a:ln>
+                <a:solidFill>
+                  <a:schemeClr val="tx1"/>
+                </a:solidFill>
+              </a:ln>
+            </p:spPr>
+            <p:style>
+              <a:lnRef idx="1">
+                <a:schemeClr val="accent1"/>
+              </a:lnRef>
+              <a:fillRef idx="0">
+                <a:schemeClr val="accent1"/>
+              </a:fillRef>
+              <a:effectRef idx="0">
+                <a:schemeClr val="accent1"/>
+              </a:effectRef>
+              <a:fontRef idx="minor">
+                <a:schemeClr val="tx1"/>
+              </a:fontRef>
+            </p:style>
+          </p:cxnSp>
+          <p:cxnSp>
+            <p:nvCxnSpPr>
+              <p:cNvPr id="64" name="Straight Connector 63">
+                <a:extLst>
+                  <a:ext uri="{FF2B5EF4-FFF2-40B4-BE49-F238E27FC236}">
+                    <a16:creationId xmlns:a16="http://schemas.microsoft.com/office/drawing/2014/main" id="{318ED503-C184-BEA6-B942-2F1913C9620C}"/>
+                  </a:ext>
+                </a:extLst>
+              </p:cNvPr>
+              <p:cNvCxnSpPr>
+                <a:cxnSpLocks/>
+              </p:cNvCxnSpPr>
+              <p:nvPr/>
+            </p:nvCxnSpPr>
+            <p:spPr>
+              <a:xfrm>
+                <a:off x="5696374" y="3034919"/>
+                <a:ext cx="2129824" cy="0"/>
+              </a:xfrm>
+              <a:prstGeom prst="line">
+                <a:avLst/>
+              </a:prstGeom>
+              <a:ln>
+                <a:solidFill>
+                  <a:schemeClr val="tx1"/>
+                </a:solidFill>
+              </a:ln>
+            </p:spPr>
+            <p:style>
+              <a:lnRef idx="1">
+                <a:schemeClr val="accent1"/>
+              </a:lnRef>
+              <a:fillRef idx="0">
+                <a:schemeClr val="accent1"/>
+              </a:fillRef>
+              <a:effectRef idx="0">
+                <a:schemeClr val="accent1"/>
+              </a:effectRef>
+              <a:fontRef idx="minor">
+                <a:schemeClr val="tx1"/>
+              </a:fontRef>
+            </p:style>
+          </p:cxnSp>
+          <p:cxnSp>
+            <p:nvCxnSpPr>
+              <p:cNvPr id="65" name="Straight Connector 64">
+                <a:extLst>
+                  <a:ext uri="{FF2B5EF4-FFF2-40B4-BE49-F238E27FC236}">
+                    <a16:creationId xmlns:a16="http://schemas.microsoft.com/office/drawing/2014/main" id="{E8EF187E-F4F8-8482-1E6C-34BC2CCB73AC}"/>
+                  </a:ext>
+                </a:extLst>
+              </p:cNvPr>
+              <p:cNvCxnSpPr>
+                <a:cxnSpLocks/>
+              </p:cNvCxnSpPr>
+              <p:nvPr/>
+            </p:nvCxnSpPr>
+            <p:spPr>
+              <a:xfrm>
+                <a:off x="4912930" y="3479011"/>
+                <a:ext cx="198763" cy="0"/>
+              </a:xfrm>
+              <a:prstGeom prst="line">
+                <a:avLst/>
+              </a:prstGeom>
+              <a:ln>
+                <a:solidFill>
+                  <a:schemeClr val="tx1"/>
+                </a:solidFill>
+              </a:ln>
+            </p:spPr>
+            <p:style>
+              <a:lnRef idx="1">
+                <a:schemeClr val="accent1"/>
+              </a:lnRef>
+              <a:fillRef idx="0">
+                <a:schemeClr val="accent1"/>
+              </a:fillRef>
+              <a:effectRef idx="0">
+                <a:schemeClr val="accent1"/>
+              </a:effectRef>
+              <a:fontRef idx="minor">
+                <a:schemeClr val="tx1"/>
+              </a:fontRef>
+            </p:style>
+          </p:cxnSp>
+          <p:cxnSp>
+            <p:nvCxnSpPr>
+              <p:cNvPr id="66" name="Straight Connector 65">
+                <a:extLst>
+                  <a:ext uri="{FF2B5EF4-FFF2-40B4-BE49-F238E27FC236}">
+                    <a16:creationId xmlns:a16="http://schemas.microsoft.com/office/drawing/2014/main" id="{B3251EB5-8EBA-AB34-678A-47D36A22A973}"/>
+                  </a:ext>
+                </a:extLst>
+              </p:cNvPr>
+              <p:cNvCxnSpPr>
+                <a:cxnSpLocks/>
+              </p:cNvCxnSpPr>
+              <p:nvPr/>
+            </p:nvCxnSpPr>
+            <p:spPr>
+              <a:xfrm flipV="1">
+                <a:off x="4911892" y="3479011"/>
+                <a:ext cx="0" cy="520457"/>
+              </a:xfrm>
+              <a:prstGeom prst="line">
+                <a:avLst/>
+              </a:prstGeom>
+              <a:ln>
+                <a:solidFill>
+                  <a:schemeClr val="tx1"/>
+                </a:solidFill>
+              </a:ln>
+            </p:spPr>
+            <p:style>
+              <a:lnRef idx="1">
+                <a:schemeClr val="accent1"/>
+              </a:lnRef>
+              <a:fillRef idx="0">
+                <a:schemeClr val="accent1"/>
+              </a:fillRef>
+              <a:effectRef idx="0">
+                <a:schemeClr val="accent1"/>
+              </a:effectRef>
+              <a:fontRef idx="minor">
+                <a:schemeClr val="tx1"/>
+              </a:fontRef>
+            </p:style>
+          </p:cxnSp>
+          <p:cxnSp>
+            <p:nvCxnSpPr>
+              <p:cNvPr id="67" name="Straight Connector 66">
+                <a:extLst>
+                  <a:ext uri="{FF2B5EF4-FFF2-40B4-BE49-F238E27FC236}">
+                    <a16:creationId xmlns:a16="http://schemas.microsoft.com/office/drawing/2014/main" id="{D8DDCBDE-DC36-B8AE-C012-DD93EBD0589A}"/>
+                  </a:ext>
+                </a:extLst>
+              </p:cNvPr>
+              <p:cNvCxnSpPr>
+                <a:cxnSpLocks/>
+              </p:cNvCxnSpPr>
+              <p:nvPr/>
+            </p:nvCxnSpPr>
+            <p:spPr>
+              <a:xfrm>
+                <a:off x="4648362" y="3999468"/>
+                <a:ext cx="2978674" cy="0"/>
+              </a:xfrm>
+              <a:prstGeom prst="line">
+                <a:avLst/>
+              </a:prstGeom>
+              <a:ln>
+                <a:solidFill>
+                  <a:schemeClr val="tx1"/>
+                </a:solidFill>
+              </a:ln>
+            </p:spPr>
+            <p:style>
+              <a:lnRef idx="1">
+                <a:schemeClr val="accent1"/>
+              </a:lnRef>
+              <a:fillRef idx="0">
+                <a:schemeClr val="accent1"/>
+              </a:fillRef>
+              <a:effectRef idx="0">
+                <a:schemeClr val="accent1"/>
+              </a:effectRef>
+              <a:fontRef idx="minor">
+                <a:schemeClr val="tx1"/>
+              </a:fontRef>
+            </p:style>
+          </p:cxnSp>
+          <p:sp>
+            <p:nvSpPr>
+              <p:cNvPr id="68" name="Rectangle 67">
+                <a:extLst>
+                  <a:ext uri="{FF2B5EF4-FFF2-40B4-BE49-F238E27FC236}">
+                    <a16:creationId xmlns:a16="http://schemas.microsoft.com/office/drawing/2014/main" id="{CA684741-4F50-3301-6442-B0B2AC7179D2}"/>
+                  </a:ext>
+                </a:extLst>
+              </p:cNvPr>
+              <p:cNvSpPr/>
+              <p:nvPr/>
+            </p:nvSpPr>
+            <p:spPr>
+              <a:xfrm>
+                <a:off x="7829044" y="2900434"/>
+                <a:ext cx="581416" cy="756261"/>
+              </a:xfrm>
+              <a:prstGeom prst="rect">
+                <a:avLst/>
+              </a:prstGeom>
+              <a:solidFill>
+                <a:schemeClr val="bg1"/>
+              </a:solidFill>
+              <a:ln>
+                <a:solidFill>
+                  <a:srgbClr val="FF0000"/>
+                </a:solidFill>
+              </a:ln>
+            </p:spPr>
+            <p:style>
+              <a:lnRef idx="2">
+                <a:schemeClr val="accent1">
+                  <a:shade val="50000"/>
+                </a:schemeClr>
+              </a:lnRef>
+              <a:fillRef idx="1">
+                <a:schemeClr val="accent1"/>
+              </a:fillRef>
+              <a:effectRef idx="0">
+                <a:schemeClr val="accent1"/>
+              </a:effectRef>
+              <a:fontRef idx="minor">
+                <a:schemeClr val="lt1"/>
+              </a:fontRef>
+            </p:style>
+            <p:txBody>
+              <a:bodyPr rtlCol="0" anchor="ctr"/>
+              <a:lstStyle/>
+              <a:p>
+                <a:pPr algn="ctr"/>
+                <a:endParaRPr lang="en-GB"/>
+              </a:p>
+            </p:txBody>
+          </p:sp>
+          <p:grpSp>
+            <p:nvGrpSpPr>
+              <p:cNvPr id="69" name="Group 68">
+                <a:extLst>
+                  <a:ext uri="{FF2B5EF4-FFF2-40B4-BE49-F238E27FC236}">
+                    <a16:creationId xmlns:a16="http://schemas.microsoft.com/office/drawing/2014/main" id="{3E6A0D11-214A-6580-15A8-183F3A32738F}"/>
+                  </a:ext>
+                </a:extLst>
+              </p:cNvPr>
+              <p:cNvGrpSpPr/>
+              <p:nvPr/>
+            </p:nvGrpSpPr>
+            <p:grpSpPr>
+              <a:xfrm>
+                <a:off x="7823352" y="3366516"/>
+                <a:ext cx="118030" cy="208875"/>
+                <a:chOff x="8388570" y="2302315"/>
+                <a:chExt cx="61130" cy="108180"/>
+              </a:xfrm>
+            </p:grpSpPr>
+            <p:cxnSp>
+              <p:nvCxnSpPr>
+                <p:cNvPr id="76" name="Straight Connector 75">
+                  <a:extLst>
+                    <a:ext uri="{FF2B5EF4-FFF2-40B4-BE49-F238E27FC236}">
+                      <a16:creationId xmlns:a16="http://schemas.microsoft.com/office/drawing/2014/main" id="{379C1549-A9B4-A73B-BCD4-EDFC0EB64E39}"/>
+                    </a:ext>
+                  </a:extLst>
+                </p:cNvPr>
+                <p:cNvCxnSpPr>
+                  <a:cxnSpLocks/>
+                </p:cNvCxnSpPr>
+                <p:nvPr/>
+              </p:nvCxnSpPr>
+              <p:spPr>
+                <a:xfrm>
+                  <a:off x="8391518" y="2302315"/>
+                  <a:ext cx="58182" cy="56934"/>
+                </a:xfrm>
+                <a:prstGeom prst="line">
+                  <a:avLst/>
+                </a:prstGeom>
+                <a:ln>
+                  <a:solidFill>
+                    <a:srgbClr val="FF0000"/>
+                  </a:solidFill>
+                </a:ln>
+              </p:spPr>
+              <p:style>
+                <a:lnRef idx="1">
+                  <a:schemeClr val="accent1"/>
+                </a:lnRef>
+                <a:fillRef idx="0">
+                  <a:schemeClr val="accent1"/>
+                </a:fillRef>
+                <a:effectRef idx="0">
+                  <a:schemeClr val="accent1"/>
+                </a:effectRef>
+                <a:fontRef idx="minor">
+                  <a:schemeClr val="tx1"/>
+                </a:fontRef>
+              </p:style>
+            </p:cxnSp>
+            <p:cxnSp>
+              <p:nvCxnSpPr>
+                <p:cNvPr id="77" name="Straight Connector 76">
+                  <a:extLst>
+                    <a:ext uri="{FF2B5EF4-FFF2-40B4-BE49-F238E27FC236}">
+                      <a16:creationId xmlns:a16="http://schemas.microsoft.com/office/drawing/2014/main" id="{7CE93371-A33A-DEFD-106C-491E8846A458}"/>
+                    </a:ext>
+                  </a:extLst>
+                </p:cNvPr>
+                <p:cNvCxnSpPr>
+                  <a:cxnSpLocks/>
+                </p:cNvCxnSpPr>
+                <p:nvPr/>
+              </p:nvCxnSpPr>
+              <p:spPr>
+                <a:xfrm flipV="1">
+                  <a:off x="8388570" y="2359249"/>
+                  <a:ext cx="61130" cy="51246"/>
+                </a:xfrm>
+                <a:prstGeom prst="line">
+                  <a:avLst/>
+                </a:prstGeom>
+                <a:ln>
+                  <a:solidFill>
+                    <a:srgbClr val="FF0000"/>
+                  </a:solidFill>
+                </a:ln>
+              </p:spPr>
+              <p:style>
+                <a:lnRef idx="1">
+                  <a:schemeClr val="accent1"/>
+                </a:lnRef>
+                <a:fillRef idx="0">
+                  <a:schemeClr val="accent1"/>
+                </a:fillRef>
+                <a:effectRef idx="0">
+                  <a:schemeClr val="accent1"/>
+                </a:effectRef>
+                <a:fontRef idx="minor">
+                  <a:schemeClr val="tx1"/>
+                </a:fontRef>
+              </p:style>
+            </p:cxnSp>
+          </p:grpSp>
+          <p:sp>
+            <p:nvSpPr>
+              <p:cNvPr id="70" name="TextBox 69">
+                <a:extLst>
+                  <a:ext uri="{FF2B5EF4-FFF2-40B4-BE49-F238E27FC236}">
+                    <a16:creationId xmlns:a16="http://schemas.microsoft.com/office/drawing/2014/main" id="{70F23108-D971-2574-1F3C-E1F66E69EA34}"/>
+                  </a:ext>
+                </a:extLst>
+              </p:cNvPr>
+              <p:cNvSpPr txBox="1"/>
+              <p:nvPr/>
+            </p:nvSpPr>
+            <p:spPr>
+              <a:xfrm>
+                <a:off x="7777714" y="2858531"/>
+                <a:ext cx="327334" cy="369332"/>
+              </a:xfrm>
+              <a:prstGeom prst="rect">
+                <a:avLst/>
+              </a:prstGeom>
+              <a:noFill/>
+            </p:spPr>
+            <p:txBody>
+              <a:bodyPr wrap="none" rtlCol="0">
+                <a:spAutoFit/>
+              </a:bodyPr>
+              <a:lstStyle/>
+              <a:p>
+                <a:r>
+                  <a:rPr lang="en-GB" dirty="0"/>
+                  <a:t>D</a:t>
+                </a:r>
+              </a:p>
+            </p:txBody>
+          </p:sp>
+          <p:sp>
+            <p:nvSpPr>
+              <p:cNvPr id="71" name="TextBox 70">
+                <a:extLst>
+                  <a:ext uri="{FF2B5EF4-FFF2-40B4-BE49-F238E27FC236}">
+                    <a16:creationId xmlns:a16="http://schemas.microsoft.com/office/drawing/2014/main" id="{B1FFB122-B422-9290-913F-D5B8707F4BB6}"/>
+                  </a:ext>
+                </a:extLst>
+              </p:cNvPr>
+              <p:cNvSpPr txBox="1"/>
+              <p:nvPr/>
+            </p:nvSpPr>
+            <p:spPr>
+              <a:xfrm>
+                <a:off x="8087675" y="2858531"/>
+                <a:ext cx="340158" cy="369332"/>
+              </a:xfrm>
+              <a:prstGeom prst="rect">
+                <a:avLst/>
+              </a:prstGeom>
+              <a:noFill/>
+            </p:spPr>
+            <p:txBody>
+              <a:bodyPr wrap="none" rtlCol="0">
+                <a:spAutoFit/>
+              </a:bodyPr>
+              <a:lstStyle/>
+              <a:p>
+                <a:pPr algn="r"/>
+                <a:r>
+                  <a:rPr lang="en-GB" dirty="0"/>
+                  <a:t>Q</a:t>
+                </a:r>
+              </a:p>
+            </p:txBody>
+          </p:sp>
+          <p:cxnSp>
+            <p:nvCxnSpPr>
+              <p:cNvPr id="72" name="Straight Connector 71">
+                <a:extLst>
+                  <a:ext uri="{FF2B5EF4-FFF2-40B4-BE49-F238E27FC236}">
+                    <a16:creationId xmlns:a16="http://schemas.microsoft.com/office/drawing/2014/main" id="{A15E97F6-0DC9-D582-27A9-AB97B249F586}"/>
+                  </a:ext>
+                </a:extLst>
+              </p:cNvPr>
+              <p:cNvCxnSpPr>
+                <a:cxnSpLocks/>
+              </p:cNvCxnSpPr>
+              <p:nvPr/>
+            </p:nvCxnSpPr>
+            <p:spPr>
+              <a:xfrm>
+                <a:off x="8410460" y="3034919"/>
+                <a:ext cx="748736" cy="0"/>
+              </a:xfrm>
+              <a:prstGeom prst="line">
+                <a:avLst/>
+              </a:prstGeom>
+              <a:ln>
+                <a:solidFill>
+                  <a:schemeClr val="tx1"/>
+                </a:solidFill>
+              </a:ln>
+            </p:spPr>
+            <p:style>
+              <a:lnRef idx="1">
+                <a:schemeClr val="accent1"/>
+              </a:lnRef>
+              <a:fillRef idx="0">
+                <a:schemeClr val="accent1"/>
+              </a:fillRef>
+              <a:effectRef idx="0">
+                <a:schemeClr val="accent1"/>
+              </a:effectRef>
+              <a:fontRef idx="minor">
+                <a:schemeClr val="tx1"/>
+              </a:fontRef>
+            </p:style>
+          </p:cxnSp>
+          <p:cxnSp>
+            <p:nvCxnSpPr>
+              <p:cNvPr id="73" name="Straight Connector 72">
+                <a:extLst>
+                  <a:ext uri="{FF2B5EF4-FFF2-40B4-BE49-F238E27FC236}">
+                    <a16:creationId xmlns:a16="http://schemas.microsoft.com/office/drawing/2014/main" id="{35E59CC8-BC20-FABA-2EEB-CF65C49A7776}"/>
+                  </a:ext>
+                </a:extLst>
+              </p:cNvPr>
+              <p:cNvCxnSpPr>
+                <a:cxnSpLocks/>
+              </p:cNvCxnSpPr>
+              <p:nvPr/>
+            </p:nvCxnSpPr>
+            <p:spPr>
+              <a:xfrm>
+                <a:off x="7624588" y="3470954"/>
+                <a:ext cx="198763" cy="0"/>
+              </a:xfrm>
+              <a:prstGeom prst="line">
+                <a:avLst/>
+              </a:prstGeom>
+              <a:ln>
+                <a:solidFill>
+                  <a:schemeClr val="tx1"/>
+                </a:solidFill>
+              </a:ln>
+            </p:spPr>
+            <p:style>
+              <a:lnRef idx="1">
+                <a:schemeClr val="accent1"/>
+              </a:lnRef>
+              <a:fillRef idx="0">
+                <a:schemeClr val="accent1"/>
+              </a:fillRef>
+              <a:effectRef idx="0">
+                <a:schemeClr val="accent1"/>
+              </a:effectRef>
+              <a:fontRef idx="minor">
+                <a:schemeClr val="tx1"/>
+              </a:fontRef>
+            </p:style>
+          </p:cxnSp>
+          <p:cxnSp>
+            <p:nvCxnSpPr>
+              <p:cNvPr id="74" name="Straight Connector 73">
+                <a:extLst>
+                  <a:ext uri="{FF2B5EF4-FFF2-40B4-BE49-F238E27FC236}">
+                    <a16:creationId xmlns:a16="http://schemas.microsoft.com/office/drawing/2014/main" id="{AE1E8B4B-EE1B-BA3F-BB87-9948A54C1EC6}"/>
+                  </a:ext>
+                </a:extLst>
+              </p:cNvPr>
+              <p:cNvCxnSpPr>
+                <a:cxnSpLocks/>
+              </p:cNvCxnSpPr>
+              <p:nvPr/>
+            </p:nvCxnSpPr>
+            <p:spPr>
+              <a:xfrm flipV="1">
+                <a:off x="7624588" y="3470954"/>
+                <a:ext cx="0" cy="528514"/>
+              </a:xfrm>
+              <a:prstGeom prst="line">
+                <a:avLst/>
+              </a:prstGeom>
+              <a:ln>
+                <a:solidFill>
+                  <a:schemeClr val="tx1"/>
+                </a:solidFill>
+              </a:ln>
+            </p:spPr>
+            <p:style>
+              <a:lnRef idx="1">
+                <a:schemeClr val="accent1"/>
+              </a:lnRef>
+              <a:fillRef idx="0">
+                <a:schemeClr val="accent1"/>
+              </a:fillRef>
+              <a:effectRef idx="0">
+                <a:schemeClr val="accent1"/>
+              </a:effectRef>
+              <a:fontRef idx="minor">
+                <a:schemeClr val="tx1"/>
+              </a:fontRef>
+            </p:style>
+          </p:cxnSp>
+          <p:sp>
+            <p:nvSpPr>
+              <p:cNvPr id="75" name="Explosion: 14 Points 74">
+                <a:extLst>
+                  <a:ext uri="{FF2B5EF4-FFF2-40B4-BE49-F238E27FC236}">
+                    <a16:creationId xmlns:a16="http://schemas.microsoft.com/office/drawing/2014/main" id="{CE35CE4B-1D00-E987-BB65-B802FB896D63}"/>
+                  </a:ext>
+                </a:extLst>
+              </p:cNvPr>
+              <p:cNvSpPr/>
+              <p:nvPr/>
+            </p:nvSpPr>
+            <p:spPr>
+              <a:xfrm>
+                <a:off x="5931668" y="2490244"/>
+                <a:ext cx="1199936" cy="1122019"/>
+              </a:xfrm>
+              <a:prstGeom prst="irregularSeal2">
+                <a:avLst/>
+              </a:prstGeom>
+              <a:solidFill>
+                <a:schemeClr val="bg1"/>
+              </a:solidFill>
+              <a:ln>
+                <a:solidFill>
+                  <a:schemeClr val="tx1"/>
+                </a:solidFill>
+              </a:ln>
+            </p:spPr>
+            <p:style>
+              <a:lnRef idx="2">
+                <a:schemeClr val="accent1">
+                  <a:shade val="50000"/>
+                </a:schemeClr>
+              </a:lnRef>
+              <a:fillRef idx="1">
+                <a:schemeClr val="accent1"/>
+              </a:fillRef>
+              <a:effectRef idx="0">
+                <a:schemeClr val="accent1"/>
+              </a:effectRef>
+              <a:fontRef idx="minor">
+                <a:schemeClr val="lt1"/>
+              </a:fontRef>
+            </p:style>
+            <p:txBody>
+              <a:bodyPr rtlCol="0" anchor="ctr"/>
+              <a:lstStyle/>
+              <a:p>
+                <a:pPr algn="ctr"/>
+                <a:endParaRPr lang="en-GB"/>
+              </a:p>
+            </p:txBody>
+          </p:sp>
+        </p:grpSp>
+        <p:sp>
+          <p:nvSpPr>
+            <p:cNvPr id="84" name="TextBox 83">
+              <a:extLst>
+                <a:ext uri="{FF2B5EF4-FFF2-40B4-BE49-F238E27FC236}">
+                  <a16:creationId xmlns:a16="http://schemas.microsoft.com/office/drawing/2014/main" id="{9DEFD3D7-1B0F-6DD3-2774-65CEDC3272DC}"/>
+                </a:ext>
+              </a:extLst>
+            </p:cNvPr>
+            <p:cNvSpPr txBox="1"/>
+            <p:nvPr/>
+          </p:nvSpPr>
+          <p:spPr>
+            <a:xfrm>
+              <a:off x="2486620" y="3718118"/>
+              <a:ext cx="386456" cy="276999"/>
+            </a:xfrm>
+            <a:prstGeom prst="rect">
+              <a:avLst/>
+            </a:prstGeom>
+            <a:noFill/>
+          </p:spPr>
+          <p:txBody>
+            <a:bodyPr wrap="square" rtlCol="0">
+              <a:spAutoFit/>
+            </a:bodyPr>
+            <a:lstStyle/>
+            <a:p>
+              <a:pPr algn="ctr"/>
+              <a:r>
+                <a:rPr lang="en-GB" sz="1200" i="1" dirty="0"/>
+                <a:t>T</a:t>
+              </a:r>
+              <a:r>
+                <a:rPr lang="en-GB" sz="1200" i="1" baseline="-25000" dirty="0"/>
+                <a:t>H</a:t>
+              </a:r>
+            </a:p>
+          </p:txBody>
+        </p:sp>
+        <p:cxnSp>
+          <p:nvCxnSpPr>
+            <p:cNvPr id="3" name="Straight Connector 2">
+              <a:extLst>
+                <a:ext uri="{FF2B5EF4-FFF2-40B4-BE49-F238E27FC236}">
+                  <a16:creationId xmlns:a16="http://schemas.microsoft.com/office/drawing/2014/main" id="{BE1A5A41-3A9C-C7AC-1EA5-8743F2017855}"/>
+                </a:ext>
+              </a:extLst>
+            </p:cNvPr>
+            <p:cNvCxnSpPr>
+              <a:cxnSpLocks/>
+            </p:cNvCxnSpPr>
+            <p:nvPr/>
+          </p:nvCxnSpPr>
+          <p:spPr>
+            <a:xfrm>
+              <a:off x="4214064" y="3379703"/>
+              <a:ext cx="0" cy="2228617"/>
+            </a:xfrm>
+            <a:prstGeom prst="line">
+              <a:avLst/>
+            </a:prstGeom>
+            <a:ln w="9525" cap="flat" cmpd="sng" algn="ctr">
+              <a:solidFill>
+                <a:schemeClr val="dk1"/>
+              </a:solidFill>
+              <a:prstDash val="dash"/>
+              <a:round/>
+              <a:headEnd type="none" w="med" len="med"/>
+              <a:tailEnd type="none" w="med" len="med"/>
+            </a:ln>
+          </p:spPr>
+          <p:style>
+            <a:lnRef idx="0">
+              <a:scrgbClr r="0" g="0" b="0"/>
+            </a:lnRef>
+            <a:fillRef idx="0">
+              <a:scrgbClr r="0" g="0" b="0"/>
+            </a:fillRef>
+            <a:effectRef idx="0">
+              <a:scrgbClr r="0" g="0" b="0"/>
+            </a:effectRef>
+            <a:fontRef idx="minor">
+              <a:schemeClr val="tx1"/>
+            </a:fontRef>
+          </p:style>
+        </p:cxnSp>
+        <p:cxnSp>
+          <p:nvCxnSpPr>
+            <p:cNvPr id="5" name="Straight Arrow Connector 4">
+              <a:extLst>
+                <a:ext uri="{FF2B5EF4-FFF2-40B4-BE49-F238E27FC236}">
+                  <a16:creationId xmlns:a16="http://schemas.microsoft.com/office/drawing/2014/main" id="{B8218072-D35C-0614-2172-4D152A1909B4}"/>
+                </a:ext>
+              </a:extLst>
+            </p:cNvPr>
+            <p:cNvCxnSpPr>
+              <a:cxnSpLocks/>
+            </p:cNvCxnSpPr>
+            <p:nvPr/>
+          </p:nvCxnSpPr>
+          <p:spPr>
+            <a:xfrm>
+              <a:off x="2491165" y="5563452"/>
+              <a:ext cx="1722899" cy="0"/>
+            </a:xfrm>
+            <a:prstGeom prst="straightConnector1">
+              <a:avLst/>
+            </a:prstGeom>
+            <a:ln w="19050">
+              <a:headEnd type="triangle"/>
+              <a:tailEnd type="triangle"/>
+            </a:ln>
+          </p:spPr>
+          <p:style>
+            <a:lnRef idx="1">
+              <a:schemeClr val="dk1"/>
+            </a:lnRef>
+            <a:fillRef idx="0">
+              <a:schemeClr val="dk1"/>
+            </a:fillRef>
+            <a:effectRef idx="0">
+              <a:schemeClr val="dk1"/>
+            </a:effectRef>
+            <a:fontRef idx="minor">
+              <a:schemeClr val="tx1"/>
+            </a:fontRef>
+          </p:style>
+        </p:cxnSp>
+        <p:sp>
+          <p:nvSpPr>
+            <p:cNvPr id="43" name="TextBox 42">
+              <a:extLst>
+                <a:ext uri="{FF2B5EF4-FFF2-40B4-BE49-F238E27FC236}">
+                  <a16:creationId xmlns:a16="http://schemas.microsoft.com/office/drawing/2014/main" id="{E7275F69-1E61-63F7-49EF-F851B99AB05C}"/>
+                </a:ext>
+              </a:extLst>
+            </p:cNvPr>
+            <p:cNvSpPr txBox="1"/>
+            <p:nvPr/>
+          </p:nvSpPr>
+          <p:spPr>
+            <a:xfrm>
+              <a:off x="2487169" y="5275359"/>
+              <a:ext cx="1726895" cy="276999"/>
+            </a:xfrm>
+            <a:prstGeom prst="rect">
+              <a:avLst/>
+            </a:prstGeom>
+            <a:noFill/>
+          </p:spPr>
+          <p:txBody>
+            <a:bodyPr wrap="square" rtlCol="0">
+              <a:spAutoFit/>
+            </a:bodyPr>
+            <a:lstStyle/>
+            <a:p>
+              <a:pPr algn="ctr"/>
+              <a:r>
+                <a:rPr lang="en-GB" sz="1200" b="1" dirty="0"/>
+                <a:t>Arrival Time</a:t>
+              </a:r>
+              <a:endParaRPr lang="en-GB" sz="1200" b="1" i="1" baseline="-25000" dirty="0"/>
+            </a:p>
+          </p:txBody>
+        </p:sp>
+      </p:grpSp>
     </p:spTree>
     <p:extLst>
       <p:ext uri="{BB962C8B-B14F-4D97-AF65-F5344CB8AC3E}">
@@ -20843,8 +20951,12 @@
           <a:p>
             <a:pPr lvl="3"/>
             <a:r>
+              <a:rPr lang="en-GB"/>
+              <a:t>This comes </a:t>
+            </a:r>
+            <a:r>
               <a:rPr lang="en-GB" dirty="0"/>
-              <a:t>This come in two variations, one-hot and binary.</a:t>
+              <a:t>in two variations, one-hot and binary.</a:t>
             </a:r>
           </a:p>
           <a:p>
@@ -27949,8 +28061,8 @@
           </a:p>
         </p:txBody>
       </p:sp>
-      <mc:AlternateContent xmlns:mc="http://schemas.openxmlformats.org/markup-compatibility/2006">
-        <mc:Choice xmlns:a14="http://schemas.microsoft.com/office/drawing/2010/main" Requires="a14">
+      <mc:AlternateContent xmlns:mc="http://schemas.openxmlformats.org/markup-compatibility/2006" xmlns:a14="http://schemas.microsoft.com/office/drawing/2010/main">
+        <mc:Choice Requires="a14">
           <p:graphicFrame>
             <p:nvGraphicFramePr>
               <p:cNvPr id="6" name="Table 6">
@@ -28926,7 +29038,7 @@
             </a:graphic>
           </p:graphicFrame>
         </mc:Choice>
-        <mc:Fallback>
+        <mc:Fallback xmlns="">
           <p:graphicFrame>
             <p:nvGraphicFramePr>
               <p:cNvPr id="6" name="Table 6">
@@ -29728,8 +29840,8 @@
           </a:p>
         </p:txBody>
       </p:sp>
-      <mc:AlternateContent xmlns:mc="http://schemas.openxmlformats.org/markup-compatibility/2006">
-        <mc:Choice xmlns:a14="http://schemas.microsoft.com/office/drawing/2010/main" Requires="a14">
+      <mc:AlternateContent xmlns:mc="http://schemas.openxmlformats.org/markup-compatibility/2006" xmlns:a14="http://schemas.microsoft.com/office/drawing/2010/main">
+        <mc:Choice Requires="a14">
           <p:graphicFrame>
             <p:nvGraphicFramePr>
               <p:cNvPr id="10" name="Table 7">
@@ -29973,7 +30085,7 @@
             </a:graphic>
           </p:graphicFrame>
         </mc:Choice>
-        <mc:Fallback>
+        <mc:Fallback xmlns="">
           <p:graphicFrame>
             <p:nvGraphicFramePr>
               <p:cNvPr id="10" name="Table 7">
@@ -31238,8 +31350,8 @@
           </a:p>
         </p:txBody>
       </p:sp>
-      <mc:AlternateContent xmlns:mc="http://schemas.openxmlformats.org/markup-compatibility/2006">
-        <mc:Choice xmlns:a14="http://schemas.microsoft.com/office/drawing/2010/main" Requires="a14">
+      <mc:AlternateContent xmlns:mc="http://schemas.openxmlformats.org/markup-compatibility/2006" xmlns:a14="http://schemas.microsoft.com/office/drawing/2010/main">
+        <mc:Choice Requires="a14">
           <p:sp>
             <p:nvSpPr>
               <p:cNvPr id="4" name="Content Placeholder 3">
@@ -31456,7 +31568,7 @@
             </p:txBody>
           </p:sp>
         </mc:Choice>
-        <mc:Fallback>
+        <mc:Fallback xmlns="">
           <p:sp>
             <p:nvSpPr>
               <p:cNvPr id="4" name="Content Placeholder 3">
@@ -32544,15 +32656,7 @@
           <a:p>
             <a:r>
               <a:rPr lang="en-GB" dirty="0"/>
-              <a:t>Networking and data </a:t>
-            </a:r>
-            <a:r>
-              <a:rPr lang="en-GB" dirty="0" err="1"/>
-              <a:t>center</a:t>
-            </a:r>
-            <a:r>
-              <a:rPr lang="en-GB" dirty="0"/>
-              <a:t> management</a:t>
+              <a:t>Networking and data centre management</a:t>
             </a:r>
           </a:p>
           <a:p>
@@ -37831,7 +37935,7 @@
         </p:nvSpPr>
         <p:spPr>
           <a:xfrm>
-            <a:off x="6647243" y="2068866"/>
+            <a:off x="6647244" y="2066119"/>
             <a:ext cx="1103145" cy="623106"/>
           </a:xfrm>
           <a:prstGeom prst="rect">
@@ -37882,13 +37986,15 @@
           </p:cNvPr>
           <p:cNvCxnSpPr>
             <a:cxnSpLocks/>
+            <a:stCxn id="116" idx="2"/>
+            <a:endCxn id="120" idx="0"/>
           </p:cNvCxnSpPr>
           <p:nvPr/>
         </p:nvCxnSpPr>
         <p:spPr>
-          <a:xfrm>
-            <a:off x="7201880" y="2691972"/>
-            <a:ext cx="0" cy="604777"/>
+          <a:xfrm flipH="1">
+            <a:off x="7192543" y="2689225"/>
+            <a:ext cx="6274" cy="607102"/>
           </a:xfrm>
           <a:prstGeom prst="line">
             <a:avLst/>
@@ -39143,6 +39249,143 @@
           </a:fontRef>
         </p:style>
       </p:cxnSp>
+      <p:sp>
+        <p:nvSpPr>
+          <p:cNvPr id="3" name="TextBox 2">
+            <a:extLst>
+              <a:ext uri="{FF2B5EF4-FFF2-40B4-BE49-F238E27FC236}">
+                <a16:creationId xmlns:a16="http://schemas.microsoft.com/office/drawing/2014/main" id="{1A15BB19-0842-CF48-59F4-E0E309EA034C}"/>
+              </a:ext>
+            </a:extLst>
+          </p:cNvPr>
+          <p:cNvSpPr txBox="1"/>
+          <p:nvPr/>
+        </p:nvSpPr>
+        <p:spPr>
+          <a:xfrm>
+            <a:off x="6525666" y="3302657"/>
+            <a:ext cx="234038" cy="184666"/>
+          </a:xfrm>
+          <a:prstGeom prst="rect">
+            <a:avLst/>
+          </a:prstGeom>
+          <a:noFill/>
+        </p:spPr>
+        <p:txBody>
+          <a:bodyPr wrap="none" lIns="0" tIns="0" rIns="0" bIns="0" rtlCol="0">
+            <a:spAutoFit/>
+          </a:bodyPr>
+          <a:lstStyle/>
+          <a:p>
+            <a:pPr algn="ctr"/>
+            <a:r>
+              <a:rPr lang="en-GB" sz="1200" dirty="0" err="1"/>
+              <a:t>incr</a:t>
+            </a:r>
+            <a:endParaRPr lang="en-GB" sz="1200" dirty="0"/>
+          </a:p>
+        </p:txBody>
+      </p:sp>
+      <p:sp>
+        <p:nvSpPr>
+          <p:cNvPr id="4" name="Rectangle 3">
+            <a:extLst>
+              <a:ext uri="{FF2B5EF4-FFF2-40B4-BE49-F238E27FC236}">
+                <a16:creationId xmlns:a16="http://schemas.microsoft.com/office/drawing/2014/main" id="{2F9ABD27-CF8B-083B-F402-5EB81D6BA80C}"/>
+              </a:ext>
+            </a:extLst>
+          </p:cNvPr>
+          <p:cNvSpPr/>
+          <p:nvPr/>
+        </p:nvSpPr>
+        <p:spPr>
+          <a:xfrm>
+            <a:off x="5439248" y="2054949"/>
+            <a:ext cx="1103145" cy="623106"/>
+          </a:xfrm>
+          <a:prstGeom prst="rect">
+            <a:avLst/>
+          </a:prstGeom>
+          <a:effectLst>
+            <a:outerShdw blurRad="50800" dist="38100" dir="2700000" algn="tl" rotWithShape="0">
+              <a:prstClr val="black">
+                <a:alpha val="40000"/>
+              </a:prstClr>
+            </a:outerShdw>
+          </a:effectLst>
+        </p:spPr>
+        <p:style>
+          <a:lnRef idx="2">
+            <a:schemeClr val="dk1"/>
+          </a:lnRef>
+          <a:fillRef idx="1">
+            <a:schemeClr val="lt1"/>
+          </a:fillRef>
+          <a:effectRef idx="0">
+            <a:schemeClr val="dk1"/>
+          </a:effectRef>
+          <a:fontRef idx="minor">
+            <a:schemeClr val="dk1"/>
+          </a:fontRef>
+        </p:style>
+        <p:txBody>
+          <a:bodyPr rtlCol="0" anchor="ctr"/>
+          <a:lstStyle/>
+          <a:p>
+            <a:pPr algn="ctr"/>
+            <a:r>
+              <a:rPr lang="en-GB" dirty="0"/>
+              <a:t>Timer</a:t>
+            </a:r>
+          </a:p>
+        </p:txBody>
+      </p:sp>
+      <p:cxnSp>
+        <p:nvCxnSpPr>
+          <p:cNvPr id="148" name="Connector: Elbow 147">
+            <a:extLst>
+              <a:ext uri="{FF2B5EF4-FFF2-40B4-BE49-F238E27FC236}">
+                <a16:creationId xmlns:a16="http://schemas.microsoft.com/office/drawing/2014/main" id="{422AA5E5-DCAB-1344-8A2A-2D97528BB76C}"/>
+              </a:ext>
+            </a:extLst>
+          </p:cNvPr>
+          <p:cNvCxnSpPr>
+            <a:stCxn id="4" idx="2"/>
+            <a:endCxn id="3" idx="0"/>
+          </p:cNvCxnSpPr>
+          <p:nvPr/>
+        </p:nvCxnSpPr>
+        <p:spPr>
+          <a:xfrm rot="16200000" flipH="1">
+            <a:off x="6004452" y="2664424"/>
+            <a:ext cx="624602" cy="651864"/>
+          </a:xfrm>
+          <a:prstGeom prst="bentConnector3">
+            <a:avLst/>
+          </a:prstGeom>
+          <a:effectLst>
+            <a:outerShdw blurRad="50800" dist="38100" dir="2700000" algn="tl" rotWithShape="0">
+              <a:prstClr val="black">
+                <a:alpha val="40000"/>
+              </a:prstClr>
+            </a:outerShdw>
+          </a:effectLst>
+        </p:spPr>
+        <p:style>
+          <a:lnRef idx="1">
+            <a:schemeClr val="dk1"/>
+          </a:lnRef>
+          <a:fillRef idx="0">
+            <a:schemeClr val="dk1"/>
+          </a:fillRef>
+          <a:effectRef idx="0">
+            <a:schemeClr val="dk1"/>
+          </a:effectRef>
+          <a:fontRef idx="minor">
+            <a:schemeClr val="tx1"/>
+          </a:fontRef>
+        </p:style>
+      </p:cxnSp>
     </p:spTree>
     <p:extLst>
       <p:ext uri="{BB962C8B-B14F-4D97-AF65-F5344CB8AC3E}">
@@ -39336,13 +39579,6 @@
               <a:t>(3:0)</a:t>
             </a:r>
             <a:endParaRPr lang="en-GB" sz="2400" dirty="0">
-              <a:latin typeface="Courier New" panose="02070309020205020404" pitchFamily="49" charset="0"/>
-              <a:cs typeface="Courier New" panose="02070309020205020404" pitchFamily="49" charset="0"/>
-            </a:endParaRPr>
-          </a:p>
-          <a:p>
-            <a:pPr lvl="1"/>
-            <a:endParaRPr lang="en-GB" sz="2000" dirty="0">
               <a:latin typeface="Courier New" panose="02070309020205020404" pitchFamily="49" charset="0"/>
               <a:cs typeface="Courier New" panose="02070309020205020404" pitchFamily="49" charset="0"/>
             </a:endParaRPr>
@@ -43454,42 +43690,6 @@
       </p:graphicFrame>
       <p:sp>
         <p:nvSpPr>
-          <p:cNvPr id="21" name="TextBox 20">
-            <a:extLst>
-              <a:ext uri="{FF2B5EF4-FFF2-40B4-BE49-F238E27FC236}">
-                <a16:creationId xmlns:a16="http://schemas.microsoft.com/office/drawing/2014/main" id="{F43CA5DC-89C8-01D1-B218-392BF9FE9004}"/>
-              </a:ext>
-            </a:extLst>
-          </p:cNvPr>
-          <p:cNvSpPr txBox="1"/>
-          <p:nvPr/>
-        </p:nvSpPr>
-        <p:spPr>
-          <a:xfrm>
-            <a:off x="1821656" y="5942568"/>
-            <a:ext cx="8548687" cy="369332"/>
-          </a:xfrm>
-          <a:prstGeom prst="rect">
-            <a:avLst/>
-          </a:prstGeom>
-          <a:noFill/>
-        </p:spPr>
-        <p:txBody>
-          <a:bodyPr wrap="none" rtlCol="0">
-            <a:spAutoFit/>
-          </a:bodyPr>
-          <a:lstStyle/>
-          <a:p>
-            <a:pPr algn="ctr"/>
-            <a:r>
-              <a:rPr lang="en-GB" b="1" dirty="0"/>
-              <a:t>Experience the end-to-end design entry and build process without having to learn VHDL</a:t>
-            </a:r>
-          </a:p>
-        </p:txBody>
-      </p:sp>
-      <p:sp>
-        <p:nvSpPr>
           <p:cNvPr id="3" name="TextBox 2">
             <a:extLst>
               <a:ext uri="{FF2B5EF4-FFF2-40B4-BE49-F238E27FC236}">
